--- a/IDEAS FOR PROBLEM STATEMENT 4.pptx
+++ b/IDEAS FOR PROBLEM STATEMENT 4.pptx
@@ -35,6 +35,13 @@
       <p:bold r:id="rId17"/>
       <p:italic r:id="rId18"/>
       <p:boldItalic r:id="rId19"/>
+    </p:embeddedFont>
+    <p:embeddedFont>
+      <p:font typeface="Calibri" panose="020F0502020204030204" charset="0"/>
+      <p:regular r:id="rId20"/>
+      <p:bold r:id="rId21"/>
+      <p:italic r:id="rId22"/>
+      <p:boldItalic r:id="rId23"/>
     </p:embeddedFont>
   </p:embeddedFontLst>
   <p:defaultTextStyle>
@@ -8491,6 +8498,34 @@
               </a:spcAft>
               <a:buNone/>
             </a:pPr>
+            <a:r>
+              <a:rPr lang="en-US" sz="2000" dirty="0">
+                <a:latin typeface="Calibri" panose="020F0502020204030204" charset="0"/>
+                <a:cs typeface="Calibri" panose="020F0502020204030204" charset="0"/>
+                <a:sym typeface="+mn-ea"/>
+              </a:rPr>
+              <a:t>Infant Cry Language Analysis and Recognition:</a:t>
+            </a:r>
+            <a:br>
+              <a:rPr lang="en-US" b="1" dirty="0">
+                <a:latin typeface="Calibri" panose="020F0502020204030204" charset="0"/>
+                <a:cs typeface="Calibri" panose="020F0502020204030204" charset="0"/>
+              </a:rPr>
+            </a:br>
+            <a:r>
+              <a:rPr lang="en-IN" altLang="en-US" dirty="0">
+                <a:sym typeface="+mn-ea"/>
+              </a:rPr>
+              <a:t>   </a:t>
+            </a:r>
+            <a:r>
+              <a:rPr lang="en-IN" altLang="en-US" dirty="0">
+                <a:latin typeface="Calibri" panose="020F0502020204030204" charset="0"/>
+                <a:cs typeface="Calibri" panose="020F0502020204030204" charset="0"/>
+                <a:sym typeface="+mn-ea"/>
+              </a:rPr>
+              <a:t> </a:t>
+            </a:r>
           </a:p>
         </p:txBody>
       </p:sp>
@@ -8504,7 +8539,7 @@
         </p:nvSpPr>
         <p:spPr>
           <a:xfrm>
-            <a:off x="729450" y="2078875"/>
+            <a:off x="729450" y="1854085"/>
             <a:ext cx="7688700" cy="2261100"/>
           </a:xfrm>
           <a:prstGeom prst="rect">
@@ -8526,6 +8561,207 @@
               </a:spcAft>
               <a:buNone/>
             </a:pPr>
+            <a:r>
+              <a:rPr lang="en-IN" altLang="en-US" sz="1400" dirty="0">
+                <a:solidFill>
+                  <a:schemeClr val="bg2"/>
+                </a:solidFill>
+                <a:latin typeface="Calibri" panose="020F0502020204030204" charset="0"/>
+                <a:cs typeface="Calibri" panose="020F0502020204030204" charset="0"/>
+                <a:sym typeface="+mn-ea"/>
+              </a:rPr>
+              <a:t>Determine the reason for cry of the infants may be </a:t>
+            </a:r>
+            <a:r>
+              <a:rPr lang="en-IN" altLang="en-US" sz="1400" dirty="0" err="1">
+                <a:solidFill>
+                  <a:schemeClr val="bg2"/>
+                </a:solidFill>
+                <a:latin typeface="Calibri" panose="020F0502020204030204" charset="0"/>
+                <a:cs typeface="Calibri" panose="020F0502020204030204" charset="0"/>
+                <a:sym typeface="+mn-ea"/>
+              </a:rPr>
+              <a:t>hunger,sleepy,pain</a:t>
+            </a:r>
+            <a:r>
+              <a:rPr lang="en-IN" altLang="en-US" sz="1400" dirty="0">
+                <a:solidFill>
+                  <a:schemeClr val="bg2"/>
+                </a:solidFill>
+                <a:latin typeface="Calibri" panose="020F0502020204030204" charset="0"/>
+                <a:cs typeface="Calibri" panose="020F0502020204030204" charset="0"/>
+                <a:sym typeface="+mn-ea"/>
+              </a:rPr>
+              <a:t> </a:t>
+            </a:r>
+            <a:br>
+              <a:rPr lang="en-IN" altLang="en-US" dirty="0">
+                <a:latin typeface="Calibri" panose="020F0502020204030204" charset="0"/>
+                <a:cs typeface="Calibri" panose="020F0502020204030204" charset="0"/>
+                <a:sym typeface="+mn-ea"/>
+              </a:rPr>
+            </a:br>
+            <a:r>
+              <a:rPr lang="en-IN" altLang="en-US" dirty="0">
+                <a:solidFill>
+                  <a:srgbClr val="00B0F0"/>
+                </a:solidFill>
+                <a:latin typeface="Calibri" panose="020F0502020204030204" charset="0"/>
+                <a:cs typeface="Calibri" panose="020F0502020204030204" charset="0"/>
+                <a:sym typeface="+mn-ea"/>
+              </a:rPr>
+              <a:t>https://www.pond5.com/sound-effects/tag/crying-baby/#1</a:t>
+            </a:r>
+            <a:endParaRPr lang="en-IN" altLang="en-US" dirty="0">
+              <a:solidFill>
+                <a:srgbClr val="0070C0"/>
+              </a:solidFill>
+              <a:latin typeface="Calibri" panose="020F0502020204030204" charset="0"/>
+              <a:cs typeface="Calibri" panose="020F0502020204030204" charset="0"/>
+              <a:sym typeface="+mn-ea"/>
+            </a:endParaRPr>
+          </a:p>
+          <a:p>
+            <a:pPr marL="0" lvl="0" indent="0" algn="l" rtl="0">
+              <a:spcBef>
+                <a:spcPts val="0"/>
+              </a:spcBef>
+              <a:spcAft>
+                <a:spcPts val="1600"/>
+              </a:spcAft>
+              <a:buNone/>
+            </a:pPr>
+            <a:r>
+              <a:rPr lang="en-IN" altLang="en-US" sz="1800" b="1" dirty="0">
+                <a:solidFill>
+                  <a:schemeClr val="bg2"/>
+                </a:solidFill>
+                <a:latin typeface="Calibri" panose="020F0502020204030204" charset="0"/>
+                <a:cs typeface="Calibri" panose="020F0502020204030204" charset="0"/>
+                <a:sym typeface="+mn-ea"/>
+              </a:rPr>
+              <a:t>Emojify – Create your own emoji with Deep Learning :</a:t>
+            </a:r>
+            <a:endParaRPr lang="en-IN" altLang="en-US" sz="1800" b="1" dirty="0">
+              <a:solidFill>
+                <a:schemeClr val="bg2"/>
+              </a:solidFill>
+              <a:latin typeface="Calibri" panose="020F0502020204030204" charset="0"/>
+              <a:cs typeface="Calibri" panose="020F0502020204030204" charset="0"/>
+              <a:sym typeface="+mn-ea"/>
+            </a:endParaRPr>
+          </a:p>
+          <a:p>
+            <a:pPr marL="0" lvl="0" indent="0" algn="l" rtl="0">
+              <a:lnSpc>
+                <a:spcPct val="100000"/>
+              </a:lnSpc>
+              <a:spcBef>
+                <a:spcPts val="0"/>
+              </a:spcBef>
+              <a:spcAft>
+                <a:spcPts val="1600"/>
+              </a:spcAft>
+              <a:buNone/>
+            </a:pPr>
+            <a:r>
+              <a:rPr lang="en-IN" altLang="en-US" sz="1400" dirty="0">
+                <a:solidFill>
+                  <a:schemeClr val="bg2"/>
+                </a:solidFill>
+                <a:latin typeface="Calibri" panose="020F0502020204030204" charset="0"/>
+                <a:cs typeface="Calibri" panose="020F0502020204030204" charset="0"/>
+                <a:sym typeface="+mn-ea"/>
+              </a:rPr>
+              <a:t>Get the emoji of the humans facial expression.</a:t>
+            </a:r>
+            <a:endParaRPr lang="en-IN" altLang="en-US" sz="1400" dirty="0">
+              <a:solidFill>
+                <a:schemeClr val="bg2"/>
+              </a:solidFill>
+              <a:latin typeface="Calibri" panose="020F0502020204030204" charset="0"/>
+              <a:cs typeface="Calibri" panose="020F0502020204030204" charset="0"/>
+              <a:sym typeface="+mn-ea"/>
+            </a:endParaRPr>
+          </a:p>
+          <a:p>
+            <a:pPr marL="0" lvl="0" indent="0" algn="l" rtl="0">
+              <a:lnSpc>
+                <a:spcPct val="100000"/>
+              </a:lnSpc>
+              <a:spcBef>
+                <a:spcPts val="0"/>
+              </a:spcBef>
+              <a:spcAft>
+                <a:spcPts val="1600"/>
+              </a:spcAft>
+              <a:buNone/>
+            </a:pPr>
+            <a:r>
+              <a:rPr lang="en-IN" altLang="en-US" sz="1200" dirty="0">
+                <a:solidFill>
+                  <a:srgbClr val="00B0F0"/>
+                </a:solidFill>
+                <a:latin typeface="Calibri" panose="020F0502020204030204" charset="0"/>
+                <a:cs typeface="Calibri" panose="020F0502020204030204" charset="0"/>
+                <a:sym typeface="+mn-ea"/>
+              </a:rPr>
+              <a:t>https://github.com/EvilPort2/emojify</a:t>
+            </a:r>
+            <a:endParaRPr lang="en-IN" altLang="en-US" sz="1200" dirty="0">
+              <a:solidFill>
+                <a:srgbClr val="00B0F0"/>
+              </a:solidFill>
+              <a:latin typeface="Calibri" panose="020F0502020204030204" charset="0"/>
+              <a:cs typeface="Calibri" panose="020F0502020204030204" charset="0"/>
+              <a:sym typeface="+mn-ea"/>
+            </a:endParaRPr>
+          </a:p>
+          <a:p>
+            <a:pPr marL="0" lvl="0" indent="0" algn="l" rtl="0">
+              <a:spcBef>
+                <a:spcPts val="0"/>
+              </a:spcBef>
+              <a:spcAft>
+                <a:spcPts val="1600"/>
+              </a:spcAft>
+              <a:buNone/>
+            </a:pPr>
+            <a:endParaRPr lang="en-IN" altLang="en-US" sz="1400" b="1" dirty="0">
+              <a:solidFill>
+                <a:schemeClr val="bg2"/>
+              </a:solidFill>
+              <a:latin typeface="Calibri" panose="020F0502020204030204" charset="0"/>
+              <a:cs typeface="Calibri" panose="020F0502020204030204" charset="0"/>
+              <a:sym typeface="+mn-ea"/>
+            </a:endParaRPr>
+          </a:p>
+          <a:p>
+            <a:pPr marL="0" lvl="0" indent="0" algn="l" rtl="0">
+              <a:spcBef>
+                <a:spcPts val="0"/>
+              </a:spcBef>
+              <a:spcAft>
+                <a:spcPts val="1600"/>
+              </a:spcAft>
+              <a:buNone/>
+            </a:pPr>
+            <a:endParaRPr lang="en-IN" altLang="en-US" dirty="0">
+              <a:latin typeface="Calibri" panose="020F0502020204030204" charset="0"/>
+              <a:cs typeface="Calibri" panose="020F0502020204030204" charset="0"/>
+              <a:sym typeface="+mn-ea"/>
+            </a:endParaRPr>
+          </a:p>
+          <a:p>
+            <a:pPr marL="0" lvl="0" indent="0" algn="l" rtl="0">
+              <a:spcBef>
+                <a:spcPts val="0"/>
+              </a:spcBef>
+              <a:spcAft>
+                <a:spcPts val="1600"/>
+              </a:spcAft>
+              <a:buNone/>
+            </a:pPr>
           </a:p>
         </p:txBody>
       </p:sp>
@@ -8537,8 +8773,8 @@
         </p:nvSpPr>
         <p:spPr>
           <a:xfrm>
-            <a:off x="8014335" y="4793615"/>
-            <a:ext cx="1270000" cy="306705"/>
+            <a:off x="6405245" y="4284345"/>
+            <a:ext cx="1682115" cy="306705"/>
           </a:xfrm>
           <a:prstGeom prst="rect">
             <a:avLst/>
@@ -8555,9 +8791,16 @@
                 <a:latin typeface="Times New Roman" panose="02020603050405020304" charset="0"/>
                 <a:cs typeface="Times New Roman" panose="02020603050405020304" charset="0"/>
               </a:rPr>
-              <a:t>Madhurika</a:t>
+              <a:t>Madhurika </a:t>
             </a:r>
-            <a:endParaRPr lang="en-US">
+            <a:r>
+              <a:rPr lang="en-IN" altLang="en-US">
+                <a:latin typeface="Times New Roman" panose="02020603050405020304" charset="0"/>
+                <a:cs typeface="Times New Roman" panose="02020603050405020304" charset="0"/>
+              </a:rPr>
+              <a:t>Ganiger</a:t>
+            </a:r>
+            <a:endParaRPr lang="en-IN" altLang="en-US">
               <a:latin typeface="Times New Roman" panose="02020603050405020304" charset="0"/>
               <a:cs typeface="Times New Roman" panose="02020603050405020304" charset="0"/>
             </a:endParaRPr>

--- a/IDEAS FOR PROBLEM STATEMENT 4.pptx
+++ b/IDEAS FOR PROBLEM STATEMENT 4.pptx
@@ -5,43 +5,43 @@
     <p:sldMasterId id="2147483648" r:id="rId1"/>
   </p:sldMasterIdLst>
   <p:notesMasterIdLst>
-    <p:notesMasterId r:id="rId4"/>
+    <p:notesMasterId r:id="rId8"/>
   </p:notesMasterIdLst>
   <p:handoutMasterIdLst>
-    <p:handoutMasterId r:id="rId10"/>
+    <p:handoutMasterId r:id="rId9"/>
   </p:handoutMasterIdLst>
   <p:sldIdLst>
-    <p:sldId id="256" r:id="rId3"/>
-    <p:sldId id="257" r:id="rId5"/>
-    <p:sldId id="258" r:id="rId6"/>
-    <p:sldId id="259" r:id="rId7"/>
-    <p:sldId id="260" r:id="rId8"/>
-    <p:sldId id="261" r:id="rId9"/>
+    <p:sldId id="256" r:id="rId2"/>
+    <p:sldId id="258" r:id="rId3"/>
+    <p:sldId id="259" r:id="rId4"/>
+    <p:sldId id="262" r:id="rId5"/>
+    <p:sldId id="260" r:id="rId6"/>
+    <p:sldId id="261" r:id="rId7"/>
   </p:sldIdLst>
-  <p:sldSz cx="9144000" cy="5143500"/>
+  <p:sldSz cx="9144000" cy="5143500" type="screen16x9"/>
   <p:notesSz cx="6858000" cy="9144000"/>
   <p:embeddedFontLst>
     <p:embeddedFont>
-      <p:font typeface="Raleway"/>
+      <p:font typeface="Cambria" pitchFamily="18" charset="0"/>
+      <p:regular r:id="rId10"/>
+      <p:bold r:id="rId11"/>
+      <p:italic r:id="rId12"/>
+      <p:boldItalic r:id="rId13"/>
+    </p:embeddedFont>
+    <p:embeddedFont>
+      <p:font typeface="Raleway" charset="0"/>
       <p:regular r:id="rId14"/>
     </p:embeddedFont>
     <p:embeddedFont>
-      <p:font typeface="Lato" panose="020F0502020204030203"/>
+      <p:font typeface="Lato" charset="0"/>
       <p:regular r:id="rId15"/>
     </p:embeddedFont>
     <p:embeddedFont>
-      <p:font typeface="Cambria" panose="02040503050406030204" charset="0"/>
+      <p:font typeface="Calibri" pitchFamily="34" charset="0"/>
       <p:regular r:id="rId16"/>
       <p:bold r:id="rId17"/>
       <p:italic r:id="rId18"/>
       <p:boldItalic r:id="rId19"/>
-    </p:embeddedFont>
-    <p:embeddedFont>
-      <p:font typeface="Calibri" panose="020F0502020204030204" charset="0"/>
-      <p:regular r:id="rId20"/>
-      <p:bold r:id="rId21"/>
-      <p:italic r:id="rId22"/>
-      <p:boldItalic r:id="rId23"/>
     </p:embeddedFont>
   </p:embeddedFontLst>
   <p:defaultTextStyle>
@@ -358,6 +358,8 @@
           <a:p>
             <a:fld id="{696C064A-D61B-4B21-B757-51A9B82445B8}" type="datetimeFigureOut">
               <a:rPr lang="en-US" smtClean="0"/>
+              <a:pPr/>
+              <a:t>10/7/2020</a:t>
             </a:fld>
             <a:endParaRPr lang="en-US"/>
           </a:p>
@@ -394,7 +396,6 @@
               <a:rPr lang="en-US"/>
               <a:t>Sakshi</a:t>
             </a:r>
-            <a:endParaRPr lang="en-US"/>
           </a:p>
         </p:txBody>
       </p:sp>
@@ -427,6 +428,8 @@
           <a:p>
             <a:fld id="{50305E07-67EA-4042-A3F6-853A8AD8D209}" type="slidenum">
               <a:rPr lang="en-US" smtClean="0"/>
+              <a:pPr/>
+              <a:t>‹#›</a:t>
             </a:fld>
             <a:endParaRPr lang="en-US"/>
           </a:p>
@@ -449,7 +452,7 @@
     </p:bg>
     <p:spTree>
       <p:nvGrpSpPr>
-        <p:cNvPr id="2" name="Shape 2"/>
+        <p:cNvPr id="1" name="Shape 2"/>
         <p:cNvGrpSpPr/>
         <p:nvPr/>
       </p:nvGrpSpPr>
@@ -464,7 +467,9 @@
       <p:sp>
         <p:nvSpPr>
           <p:cNvPr id="3" name="Google Shape;3;n"/>
-          <p:cNvSpPr/>
+          <p:cNvSpPr>
+            <a:spLocks noGrp="1" noRot="1" noChangeAspect="1"/>
+          </p:cNvSpPr>
           <p:nvPr>
             <p:ph type="sldImg" idx="2"/>
           </p:nvPr>
@@ -513,7 +518,9 @@
       <p:sp>
         <p:nvSpPr>
           <p:cNvPr id="4" name="Google Shape;4;n"/>
-          <p:cNvSpPr txBox="1"/>
+          <p:cNvSpPr txBox="1">
+            <a:spLocks noGrp="1"/>
+          </p:cNvSpPr>
           <p:nvPr>
             <p:ph type="body" idx="1"/>
           </p:nvPr>
@@ -636,7 +643,9 @@
               <a:defRPr sz="1100"/>
             </a:lvl9pPr>
           </a:lstStyle>
-          <a:p/>
+          <a:p>
+            <a:endParaRPr/>
+          </a:p>
         </p:txBody>
       </p:sp>
     </p:spTree>
@@ -876,11 +885,11 @@
 </file>
 
 <file path=ppt/notesSlides/notesSlide1.xml><?xml version="1.0" encoding="utf-8"?>
-<p:notes xmlns:a="http://schemas.openxmlformats.org/drawingml/2006/main" xmlns:r="http://schemas.openxmlformats.org/officeDocument/2006/relationships" xmlns:p="http://schemas.openxmlformats.org/presentationml/2006/main" showMasterPhAnim="0" showMasterSp="0">
+<p:notes xmlns:a="http://schemas.openxmlformats.org/drawingml/2006/main" xmlns:r="http://schemas.openxmlformats.org/officeDocument/2006/relationships" xmlns:p="http://schemas.openxmlformats.org/presentationml/2006/main" showMasterSp="0" showMasterPhAnim="0">
   <p:cSld>
     <p:spTree>
       <p:nvGrpSpPr>
-        <p:cNvPr id="82" name="Shape 82"/>
+        <p:cNvPr id="1" name="Shape 82"/>
         <p:cNvGrpSpPr/>
         <p:nvPr/>
       </p:nvGrpSpPr>
@@ -895,7 +904,9 @@
       <p:sp>
         <p:nvSpPr>
           <p:cNvPr id="83" name="Google Shape;83;p:notes"/>
-          <p:cNvSpPr/>
+          <p:cNvSpPr>
+            <a:spLocks noGrp="1" noRot="1" noChangeAspect="1"/>
+          </p:cNvSpPr>
           <p:nvPr>
             <p:ph type="sldImg" idx="2"/>
           </p:nvPr>
@@ -934,7 +945,9 @@
       <p:sp>
         <p:nvSpPr>
           <p:cNvPr id="84" name="Google Shape;84;p:notes"/>
-          <p:cNvSpPr txBox="1"/>
+          <p:cNvSpPr txBox="1">
+            <a:spLocks noGrp="1"/>
+          </p:cNvSpPr>
           <p:nvPr>
             <p:ph type="body" idx="1"/>
           </p:nvPr>
@@ -963,6 +976,7 @@
               </a:spcAft>
               <a:buNone/>
             </a:pPr>
+            <a:endParaRPr/>
           </a:p>
         </p:txBody>
       </p:sp>
@@ -975,110 +989,11 @@
 </file>
 
 <file path=ppt/notesSlides/notesSlide2.xml><?xml version="1.0" encoding="utf-8"?>
-<p:notes xmlns:a="http://schemas.openxmlformats.org/drawingml/2006/main" xmlns:r="http://schemas.openxmlformats.org/officeDocument/2006/relationships" xmlns:p="http://schemas.openxmlformats.org/presentationml/2006/main" showMasterPhAnim="0" showMasterSp="0">
+<p:notes xmlns:a="http://schemas.openxmlformats.org/drawingml/2006/main" xmlns:r="http://schemas.openxmlformats.org/officeDocument/2006/relationships" xmlns:p="http://schemas.openxmlformats.org/presentationml/2006/main" showMasterSp="0" showMasterPhAnim="0">
   <p:cSld>
     <p:spTree>
       <p:nvGrpSpPr>
-        <p:cNvPr id="88" name="Shape 88"/>
-        <p:cNvGrpSpPr/>
-        <p:nvPr/>
-      </p:nvGrpSpPr>
-      <p:grpSpPr>
-        <a:xfrm>
-          <a:off x="0" y="0"/>
-          <a:ext cx="0" cy="0"/>
-          <a:chOff x="0" y="0"/>
-          <a:chExt cx="0" cy="0"/>
-        </a:xfrm>
-      </p:grpSpPr>
-      <p:sp>
-        <p:nvSpPr>
-          <p:cNvPr id="89" name="Google Shape;89;ga001bb0786_0_320:notes"/>
-          <p:cNvSpPr/>
-          <p:nvPr>
-            <p:ph type="sldImg" idx="2"/>
-          </p:nvPr>
-        </p:nvSpPr>
-        <p:spPr>
-          <a:xfrm>
-            <a:off x="381300" y="685800"/>
-            <a:ext cx="6096000" cy="3429000"/>
-          </a:xfrm>
-          <a:custGeom>
-            <a:avLst/>
-            <a:gdLst/>
-            <a:ahLst/>
-            <a:cxnLst/>
-            <a:rect l="l" t="t" r="r" b="b"/>
-            <a:pathLst>
-              <a:path w="120000" h="120000" extrusionOk="0">
-                <a:moveTo>
-                  <a:pt x="0" y="0"/>
-                </a:moveTo>
-                <a:lnTo>
-                  <a:pt x="120000" y="0"/>
-                </a:lnTo>
-                <a:lnTo>
-                  <a:pt x="120000" y="120000"/>
-                </a:lnTo>
-                <a:lnTo>
-                  <a:pt x="0" y="120000"/>
-                </a:lnTo>
-                <a:close/>
-              </a:path>
-            </a:pathLst>
-          </a:custGeom>
-        </p:spPr>
-      </p:sp>
-      <p:sp>
-        <p:nvSpPr>
-          <p:cNvPr id="90" name="Google Shape;90;ga001bb0786_0_320:notes"/>
-          <p:cNvSpPr txBox="1"/>
-          <p:nvPr>
-            <p:ph type="body" idx="1"/>
-          </p:nvPr>
-        </p:nvSpPr>
-        <p:spPr>
-          <a:xfrm>
-            <a:off x="685800" y="4343400"/>
-            <a:ext cx="5486400" cy="4114800"/>
-          </a:xfrm>
-          <a:prstGeom prst="rect">
-            <a:avLst/>
-          </a:prstGeom>
-        </p:spPr>
-        <p:txBody>
-          <a:bodyPr spcFirstLastPara="1" wrap="square" lIns="91425" tIns="91425" rIns="91425" bIns="91425" anchor="t" anchorCtr="0">
-            <a:noAutofit/>
-          </a:bodyPr>
-          <a:lstStyle/>
-          <a:p>
-            <a:pPr marL="0" lvl="0" indent="0" algn="l" rtl="0">
-              <a:spcBef>
-                <a:spcPts val="0"/>
-              </a:spcBef>
-              <a:spcAft>
-                <a:spcPts val="0"/>
-              </a:spcAft>
-              <a:buNone/>
-            </a:pPr>
-          </a:p>
-        </p:txBody>
-      </p:sp>
-    </p:spTree>
-  </p:cSld>
-  <p:clrMapOvr>
-    <a:masterClrMapping/>
-  </p:clrMapOvr>
-</p:notes>
-</file>
-
-<file path=ppt/notesSlides/notesSlide3.xml><?xml version="1.0" encoding="utf-8"?>
-<p:notes xmlns:a="http://schemas.openxmlformats.org/drawingml/2006/main" xmlns:r="http://schemas.openxmlformats.org/officeDocument/2006/relationships" xmlns:p="http://schemas.openxmlformats.org/presentationml/2006/main" showMasterPhAnim="0" showMasterSp="0">
-  <p:cSld>
-    <p:spTree>
-      <p:nvGrpSpPr>
-        <p:cNvPr id="94" name="Shape 94"/>
+        <p:cNvPr id="1" name="Shape 94"/>
         <p:cNvGrpSpPr/>
         <p:nvPr/>
       </p:nvGrpSpPr>
@@ -1093,7 +1008,9 @@
       <p:sp>
         <p:nvSpPr>
           <p:cNvPr id="95" name="Google Shape;95;ga001bb0786_0_325:notes"/>
-          <p:cNvSpPr/>
+          <p:cNvSpPr>
+            <a:spLocks noGrp="1" noRot="1" noChangeAspect="1"/>
+          </p:cNvSpPr>
           <p:nvPr>
             <p:ph type="sldImg" idx="2"/>
           </p:nvPr>
@@ -1132,7 +1049,9 @@
       <p:sp>
         <p:nvSpPr>
           <p:cNvPr id="96" name="Google Shape;96;ga001bb0786_0_325:notes"/>
-          <p:cNvSpPr txBox="1"/>
+          <p:cNvSpPr txBox="1">
+            <a:spLocks noGrp="1"/>
+          </p:cNvSpPr>
           <p:nvPr>
             <p:ph type="body" idx="1"/>
           </p:nvPr>
@@ -1161,6 +1080,7 @@
               </a:spcAft>
               <a:buNone/>
             </a:pPr>
+            <a:endParaRPr/>
           </a:p>
         </p:txBody>
       </p:sp>
@@ -1172,12 +1092,12 @@
 </p:notes>
 </file>
 
-<file path=ppt/notesSlides/notesSlide4.xml><?xml version="1.0" encoding="utf-8"?>
-<p:notes xmlns:a="http://schemas.openxmlformats.org/drawingml/2006/main" xmlns:r="http://schemas.openxmlformats.org/officeDocument/2006/relationships" xmlns:p="http://schemas.openxmlformats.org/presentationml/2006/main" showMasterPhAnim="0" showMasterSp="0">
+<file path=ppt/notesSlides/notesSlide3.xml><?xml version="1.0" encoding="utf-8"?>
+<p:notes xmlns:a="http://schemas.openxmlformats.org/drawingml/2006/main" xmlns:r="http://schemas.openxmlformats.org/officeDocument/2006/relationships" xmlns:p="http://schemas.openxmlformats.org/presentationml/2006/main" showMasterSp="0" showMasterPhAnim="0">
   <p:cSld>
     <p:spTree>
       <p:nvGrpSpPr>
-        <p:cNvPr id="100" name="Shape 100"/>
+        <p:cNvPr id="1" name="Shape 100"/>
         <p:cNvGrpSpPr/>
         <p:nvPr/>
       </p:nvGrpSpPr>
@@ -1192,7 +1112,9 @@
       <p:sp>
         <p:nvSpPr>
           <p:cNvPr id="101" name="Google Shape;101;ga001bb0786_0_330:notes"/>
-          <p:cNvSpPr/>
+          <p:cNvSpPr>
+            <a:spLocks noGrp="1" noRot="1" noChangeAspect="1"/>
+          </p:cNvSpPr>
           <p:nvPr>
             <p:ph type="sldImg" idx="2"/>
           </p:nvPr>
@@ -1231,7 +1153,9 @@
       <p:sp>
         <p:nvSpPr>
           <p:cNvPr id="102" name="Google Shape;102;ga001bb0786_0_330:notes"/>
-          <p:cNvSpPr txBox="1"/>
+          <p:cNvSpPr txBox="1">
+            <a:spLocks noGrp="1"/>
+          </p:cNvSpPr>
           <p:nvPr>
             <p:ph type="body" idx="1"/>
           </p:nvPr>
@@ -1260,6 +1184,111 @@
               </a:spcAft>
               <a:buNone/>
             </a:pPr>
+            <a:endParaRPr/>
+          </a:p>
+        </p:txBody>
+      </p:sp>
+    </p:spTree>
+  </p:cSld>
+  <p:clrMapOvr>
+    <a:masterClrMapping/>
+  </p:clrMapOvr>
+</p:notes>
+</file>
+
+<file path=ppt/notesSlides/notesSlide4.xml><?xml version="1.0" encoding="utf-8"?>
+<p:notes xmlns:a="http://schemas.openxmlformats.org/drawingml/2006/main" xmlns:r="http://schemas.openxmlformats.org/officeDocument/2006/relationships" xmlns:p="http://schemas.openxmlformats.org/presentationml/2006/main" showMasterSp="0" showMasterPhAnim="0">
+  <p:cSld>
+    <p:spTree>
+      <p:nvGrpSpPr>
+        <p:cNvPr id="1" name="Shape 88"/>
+        <p:cNvGrpSpPr/>
+        <p:nvPr/>
+      </p:nvGrpSpPr>
+      <p:grpSpPr>
+        <a:xfrm>
+          <a:off x="0" y="0"/>
+          <a:ext cx="0" cy="0"/>
+          <a:chOff x="0" y="0"/>
+          <a:chExt cx="0" cy="0"/>
+        </a:xfrm>
+      </p:grpSpPr>
+      <p:sp>
+        <p:nvSpPr>
+          <p:cNvPr id="89" name="Google Shape;89;ga001bb0786_0_320:notes"/>
+          <p:cNvSpPr>
+            <a:spLocks noGrp="1" noRot="1" noChangeAspect="1"/>
+          </p:cNvSpPr>
+          <p:nvPr>
+            <p:ph type="sldImg" idx="2"/>
+          </p:nvPr>
+        </p:nvSpPr>
+        <p:spPr>
+          <a:xfrm>
+            <a:off x="381000" y="685800"/>
+            <a:ext cx="6096000" cy="3429000"/>
+          </a:xfrm>
+          <a:custGeom>
+            <a:avLst/>
+            <a:gdLst/>
+            <a:ahLst/>
+            <a:cxnLst/>
+            <a:rect l="l" t="t" r="r" b="b"/>
+            <a:pathLst>
+              <a:path w="120000" h="120000" extrusionOk="0">
+                <a:moveTo>
+                  <a:pt x="0" y="0"/>
+                </a:moveTo>
+                <a:lnTo>
+                  <a:pt x="120000" y="0"/>
+                </a:lnTo>
+                <a:lnTo>
+                  <a:pt x="120000" y="120000"/>
+                </a:lnTo>
+                <a:lnTo>
+                  <a:pt x="0" y="120000"/>
+                </a:lnTo>
+                <a:close/>
+              </a:path>
+            </a:pathLst>
+          </a:custGeom>
+        </p:spPr>
+      </p:sp>
+      <p:sp>
+        <p:nvSpPr>
+          <p:cNvPr id="90" name="Google Shape;90;ga001bb0786_0_320:notes"/>
+          <p:cNvSpPr txBox="1">
+            <a:spLocks noGrp="1"/>
+          </p:cNvSpPr>
+          <p:nvPr>
+            <p:ph type="body" idx="1"/>
+          </p:nvPr>
+        </p:nvSpPr>
+        <p:spPr>
+          <a:xfrm>
+            <a:off x="685800" y="4343400"/>
+            <a:ext cx="5486400" cy="4114800"/>
+          </a:xfrm>
+          <a:prstGeom prst="rect">
+            <a:avLst/>
+          </a:prstGeom>
+        </p:spPr>
+        <p:txBody>
+          <a:bodyPr spcFirstLastPara="1" wrap="square" lIns="91425" tIns="91425" rIns="91425" bIns="91425" anchor="t" anchorCtr="0">
+            <a:noAutofit/>
+          </a:bodyPr>
+          <a:lstStyle/>
+          <a:p>
+            <a:pPr marL="0" lvl="0" indent="0" algn="l" rtl="0">
+              <a:spcBef>
+                <a:spcPts val="0"/>
+              </a:spcBef>
+              <a:spcAft>
+                <a:spcPts val="0"/>
+              </a:spcAft>
+              <a:buNone/>
+            </a:pPr>
+            <a:endParaRPr/>
           </a:p>
         </p:txBody>
       </p:sp>
@@ -1272,11 +1301,11 @@
 </file>
 
 <file path=ppt/notesSlides/notesSlide5.xml><?xml version="1.0" encoding="utf-8"?>
-<p:notes xmlns:a="http://schemas.openxmlformats.org/drawingml/2006/main" xmlns:r="http://schemas.openxmlformats.org/officeDocument/2006/relationships" xmlns:p="http://schemas.openxmlformats.org/presentationml/2006/main" showMasterPhAnim="0" showMasterSp="0">
+<p:notes xmlns:a="http://schemas.openxmlformats.org/drawingml/2006/main" xmlns:r="http://schemas.openxmlformats.org/officeDocument/2006/relationships" xmlns:p="http://schemas.openxmlformats.org/presentationml/2006/main" showMasterSp="0" showMasterPhAnim="0">
   <p:cSld>
     <p:spTree>
       <p:nvGrpSpPr>
-        <p:cNvPr id="106" name="Shape 106"/>
+        <p:cNvPr id="1" name="Shape 106"/>
         <p:cNvGrpSpPr/>
         <p:nvPr/>
       </p:nvGrpSpPr>
@@ -1291,7 +1320,9 @@
       <p:sp>
         <p:nvSpPr>
           <p:cNvPr id="107" name="Google Shape;107;ga001bb0786_0_335:notes"/>
-          <p:cNvSpPr/>
+          <p:cNvSpPr>
+            <a:spLocks noGrp="1" noRot="1" noChangeAspect="1"/>
+          </p:cNvSpPr>
           <p:nvPr>
             <p:ph type="sldImg" idx="2"/>
           </p:nvPr>
@@ -1330,7 +1361,9 @@
       <p:sp>
         <p:nvSpPr>
           <p:cNvPr id="108" name="Google Shape;108;ga001bb0786_0_335:notes"/>
-          <p:cNvSpPr txBox="1"/>
+          <p:cNvSpPr txBox="1">
+            <a:spLocks noGrp="1"/>
+          </p:cNvSpPr>
           <p:nvPr>
             <p:ph type="body" idx="1"/>
           </p:nvPr>
@@ -1359,6 +1392,7 @@
               </a:spcAft>
               <a:buNone/>
             </a:pPr>
+            <a:endParaRPr/>
           </a:p>
         </p:txBody>
       </p:sp>
@@ -1371,11 +1405,11 @@
 </file>
 
 <file path=ppt/notesSlides/notesSlide6.xml><?xml version="1.0" encoding="utf-8"?>
-<p:notes xmlns:a="http://schemas.openxmlformats.org/drawingml/2006/main" xmlns:r="http://schemas.openxmlformats.org/officeDocument/2006/relationships" xmlns:p="http://schemas.openxmlformats.org/presentationml/2006/main" showMasterPhAnim="0" showMasterSp="0">
+<p:notes xmlns:a="http://schemas.openxmlformats.org/drawingml/2006/main" xmlns:r="http://schemas.openxmlformats.org/officeDocument/2006/relationships" xmlns:p="http://schemas.openxmlformats.org/presentationml/2006/main" showMasterSp="0" showMasterPhAnim="0">
   <p:cSld>
     <p:spTree>
       <p:nvGrpSpPr>
-        <p:cNvPr id="112" name="Shape 112"/>
+        <p:cNvPr id="1" name="Shape 112"/>
         <p:cNvGrpSpPr/>
         <p:nvPr/>
       </p:nvGrpSpPr>
@@ -1390,7 +1424,9 @@
       <p:sp>
         <p:nvSpPr>
           <p:cNvPr id="113" name="Google Shape;113;ga001bb0786_0_340:notes"/>
-          <p:cNvSpPr/>
+          <p:cNvSpPr>
+            <a:spLocks noGrp="1" noRot="1" noChangeAspect="1"/>
+          </p:cNvSpPr>
           <p:nvPr>
             <p:ph type="sldImg" idx="2"/>
           </p:nvPr>
@@ -1429,7 +1465,9 @@
       <p:sp>
         <p:nvSpPr>
           <p:cNvPr id="114" name="Google Shape;114;ga001bb0786_0_340:notes"/>
-          <p:cNvSpPr txBox="1"/>
+          <p:cNvSpPr txBox="1">
+            <a:spLocks noGrp="1"/>
+          </p:cNvSpPr>
           <p:nvPr>
             <p:ph type="body" idx="1"/>
           </p:nvPr>
@@ -1458,6 +1496,7 @@
               </a:spcAft>
               <a:buNone/>
             </a:pPr>
+            <a:endParaRPr/>
           </a:p>
         </p:txBody>
       </p:sp>
@@ -1470,7 +1509,7 @@
 </file>
 
 <file path=ppt/slideLayouts/slideLayout1.xml><?xml version="1.0" encoding="utf-8"?>
-<p:sldLayout xmlns:a="http://schemas.openxmlformats.org/drawingml/2006/main" xmlns:r="http://schemas.openxmlformats.org/officeDocument/2006/relationships" xmlns:p="http://schemas.openxmlformats.org/presentationml/2006/main" type="title" matchingName="Title slide">
+<p:sldLayout xmlns:a="http://schemas.openxmlformats.org/drawingml/2006/main" xmlns:r="http://schemas.openxmlformats.org/officeDocument/2006/relationships" xmlns:p="http://schemas.openxmlformats.org/presentationml/2006/main" matchingName="Title slide" type="title">
   <p:cSld name="TITLE">
     <p:bg>
       <p:bgPr>
@@ -1482,7 +1521,7 @@
     </p:bg>
     <p:spTree>
       <p:nvGrpSpPr>
-        <p:cNvPr id="9" name="Shape 9"/>
+        <p:cNvPr id="1" name="Shape 9"/>
         <p:cNvGrpSpPr/>
         <p:nvPr/>
       </p:nvGrpSpPr>
@@ -1530,6 +1569,7 @@
               </a:spcAft>
               <a:buNone/>
             </a:pPr>
+            <a:endParaRPr/>
           </a:p>
         </p:txBody>
       </p:sp>
@@ -1583,6 +1623,7 @@
                 </a:spcAft>
                 <a:buNone/>
               </a:pPr>
+              <a:endParaRPr/>
             </a:p>
           </p:txBody>
         </p:sp>
@@ -1622,6 +1663,7 @@
                 </a:spcAft>
                 <a:buNone/>
               </a:pPr>
+              <a:endParaRPr/>
             </a:p>
           </p:txBody>
         </p:sp>
@@ -1629,7 +1671,9 @@
       <p:sp>
         <p:nvSpPr>
           <p:cNvPr id="14" name="Google Shape;14;p2"/>
-          <p:cNvSpPr txBox="1"/>
+          <p:cNvSpPr txBox="1">
+            <a:spLocks noGrp="1"/>
+          </p:cNvSpPr>
           <p:nvPr>
             <p:ph type="ctrTitle"/>
           </p:nvPr>
@@ -1811,13 +1855,17 @@
               </a:defRPr>
             </a:lvl9pPr>
           </a:lstStyle>
-          <a:p/>
+          <a:p>
+            <a:endParaRPr/>
+          </a:p>
         </p:txBody>
       </p:sp>
       <p:sp>
         <p:nvSpPr>
           <p:cNvPr id="15" name="Google Shape;15;p2"/>
-          <p:cNvSpPr txBox="1"/>
+          <p:cNvSpPr txBox="1">
+            <a:spLocks noGrp="1"/>
+          </p:cNvSpPr>
           <p:nvPr>
             <p:ph type="subTitle" idx="1"/>
           </p:nvPr>
@@ -1963,13 +2011,17 @@
               <a:defRPr sz="1600"/>
             </a:lvl9pPr>
           </a:lstStyle>
-          <a:p/>
+          <a:p>
+            <a:endParaRPr/>
+          </a:p>
         </p:txBody>
       </p:sp>
       <p:sp>
         <p:nvSpPr>
           <p:cNvPr id="16" name="Google Shape;16;p2"/>
-          <p:cNvSpPr txBox="1"/>
+          <p:cNvSpPr txBox="1">
+            <a:spLocks noGrp="1"/>
+          </p:cNvSpPr>
           <p:nvPr>
             <p:ph type="sldNum" idx="12"/>
           </p:nvPr>
@@ -2037,6 +2089,16 @@
             </a:pPr>
             <a:fld id="{00000000-1234-1234-1234-123412341234}" type="slidenum">
               <a:rPr lang="en-GB"/>
+              <a:pPr marL="0" lvl="0" indent="0" algn="r" rtl="0">
+                <a:spcBef>
+                  <a:spcPts val="0"/>
+                </a:spcBef>
+                <a:spcAft>
+                  <a:spcPts val="0"/>
+                </a:spcAft>
+                <a:buNone/>
+              </a:pPr>
+              <a:t>‹#›</a:t>
             </a:fld>
             <a:endParaRPr lang="en-GB"/>
           </a:p>
@@ -2064,7 +2126,7 @@
     </p:bg>
     <p:spTree>
       <p:nvGrpSpPr>
-        <p:cNvPr id="73" name="Shape 73"/>
+        <p:cNvPr id="1" name="Shape 73"/>
         <p:cNvGrpSpPr/>
         <p:nvPr/>
       </p:nvGrpSpPr>
@@ -2126,6 +2188,7 @@
                 </a:spcAft>
                 <a:buNone/>
               </a:pPr>
+              <a:endParaRPr/>
             </a:p>
           </p:txBody>
         </p:sp>
@@ -2165,6 +2228,7 @@
                 </a:spcAft>
                 <a:buNone/>
               </a:pPr>
+              <a:endParaRPr/>
             </a:p>
           </p:txBody>
         </p:sp>
@@ -2172,7 +2236,9 @@
       <p:sp>
         <p:nvSpPr>
           <p:cNvPr id="77" name="Google Shape;77;p11"/>
-          <p:cNvSpPr txBox="1"/>
+          <p:cNvSpPr txBox="1">
+            <a:spLocks noGrp="1"/>
+          </p:cNvSpPr>
           <p:nvPr>
             <p:ph type="title" hasCustomPrompt="1"/>
           </p:nvPr>
@@ -2364,7 +2430,9 @@
       <p:sp>
         <p:nvSpPr>
           <p:cNvPr id="78" name="Google Shape;78;p11"/>
-          <p:cNvSpPr txBox="1"/>
+          <p:cNvSpPr txBox="1">
+            <a:spLocks noGrp="1"/>
+          </p:cNvSpPr>
           <p:nvPr>
             <p:ph type="body" idx="1"/>
           </p:nvPr>
@@ -2546,13 +2614,17 @@
               </a:defRPr>
             </a:lvl9pPr>
           </a:lstStyle>
-          <a:p/>
+          <a:p>
+            <a:endParaRPr/>
+          </a:p>
         </p:txBody>
       </p:sp>
       <p:sp>
         <p:nvSpPr>
           <p:cNvPr id="79" name="Google Shape;79;p11"/>
-          <p:cNvSpPr txBox="1"/>
+          <p:cNvSpPr txBox="1">
+            <a:spLocks noGrp="1"/>
+          </p:cNvSpPr>
           <p:nvPr>
             <p:ph type="sldNum" idx="12"/>
           </p:nvPr>
@@ -2656,108 +2728,16 @@
             </a:pPr>
             <a:fld id="{00000000-1234-1234-1234-123412341234}" type="slidenum">
               <a:rPr lang="en-GB"/>
-            </a:fld>
-            <a:endParaRPr lang="en-GB"/>
-          </a:p>
-        </p:txBody>
-      </p:sp>
-    </p:spTree>
-  </p:cSld>
-  <p:clrMapOvr>
-    <a:masterClrMapping/>
-  </p:clrMapOvr>
-  <p:hf sldNum="0" hdr="0" ftr="0" dt="0"/>
-</p:sldLayout>
-</file>
-
-<file path=ppt/slideLayouts/slideLayout11.xml><?xml version="1.0" encoding="utf-8"?>
-<p:sldLayout xmlns:a="http://schemas.openxmlformats.org/drawingml/2006/main" xmlns:r="http://schemas.openxmlformats.org/officeDocument/2006/relationships" xmlns:p="http://schemas.openxmlformats.org/presentationml/2006/main" type="blank" matchingName="Blank">
-  <p:cSld name="BLANK">
-    <p:spTree>
-      <p:nvGrpSpPr>
-        <p:cNvPr id="80" name="Shape 80"/>
-        <p:cNvGrpSpPr/>
-        <p:nvPr/>
-      </p:nvGrpSpPr>
-      <p:grpSpPr>
-        <a:xfrm>
-          <a:off x="0" y="0"/>
-          <a:ext cx="0" cy="0"/>
-          <a:chOff x="0" y="0"/>
-          <a:chExt cx="0" cy="0"/>
-        </a:xfrm>
-      </p:grpSpPr>
-      <p:sp>
-        <p:nvSpPr>
-          <p:cNvPr id="81" name="Google Shape;81;p12"/>
-          <p:cNvSpPr txBox="1"/>
-          <p:nvPr>
-            <p:ph type="sldNum" idx="12"/>
-          </p:nvPr>
-        </p:nvSpPr>
-        <p:spPr>
-          <a:xfrm>
-            <a:off x="8536302" y="4749851"/>
-            <a:ext cx="548700" cy="393600"/>
-          </a:xfrm>
-          <a:prstGeom prst="rect">
-            <a:avLst/>
-          </a:prstGeom>
-        </p:spPr>
-        <p:txBody>
-          <a:bodyPr spcFirstLastPara="1" wrap="square" lIns="91425" tIns="91425" rIns="91425" bIns="91425" anchor="ctr" anchorCtr="0">
-            <a:noAutofit/>
-          </a:bodyPr>
-          <a:lstStyle>
-            <a:lvl1pPr lvl="0">
-              <a:buNone/>
-              <a:defRPr/>
-            </a:lvl1pPr>
-            <a:lvl2pPr lvl="1">
-              <a:buNone/>
-              <a:defRPr/>
-            </a:lvl2pPr>
-            <a:lvl3pPr lvl="2">
-              <a:buNone/>
-              <a:defRPr/>
-            </a:lvl3pPr>
-            <a:lvl4pPr lvl="3">
-              <a:buNone/>
-              <a:defRPr/>
-            </a:lvl4pPr>
-            <a:lvl5pPr lvl="4">
-              <a:buNone/>
-              <a:defRPr/>
-            </a:lvl5pPr>
-            <a:lvl6pPr lvl="5">
-              <a:buNone/>
-              <a:defRPr/>
-            </a:lvl6pPr>
-            <a:lvl7pPr lvl="6">
-              <a:buNone/>
-              <a:defRPr/>
-            </a:lvl7pPr>
-            <a:lvl8pPr lvl="7">
-              <a:buNone/>
-              <a:defRPr/>
-            </a:lvl8pPr>
-            <a:lvl9pPr lvl="8">
-              <a:buNone/>
-              <a:defRPr/>
-            </a:lvl9pPr>
-          </a:lstStyle>
-          <a:p>
-            <a:pPr marL="0" lvl="0" indent="0" algn="r" rtl="0">
-              <a:spcBef>
-                <a:spcPts val="0"/>
-              </a:spcBef>
-              <a:spcAft>
-                <a:spcPts val="0"/>
-              </a:spcAft>
-              <a:buNone/>
-            </a:pPr>
-            <a:fld id="{00000000-1234-1234-1234-123412341234}" type="slidenum">
-              <a:rPr lang="en-GB"/>
+              <a:pPr marL="0" lvl="0" indent="0" algn="r" rtl="0">
+                <a:spcBef>
+                  <a:spcPts val="0"/>
+                </a:spcBef>
+                <a:spcAft>
+                  <a:spcPts val="0"/>
+                </a:spcAft>
+                <a:buNone/>
+              </a:pPr>
+              <a:t>‹#›</a:t>
             </a:fld>
             <a:endParaRPr lang="en-GB"/>
           </a:p>
@@ -2773,7 +2753,7 @@
 </file>
 
 <file path=ppt/slideLayouts/slideLayout2.xml><?xml version="1.0" encoding="utf-8"?>
-<p:sldLayout xmlns:a="http://schemas.openxmlformats.org/drawingml/2006/main" xmlns:r="http://schemas.openxmlformats.org/officeDocument/2006/relationships" xmlns:p="http://schemas.openxmlformats.org/presentationml/2006/main" type="secHead" matchingName="Section header">
+<p:sldLayout xmlns:a="http://schemas.openxmlformats.org/drawingml/2006/main" xmlns:r="http://schemas.openxmlformats.org/officeDocument/2006/relationships" xmlns:p="http://schemas.openxmlformats.org/presentationml/2006/main" matchingName="Section header" type="secHead">
   <p:cSld name="SECTION_HEADER">
     <p:bg>
       <p:bgPr>
@@ -2785,7 +2765,7 @@
     </p:bg>
     <p:spTree>
       <p:nvGrpSpPr>
-        <p:cNvPr id="17" name="Shape 17"/>
+        <p:cNvPr id="1" name="Shape 17"/>
         <p:cNvGrpSpPr/>
         <p:nvPr/>
       </p:nvGrpSpPr>
@@ -2847,6 +2827,7 @@
                 </a:spcAft>
                 <a:buNone/>
               </a:pPr>
+              <a:endParaRPr/>
             </a:p>
           </p:txBody>
         </p:sp>
@@ -2886,6 +2867,7 @@
                 </a:spcAft>
                 <a:buNone/>
               </a:pPr>
+              <a:endParaRPr/>
             </a:p>
           </p:txBody>
         </p:sp>
@@ -2893,7 +2875,9 @@
       <p:sp>
         <p:nvSpPr>
           <p:cNvPr id="21" name="Google Shape;21;p3"/>
-          <p:cNvSpPr txBox="1"/>
+          <p:cNvSpPr txBox="1">
+            <a:spLocks noGrp="1"/>
+          </p:cNvSpPr>
           <p:nvPr>
             <p:ph type="title"/>
           </p:nvPr>
@@ -3075,13 +3059,17 @@
               </a:defRPr>
             </a:lvl9pPr>
           </a:lstStyle>
-          <a:p/>
+          <a:p>
+            <a:endParaRPr/>
+          </a:p>
         </p:txBody>
       </p:sp>
       <p:sp>
         <p:nvSpPr>
           <p:cNvPr id="22" name="Google Shape;22;p3"/>
-          <p:cNvSpPr txBox="1"/>
+          <p:cNvSpPr txBox="1">
+            <a:spLocks noGrp="1"/>
+          </p:cNvSpPr>
           <p:nvPr>
             <p:ph type="sldNum" idx="12"/>
           </p:nvPr>
@@ -3185,6 +3173,16 @@
             </a:pPr>
             <a:fld id="{00000000-1234-1234-1234-123412341234}" type="slidenum">
               <a:rPr lang="en-GB"/>
+              <a:pPr marL="0" lvl="0" indent="0" algn="r" rtl="0">
+                <a:spcBef>
+                  <a:spcPts val="0"/>
+                </a:spcBef>
+                <a:spcAft>
+                  <a:spcPts val="0"/>
+                </a:spcAft>
+                <a:buNone/>
+              </a:pPr>
+              <a:t>‹#›</a:t>
             </a:fld>
             <a:endParaRPr lang="en-GB"/>
           </a:p>
@@ -3200,11 +3198,11 @@
 </file>
 
 <file path=ppt/slideLayouts/slideLayout3.xml><?xml version="1.0" encoding="utf-8"?>
-<p:sldLayout xmlns:a="http://schemas.openxmlformats.org/drawingml/2006/main" xmlns:r="http://schemas.openxmlformats.org/officeDocument/2006/relationships" xmlns:p="http://schemas.openxmlformats.org/presentationml/2006/main" type="tx" matchingName="Title and body">
+<p:sldLayout xmlns:a="http://schemas.openxmlformats.org/drawingml/2006/main" xmlns:r="http://schemas.openxmlformats.org/officeDocument/2006/relationships" xmlns:p="http://schemas.openxmlformats.org/presentationml/2006/main" matchingName="Title and body" type="tx">
   <p:cSld name="TITLE_AND_BODY">
     <p:spTree>
       <p:nvGrpSpPr>
-        <p:cNvPr id="23" name="Shape 23"/>
+        <p:cNvPr id="1" name="Shape 23"/>
         <p:cNvGrpSpPr/>
         <p:nvPr/>
       </p:nvGrpSpPr>
@@ -3252,6 +3250,7 @@
               </a:spcAft>
               <a:buNone/>
             </a:pPr>
+            <a:endParaRPr/>
           </a:p>
         </p:txBody>
       </p:sp>
@@ -3305,6 +3304,7 @@
                 </a:spcAft>
                 <a:buNone/>
               </a:pPr>
+              <a:endParaRPr/>
             </a:p>
           </p:txBody>
         </p:sp>
@@ -3344,6 +3344,7 @@
                 </a:spcAft>
                 <a:buNone/>
               </a:pPr>
+              <a:endParaRPr/>
             </a:p>
           </p:txBody>
         </p:sp>
@@ -3351,7 +3352,9 @@
       <p:sp>
         <p:nvSpPr>
           <p:cNvPr id="28" name="Google Shape;28;p4"/>
-          <p:cNvSpPr txBox="1"/>
+          <p:cNvSpPr txBox="1">
+            <a:spLocks noGrp="1"/>
+          </p:cNvSpPr>
           <p:nvPr>
             <p:ph type="title"/>
           </p:nvPr>
@@ -3533,13 +3536,17 @@
               </a:defRPr>
             </a:lvl9pPr>
           </a:lstStyle>
-          <a:p/>
+          <a:p>
+            <a:endParaRPr/>
+          </a:p>
         </p:txBody>
       </p:sp>
       <p:sp>
         <p:nvSpPr>
           <p:cNvPr id="29" name="Google Shape;29;p4"/>
-          <p:cNvSpPr txBox="1"/>
+          <p:cNvSpPr txBox="1">
+            <a:spLocks noGrp="1"/>
+          </p:cNvSpPr>
           <p:nvPr>
             <p:ph type="body" idx="1"/>
           </p:nvPr>
@@ -3658,13 +3665,17 @@
               <a:defRPr/>
             </a:lvl9pPr>
           </a:lstStyle>
-          <a:p/>
+          <a:p>
+            <a:endParaRPr/>
+          </a:p>
         </p:txBody>
       </p:sp>
       <p:sp>
         <p:nvSpPr>
           <p:cNvPr id="30" name="Google Shape;30;p4"/>
-          <p:cNvSpPr txBox="1"/>
+          <p:cNvSpPr txBox="1">
+            <a:spLocks noGrp="1"/>
+          </p:cNvSpPr>
           <p:nvPr>
             <p:ph type="sldNum" idx="12"/>
           </p:nvPr>
@@ -3732,6 +3743,16 @@
             </a:pPr>
             <a:fld id="{00000000-1234-1234-1234-123412341234}" type="slidenum">
               <a:rPr lang="en-GB"/>
+              <a:pPr marL="0" lvl="0" indent="0" algn="r" rtl="0">
+                <a:spcBef>
+                  <a:spcPts val="0"/>
+                </a:spcBef>
+                <a:spcAft>
+                  <a:spcPts val="0"/>
+                </a:spcAft>
+                <a:buNone/>
+              </a:pPr>
+              <a:t>‹#›</a:t>
             </a:fld>
             <a:endParaRPr lang="en-GB"/>
           </a:p>
@@ -3747,11 +3768,11 @@
 </file>
 
 <file path=ppt/slideLayouts/slideLayout4.xml><?xml version="1.0" encoding="utf-8"?>
-<p:sldLayout xmlns:a="http://schemas.openxmlformats.org/drawingml/2006/main" xmlns:r="http://schemas.openxmlformats.org/officeDocument/2006/relationships" xmlns:p="http://schemas.openxmlformats.org/presentationml/2006/main" type="twoColTx" matchingName="Title and two columns">
+<p:sldLayout xmlns:a="http://schemas.openxmlformats.org/drawingml/2006/main" xmlns:r="http://schemas.openxmlformats.org/officeDocument/2006/relationships" xmlns:p="http://schemas.openxmlformats.org/presentationml/2006/main" matchingName="Title and two columns" type="twoColTx">
   <p:cSld name="TITLE_AND_TWO_COLUMNS">
     <p:spTree>
       <p:nvGrpSpPr>
-        <p:cNvPr id="31" name="Shape 31"/>
+        <p:cNvPr id="1" name="Shape 31"/>
         <p:cNvGrpSpPr/>
         <p:nvPr/>
       </p:nvGrpSpPr>
@@ -3799,6 +3820,7 @@
               </a:spcAft>
               <a:buNone/>
             </a:pPr>
+            <a:endParaRPr/>
           </a:p>
         </p:txBody>
       </p:sp>
@@ -3852,6 +3874,7 @@
                 </a:spcAft>
                 <a:buNone/>
               </a:pPr>
+              <a:endParaRPr/>
             </a:p>
           </p:txBody>
         </p:sp>
@@ -3891,6 +3914,7 @@
                 </a:spcAft>
                 <a:buNone/>
               </a:pPr>
+              <a:endParaRPr/>
             </a:p>
           </p:txBody>
         </p:sp>
@@ -3898,7 +3922,9 @@
       <p:sp>
         <p:nvSpPr>
           <p:cNvPr id="36" name="Google Shape;36;p5"/>
-          <p:cNvSpPr txBox="1"/>
+          <p:cNvSpPr txBox="1">
+            <a:spLocks noGrp="1"/>
+          </p:cNvSpPr>
           <p:nvPr>
             <p:ph type="title"/>
           </p:nvPr>
@@ -4080,13 +4106,17 @@
               </a:defRPr>
             </a:lvl9pPr>
           </a:lstStyle>
-          <a:p/>
+          <a:p>
+            <a:endParaRPr/>
+          </a:p>
         </p:txBody>
       </p:sp>
       <p:sp>
         <p:nvSpPr>
           <p:cNvPr id="37" name="Google Shape;37;p5"/>
-          <p:cNvSpPr txBox="1"/>
+          <p:cNvSpPr txBox="1">
+            <a:spLocks noGrp="1"/>
+          </p:cNvSpPr>
           <p:nvPr>
             <p:ph type="body" idx="1"/>
           </p:nvPr>
@@ -4205,13 +4235,17 @@
               <a:defRPr/>
             </a:lvl9pPr>
           </a:lstStyle>
-          <a:p/>
+          <a:p>
+            <a:endParaRPr/>
+          </a:p>
         </p:txBody>
       </p:sp>
       <p:sp>
         <p:nvSpPr>
           <p:cNvPr id="38" name="Google Shape;38;p5"/>
-          <p:cNvSpPr txBox="1"/>
+          <p:cNvSpPr txBox="1">
+            <a:spLocks noGrp="1"/>
+          </p:cNvSpPr>
           <p:nvPr>
             <p:ph type="body" idx="2"/>
           </p:nvPr>
@@ -4330,13 +4364,17 @@
               <a:defRPr/>
             </a:lvl9pPr>
           </a:lstStyle>
-          <a:p/>
+          <a:p>
+            <a:endParaRPr/>
+          </a:p>
         </p:txBody>
       </p:sp>
       <p:sp>
         <p:nvSpPr>
           <p:cNvPr id="39" name="Google Shape;39;p5"/>
-          <p:cNvSpPr txBox="1"/>
+          <p:cNvSpPr txBox="1">
+            <a:spLocks noGrp="1"/>
+          </p:cNvSpPr>
           <p:nvPr>
             <p:ph type="sldNum" idx="12"/>
           </p:nvPr>
@@ -4404,6 +4442,16 @@
             </a:pPr>
             <a:fld id="{00000000-1234-1234-1234-123412341234}" type="slidenum">
               <a:rPr lang="en-GB"/>
+              <a:pPr marL="0" lvl="0" indent="0" algn="r" rtl="0">
+                <a:spcBef>
+                  <a:spcPts val="0"/>
+                </a:spcBef>
+                <a:spcAft>
+                  <a:spcPts val="0"/>
+                </a:spcAft>
+                <a:buNone/>
+              </a:pPr>
+              <a:t>‹#›</a:t>
             </a:fld>
             <a:endParaRPr lang="en-GB"/>
           </a:p>
@@ -4419,11 +4467,11 @@
 </file>
 
 <file path=ppt/slideLayouts/slideLayout5.xml><?xml version="1.0" encoding="utf-8"?>
-<p:sldLayout xmlns:a="http://schemas.openxmlformats.org/drawingml/2006/main" xmlns:r="http://schemas.openxmlformats.org/officeDocument/2006/relationships" xmlns:p="http://schemas.openxmlformats.org/presentationml/2006/main" type="titleOnly" matchingName="Title only">
+<p:sldLayout xmlns:a="http://schemas.openxmlformats.org/drawingml/2006/main" xmlns:r="http://schemas.openxmlformats.org/officeDocument/2006/relationships" xmlns:p="http://schemas.openxmlformats.org/presentationml/2006/main" matchingName="Title only" type="titleOnly">
   <p:cSld name="TITLE_ONLY">
     <p:spTree>
       <p:nvGrpSpPr>
-        <p:cNvPr id="40" name="Shape 40"/>
+        <p:cNvPr id="1" name="Shape 40"/>
         <p:cNvGrpSpPr/>
         <p:nvPr/>
       </p:nvGrpSpPr>
@@ -4471,6 +4519,7 @@
               </a:spcAft>
               <a:buNone/>
             </a:pPr>
+            <a:endParaRPr/>
           </a:p>
         </p:txBody>
       </p:sp>
@@ -4524,6 +4573,7 @@
                 </a:spcAft>
                 <a:buNone/>
               </a:pPr>
+              <a:endParaRPr/>
             </a:p>
           </p:txBody>
         </p:sp>
@@ -4563,6 +4613,7 @@
                 </a:spcAft>
                 <a:buNone/>
               </a:pPr>
+              <a:endParaRPr/>
             </a:p>
           </p:txBody>
         </p:sp>
@@ -4570,7 +4621,9 @@
       <p:sp>
         <p:nvSpPr>
           <p:cNvPr id="45" name="Google Shape;45;p6"/>
-          <p:cNvSpPr txBox="1"/>
+          <p:cNvSpPr txBox="1">
+            <a:spLocks noGrp="1"/>
+          </p:cNvSpPr>
           <p:nvPr>
             <p:ph type="title"/>
           </p:nvPr>
@@ -4752,13 +4805,17 @@
               </a:defRPr>
             </a:lvl9pPr>
           </a:lstStyle>
-          <a:p/>
+          <a:p>
+            <a:endParaRPr/>
+          </a:p>
         </p:txBody>
       </p:sp>
       <p:sp>
         <p:nvSpPr>
           <p:cNvPr id="46" name="Google Shape;46;p6"/>
-          <p:cNvSpPr txBox="1"/>
+          <p:cNvSpPr txBox="1">
+            <a:spLocks noGrp="1"/>
+          </p:cNvSpPr>
           <p:nvPr>
             <p:ph type="sldNum" idx="12"/>
           </p:nvPr>
@@ -4826,6 +4883,16 @@
             </a:pPr>
             <a:fld id="{00000000-1234-1234-1234-123412341234}" type="slidenum">
               <a:rPr lang="en-GB"/>
+              <a:pPr marL="0" lvl="0" indent="0" algn="r" rtl="0">
+                <a:spcBef>
+                  <a:spcPts val="0"/>
+                </a:spcBef>
+                <a:spcAft>
+                  <a:spcPts val="0"/>
+                </a:spcAft>
+                <a:buNone/>
+              </a:pPr>
+              <a:t>‹#›</a:t>
             </a:fld>
             <a:endParaRPr lang="en-GB"/>
           </a:p>
@@ -4845,7 +4912,7 @@
   <p:cSld name="ONE_COLUMN_TEXT">
     <p:spTree>
       <p:nvGrpSpPr>
-        <p:cNvPr id="47" name="Shape 47"/>
+        <p:cNvPr id="1" name="Shape 47"/>
         <p:cNvGrpSpPr/>
         <p:nvPr/>
       </p:nvGrpSpPr>
@@ -4893,6 +4960,7 @@
               </a:spcAft>
               <a:buNone/>
             </a:pPr>
+            <a:endParaRPr/>
           </a:p>
         </p:txBody>
       </p:sp>
@@ -4946,6 +5014,7 @@
                 </a:spcAft>
                 <a:buNone/>
               </a:pPr>
+              <a:endParaRPr/>
             </a:p>
           </p:txBody>
         </p:sp>
@@ -4985,6 +5054,7 @@
                 </a:spcAft>
                 <a:buNone/>
               </a:pPr>
+              <a:endParaRPr/>
             </a:p>
           </p:txBody>
         </p:sp>
@@ -4992,7 +5062,9 @@
       <p:sp>
         <p:nvSpPr>
           <p:cNvPr id="52" name="Google Shape;52;p7"/>
-          <p:cNvSpPr txBox="1"/>
+          <p:cNvSpPr txBox="1">
+            <a:spLocks noGrp="1"/>
+          </p:cNvSpPr>
           <p:nvPr>
             <p:ph type="title"/>
           </p:nvPr>
@@ -5174,13 +5246,17 @@
               </a:defRPr>
             </a:lvl9pPr>
           </a:lstStyle>
-          <a:p/>
+          <a:p>
+            <a:endParaRPr/>
+          </a:p>
         </p:txBody>
       </p:sp>
       <p:sp>
         <p:nvSpPr>
           <p:cNvPr id="53" name="Google Shape;53;p7"/>
-          <p:cNvSpPr txBox="1"/>
+          <p:cNvSpPr txBox="1">
+            <a:spLocks noGrp="1"/>
+          </p:cNvSpPr>
           <p:nvPr>
             <p:ph type="body" idx="1"/>
           </p:nvPr>
@@ -5299,13 +5375,17 @@
               <a:defRPr/>
             </a:lvl9pPr>
           </a:lstStyle>
-          <a:p/>
+          <a:p>
+            <a:endParaRPr/>
+          </a:p>
         </p:txBody>
       </p:sp>
       <p:sp>
         <p:nvSpPr>
           <p:cNvPr id="54" name="Google Shape;54;p7"/>
-          <p:cNvSpPr txBox="1"/>
+          <p:cNvSpPr txBox="1">
+            <a:spLocks noGrp="1"/>
+          </p:cNvSpPr>
           <p:nvPr>
             <p:ph type="sldNum" idx="12"/>
           </p:nvPr>
@@ -5373,6 +5453,16 @@
             </a:pPr>
             <a:fld id="{00000000-1234-1234-1234-123412341234}" type="slidenum">
               <a:rPr lang="en-GB"/>
+              <a:pPr marL="0" lvl="0" indent="0" algn="r" rtl="0">
+                <a:spcBef>
+                  <a:spcPts val="0"/>
+                </a:spcBef>
+                <a:spcAft>
+                  <a:spcPts val="0"/>
+                </a:spcAft>
+                <a:buNone/>
+              </a:pPr>
+              <a:t>‹#›</a:t>
             </a:fld>
             <a:endParaRPr lang="en-GB"/>
           </a:p>
@@ -5400,7 +5490,7 @@
     </p:bg>
     <p:spTree>
       <p:nvGrpSpPr>
-        <p:cNvPr id="55" name="Shape 55"/>
+        <p:cNvPr id="1" name="Shape 55"/>
         <p:cNvGrpSpPr/>
         <p:nvPr/>
       </p:nvGrpSpPr>
@@ -5462,6 +5552,7 @@
                 </a:spcAft>
                 <a:buNone/>
               </a:pPr>
+              <a:endParaRPr/>
             </a:p>
           </p:txBody>
         </p:sp>
@@ -5501,6 +5592,7 @@
                 </a:spcAft>
                 <a:buNone/>
               </a:pPr>
+              <a:endParaRPr/>
             </a:p>
           </p:txBody>
         </p:sp>
@@ -5508,7 +5600,9 @@
       <p:sp>
         <p:nvSpPr>
           <p:cNvPr id="59" name="Google Shape;59;p8"/>
-          <p:cNvSpPr txBox="1"/>
+          <p:cNvSpPr txBox="1">
+            <a:spLocks noGrp="1"/>
+          </p:cNvSpPr>
           <p:nvPr>
             <p:ph type="title"/>
           </p:nvPr>
@@ -5690,13 +5784,17 @@
               </a:defRPr>
             </a:lvl9pPr>
           </a:lstStyle>
-          <a:p/>
+          <a:p>
+            <a:endParaRPr/>
+          </a:p>
         </p:txBody>
       </p:sp>
       <p:sp>
         <p:nvSpPr>
           <p:cNvPr id="60" name="Google Shape;60;p8"/>
-          <p:cNvSpPr txBox="1"/>
+          <p:cNvSpPr txBox="1">
+            <a:spLocks noGrp="1"/>
+          </p:cNvSpPr>
           <p:nvPr>
             <p:ph type="sldNum" idx="12"/>
           </p:nvPr>
@@ -5800,6 +5898,16 @@
             </a:pPr>
             <a:fld id="{00000000-1234-1234-1234-123412341234}" type="slidenum">
               <a:rPr lang="en-GB"/>
+              <a:pPr marL="0" lvl="0" indent="0" algn="r" rtl="0">
+                <a:spcBef>
+                  <a:spcPts val="0"/>
+                </a:spcBef>
+                <a:spcAft>
+                  <a:spcPts val="0"/>
+                </a:spcAft>
+                <a:buNone/>
+              </a:pPr>
+              <a:t>‹#›</a:t>
             </a:fld>
             <a:endParaRPr lang="en-GB"/>
           </a:p>
@@ -5819,7 +5927,7 @@
   <p:cSld name="SECTION_TITLE_AND_DESCRIPTION">
     <p:spTree>
       <p:nvGrpSpPr>
-        <p:cNvPr id="61" name="Shape 61"/>
+        <p:cNvPr id="1" name="Shape 61"/>
         <p:cNvGrpSpPr/>
         <p:nvPr/>
       </p:nvGrpSpPr>
@@ -5867,6 +5975,7 @@
               </a:spcAft>
               <a:buNone/>
             </a:pPr>
+            <a:endParaRPr/>
           </a:p>
         </p:txBody>
       </p:sp>
@@ -5920,6 +6029,7 @@
                 </a:spcAft>
                 <a:buNone/>
               </a:pPr>
+              <a:endParaRPr/>
             </a:p>
           </p:txBody>
         </p:sp>
@@ -5959,6 +6069,7 @@
                 </a:spcAft>
                 <a:buNone/>
               </a:pPr>
+              <a:endParaRPr/>
             </a:p>
           </p:txBody>
         </p:sp>
@@ -5966,7 +6077,9 @@
       <p:sp>
         <p:nvSpPr>
           <p:cNvPr id="66" name="Google Shape;66;p9"/>
-          <p:cNvSpPr txBox="1"/>
+          <p:cNvSpPr txBox="1">
+            <a:spLocks noGrp="1"/>
+          </p:cNvSpPr>
           <p:nvPr>
             <p:ph type="title"/>
           </p:nvPr>
@@ -6148,13 +6261,17 @@
               </a:defRPr>
             </a:lvl9pPr>
           </a:lstStyle>
-          <a:p/>
+          <a:p>
+            <a:endParaRPr/>
+          </a:p>
         </p:txBody>
       </p:sp>
       <p:sp>
         <p:nvSpPr>
           <p:cNvPr id="67" name="Google Shape;67;p9"/>
-          <p:cNvSpPr txBox="1"/>
+          <p:cNvSpPr txBox="1">
+            <a:spLocks noGrp="1"/>
+          </p:cNvSpPr>
           <p:nvPr>
             <p:ph type="subTitle" idx="1"/>
           </p:nvPr>
@@ -6300,13 +6417,17 @@
               <a:defRPr sz="1600"/>
             </a:lvl9pPr>
           </a:lstStyle>
-          <a:p/>
+          <a:p>
+            <a:endParaRPr/>
+          </a:p>
         </p:txBody>
       </p:sp>
       <p:sp>
         <p:nvSpPr>
           <p:cNvPr id="68" name="Google Shape;68;p9"/>
-          <p:cNvSpPr txBox="1"/>
+          <p:cNvSpPr txBox="1">
+            <a:spLocks noGrp="1"/>
+          </p:cNvSpPr>
           <p:nvPr>
             <p:ph type="body" idx="2"/>
           </p:nvPr>
@@ -6425,13 +6546,17 @@
               <a:defRPr/>
             </a:lvl9pPr>
           </a:lstStyle>
-          <a:p/>
+          <a:p>
+            <a:endParaRPr/>
+          </a:p>
         </p:txBody>
       </p:sp>
       <p:sp>
         <p:nvSpPr>
           <p:cNvPr id="69" name="Google Shape;69;p9"/>
-          <p:cNvSpPr txBox="1"/>
+          <p:cNvSpPr txBox="1">
+            <a:spLocks noGrp="1"/>
+          </p:cNvSpPr>
           <p:nvPr>
             <p:ph type="sldNum" idx="12"/>
           </p:nvPr>
@@ -6499,6 +6624,16 @@
             </a:pPr>
             <a:fld id="{00000000-1234-1234-1234-123412341234}" type="slidenum">
               <a:rPr lang="en-GB"/>
+              <a:pPr marL="0" lvl="0" indent="0" algn="r" rtl="0">
+                <a:spcBef>
+                  <a:spcPts val="0"/>
+                </a:spcBef>
+                <a:spcAft>
+                  <a:spcPts val="0"/>
+                </a:spcAft>
+                <a:buNone/>
+              </a:pPr>
+              <a:t>‹#›</a:t>
             </a:fld>
             <a:endParaRPr lang="en-GB"/>
           </a:p>
@@ -6518,7 +6653,7 @@
   <p:cSld name="CAPTION_ONLY">
     <p:spTree>
       <p:nvGrpSpPr>
-        <p:cNvPr id="70" name="Shape 70"/>
+        <p:cNvPr id="1" name="Shape 70"/>
         <p:cNvGrpSpPr/>
         <p:nvPr/>
       </p:nvGrpSpPr>
@@ -6533,7 +6668,9 @@
       <p:sp>
         <p:nvSpPr>
           <p:cNvPr id="71" name="Google Shape;71;p10"/>
-          <p:cNvSpPr txBox="1"/>
+          <p:cNvSpPr txBox="1">
+            <a:spLocks noGrp="1"/>
+          </p:cNvSpPr>
           <p:nvPr>
             <p:ph type="body" idx="1"/>
           </p:nvPr>
@@ -6567,13 +6704,17 @@
               <a:defRPr/>
             </a:lvl1pPr>
           </a:lstStyle>
-          <a:p/>
+          <a:p>
+            <a:endParaRPr/>
+          </a:p>
         </p:txBody>
       </p:sp>
       <p:sp>
         <p:nvSpPr>
           <p:cNvPr id="72" name="Google Shape;72;p10"/>
-          <p:cNvSpPr txBox="1"/>
+          <p:cNvSpPr txBox="1">
+            <a:spLocks noGrp="1"/>
+          </p:cNvSpPr>
           <p:nvPr>
             <p:ph type="sldNum" idx="12"/>
           </p:nvPr>
@@ -6641,6 +6782,16 @@
             </a:pPr>
             <a:fld id="{00000000-1234-1234-1234-123412341234}" type="slidenum">
               <a:rPr lang="en-GB"/>
+              <a:pPr marL="0" lvl="0" indent="0" algn="r" rtl="0">
+                <a:spcBef>
+                  <a:spcPts val="0"/>
+                </a:spcBef>
+                <a:spcAft>
+                  <a:spcPts val="0"/>
+                </a:spcAft>
+                <a:buNone/>
+              </a:pPr>
+              <a:t>‹#›</a:t>
             </a:fld>
             <a:endParaRPr lang="en-GB"/>
           </a:p>
@@ -6668,7 +6819,7 @@
     </p:bg>
     <p:spTree>
       <p:nvGrpSpPr>
-        <p:cNvPr id="5" name="Shape 5"/>
+        <p:cNvPr id="1" name="Shape 5"/>
         <p:cNvGrpSpPr/>
         <p:nvPr/>
       </p:nvGrpSpPr>
@@ -6683,7 +6834,9 @@
       <p:sp>
         <p:nvSpPr>
           <p:cNvPr id="6" name="Google Shape;6;p1"/>
-          <p:cNvSpPr txBox="1"/>
+          <p:cNvSpPr txBox="1">
+            <a:spLocks noGrp="1"/>
+          </p:cNvSpPr>
           <p:nvPr>
             <p:ph type="title"/>
           </p:nvPr>
@@ -6860,13 +7013,17 @@
               </a:defRPr>
             </a:lvl9pPr>
           </a:lstStyle>
-          <a:p/>
+          <a:p>
+            <a:endParaRPr/>
+          </a:p>
         </p:txBody>
       </p:sp>
       <p:sp>
         <p:nvSpPr>
           <p:cNvPr id="7" name="Google Shape;7;p1"/>
-          <p:cNvSpPr txBox="1"/>
+          <p:cNvSpPr txBox="1">
+            <a:spLocks noGrp="1"/>
+          </p:cNvSpPr>
           <p:nvPr>
             <p:ph type="body" idx="1"/>
           </p:nvPr>
@@ -7124,13 +7281,17 @@
               </a:defRPr>
             </a:lvl9pPr>
           </a:lstStyle>
-          <a:p/>
+          <a:p>
+            <a:endParaRPr/>
+          </a:p>
         </p:txBody>
       </p:sp>
       <p:sp>
         <p:nvSpPr>
           <p:cNvPr id="8" name="Google Shape;8;p1"/>
-          <p:cNvSpPr txBox="1"/>
+          <p:cNvSpPr txBox="1">
+            <a:spLocks noGrp="1"/>
+          </p:cNvSpPr>
           <p:nvPr>
             <p:ph type="sldNum" idx="12"/>
           </p:nvPr>
@@ -7274,6 +7435,16 @@
             </a:pPr>
             <a:fld id="{00000000-1234-1234-1234-123412341234}" type="slidenum">
               <a:rPr lang="en-GB"/>
+              <a:pPr marL="0" lvl="0" indent="0" algn="r" rtl="0">
+                <a:spcBef>
+                  <a:spcPts val="0"/>
+                </a:spcBef>
+                <a:spcAft>
+                  <a:spcPts val="0"/>
+                </a:spcAft>
+                <a:buNone/>
+              </a:pPr>
+              <a:t>‹#›</a:t>
             </a:fld>
             <a:endParaRPr lang="en-GB"/>
           </a:p>
@@ -7293,7 +7464,6 @@
     <p:sldLayoutId id="2147483656" r:id="rId8"/>
     <p:sldLayoutId id="2147483657" r:id="rId9"/>
     <p:sldLayoutId id="2147483658" r:id="rId10"/>
-    <p:sldLayoutId id="2147483659" r:id="rId11"/>
   </p:sldLayoutIdLst>
   <p:hf sldNum="0" hdr="0" ftr="0" dt="0"/>
   <p:txStyles>
@@ -7993,7 +8163,7 @@
   <p:cSld>
     <p:spTree>
       <p:nvGrpSpPr>
-        <p:cNvPr id="85" name="Shape 85"/>
+        <p:cNvPr id="1" name="Shape 85"/>
         <p:cNvGrpSpPr/>
         <p:nvPr/>
       </p:nvGrpSpPr>
@@ -8008,7 +8178,9 @@
       <p:sp>
         <p:nvSpPr>
           <p:cNvPr id="86" name="Google Shape;86;p13"/>
-          <p:cNvSpPr txBox="1"/>
+          <p:cNvSpPr txBox="1">
+            <a:spLocks noGrp="1"/>
+          </p:cNvSpPr>
           <p:nvPr>
             <p:ph type="ctrTitle"/>
           </p:nvPr>
@@ -8044,10 +8216,6 @@
               </a:rPr>
               <a:t>Ideas For Problem Statement</a:t>
             </a:r>
-            <a:endParaRPr lang="en-GB">
-              <a:latin typeface="Cambria" panose="02040503050406030204" charset="0"/>
-              <a:cs typeface="Cambria" panose="02040503050406030204" charset="0"/>
-            </a:endParaRPr>
           </a:p>
         </p:txBody>
       </p:sp>
@@ -8064,7 +8232,7 @@
   <p:cSld>
     <p:spTree>
       <p:nvGrpSpPr>
-        <p:cNvPr id="91" name="Shape 91"/>
+        <p:cNvPr id="1" name="Shape 97"/>
         <p:cNvGrpSpPr/>
         <p:nvPr/>
       </p:nvGrpSpPr>
@@ -8078,8 +8246,10 @@
       </p:grpSpPr>
       <p:sp>
         <p:nvSpPr>
-          <p:cNvPr id="92" name="Google Shape;92;p14"/>
-          <p:cNvSpPr txBox="1"/>
+          <p:cNvPr id="98" name="Google Shape;98;p15"/>
+          <p:cNvSpPr txBox="1">
+            <a:spLocks noGrp="1"/>
+          </p:cNvSpPr>
           <p:nvPr>
             <p:ph type="title"/>
           </p:nvPr>
@@ -8108,13 +8278,16 @@
               </a:spcAft>
               <a:buNone/>
             </a:pPr>
+            <a:endParaRPr/>
           </a:p>
         </p:txBody>
       </p:sp>
       <p:sp>
         <p:nvSpPr>
-          <p:cNvPr id="93" name="Google Shape;93;p14"/>
-          <p:cNvSpPr txBox="1"/>
+          <p:cNvPr id="99" name="Google Shape;99;p15"/>
+          <p:cNvSpPr txBox="1">
+            <a:spLocks noGrp="1"/>
+          </p:cNvSpPr>
           <p:nvPr>
             <p:ph type="body" idx="1"/>
           </p:nvPr>
@@ -8143,6 +8316,7 @@
               </a:spcAft>
               <a:buNone/>
             </a:pPr>
+            <a:endParaRPr/>
           </a:p>
         </p:txBody>
       </p:sp>
@@ -8166,18 +8340,15 @@
           <a:bodyPr wrap="square" rtlCol="0">
             <a:spAutoFit/>
           </a:bodyPr>
+          <a:lstStyle/>
           <a:p>
             <a:r>
               <a:rPr lang="en-US">
                 <a:latin typeface="Times New Roman" panose="02020603050405020304" charset="0"/>
                 <a:cs typeface="Times New Roman" panose="02020603050405020304" charset="0"/>
               </a:rPr>
-              <a:t>Sakshi</a:t>
+              <a:t>Abhishek</a:t>
             </a:r>
-            <a:endParaRPr lang="en-US">
-              <a:latin typeface="Times New Roman" panose="02020603050405020304" charset="0"/>
-              <a:cs typeface="Times New Roman" panose="02020603050405020304" charset="0"/>
-            </a:endParaRPr>
           </a:p>
         </p:txBody>
       </p:sp>
@@ -8194,7 +8365,7 @@
   <p:cSld>
     <p:spTree>
       <p:nvGrpSpPr>
-        <p:cNvPr id="97" name="Shape 97"/>
+        <p:cNvPr id="1" name="Shape 103"/>
         <p:cNvGrpSpPr/>
         <p:nvPr/>
       </p:nvGrpSpPr>
@@ -8208,8 +8379,10 @@
       </p:grpSpPr>
       <p:sp>
         <p:nvSpPr>
-          <p:cNvPr id="98" name="Google Shape;98;p15"/>
-          <p:cNvSpPr txBox="1"/>
+          <p:cNvPr id="104" name="Google Shape;104;p16"/>
+          <p:cNvSpPr txBox="1">
+            <a:spLocks noGrp="1"/>
+          </p:cNvSpPr>
           <p:nvPr>
             <p:ph type="title"/>
           </p:nvPr>
@@ -8238,13 +8411,16 @@
               </a:spcAft>
               <a:buNone/>
             </a:pPr>
+            <a:endParaRPr/>
           </a:p>
         </p:txBody>
       </p:sp>
       <p:sp>
         <p:nvSpPr>
-          <p:cNvPr id="99" name="Google Shape;99;p15"/>
-          <p:cNvSpPr txBox="1"/>
+          <p:cNvPr id="105" name="Google Shape;105;p16"/>
+          <p:cNvSpPr txBox="1">
+            <a:spLocks noGrp="1"/>
+          </p:cNvSpPr>
           <p:nvPr>
             <p:ph type="body" idx="1"/>
           </p:nvPr>
@@ -8273,6 +8449,7 @@
               </a:spcAft>
               <a:buNone/>
             </a:pPr>
+            <a:endParaRPr/>
           </a:p>
         </p:txBody>
       </p:sp>
@@ -8296,18 +8473,15 @@
           <a:bodyPr wrap="square" rtlCol="0">
             <a:spAutoFit/>
           </a:bodyPr>
+          <a:lstStyle/>
           <a:p>
             <a:r>
               <a:rPr lang="en-US">
                 <a:latin typeface="Times New Roman" panose="02020603050405020304" charset="0"/>
                 <a:cs typeface="Times New Roman" panose="02020603050405020304" charset="0"/>
               </a:rPr>
-              <a:t>Abhishek</a:t>
+              <a:t>Varun</a:t>
             </a:r>
-            <a:endParaRPr lang="en-US">
-              <a:latin typeface="Times New Roman" panose="02020603050405020304" charset="0"/>
-              <a:cs typeface="Times New Roman" panose="02020603050405020304" charset="0"/>
-            </a:endParaRPr>
           </a:p>
         </p:txBody>
       </p:sp>
@@ -8324,7 +8498,7 @@
   <p:cSld>
     <p:spTree>
       <p:nvGrpSpPr>
-        <p:cNvPr id="103" name="Shape 103"/>
+        <p:cNvPr id="1" name="Shape 91"/>
         <p:cNvGrpSpPr/>
         <p:nvPr/>
       </p:nvGrpSpPr>
@@ -8338,16 +8512,18 @@
       </p:grpSpPr>
       <p:sp>
         <p:nvSpPr>
-          <p:cNvPr id="104" name="Google Shape;104;p16"/>
-          <p:cNvSpPr txBox="1"/>
+          <p:cNvPr id="92" name="Google Shape;92;p14"/>
+          <p:cNvSpPr txBox="1">
+            <a:spLocks noGrp="1"/>
+          </p:cNvSpPr>
           <p:nvPr>
             <p:ph type="title"/>
           </p:nvPr>
         </p:nvSpPr>
         <p:spPr>
           <a:xfrm>
-            <a:off x="729450" y="1318650"/>
-            <a:ext cx="7688700" cy="535200"/>
+            <a:off x="147145" y="515006"/>
+            <a:ext cx="8218453" cy="487505"/>
           </a:xfrm>
           <a:prstGeom prst="rect">
             <a:avLst/>
@@ -8368,21 +8544,35 @@
               </a:spcAft>
               <a:buNone/>
             </a:pPr>
+            <a:r>
+              <a:rPr lang="en-US" dirty="0" smtClean="0">
+                <a:hlinkClick r:id="rId3"/>
+              </a:rPr>
+              <a:t>	Neural Integration of Speaker and Message</a:t>
+            </a:r>
+            <a:br>
+              <a:rPr lang="en-US" dirty="0" smtClean="0">
+                <a:hlinkClick r:id="rId3"/>
+              </a:rPr>
+            </a:br>
+            <a:endParaRPr/>
           </a:p>
         </p:txBody>
       </p:sp>
       <p:sp>
         <p:nvSpPr>
-          <p:cNvPr id="105" name="Google Shape;105;p16"/>
-          <p:cNvSpPr txBox="1"/>
+          <p:cNvPr id="93" name="Google Shape;93;p14"/>
+          <p:cNvSpPr txBox="1">
+            <a:spLocks noGrp="1"/>
+          </p:cNvSpPr>
           <p:nvPr>
             <p:ph type="body" idx="1"/>
           </p:nvPr>
         </p:nvSpPr>
         <p:spPr>
           <a:xfrm>
-            <a:off x="729450" y="2078875"/>
-            <a:ext cx="7688700" cy="2261100"/>
+            <a:off x="0" y="1153963"/>
+            <a:ext cx="9144000" cy="3743857"/>
           </a:xfrm>
           <a:prstGeom prst="rect">
             <a:avLst/>
@@ -8394,15 +8584,153 @@
           </a:bodyPr>
           <a:lstStyle/>
           <a:p>
-            <a:pPr marL="0" lvl="0" indent="0" algn="l" rtl="0">
-              <a:spcBef>
-                <a:spcPts val="0"/>
-              </a:spcBef>
+            <a:r>
+              <a:rPr lang="en-US" b="1" dirty="0" smtClean="0"/>
+              <a:t>Pragmatics </a:t>
+            </a:r>
+            <a:r>
+              <a:rPr lang="en-US" dirty="0" smtClean="0"/>
+              <a:t>:</a:t>
+            </a:r>
+            <a:r>
+              <a:rPr lang="en-US" i="1" dirty="0" smtClean="0"/>
+              <a:t>First published Tue Nov 28, 2006; substantive revision Wed Aug 21, 2019</a:t>
+            </a:r>
+          </a:p>
+          <a:p>
+            <a:pPr>
+              <a:buNone/>
+            </a:pPr>
+            <a:r>
+              <a:rPr lang="en-US" i="1" dirty="0" smtClean="0"/>
+              <a:t>       </a:t>
+            </a:r>
+            <a:r>
+              <a:rPr lang="en-US" i="1" dirty="0" smtClean="0">
+                <a:hlinkClick r:id="rId4"/>
+              </a:rPr>
+              <a:t>https://plato.stanford.edu/entries/pragmatics/</a:t>
+            </a:r>
+            <a:endParaRPr lang="en-US" dirty="0" smtClean="0"/>
+          </a:p>
+          <a:p>
+            <a:r>
+              <a:rPr lang="en-US" b="1" dirty="0" smtClean="0"/>
+              <a:t>Factors affecting pragmatic competence and Turkish EFL context</a:t>
+            </a:r>
+          </a:p>
+          <a:p>
+            <a:pPr>
+              <a:buNone/>
+            </a:pPr>
+            <a:r>
+              <a:rPr lang="en-US" i="1" dirty="0" smtClean="0">
+                <a:hlinkClick r:id="rId5"/>
+              </a:rPr>
+              <a:t>https://www.researchgate.net/publication/291756385_Factors_affecting_pragmatic_competence_and_Turkish_EFL_context</a:t>
+            </a:r>
+            <a:endParaRPr lang="en-US" dirty="0" smtClean="0"/>
+          </a:p>
+          <a:p>
+            <a:r>
+              <a:rPr lang="en-US" b="1" dirty="0" smtClean="0"/>
+              <a:t>Deep Representation Learning in Speech Processing: Challenges, Recent Advances, and Future Trends </a:t>
+            </a:r>
+          </a:p>
+          <a:p>
+            <a:pPr>
+              <a:buNone/>
+            </a:pPr>
+            <a:r>
+              <a:rPr lang="en-US" dirty="0" smtClean="0">
+                <a:hlinkClick r:id="rId6"/>
+              </a:rPr>
+              <a:t>https://arxiv.org/pdf/2001.00378.pdf</a:t>
+            </a:r>
+            <a:endParaRPr lang="en-US" dirty="0" smtClean="0"/>
+          </a:p>
+          <a:p>
+            <a:r>
+              <a:rPr lang="en-IN" b="1" dirty="0" smtClean="0"/>
+              <a:t>Speaker Recognition</a:t>
+            </a:r>
+          </a:p>
+          <a:p>
+            <a:pPr>
+              <a:buNone/>
+            </a:pPr>
+            <a:r>
+              <a:rPr lang="en-US" dirty="0" smtClean="0">
+                <a:hlinkClick r:id="rId7"/>
+              </a:rPr>
+              <a:t>https://www.sciencedirect.com/topics/computer-science/speaker-recognition</a:t>
+            </a:r>
+            <a:endParaRPr lang="en-US" dirty="0" smtClean="0"/>
+          </a:p>
+          <a:p>
+            <a:r>
+              <a:rPr lang="en-US" b="1" dirty="0" smtClean="0"/>
+              <a:t>Speaker Recognition: Advancements and Challenges</a:t>
+            </a:r>
+          </a:p>
+          <a:p>
+            <a:pPr>
+              <a:buNone/>
+            </a:pPr>
+            <a:r>
+              <a:rPr lang="en-US" dirty="0" smtClean="0">
+                <a:hlinkClick r:id="rId8"/>
+              </a:rPr>
+              <a:t>https://www.researchgate.net/publication/241686419_Speaker_Recognition_Advancements_and_Challenges</a:t>
+            </a:r>
+            <a:endParaRPr lang="en-US" dirty="0" smtClean="0"/>
+          </a:p>
+          <a:p>
+            <a:r>
+              <a:rPr lang="en-US" b="1" dirty="0" smtClean="0"/>
+              <a:t>Speaker Emotion Recognition Based on Speech Features and Classification Techniques</a:t>
+            </a:r>
+          </a:p>
+          <a:p>
+            <a:pPr>
+              <a:buNone/>
+            </a:pPr>
+            <a:r>
+              <a:rPr lang="en-US" dirty="0" smtClean="0">
+                <a:hlinkClick r:id="rId9"/>
+              </a:rPr>
+              <a:t>https://www.researchgate.net/publication/279043457_Speaker_Emotion_Recognition_Based_on_Speech_Features_and_Classification_Techniques</a:t>
+            </a:r>
+            <a:endParaRPr lang="en-US" dirty="0" smtClean="0"/>
+          </a:p>
+          <a:p>
+            <a:r>
+              <a:rPr lang="en-US" b="1" dirty="0" smtClean="0"/>
+              <a:t>Natural language processing, pragmatics, and verbal behavior</a:t>
+            </a:r>
+          </a:p>
+          <a:p>
+            <a:pPr>
+              <a:buNone/>
+            </a:pPr>
+            <a:r>
+              <a:rPr lang="en-US" dirty="0" smtClean="0">
+                <a:hlinkClick r:id="rId10"/>
+              </a:rPr>
+              <a:t>https://www.researchgate.net/publication/223958891_Natural_language_processing_pragmatics_and_verbal_behavior</a:t>
+            </a:r>
+            <a:endParaRPr lang="en-US" dirty="0" smtClean="0"/>
+          </a:p>
+          <a:p>
+            <a:endParaRPr lang="en-US" dirty="0" smtClean="0"/>
+          </a:p>
+          <a:p>
+            <a:pPr marL="0" indent="0">
               <a:spcAft>
                 <a:spcPts val="1600"/>
               </a:spcAft>
-              <a:buNone/>
             </a:pPr>
+            <a:endParaRPr/>
           </a:p>
         </p:txBody>
       </p:sp>
@@ -8426,15 +8754,16 @@
           <a:bodyPr wrap="square" rtlCol="0">
             <a:spAutoFit/>
           </a:bodyPr>
+          <a:lstStyle/>
           <a:p>
             <a:r>
-              <a:rPr lang="en-US">
+              <a:rPr lang="en-US" dirty="0" smtClean="0">
                 <a:latin typeface="Times New Roman" panose="02020603050405020304" charset="0"/>
                 <a:cs typeface="Times New Roman" panose="02020603050405020304" charset="0"/>
               </a:rPr>
-              <a:t>Varun</a:t>
+              <a:t>     Sakshi</a:t>
             </a:r>
-            <a:endParaRPr lang="en-US">
+            <a:endParaRPr lang="en-US" dirty="0">
               <a:latin typeface="Times New Roman" panose="02020603050405020304" charset="0"/>
               <a:cs typeface="Times New Roman" panose="02020603050405020304" charset="0"/>
             </a:endParaRPr>
@@ -8454,7 +8783,7 @@
   <p:cSld>
     <p:spTree>
       <p:nvGrpSpPr>
-        <p:cNvPr id="109" name="Shape 109"/>
+        <p:cNvPr id="1" name="Shape 109"/>
         <p:cNvGrpSpPr/>
         <p:nvPr/>
       </p:nvGrpSpPr>
@@ -8469,7 +8798,9 @@
       <p:sp>
         <p:nvSpPr>
           <p:cNvPr id="110" name="Google Shape;110;p17"/>
-          <p:cNvSpPr txBox="1"/>
+          <p:cNvSpPr txBox="1">
+            <a:spLocks noGrp="1"/>
+          </p:cNvSpPr>
           <p:nvPr>
             <p:ph type="title"/>
           </p:nvPr>
@@ -8505,6 +8836,13 @@
                 <a:sym typeface="+mn-ea"/>
               </a:rPr>
               <a:t>Infant Cry Language Analysis and Recognition:</a:t>
+            </a:r>
+            <a:r>
+              <a:rPr lang="en-US" b="1" dirty="0">
+                <a:latin typeface="Calibri" panose="020F0502020204030204" charset="0"/>
+                <a:cs typeface="Calibri" panose="020F0502020204030204" charset="0"/>
+              </a:rPr>
+              <a:t/>
             </a:r>
             <a:br>
               <a:rPr lang="en-US" b="1" dirty="0">
@@ -8532,7 +8870,9 @@
       <p:sp>
         <p:nvSpPr>
           <p:cNvPr id="111" name="Google Shape;111;p17"/>
-          <p:cNvSpPr txBox="1"/>
+          <p:cNvSpPr txBox="1">
+            <a:spLocks noGrp="1"/>
+          </p:cNvSpPr>
           <p:nvPr>
             <p:ph type="body" idx="1"/>
           </p:nvPr>
@@ -8594,6 +8934,14 @@
               </a:rPr>
               <a:t> </a:t>
             </a:r>
+            <a:r>
+              <a:rPr lang="en-IN" altLang="en-US" dirty="0">
+                <a:latin typeface="Calibri" panose="020F0502020204030204" charset="0"/>
+                <a:cs typeface="Calibri" panose="020F0502020204030204" charset="0"/>
+                <a:sym typeface="+mn-ea"/>
+              </a:rPr>
+              <a:t/>
+            </a:r>
             <a:br>
               <a:rPr lang="en-IN" altLang="en-US" dirty="0">
                 <a:latin typeface="Calibri" panose="020F0502020204030204" charset="0"/>
@@ -8642,14 +8990,6 @@
               </a:rPr>
               <a:t>Emojify – Create your own emoji with Deep Learning :</a:t>
             </a:r>
-            <a:endParaRPr lang="en-IN" altLang="en-US" sz="1800" b="1" dirty="0">
-              <a:solidFill>
-                <a:schemeClr val="bg2"/>
-              </a:solidFill>
-              <a:latin typeface="Calibri" panose="020F0502020204030204" charset="0"/>
-              <a:cs typeface="Calibri" panose="020F0502020204030204" charset="0"/>
-              <a:sym typeface="+mn-ea"/>
-            </a:endParaRPr>
           </a:p>
           <a:p>
             <a:pPr marL="0" lvl="0" indent="0" algn="l" rtl="0">
@@ -8675,14 +9015,6 @@
               </a:rPr>
               <a:t>Get the emoji of the humans facial expression.</a:t>
             </a:r>
-            <a:endParaRPr lang="en-IN" altLang="en-US" sz="1400" dirty="0">
-              <a:solidFill>
-                <a:schemeClr val="bg2"/>
-              </a:solidFill>
-              <a:latin typeface="Calibri" panose="020F0502020204030204" charset="0"/>
-              <a:cs typeface="Calibri" panose="020F0502020204030204" charset="0"/>
-              <a:sym typeface="+mn-ea"/>
-            </a:endParaRPr>
           </a:p>
           <a:p>
             <a:pPr marL="0" lvl="0" indent="0" algn="l" rtl="0">
@@ -8708,14 +9040,6 @@
               </a:rPr>
               <a:t>https://github.com/EvilPort2/emojify</a:t>
             </a:r>
-            <a:endParaRPr lang="en-IN" altLang="en-US" sz="1200" dirty="0">
-              <a:solidFill>
-                <a:srgbClr val="00B0F0"/>
-              </a:solidFill>
-              <a:latin typeface="Calibri" panose="020F0502020204030204" charset="0"/>
-              <a:cs typeface="Calibri" panose="020F0502020204030204" charset="0"/>
-              <a:sym typeface="+mn-ea"/>
-            </a:endParaRPr>
           </a:p>
           <a:p>
             <a:pPr marL="0" lvl="0" indent="0" algn="l" rtl="0">
@@ -8762,6 +9086,7 @@
               </a:spcAft>
               <a:buNone/>
             </a:pPr>
+            <a:endParaRPr/>
           </a:p>
         </p:txBody>
       </p:sp>
@@ -8785,6 +9110,7 @@
           <a:bodyPr wrap="square" rtlCol="0">
             <a:spAutoFit/>
           </a:bodyPr>
+          <a:lstStyle/>
           <a:p>
             <a:r>
               <a:rPr lang="en-US">
@@ -8800,10 +9126,6 @@
               </a:rPr>
               <a:t>Ganiger</a:t>
             </a:r>
-            <a:endParaRPr lang="en-IN" altLang="en-US">
-              <a:latin typeface="Times New Roman" panose="02020603050405020304" charset="0"/>
-              <a:cs typeface="Times New Roman" panose="02020603050405020304" charset="0"/>
-            </a:endParaRPr>
           </a:p>
         </p:txBody>
       </p:sp>
@@ -8820,7 +9142,7 @@
   <p:cSld>
     <p:spTree>
       <p:nvGrpSpPr>
-        <p:cNvPr id="115" name="Shape 115"/>
+        <p:cNvPr id="1" name="Shape 115"/>
         <p:cNvGrpSpPr/>
         <p:nvPr/>
       </p:nvGrpSpPr>
@@ -8835,7 +9157,9 @@
       <p:sp>
         <p:nvSpPr>
           <p:cNvPr id="116" name="Google Shape;116;p18"/>
-          <p:cNvSpPr txBox="1"/>
+          <p:cNvSpPr txBox="1">
+            <a:spLocks noGrp="1"/>
+          </p:cNvSpPr>
           <p:nvPr>
             <p:ph type="title"/>
           </p:nvPr>
@@ -8864,13 +9188,16 @@
               </a:spcAft>
               <a:buNone/>
             </a:pPr>
+            <a:endParaRPr/>
           </a:p>
         </p:txBody>
       </p:sp>
       <p:sp>
         <p:nvSpPr>
           <p:cNvPr id="117" name="Google Shape;117;p18"/>
-          <p:cNvSpPr txBox="1"/>
+          <p:cNvSpPr txBox="1">
+            <a:spLocks noGrp="1"/>
+          </p:cNvSpPr>
           <p:nvPr>
             <p:ph type="body" idx="1"/>
           </p:nvPr>
@@ -8899,6 +9226,7 @@
               </a:spcAft>
               <a:buNone/>
             </a:pPr>
+            <a:endParaRPr/>
           </a:p>
         </p:txBody>
       </p:sp>
@@ -9186,9 +9514,11 @@
       </a:bgFillStyleLst>
     </a:fmtScheme>
   </a:themeElements>
+  <a:objectDefaults/>
+  <a:extraClrSchemeLst/>
   <a:extLst>
     <a:ext uri="{05A4C25C-085E-4340-85A3-A5531E510DB2}">
-      <thm15:themeFamily xmlns:thm15="http://schemas.microsoft.com/office/thememl/2012/main" name="Office Theme" id="{62F939B6-93AF-4DB8-9C6B-D6C7DFDC589F}" vid="{4A3C46E8-61CC-4603-A589-7422A47A8E4A}"/>
+      <thm15:themeFamily xmlns:thm15="http://schemas.microsoft.com/office/thememl/2012/main" xmlns="" name="Office Theme" id="{62F939B6-93AF-4DB8-9C6B-D6C7DFDC589F}" vid="{4A3C46E8-61CC-4603-A589-7422A47A8E4A}"/>
     </a:ext>
   </a:extLst>
 </a:theme>
@@ -9470,9 +9800,11 @@
       </a:bgFillStyleLst>
     </a:fmtScheme>
   </a:themeElements>
+  <a:objectDefaults/>
+  <a:extraClrSchemeLst/>
   <a:extLst>
     <a:ext uri="{05A4C25C-085E-4340-85A3-A5531E510DB2}">
-      <thm15:themeFamily xmlns:thm15="http://schemas.microsoft.com/office/thememl/2012/main" name="Office Theme" id="{62F939B6-93AF-4DB8-9C6B-D6C7DFDC589F}" vid="{4A3C46E8-61CC-4603-A589-7422A47A8E4A}"/>
+      <thm15:themeFamily xmlns:thm15="http://schemas.microsoft.com/office/thememl/2012/main" xmlns="" name="Office Theme" id="{62F939B6-93AF-4DB8-9C6B-D6C7DFDC589F}" vid="{4A3C46E8-61CC-4603-A589-7422A47A8E4A}"/>
     </a:ext>
   </a:extLst>
 </a:theme>
@@ -9729,9 +10061,11 @@
       </a:bgFillStyleLst>
     </a:fmtScheme>
   </a:themeElements>
+  <a:objectDefaults/>
+  <a:extraClrSchemeLst/>
   <a:extLst>
     <a:ext uri="{05A4C25C-085E-4340-85A3-A5531E510DB2}">
-      <thm15:themeFamily xmlns:thm15="http://schemas.microsoft.com/office/thememl/2012/main" name="Office Theme" id="{62F939B6-93AF-4DB8-9C6B-D6C7DFDC589F}" vid="{4A3C46E8-61CC-4603-A589-7422A47A8E4A}"/>
+      <thm15:themeFamily xmlns:thm15="http://schemas.microsoft.com/office/thememl/2012/main" xmlns="" name="Office Theme" id="{62F939B6-93AF-4DB8-9C6B-D6C7DFDC589F}" vid="{4A3C46E8-61CC-4603-A589-7422A47A8E4A}"/>
     </a:ext>
   </a:extLst>
 </a:theme>

--- a/IDEAS FOR PROBLEM STATEMENT 4.pptx
+++ b/IDEAS FOR PROBLEM STATEMENT 4.pptx
@@ -5,43 +5,48 @@
     <p:sldMasterId id="2147483648" r:id="rId1"/>
   </p:sldMasterIdLst>
   <p:notesMasterIdLst>
-    <p:notesMasterId r:id="rId8"/>
+    <p:notesMasterId r:id="rId4"/>
   </p:notesMasterIdLst>
   <p:handoutMasterIdLst>
-    <p:handoutMasterId r:id="rId9"/>
+    <p:handoutMasterId r:id="rId11"/>
   </p:handoutMasterIdLst>
   <p:sldIdLst>
-    <p:sldId id="256" r:id="rId2"/>
-    <p:sldId id="258" r:id="rId3"/>
-    <p:sldId id="259" r:id="rId4"/>
-    <p:sldId id="262" r:id="rId5"/>
-    <p:sldId id="260" r:id="rId6"/>
-    <p:sldId id="261" r:id="rId7"/>
+    <p:sldId id="256" r:id="rId3"/>
+    <p:sldId id="258" r:id="rId5"/>
+    <p:sldId id="265" r:id="rId6"/>
+    <p:sldId id="266" r:id="rId7"/>
+    <p:sldId id="262" r:id="rId8"/>
+    <p:sldId id="260" r:id="rId9"/>
+    <p:sldId id="261" r:id="rId10"/>
   </p:sldIdLst>
   <p:sldSz cx="9144000" cy="5143500" type="screen16x9"/>
   <p:notesSz cx="6858000" cy="9144000"/>
   <p:embeddedFontLst>
     <p:embeddedFont>
-      <p:font typeface="Cambria" pitchFamily="18" charset="0"/>
-      <p:regular r:id="rId10"/>
-      <p:bold r:id="rId11"/>
-      <p:italic r:id="rId12"/>
-      <p:boldItalic r:id="rId13"/>
-    </p:embeddedFont>
-    <p:embeddedFont>
-      <p:font typeface="Raleway" charset="0"/>
-      <p:regular r:id="rId14"/>
-    </p:embeddedFont>
-    <p:embeddedFont>
-      <p:font typeface="Lato" charset="0"/>
+      <p:font typeface="Raleway"/>
       <p:regular r:id="rId15"/>
     </p:embeddedFont>
     <p:embeddedFont>
-      <p:font typeface="Calibri" pitchFamily="34" charset="0"/>
+      <p:font typeface="Lato" panose="020F0502020204030203"/>
       <p:regular r:id="rId16"/>
-      <p:bold r:id="rId17"/>
-      <p:italic r:id="rId18"/>
-      <p:boldItalic r:id="rId19"/>
+    </p:embeddedFont>
+    <p:embeddedFont>
+      <p:font typeface="Cambria" panose="02040503050406030204" charset="0"/>
+      <p:regular r:id="rId17"/>
+      <p:bold r:id="rId18"/>
+      <p:italic r:id="rId19"/>
+      <p:boldItalic r:id="rId20"/>
+    </p:embeddedFont>
+    <p:embeddedFont>
+      <p:font typeface="Calibri" panose="020F0502020204030204" charset="0"/>
+      <p:regular r:id="rId21"/>
+      <p:bold r:id="rId22"/>
+      <p:italic r:id="rId23"/>
+      <p:boldItalic r:id="rId24"/>
+    </p:embeddedFont>
+    <p:embeddedFont>
+      <p:font typeface="Gabriola" panose="04040605051002020D02" charset="0"/>
+      <p:regular r:id="rId25"/>
     </p:embeddedFont>
   </p:embeddedFontLst>
   <p:defaultTextStyle>
@@ -358,8 +363,6 @@
           <a:p>
             <a:fld id="{696C064A-D61B-4B21-B757-51A9B82445B8}" type="datetimeFigureOut">
               <a:rPr lang="en-US" smtClean="0"/>
-              <a:pPr/>
-              <a:t>10/7/2020</a:t>
             </a:fld>
             <a:endParaRPr lang="en-US"/>
           </a:p>
@@ -396,6 +399,7 @@
               <a:rPr lang="en-US"/>
               <a:t>Sakshi</a:t>
             </a:r>
+            <a:endParaRPr lang="en-US"/>
           </a:p>
         </p:txBody>
       </p:sp>
@@ -428,8 +432,6 @@
           <a:p>
             <a:fld id="{50305E07-67EA-4042-A3F6-853A8AD8D209}" type="slidenum">
               <a:rPr lang="en-US" smtClean="0"/>
-              <a:pPr/>
-              <a:t>‹#›</a:t>
             </a:fld>
             <a:endParaRPr lang="en-US"/>
           </a:p>
@@ -643,9 +645,7 @@
               <a:defRPr sz="1100"/>
             </a:lvl9pPr>
           </a:lstStyle>
-          <a:p>
-            <a:endParaRPr/>
-          </a:p>
+          <a:p/>
         </p:txBody>
       </p:sp>
     </p:spTree>
@@ -885,7 +885,7 @@
 </file>
 
 <file path=ppt/notesSlides/notesSlide1.xml><?xml version="1.0" encoding="utf-8"?>
-<p:notes xmlns:a="http://schemas.openxmlformats.org/drawingml/2006/main" xmlns:r="http://schemas.openxmlformats.org/officeDocument/2006/relationships" xmlns:p="http://schemas.openxmlformats.org/presentationml/2006/main" showMasterSp="0" showMasterPhAnim="0">
+<p:notes xmlns:a="http://schemas.openxmlformats.org/drawingml/2006/main" xmlns:r="http://schemas.openxmlformats.org/officeDocument/2006/relationships" xmlns:p="http://schemas.openxmlformats.org/presentationml/2006/main" showMasterPhAnim="0" showMasterSp="0">
   <p:cSld>
     <p:spTree>
       <p:nvGrpSpPr>
@@ -976,7 +976,6 @@
               </a:spcAft>
               <a:buNone/>
             </a:pPr>
-            <a:endParaRPr/>
           </a:p>
         </p:txBody>
       </p:sp>
@@ -989,7 +988,7 @@
 </file>
 
 <file path=ppt/notesSlides/notesSlide2.xml><?xml version="1.0" encoding="utf-8"?>
-<p:notes xmlns:a="http://schemas.openxmlformats.org/drawingml/2006/main" xmlns:r="http://schemas.openxmlformats.org/officeDocument/2006/relationships" xmlns:p="http://schemas.openxmlformats.org/presentationml/2006/main" showMasterSp="0" showMasterPhAnim="0">
+<p:notes xmlns:a="http://schemas.openxmlformats.org/drawingml/2006/main" xmlns:r="http://schemas.openxmlformats.org/officeDocument/2006/relationships" xmlns:p="http://schemas.openxmlformats.org/presentationml/2006/main" showMasterPhAnim="0" showMasterSp="0">
   <p:cSld>
     <p:spTree>
       <p:nvGrpSpPr>
@@ -1080,7 +1079,6 @@
               </a:spcAft>
               <a:buNone/>
             </a:pPr>
-            <a:endParaRPr/>
           </a:p>
         </p:txBody>
       </p:sp>
@@ -1093,11 +1091,11 @@
 </file>
 
 <file path=ppt/notesSlides/notesSlide3.xml><?xml version="1.0" encoding="utf-8"?>
-<p:notes xmlns:a="http://schemas.openxmlformats.org/drawingml/2006/main" xmlns:r="http://schemas.openxmlformats.org/officeDocument/2006/relationships" xmlns:p="http://schemas.openxmlformats.org/presentationml/2006/main" showMasterSp="0" showMasterPhAnim="0">
+<p:notes xmlns:a="http://schemas.openxmlformats.org/drawingml/2006/main" xmlns:r="http://schemas.openxmlformats.org/officeDocument/2006/relationships" xmlns:p="http://schemas.openxmlformats.org/presentationml/2006/main" showMasterPhAnim="0" showMasterSp="0">
   <p:cSld>
     <p:spTree>
       <p:nvGrpSpPr>
-        <p:cNvPr id="1" name="Shape 100"/>
+        <p:cNvPr id="100" name="Shape 100"/>
         <p:cNvGrpSpPr/>
         <p:nvPr/>
       </p:nvGrpSpPr>
@@ -1112,9 +1110,7 @@
       <p:sp>
         <p:nvSpPr>
           <p:cNvPr id="101" name="Google Shape;101;ga001bb0786_0_330:notes"/>
-          <p:cNvSpPr>
-            <a:spLocks noGrp="1" noRot="1" noChangeAspect="1"/>
-          </p:cNvSpPr>
+          <p:cNvSpPr/>
           <p:nvPr>
             <p:ph type="sldImg" idx="2"/>
           </p:nvPr>
@@ -1153,9 +1149,7 @@
       <p:sp>
         <p:nvSpPr>
           <p:cNvPr id="102" name="Google Shape;102;ga001bb0786_0_330:notes"/>
-          <p:cNvSpPr txBox="1">
-            <a:spLocks noGrp="1"/>
-          </p:cNvSpPr>
+          <p:cNvSpPr txBox="1"/>
           <p:nvPr>
             <p:ph type="body" idx="1"/>
           </p:nvPr>
@@ -1184,7 +1178,6 @@
               </a:spcAft>
               <a:buNone/>
             </a:pPr>
-            <a:endParaRPr/>
           </a:p>
         </p:txBody>
       </p:sp>
@@ -1197,7 +1190,106 @@
 </file>
 
 <file path=ppt/notesSlides/notesSlide4.xml><?xml version="1.0" encoding="utf-8"?>
-<p:notes xmlns:a="http://schemas.openxmlformats.org/drawingml/2006/main" xmlns:r="http://schemas.openxmlformats.org/officeDocument/2006/relationships" xmlns:p="http://schemas.openxmlformats.org/presentationml/2006/main" showMasterSp="0" showMasterPhAnim="0">
+<p:notes xmlns:a="http://schemas.openxmlformats.org/drawingml/2006/main" xmlns:r="http://schemas.openxmlformats.org/officeDocument/2006/relationships" xmlns:p="http://schemas.openxmlformats.org/presentationml/2006/main" showMasterPhAnim="0" showMasterSp="0">
+  <p:cSld>
+    <p:spTree>
+      <p:nvGrpSpPr>
+        <p:cNvPr id="106" name="Shape 106"/>
+        <p:cNvGrpSpPr/>
+        <p:nvPr/>
+      </p:nvGrpSpPr>
+      <p:grpSpPr>
+        <a:xfrm>
+          <a:off x="0" y="0"/>
+          <a:ext cx="0" cy="0"/>
+          <a:chOff x="0" y="0"/>
+          <a:chExt cx="0" cy="0"/>
+        </a:xfrm>
+      </p:grpSpPr>
+      <p:sp>
+        <p:nvSpPr>
+          <p:cNvPr id="107" name="Google Shape;107;ga001bb0786_0_335:notes"/>
+          <p:cNvSpPr/>
+          <p:nvPr>
+            <p:ph type="sldImg" idx="2"/>
+          </p:nvPr>
+        </p:nvSpPr>
+        <p:spPr>
+          <a:xfrm>
+            <a:off x="381300" y="685800"/>
+            <a:ext cx="6096000" cy="3429000"/>
+          </a:xfrm>
+          <a:custGeom>
+            <a:avLst/>
+            <a:gdLst/>
+            <a:ahLst/>
+            <a:cxnLst/>
+            <a:rect l="l" t="t" r="r" b="b"/>
+            <a:pathLst>
+              <a:path w="120000" h="120000" extrusionOk="0">
+                <a:moveTo>
+                  <a:pt x="0" y="0"/>
+                </a:moveTo>
+                <a:lnTo>
+                  <a:pt x="120000" y="0"/>
+                </a:lnTo>
+                <a:lnTo>
+                  <a:pt x="120000" y="120000"/>
+                </a:lnTo>
+                <a:lnTo>
+                  <a:pt x="0" y="120000"/>
+                </a:lnTo>
+                <a:close/>
+              </a:path>
+            </a:pathLst>
+          </a:custGeom>
+        </p:spPr>
+      </p:sp>
+      <p:sp>
+        <p:nvSpPr>
+          <p:cNvPr id="108" name="Google Shape;108;ga001bb0786_0_335:notes"/>
+          <p:cNvSpPr txBox="1"/>
+          <p:nvPr>
+            <p:ph type="body" idx="1"/>
+          </p:nvPr>
+        </p:nvSpPr>
+        <p:spPr>
+          <a:xfrm>
+            <a:off x="685800" y="4343400"/>
+            <a:ext cx="5486400" cy="4114800"/>
+          </a:xfrm>
+          <a:prstGeom prst="rect">
+            <a:avLst/>
+          </a:prstGeom>
+        </p:spPr>
+        <p:txBody>
+          <a:bodyPr spcFirstLastPara="1" wrap="square" lIns="91425" tIns="91425" rIns="91425" bIns="91425" anchor="t" anchorCtr="0">
+            <a:noAutofit/>
+          </a:bodyPr>
+          <a:lstStyle/>
+          <a:p>
+            <a:pPr marL="0" lvl="0" indent="0" algn="l" rtl="0">
+              <a:spcBef>
+                <a:spcPts val="0"/>
+              </a:spcBef>
+              <a:spcAft>
+                <a:spcPts val="0"/>
+              </a:spcAft>
+              <a:buNone/>
+            </a:pPr>
+          </a:p>
+        </p:txBody>
+      </p:sp>
+    </p:spTree>
+  </p:cSld>
+  <p:clrMapOvr>
+    <a:masterClrMapping/>
+  </p:clrMapOvr>
+</p:notes>
+</file>
+
+<file path=ppt/notesSlides/notesSlide5.xml><?xml version="1.0" encoding="utf-8"?>
+<p:notes xmlns:a="http://schemas.openxmlformats.org/drawingml/2006/main" xmlns:r="http://schemas.openxmlformats.org/officeDocument/2006/relationships" xmlns:p="http://schemas.openxmlformats.org/presentationml/2006/main" showMasterPhAnim="0" showMasterSp="0">
   <p:cSld>
     <p:spTree>
       <p:nvGrpSpPr>
@@ -1288,7 +1380,6 @@
               </a:spcAft>
               <a:buNone/>
             </a:pPr>
-            <a:endParaRPr/>
           </a:p>
         </p:txBody>
       </p:sp>
@@ -1300,8 +1391,8 @@
 </p:notes>
 </file>
 
-<file path=ppt/notesSlides/notesSlide5.xml><?xml version="1.0" encoding="utf-8"?>
-<p:notes xmlns:a="http://schemas.openxmlformats.org/drawingml/2006/main" xmlns:r="http://schemas.openxmlformats.org/officeDocument/2006/relationships" xmlns:p="http://schemas.openxmlformats.org/presentationml/2006/main" showMasterSp="0" showMasterPhAnim="0">
+<file path=ppt/notesSlides/notesSlide6.xml><?xml version="1.0" encoding="utf-8"?>
+<p:notes xmlns:a="http://schemas.openxmlformats.org/drawingml/2006/main" xmlns:r="http://schemas.openxmlformats.org/officeDocument/2006/relationships" xmlns:p="http://schemas.openxmlformats.org/presentationml/2006/main" showMasterPhAnim="0" showMasterSp="0">
   <p:cSld>
     <p:spTree>
       <p:nvGrpSpPr>
@@ -1392,7 +1483,6 @@
               </a:spcAft>
               <a:buNone/>
             </a:pPr>
-            <a:endParaRPr/>
           </a:p>
         </p:txBody>
       </p:sp>
@@ -1404,8 +1494,8 @@
 </p:notes>
 </file>
 
-<file path=ppt/notesSlides/notesSlide6.xml><?xml version="1.0" encoding="utf-8"?>
-<p:notes xmlns:a="http://schemas.openxmlformats.org/drawingml/2006/main" xmlns:r="http://schemas.openxmlformats.org/officeDocument/2006/relationships" xmlns:p="http://schemas.openxmlformats.org/presentationml/2006/main" showMasterSp="0" showMasterPhAnim="0">
+<file path=ppt/notesSlides/notesSlide7.xml><?xml version="1.0" encoding="utf-8"?>
+<p:notes xmlns:a="http://schemas.openxmlformats.org/drawingml/2006/main" xmlns:r="http://schemas.openxmlformats.org/officeDocument/2006/relationships" xmlns:p="http://schemas.openxmlformats.org/presentationml/2006/main" showMasterPhAnim="0" showMasterSp="0">
   <p:cSld>
     <p:spTree>
       <p:nvGrpSpPr>
@@ -1496,7 +1586,6 @@
               </a:spcAft>
               <a:buNone/>
             </a:pPr>
-            <a:endParaRPr/>
           </a:p>
         </p:txBody>
       </p:sp>
@@ -1509,7 +1598,7 @@
 </file>
 
 <file path=ppt/slideLayouts/slideLayout1.xml><?xml version="1.0" encoding="utf-8"?>
-<p:sldLayout xmlns:a="http://schemas.openxmlformats.org/drawingml/2006/main" xmlns:r="http://schemas.openxmlformats.org/officeDocument/2006/relationships" xmlns:p="http://schemas.openxmlformats.org/presentationml/2006/main" matchingName="Title slide" type="title">
+<p:sldLayout xmlns:a="http://schemas.openxmlformats.org/drawingml/2006/main" xmlns:r="http://schemas.openxmlformats.org/officeDocument/2006/relationships" xmlns:p="http://schemas.openxmlformats.org/presentationml/2006/main" type="title" matchingName="Title slide">
   <p:cSld name="TITLE">
     <p:bg>
       <p:bgPr>
@@ -1569,7 +1658,6 @@
               </a:spcAft>
               <a:buNone/>
             </a:pPr>
-            <a:endParaRPr/>
           </a:p>
         </p:txBody>
       </p:sp>
@@ -1623,7 +1711,6 @@
                 </a:spcAft>
                 <a:buNone/>
               </a:pPr>
-              <a:endParaRPr/>
             </a:p>
           </p:txBody>
         </p:sp>
@@ -1663,7 +1750,6 @@
                 </a:spcAft>
                 <a:buNone/>
               </a:pPr>
-              <a:endParaRPr/>
             </a:p>
           </p:txBody>
         </p:sp>
@@ -1855,9 +1941,7 @@
               </a:defRPr>
             </a:lvl9pPr>
           </a:lstStyle>
-          <a:p>
-            <a:endParaRPr/>
-          </a:p>
+          <a:p/>
         </p:txBody>
       </p:sp>
       <p:sp>
@@ -2011,9 +2095,7 @@
               <a:defRPr sz="1600"/>
             </a:lvl9pPr>
           </a:lstStyle>
-          <a:p>
-            <a:endParaRPr/>
-          </a:p>
+          <a:p/>
         </p:txBody>
       </p:sp>
       <p:sp>
@@ -2089,16 +2171,6 @@
             </a:pPr>
             <a:fld id="{00000000-1234-1234-1234-123412341234}" type="slidenum">
               <a:rPr lang="en-GB"/>
-              <a:pPr marL="0" lvl="0" indent="0" algn="r" rtl="0">
-                <a:spcBef>
-                  <a:spcPts val="0"/>
-                </a:spcBef>
-                <a:spcAft>
-                  <a:spcPts val="0"/>
-                </a:spcAft>
-                <a:buNone/>
-              </a:pPr>
-              <a:t>‹#›</a:t>
             </a:fld>
             <a:endParaRPr lang="en-GB"/>
           </a:p>
@@ -2188,7 +2260,6 @@
                 </a:spcAft>
                 <a:buNone/>
               </a:pPr>
-              <a:endParaRPr/>
             </a:p>
           </p:txBody>
         </p:sp>
@@ -2228,7 +2299,6 @@
                 </a:spcAft>
                 <a:buNone/>
               </a:pPr>
-              <a:endParaRPr/>
             </a:p>
           </p:txBody>
         </p:sp>
@@ -2614,9 +2684,7 @@
               </a:defRPr>
             </a:lvl9pPr>
           </a:lstStyle>
-          <a:p>
-            <a:endParaRPr/>
-          </a:p>
+          <a:p/>
         </p:txBody>
       </p:sp>
       <p:sp>
@@ -2728,16 +2796,6 @@
             </a:pPr>
             <a:fld id="{00000000-1234-1234-1234-123412341234}" type="slidenum">
               <a:rPr lang="en-GB"/>
-              <a:pPr marL="0" lvl="0" indent="0" algn="r" rtl="0">
-                <a:spcBef>
-                  <a:spcPts val="0"/>
-                </a:spcBef>
-                <a:spcAft>
-                  <a:spcPts val="0"/>
-                </a:spcAft>
-                <a:buNone/>
-              </a:pPr>
-              <a:t>‹#›</a:t>
             </a:fld>
             <a:endParaRPr lang="en-GB"/>
           </a:p>
@@ -2753,7 +2811,7 @@
 </file>
 
 <file path=ppt/slideLayouts/slideLayout2.xml><?xml version="1.0" encoding="utf-8"?>
-<p:sldLayout xmlns:a="http://schemas.openxmlformats.org/drawingml/2006/main" xmlns:r="http://schemas.openxmlformats.org/officeDocument/2006/relationships" xmlns:p="http://schemas.openxmlformats.org/presentationml/2006/main" matchingName="Section header" type="secHead">
+<p:sldLayout xmlns:a="http://schemas.openxmlformats.org/drawingml/2006/main" xmlns:r="http://schemas.openxmlformats.org/officeDocument/2006/relationships" xmlns:p="http://schemas.openxmlformats.org/presentationml/2006/main" type="secHead" matchingName="Section header">
   <p:cSld name="SECTION_HEADER">
     <p:bg>
       <p:bgPr>
@@ -2827,7 +2885,6 @@
                 </a:spcAft>
                 <a:buNone/>
               </a:pPr>
-              <a:endParaRPr/>
             </a:p>
           </p:txBody>
         </p:sp>
@@ -2867,7 +2924,6 @@
                 </a:spcAft>
                 <a:buNone/>
               </a:pPr>
-              <a:endParaRPr/>
             </a:p>
           </p:txBody>
         </p:sp>
@@ -3059,9 +3115,7 @@
               </a:defRPr>
             </a:lvl9pPr>
           </a:lstStyle>
-          <a:p>
-            <a:endParaRPr/>
-          </a:p>
+          <a:p/>
         </p:txBody>
       </p:sp>
       <p:sp>
@@ -3173,16 +3227,6 @@
             </a:pPr>
             <a:fld id="{00000000-1234-1234-1234-123412341234}" type="slidenum">
               <a:rPr lang="en-GB"/>
-              <a:pPr marL="0" lvl="0" indent="0" algn="r" rtl="0">
-                <a:spcBef>
-                  <a:spcPts val="0"/>
-                </a:spcBef>
-                <a:spcAft>
-                  <a:spcPts val="0"/>
-                </a:spcAft>
-                <a:buNone/>
-              </a:pPr>
-              <a:t>‹#›</a:t>
             </a:fld>
             <a:endParaRPr lang="en-GB"/>
           </a:p>
@@ -3198,7 +3242,7 @@
 </file>
 
 <file path=ppt/slideLayouts/slideLayout3.xml><?xml version="1.0" encoding="utf-8"?>
-<p:sldLayout xmlns:a="http://schemas.openxmlformats.org/drawingml/2006/main" xmlns:r="http://schemas.openxmlformats.org/officeDocument/2006/relationships" xmlns:p="http://schemas.openxmlformats.org/presentationml/2006/main" matchingName="Title and body" type="tx">
+<p:sldLayout xmlns:a="http://schemas.openxmlformats.org/drawingml/2006/main" xmlns:r="http://schemas.openxmlformats.org/officeDocument/2006/relationships" xmlns:p="http://schemas.openxmlformats.org/presentationml/2006/main" type="tx" matchingName="Title and body">
   <p:cSld name="TITLE_AND_BODY">
     <p:spTree>
       <p:nvGrpSpPr>
@@ -3250,7 +3294,6 @@
               </a:spcAft>
               <a:buNone/>
             </a:pPr>
-            <a:endParaRPr/>
           </a:p>
         </p:txBody>
       </p:sp>
@@ -3304,7 +3347,6 @@
                 </a:spcAft>
                 <a:buNone/>
               </a:pPr>
-              <a:endParaRPr/>
             </a:p>
           </p:txBody>
         </p:sp>
@@ -3344,7 +3386,6 @@
                 </a:spcAft>
                 <a:buNone/>
               </a:pPr>
-              <a:endParaRPr/>
             </a:p>
           </p:txBody>
         </p:sp>
@@ -3536,9 +3577,7 @@
               </a:defRPr>
             </a:lvl9pPr>
           </a:lstStyle>
-          <a:p>
-            <a:endParaRPr/>
-          </a:p>
+          <a:p/>
         </p:txBody>
       </p:sp>
       <p:sp>
@@ -3665,9 +3704,7 @@
               <a:defRPr/>
             </a:lvl9pPr>
           </a:lstStyle>
-          <a:p>
-            <a:endParaRPr/>
-          </a:p>
+          <a:p/>
         </p:txBody>
       </p:sp>
       <p:sp>
@@ -3743,16 +3780,6 @@
             </a:pPr>
             <a:fld id="{00000000-1234-1234-1234-123412341234}" type="slidenum">
               <a:rPr lang="en-GB"/>
-              <a:pPr marL="0" lvl="0" indent="0" algn="r" rtl="0">
-                <a:spcBef>
-                  <a:spcPts val="0"/>
-                </a:spcBef>
-                <a:spcAft>
-                  <a:spcPts val="0"/>
-                </a:spcAft>
-                <a:buNone/>
-              </a:pPr>
-              <a:t>‹#›</a:t>
             </a:fld>
             <a:endParaRPr lang="en-GB"/>
           </a:p>
@@ -3768,7 +3795,7 @@
 </file>
 
 <file path=ppt/slideLayouts/slideLayout4.xml><?xml version="1.0" encoding="utf-8"?>
-<p:sldLayout xmlns:a="http://schemas.openxmlformats.org/drawingml/2006/main" xmlns:r="http://schemas.openxmlformats.org/officeDocument/2006/relationships" xmlns:p="http://schemas.openxmlformats.org/presentationml/2006/main" matchingName="Title and two columns" type="twoColTx">
+<p:sldLayout xmlns:a="http://schemas.openxmlformats.org/drawingml/2006/main" xmlns:r="http://schemas.openxmlformats.org/officeDocument/2006/relationships" xmlns:p="http://schemas.openxmlformats.org/presentationml/2006/main" type="twoColTx" matchingName="Title and two columns">
   <p:cSld name="TITLE_AND_TWO_COLUMNS">
     <p:spTree>
       <p:nvGrpSpPr>
@@ -3820,7 +3847,6 @@
               </a:spcAft>
               <a:buNone/>
             </a:pPr>
-            <a:endParaRPr/>
           </a:p>
         </p:txBody>
       </p:sp>
@@ -3874,7 +3900,6 @@
                 </a:spcAft>
                 <a:buNone/>
               </a:pPr>
-              <a:endParaRPr/>
             </a:p>
           </p:txBody>
         </p:sp>
@@ -3914,7 +3939,6 @@
                 </a:spcAft>
                 <a:buNone/>
               </a:pPr>
-              <a:endParaRPr/>
             </a:p>
           </p:txBody>
         </p:sp>
@@ -4106,9 +4130,7 @@
               </a:defRPr>
             </a:lvl9pPr>
           </a:lstStyle>
-          <a:p>
-            <a:endParaRPr/>
-          </a:p>
+          <a:p/>
         </p:txBody>
       </p:sp>
       <p:sp>
@@ -4235,9 +4257,7 @@
               <a:defRPr/>
             </a:lvl9pPr>
           </a:lstStyle>
-          <a:p>
-            <a:endParaRPr/>
-          </a:p>
+          <a:p/>
         </p:txBody>
       </p:sp>
       <p:sp>
@@ -4364,9 +4384,7 @@
               <a:defRPr/>
             </a:lvl9pPr>
           </a:lstStyle>
-          <a:p>
-            <a:endParaRPr/>
-          </a:p>
+          <a:p/>
         </p:txBody>
       </p:sp>
       <p:sp>
@@ -4442,16 +4460,6 @@
             </a:pPr>
             <a:fld id="{00000000-1234-1234-1234-123412341234}" type="slidenum">
               <a:rPr lang="en-GB"/>
-              <a:pPr marL="0" lvl="0" indent="0" algn="r" rtl="0">
-                <a:spcBef>
-                  <a:spcPts val="0"/>
-                </a:spcBef>
-                <a:spcAft>
-                  <a:spcPts val="0"/>
-                </a:spcAft>
-                <a:buNone/>
-              </a:pPr>
-              <a:t>‹#›</a:t>
             </a:fld>
             <a:endParaRPr lang="en-GB"/>
           </a:p>
@@ -4467,7 +4475,7 @@
 </file>
 
 <file path=ppt/slideLayouts/slideLayout5.xml><?xml version="1.0" encoding="utf-8"?>
-<p:sldLayout xmlns:a="http://schemas.openxmlformats.org/drawingml/2006/main" xmlns:r="http://schemas.openxmlformats.org/officeDocument/2006/relationships" xmlns:p="http://schemas.openxmlformats.org/presentationml/2006/main" matchingName="Title only" type="titleOnly">
+<p:sldLayout xmlns:a="http://schemas.openxmlformats.org/drawingml/2006/main" xmlns:r="http://schemas.openxmlformats.org/officeDocument/2006/relationships" xmlns:p="http://schemas.openxmlformats.org/presentationml/2006/main" type="titleOnly" matchingName="Title only">
   <p:cSld name="TITLE_ONLY">
     <p:spTree>
       <p:nvGrpSpPr>
@@ -4519,7 +4527,6 @@
               </a:spcAft>
               <a:buNone/>
             </a:pPr>
-            <a:endParaRPr/>
           </a:p>
         </p:txBody>
       </p:sp>
@@ -4573,7 +4580,6 @@
                 </a:spcAft>
                 <a:buNone/>
               </a:pPr>
-              <a:endParaRPr/>
             </a:p>
           </p:txBody>
         </p:sp>
@@ -4613,7 +4619,6 @@
                 </a:spcAft>
                 <a:buNone/>
               </a:pPr>
-              <a:endParaRPr/>
             </a:p>
           </p:txBody>
         </p:sp>
@@ -4805,9 +4810,7 @@
               </a:defRPr>
             </a:lvl9pPr>
           </a:lstStyle>
-          <a:p>
-            <a:endParaRPr/>
-          </a:p>
+          <a:p/>
         </p:txBody>
       </p:sp>
       <p:sp>
@@ -4883,16 +4886,6 @@
             </a:pPr>
             <a:fld id="{00000000-1234-1234-1234-123412341234}" type="slidenum">
               <a:rPr lang="en-GB"/>
-              <a:pPr marL="0" lvl="0" indent="0" algn="r" rtl="0">
-                <a:spcBef>
-                  <a:spcPts val="0"/>
-                </a:spcBef>
-                <a:spcAft>
-                  <a:spcPts val="0"/>
-                </a:spcAft>
-                <a:buNone/>
-              </a:pPr>
-              <a:t>‹#›</a:t>
             </a:fld>
             <a:endParaRPr lang="en-GB"/>
           </a:p>
@@ -4960,7 +4953,6 @@
               </a:spcAft>
               <a:buNone/>
             </a:pPr>
-            <a:endParaRPr/>
           </a:p>
         </p:txBody>
       </p:sp>
@@ -5014,7 +5006,6 @@
                 </a:spcAft>
                 <a:buNone/>
               </a:pPr>
-              <a:endParaRPr/>
             </a:p>
           </p:txBody>
         </p:sp>
@@ -5054,7 +5045,6 @@
                 </a:spcAft>
                 <a:buNone/>
               </a:pPr>
-              <a:endParaRPr/>
             </a:p>
           </p:txBody>
         </p:sp>
@@ -5246,9 +5236,7 @@
               </a:defRPr>
             </a:lvl9pPr>
           </a:lstStyle>
-          <a:p>
-            <a:endParaRPr/>
-          </a:p>
+          <a:p/>
         </p:txBody>
       </p:sp>
       <p:sp>
@@ -5375,9 +5363,7 @@
               <a:defRPr/>
             </a:lvl9pPr>
           </a:lstStyle>
-          <a:p>
-            <a:endParaRPr/>
-          </a:p>
+          <a:p/>
         </p:txBody>
       </p:sp>
       <p:sp>
@@ -5453,16 +5439,6 @@
             </a:pPr>
             <a:fld id="{00000000-1234-1234-1234-123412341234}" type="slidenum">
               <a:rPr lang="en-GB"/>
-              <a:pPr marL="0" lvl="0" indent="0" algn="r" rtl="0">
-                <a:spcBef>
-                  <a:spcPts val="0"/>
-                </a:spcBef>
-                <a:spcAft>
-                  <a:spcPts val="0"/>
-                </a:spcAft>
-                <a:buNone/>
-              </a:pPr>
-              <a:t>‹#›</a:t>
             </a:fld>
             <a:endParaRPr lang="en-GB"/>
           </a:p>
@@ -5552,7 +5528,6 @@
                 </a:spcAft>
                 <a:buNone/>
               </a:pPr>
-              <a:endParaRPr/>
             </a:p>
           </p:txBody>
         </p:sp>
@@ -5592,7 +5567,6 @@
                 </a:spcAft>
                 <a:buNone/>
               </a:pPr>
-              <a:endParaRPr/>
             </a:p>
           </p:txBody>
         </p:sp>
@@ -5784,9 +5758,7 @@
               </a:defRPr>
             </a:lvl9pPr>
           </a:lstStyle>
-          <a:p>
-            <a:endParaRPr/>
-          </a:p>
+          <a:p/>
         </p:txBody>
       </p:sp>
       <p:sp>
@@ -5898,16 +5870,6 @@
             </a:pPr>
             <a:fld id="{00000000-1234-1234-1234-123412341234}" type="slidenum">
               <a:rPr lang="en-GB"/>
-              <a:pPr marL="0" lvl="0" indent="0" algn="r" rtl="0">
-                <a:spcBef>
-                  <a:spcPts val="0"/>
-                </a:spcBef>
-                <a:spcAft>
-                  <a:spcPts val="0"/>
-                </a:spcAft>
-                <a:buNone/>
-              </a:pPr>
-              <a:t>‹#›</a:t>
             </a:fld>
             <a:endParaRPr lang="en-GB"/>
           </a:p>
@@ -5975,7 +5937,6 @@
               </a:spcAft>
               <a:buNone/>
             </a:pPr>
-            <a:endParaRPr/>
           </a:p>
         </p:txBody>
       </p:sp>
@@ -6029,7 +5990,6 @@
                 </a:spcAft>
                 <a:buNone/>
               </a:pPr>
-              <a:endParaRPr/>
             </a:p>
           </p:txBody>
         </p:sp>
@@ -6069,7 +6029,6 @@
                 </a:spcAft>
                 <a:buNone/>
               </a:pPr>
-              <a:endParaRPr/>
             </a:p>
           </p:txBody>
         </p:sp>
@@ -6261,9 +6220,7 @@
               </a:defRPr>
             </a:lvl9pPr>
           </a:lstStyle>
-          <a:p>
-            <a:endParaRPr/>
-          </a:p>
+          <a:p/>
         </p:txBody>
       </p:sp>
       <p:sp>
@@ -6417,9 +6374,7 @@
               <a:defRPr sz="1600"/>
             </a:lvl9pPr>
           </a:lstStyle>
-          <a:p>
-            <a:endParaRPr/>
-          </a:p>
+          <a:p/>
         </p:txBody>
       </p:sp>
       <p:sp>
@@ -6546,9 +6501,7 @@
               <a:defRPr/>
             </a:lvl9pPr>
           </a:lstStyle>
-          <a:p>
-            <a:endParaRPr/>
-          </a:p>
+          <a:p/>
         </p:txBody>
       </p:sp>
       <p:sp>
@@ -6624,16 +6577,6 @@
             </a:pPr>
             <a:fld id="{00000000-1234-1234-1234-123412341234}" type="slidenum">
               <a:rPr lang="en-GB"/>
-              <a:pPr marL="0" lvl="0" indent="0" algn="r" rtl="0">
-                <a:spcBef>
-                  <a:spcPts val="0"/>
-                </a:spcBef>
-                <a:spcAft>
-                  <a:spcPts val="0"/>
-                </a:spcAft>
-                <a:buNone/>
-              </a:pPr>
-              <a:t>‹#›</a:t>
             </a:fld>
             <a:endParaRPr lang="en-GB"/>
           </a:p>
@@ -6704,9 +6647,7 @@
               <a:defRPr/>
             </a:lvl1pPr>
           </a:lstStyle>
-          <a:p>
-            <a:endParaRPr/>
-          </a:p>
+          <a:p/>
         </p:txBody>
       </p:sp>
       <p:sp>
@@ -6782,16 +6723,6 @@
             </a:pPr>
             <a:fld id="{00000000-1234-1234-1234-123412341234}" type="slidenum">
               <a:rPr lang="en-GB"/>
-              <a:pPr marL="0" lvl="0" indent="0" algn="r" rtl="0">
-                <a:spcBef>
-                  <a:spcPts val="0"/>
-                </a:spcBef>
-                <a:spcAft>
-                  <a:spcPts val="0"/>
-                </a:spcAft>
-                <a:buNone/>
-              </a:pPr>
-              <a:t>‹#›</a:t>
             </a:fld>
             <a:endParaRPr lang="en-GB"/>
           </a:p>
@@ -7013,9 +6944,7 @@
               </a:defRPr>
             </a:lvl9pPr>
           </a:lstStyle>
-          <a:p>
-            <a:endParaRPr/>
-          </a:p>
+          <a:p/>
         </p:txBody>
       </p:sp>
       <p:sp>
@@ -7281,9 +7210,7 @@
               </a:defRPr>
             </a:lvl9pPr>
           </a:lstStyle>
-          <a:p>
-            <a:endParaRPr/>
-          </a:p>
+          <a:p/>
         </p:txBody>
       </p:sp>
       <p:sp>
@@ -7435,16 +7362,6 @@
             </a:pPr>
             <a:fld id="{00000000-1234-1234-1234-123412341234}" type="slidenum">
               <a:rPr lang="en-GB"/>
-              <a:pPr marL="0" lvl="0" indent="0" algn="r" rtl="0">
-                <a:spcBef>
-                  <a:spcPts val="0"/>
-                </a:spcBef>
-                <a:spcAft>
-                  <a:spcPts val="0"/>
-                </a:spcAft>
-                <a:buNone/>
-              </a:pPr>
-              <a:t>‹#›</a:t>
             </a:fld>
             <a:endParaRPr lang="en-GB"/>
           </a:p>
@@ -8216,6 +8133,10 @@
               </a:rPr>
               <a:t>Ideas For Problem Statement</a:t>
             </a:r>
+            <a:endParaRPr lang="en-GB">
+              <a:latin typeface="Cambria" panose="02040503050406030204" charset="0"/>
+              <a:cs typeface="Cambria" panose="02040503050406030204" charset="0"/>
+            </a:endParaRPr>
           </a:p>
         </p:txBody>
       </p:sp>
@@ -8278,7 +8199,6 @@
               </a:spcAft>
               <a:buNone/>
             </a:pPr>
-            <a:endParaRPr/>
           </a:p>
         </p:txBody>
       </p:sp>
@@ -8316,7 +8236,6 @@
               </a:spcAft>
               <a:buNone/>
             </a:pPr>
-            <a:endParaRPr/>
           </a:p>
         </p:txBody>
       </p:sp>
@@ -8349,6 +8268,10 @@
               </a:rPr>
               <a:t>Abhishek</a:t>
             </a:r>
+            <a:endParaRPr lang="en-US">
+              <a:latin typeface="Times New Roman" panose="02020603050405020304" charset="0"/>
+              <a:cs typeface="Times New Roman" panose="02020603050405020304" charset="0"/>
+            </a:endParaRPr>
           </a:p>
         </p:txBody>
       </p:sp>
@@ -8365,7 +8288,7 @@
   <p:cSld>
     <p:spTree>
       <p:nvGrpSpPr>
-        <p:cNvPr id="1" name="Shape 103"/>
+        <p:cNvPr id="103" name="Shape 103"/>
         <p:cNvGrpSpPr/>
         <p:nvPr/>
       </p:nvGrpSpPr>
@@ -8380,17 +8303,15 @@
       <p:sp>
         <p:nvSpPr>
           <p:cNvPr id="104" name="Google Shape;104;p16"/>
-          <p:cNvSpPr txBox="1">
-            <a:spLocks noGrp="1"/>
-          </p:cNvSpPr>
+          <p:cNvSpPr txBox="1"/>
           <p:nvPr>
             <p:ph type="title"/>
           </p:nvPr>
         </p:nvSpPr>
         <p:spPr>
           <a:xfrm>
-            <a:off x="729450" y="1318650"/>
-            <a:ext cx="7688700" cy="535200"/>
+            <a:off x="729615" y="1548130"/>
+            <a:ext cx="7688580" cy="1049020"/>
           </a:xfrm>
           <a:prstGeom prst="rect">
             <a:avLst/>
@@ -8403,6 +8324,9 @@
           <a:lstStyle/>
           <a:p>
             <a:pPr marL="0" lvl="0" indent="0" algn="l" rtl="0">
+              <a:lnSpc>
+                <a:spcPct val="40000"/>
+              </a:lnSpc>
               <a:spcBef>
                 <a:spcPts val="0"/>
               </a:spcBef>
@@ -8411,24 +8335,37 @@
               </a:spcAft>
               <a:buNone/>
             </a:pPr>
-            <a:endParaRPr/>
+            <a:r>
+              <a:rPr lang="en-US"/>
+              <a:t>Sentiment Detection </a:t>
+            </a:r>
+            <a:br>
+              <a:rPr lang="en-US"/>
+            </a:br>
+            <a:r>
+              <a:rPr lang="en-US"/>
+              <a:t>	</a:t>
+            </a:r>
+            <a:r>
+              <a:rPr lang="en-US" sz="1000"/>
+              <a:t>With Consideration Of Sarcasm,Humour,Hate Speech</a:t>
+            </a:r>
+            <a:endParaRPr lang="en-US" sz="1000"/>
           </a:p>
         </p:txBody>
       </p:sp>
       <p:sp>
         <p:nvSpPr>
           <p:cNvPr id="105" name="Google Shape;105;p16"/>
-          <p:cNvSpPr txBox="1">
-            <a:spLocks noGrp="1"/>
-          </p:cNvSpPr>
+          <p:cNvSpPr txBox="1"/>
           <p:nvPr>
             <p:ph type="body" idx="1"/>
           </p:nvPr>
         </p:nvSpPr>
         <p:spPr>
           <a:xfrm>
-            <a:off x="729450" y="2078875"/>
-            <a:ext cx="7688700" cy="2261100"/>
+            <a:off x="729615" y="2078990"/>
+            <a:ext cx="3774440" cy="2573020"/>
           </a:xfrm>
           <a:prstGeom prst="rect">
             <a:avLst/>
@@ -8449,7 +8386,161 @@
               </a:spcAft>
               <a:buNone/>
             </a:pPr>
-            <a:endParaRPr/>
+            <a:r>
+              <a:rPr lang="en-US" sz="900"/>
+              <a:t>1. Stanford</a:t>
+            </a:r>
+            <a:endParaRPr lang="en-US" sz="900"/>
+          </a:p>
+          <a:p>
+            <a:pPr marL="0" lvl="0" indent="0" algn="l" rtl="0">
+              <a:spcBef>
+                <a:spcPts val="0"/>
+              </a:spcBef>
+              <a:spcAft>
+                <a:spcPts val="1600"/>
+              </a:spcAft>
+              <a:buNone/>
+            </a:pPr>
+            <a:r>
+              <a:rPr lang="en-US" sz="900"/>
+              <a:t>H1: Models individually learned on sarcasm,humor and hate speech detection, and then used as subroutines to extract features, should boost the performance of a sentiment classification model.</a:t>
+            </a:r>
+            <a:endParaRPr lang="en-US" sz="900"/>
+          </a:p>
+          <a:p>
+            <a:pPr marL="228600" lvl="0" indent="-228600" algn="l" rtl="0">
+              <a:spcBef>
+                <a:spcPts val="0"/>
+              </a:spcBef>
+              <a:spcAft>
+                <a:spcPts val="1600"/>
+              </a:spcAft>
+              <a:buAutoNum type="arabicPeriod"/>
+            </a:pPr>
+            <a:r>
+              <a:rPr lang="en-US" sz="895"/>
+              <a:t>Model 1: Sentiment Model -BERT Large</a:t>
+            </a:r>
+            <a:endParaRPr lang="en-US" sz="895"/>
+          </a:p>
+          <a:p>
+            <a:pPr marL="228600" lvl="0" indent="-228600" algn="l" rtl="0">
+              <a:spcBef>
+                <a:spcPts val="0"/>
+              </a:spcBef>
+              <a:spcAft>
+                <a:spcPts val="1600"/>
+              </a:spcAft>
+              <a:buAutoNum type="arabicPeriod"/>
+            </a:pPr>
+            <a:r>
+              <a:rPr lang="en-US" sz="895"/>
+              <a:t>Model 2: Sarcasm - ASCADE Model</a:t>
+            </a:r>
+            <a:endParaRPr lang="en-US" sz="895"/>
+          </a:p>
+          <a:p>
+            <a:pPr marL="228600" lvl="0" indent="-228600" algn="l" rtl="0">
+              <a:spcBef>
+                <a:spcPts val="0"/>
+              </a:spcBef>
+              <a:spcAft>
+                <a:spcPts val="1600"/>
+              </a:spcAft>
+              <a:buAutoNum type="arabicPeriod"/>
+            </a:pPr>
+            <a:r>
+              <a:rPr lang="en-US" sz="895"/>
+              <a:t>Model 3: Humour - SVM</a:t>
+            </a:r>
+            <a:endParaRPr lang="en-US" sz="895"/>
+          </a:p>
+          <a:p>
+            <a:pPr marL="228600" lvl="0" indent="-228600" algn="l" rtl="0">
+              <a:spcBef>
+                <a:spcPts val="0"/>
+              </a:spcBef>
+              <a:spcAft>
+                <a:spcPts val="1600"/>
+              </a:spcAft>
+              <a:buAutoNum type="arabicPeriod"/>
+            </a:pPr>
+            <a:r>
+              <a:rPr lang="en-US" sz="895"/>
+              <a:t>Model 4- Hate Speech - Logistic Regression </a:t>
+            </a:r>
+            <a:endParaRPr lang="en-US" sz="895"/>
+          </a:p>
+          <a:p>
+            <a:pPr marL="0" lvl="0" indent="0" algn="l" rtl="0">
+              <a:spcBef>
+                <a:spcPts val="0"/>
+              </a:spcBef>
+              <a:spcAft>
+                <a:spcPts val="1600"/>
+              </a:spcAft>
+              <a:buNone/>
+            </a:pPr>
+            <a:endParaRPr lang="en-US" sz="900"/>
+          </a:p>
+        </p:txBody>
+      </p:sp>
+      <p:sp>
+        <p:nvSpPr>
+          <p:cNvPr id="3" name="Text Placeholder 2"/>
+          <p:cNvSpPr/>
+          <p:nvPr>
+            <p:ph type="body" idx="2"/>
+          </p:nvPr>
+        </p:nvSpPr>
+        <p:spPr>
+          <a:xfrm>
+            <a:off x="4643604" y="2040775"/>
+            <a:ext cx="3774300" cy="2261100"/>
+          </a:xfrm>
+        </p:spPr>
+        <p:txBody>
+          <a:bodyPr/>
+          <a:p>
+            <a:pPr marL="146050" indent="0">
+              <a:buNone/>
+            </a:pPr>
+            <a:endParaRPr lang="en-US">
+              <a:sym typeface="+mn-ea"/>
+            </a:endParaRPr>
+          </a:p>
+          <a:p>
+            <a:pPr marL="146050" indent="0">
+              <a:buNone/>
+            </a:pPr>
+            <a:endParaRPr lang="en-US" sz="900">
+              <a:sym typeface="+mn-ea"/>
+            </a:endParaRPr>
+          </a:p>
+          <a:p>
+            <a:pPr marL="146050" indent="0">
+              <a:buNone/>
+            </a:pPr>
+            <a:r>
+              <a:rPr lang="en-US" sz="900">
+                <a:sym typeface="+mn-ea"/>
+              </a:rPr>
+              <a:t>H2: Given that the individual tasks are all binary classification tasks, a single model architecture should provide reasonable performance on these individual tasks and would make it easier to re-use the same.</a:t>
+            </a:r>
+            <a:endParaRPr lang="en-US" sz="900"/>
+          </a:p>
+          <a:p>
+            <a:pPr marL="146050" indent="0">
+              <a:buNone/>
+            </a:pPr>
+            <a:endParaRPr lang="en-US" sz="900"/>
+          </a:p>
+          <a:p>
+            <a:pPr marL="146050" indent="0">
+              <a:buNone/>
+            </a:pPr>
+            <a:endParaRPr lang="en-US" sz="900"/>
           </a:p>
         </p:txBody>
       </p:sp>
@@ -8473,7 +8564,6 @@
           <a:bodyPr wrap="square" rtlCol="0">
             <a:spAutoFit/>
           </a:bodyPr>
-          <a:lstStyle/>
           <a:p>
             <a:r>
               <a:rPr lang="en-US">
@@ -8482,6 +8572,879 @@
               </a:rPr>
               <a:t>Varun</a:t>
             </a:r>
+            <a:endParaRPr lang="en-US">
+              <a:latin typeface="Times New Roman" panose="02020603050405020304" charset="0"/>
+              <a:cs typeface="Times New Roman" panose="02020603050405020304" charset="0"/>
+            </a:endParaRPr>
+          </a:p>
+        </p:txBody>
+      </p:sp>
+      <p:grpSp>
+        <p:nvGrpSpPr>
+          <p:cNvPr id="28" name="Group 27"/>
+          <p:cNvGrpSpPr/>
+          <p:nvPr/>
+        </p:nvGrpSpPr>
+        <p:grpSpPr>
+          <a:xfrm>
+            <a:off x="4844415" y="3074035"/>
+            <a:ext cx="3573780" cy="1445260"/>
+            <a:chOff x="7313" y="4699"/>
+            <a:chExt cx="5628" cy="2276"/>
+          </a:xfrm>
+        </p:grpSpPr>
+        <p:cxnSp>
+          <p:nvCxnSpPr>
+            <p:cNvPr id="10" name="Straight Arrow Connector 9"/>
+            <p:cNvCxnSpPr/>
+            <p:nvPr/>
+          </p:nvCxnSpPr>
+          <p:spPr>
+            <a:xfrm>
+              <a:off x="10065" y="5649"/>
+              <a:ext cx="518" cy="1"/>
+            </a:xfrm>
+            <a:prstGeom prst="straightConnector1">
+              <a:avLst/>
+            </a:prstGeom>
+            <a:ln>
+              <a:tailEnd type="arrow"/>
+            </a:ln>
+          </p:spPr>
+          <p:style>
+            <a:lnRef idx="1">
+              <a:schemeClr val="accent1"/>
+            </a:lnRef>
+            <a:fillRef idx="0">
+              <a:schemeClr val="accent1"/>
+            </a:fillRef>
+            <a:effectRef idx="0">
+              <a:schemeClr val="accent1"/>
+            </a:effectRef>
+            <a:fontRef idx="minor">
+              <a:schemeClr val="tx1"/>
+            </a:fontRef>
+          </p:style>
+        </p:cxnSp>
+        <p:grpSp>
+          <p:nvGrpSpPr>
+            <p:cNvPr id="27" name="Group 26"/>
+            <p:cNvGrpSpPr/>
+            <p:nvPr/>
+          </p:nvGrpSpPr>
+          <p:grpSpPr>
+            <a:xfrm>
+              <a:off x="7313" y="4699"/>
+              <a:ext cx="5628" cy="2276"/>
+              <a:chOff x="7313" y="4699"/>
+              <a:chExt cx="5628" cy="2276"/>
+            </a:xfrm>
+          </p:grpSpPr>
+          <p:cxnSp>
+            <p:nvCxnSpPr>
+              <p:cNvPr id="7" name="Straight Arrow Connector 6"/>
+              <p:cNvCxnSpPr/>
+              <p:nvPr/>
+            </p:nvCxnSpPr>
+            <p:spPr>
+              <a:xfrm>
+                <a:off x="8523" y="5626"/>
+                <a:ext cx="668" cy="8"/>
+              </a:xfrm>
+              <a:prstGeom prst="straightConnector1">
+                <a:avLst/>
+              </a:prstGeom>
+              <a:ln>
+                <a:tailEnd type="arrow"/>
+              </a:ln>
+            </p:spPr>
+            <p:style>
+              <a:lnRef idx="1">
+                <a:schemeClr val="accent1"/>
+              </a:lnRef>
+              <a:fillRef idx="0">
+                <a:schemeClr val="accent1"/>
+              </a:fillRef>
+              <a:effectRef idx="0">
+                <a:schemeClr val="accent1"/>
+              </a:effectRef>
+              <a:fontRef idx="minor">
+                <a:schemeClr val="tx1"/>
+              </a:fontRef>
+            </p:style>
+          </p:cxnSp>
+          <p:grpSp>
+            <p:nvGrpSpPr>
+              <p:cNvPr id="26" name="Group 25"/>
+              <p:cNvGrpSpPr/>
+              <p:nvPr/>
+            </p:nvGrpSpPr>
+            <p:grpSpPr>
+              <a:xfrm>
+                <a:off x="7313" y="4699"/>
+                <a:ext cx="5628" cy="2277"/>
+                <a:chOff x="7313" y="4699"/>
+                <a:chExt cx="5628" cy="2277"/>
+              </a:xfrm>
+            </p:grpSpPr>
+            <p:sp>
+              <p:nvSpPr>
+                <p:cNvPr id="20" name="Text Box 19"/>
+                <p:cNvSpPr txBox="1"/>
+                <p:nvPr/>
+              </p:nvSpPr>
+              <p:spPr>
+                <a:xfrm>
+                  <a:off x="11750" y="5705"/>
+                  <a:ext cx="556" cy="265"/>
+                </a:xfrm>
+                <a:prstGeom prst="rect">
+                  <a:avLst/>
+                </a:prstGeom>
+                <a:noFill/>
+              </p:spPr>
+              <p:txBody>
+                <a:bodyPr wrap="square" rtlCol="0">
+                  <a:spAutoFit/>
+                </a:bodyPr>
+                <a:p>
+                  <a:r>
+                    <a:rPr lang="en-US" sz="500"/>
+                    <a:t>n=4</a:t>
+                  </a:r>
+                  <a:endParaRPr lang="en-US" sz="500"/>
+                </a:p>
+              </p:txBody>
+            </p:sp>
+            <p:grpSp>
+              <p:nvGrpSpPr>
+                <p:cNvPr id="25" name="Group 24"/>
+                <p:cNvGrpSpPr/>
+                <p:nvPr/>
+              </p:nvGrpSpPr>
+              <p:grpSpPr>
+                <a:xfrm>
+                  <a:off x="7313" y="4699"/>
+                  <a:ext cx="5628" cy="2277"/>
+                  <a:chOff x="7313" y="4699"/>
+                  <a:chExt cx="5628" cy="2277"/>
+                </a:xfrm>
+              </p:grpSpPr>
+              <p:cxnSp>
+                <p:nvCxnSpPr>
+                  <p:cNvPr id="15" name="Straight Arrow Connector 14"/>
+                  <p:cNvCxnSpPr/>
+                  <p:nvPr/>
+                </p:nvCxnSpPr>
+                <p:spPr>
+                  <a:xfrm>
+                    <a:off x="11239" y="5642"/>
+                    <a:ext cx="344" cy="16"/>
+                  </a:xfrm>
+                  <a:prstGeom prst="straightConnector1">
+                    <a:avLst/>
+                  </a:prstGeom>
+                  <a:ln>
+                    <a:tailEnd type="arrow"/>
+                  </a:ln>
+                </p:spPr>
+                <p:style>
+                  <a:lnRef idx="1">
+                    <a:schemeClr val="accent1"/>
+                  </a:lnRef>
+                  <a:fillRef idx="0">
+                    <a:schemeClr val="accent1"/>
+                  </a:fillRef>
+                  <a:effectRef idx="0">
+                    <a:schemeClr val="accent1"/>
+                  </a:effectRef>
+                  <a:fontRef idx="minor">
+                    <a:schemeClr val="tx1"/>
+                  </a:fontRef>
+                </p:style>
+              </p:cxnSp>
+              <p:grpSp>
+                <p:nvGrpSpPr>
+                  <p:cNvPr id="24" name="Group 23"/>
+                  <p:cNvGrpSpPr/>
+                  <p:nvPr/>
+                </p:nvGrpSpPr>
+                <p:grpSpPr>
+                  <a:xfrm>
+                    <a:off x="7313" y="4699"/>
+                    <a:ext cx="5628" cy="2277"/>
+                    <a:chOff x="7313" y="4699"/>
+                    <a:chExt cx="5628" cy="2277"/>
+                  </a:xfrm>
+                </p:grpSpPr>
+                <p:sp>
+                  <p:nvSpPr>
+                    <p:cNvPr id="4" name="Rectangles 3"/>
+                    <p:cNvSpPr/>
+                    <p:nvPr/>
+                  </p:nvSpPr>
+                  <p:spPr>
+                    <a:xfrm>
+                      <a:off x="7646" y="5418"/>
+                      <a:ext cx="877" cy="462"/>
+                    </a:xfrm>
+                    <a:prstGeom prst="rect">
+                      <a:avLst/>
+                    </a:prstGeom>
+                  </p:spPr>
+                  <p:style>
+                    <a:lnRef idx="2">
+                      <a:schemeClr val="accent6"/>
+                    </a:lnRef>
+                    <a:fillRef idx="1">
+                      <a:schemeClr val="lt1"/>
+                    </a:fillRef>
+                    <a:effectRef idx="0">
+                      <a:schemeClr val="accent6"/>
+                    </a:effectRef>
+                    <a:fontRef idx="minor">
+                      <a:schemeClr val="dk1"/>
+                    </a:fontRef>
+                  </p:style>
+                  <p:txBody>
+                    <a:bodyPr rtlCol="0" anchor="ctr"/>
+                    <a:p>
+                      <a:pPr algn="ctr"/>
+                      <a:r>
+                        <a:rPr lang="en-US" sz="800">
+                          <a:solidFill>
+                            <a:schemeClr val="tx1"/>
+                          </a:solidFill>
+                          <a:uFillTx/>
+                        </a:rPr>
+                        <a:t>d X 128</a:t>
+                      </a:r>
+                      <a:endParaRPr lang="en-US" sz="800">
+                        <a:solidFill>
+                          <a:schemeClr val="tx1"/>
+                        </a:solidFill>
+                        <a:uFillTx/>
+                      </a:endParaRPr>
+                    </a:p>
+                  </p:txBody>
+                </p:sp>
+                <p:sp>
+                  <p:nvSpPr>
+                    <p:cNvPr id="5" name="Text Box 4"/>
+                    <p:cNvSpPr txBox="1"/>
+                    <p:nvPr/>
+                  </p:nvSpPr>
+                  <p:spPr>
+                    <a:xfrm>
+                      <a:off x="7313" y="5881"/>
+                      <a:ext cx="1823" cy="289"/>
+                    </a:xfrm>
+                    <a:prstGeom prst="rect">
+                      <a:avLst/>
+                    </a:prstGeom>
+                    <a:noFill/>
+                  </p:spPr>
+                  <p:txBody>
+                    <a:bodyPr wrap="square" rtlCol="0">
+                      <a:spAutoFit/>
+                    </a:bodyPr>
+                    <a:p>
+                      <a:r>
+                        <a:rPr lang="en-US" sz="600">
+                          <a:solidFill>
+                            <a:schemeClr val="tx1"/>
+                          </a:solidFill>
+                        </a:rPr>
+                        <a:t>    Embedding Matrix</a:t>
+                      </a:r>
+                      <a:endParaRPr lang="en-US" sz="600">
+                        <a:solidFill>
+                          <a:schemeClr val="tx1"/>
+                        </a:solidFill>
+                      </a:endParaRPr>
+                    </a:p>
+                  </p:txBody>
+                </p:sp>
+                <p:sp>
+                  <p:nvSpPr>
+                    <p:cNvPr id="6" name="Text Box 5"/>
+                    <p:cNvSpPr txBox="1"/>
+                    <p:nvPr/>
+                  </p:nvSpPr>
+                  <p:spPr>
+                    <a:xfrm>
+                      <a:off x="8523" y="5151"/>
+                      <a:ext cx="781" cy="507"/>
+                    </a:xfrm>
+                    <a:prstGeom prst="rect">
+                      <a:avLst/>
+                    </a:prstGeom>
+                    <a:noFill/>
+                  </p:spPr>
+                  <p:txBody>
+                    <a:bodyPr wrap="square" rtlCol="0">
+                      <a:spAutoFit/>
+                    </a:bodyPr>
+                    <a:p>
+                      <a:r>
+                        <a:rPr lang="en-US" sz="500"/>
+                        <a:t>f filters </a:t>
+                      </a:r>
+                      <a:endParaRPr lang="en-US" sz="500"/>
+                    </a:p>
+                    <a:p>
+                      <a:r>
+                        <a:rPr lang="en-US" sz="500"/>
+                        <a:t>n X 128</a:t>
+                      </a:r>
+                      <a:endParaRPr lang="en-US" sz="500"/>
+                    </a:p>
+                    <a:p>
+                      <a:r>
+                        <a:rPr lang="en-US" sz="500"/>
+                        <a:t>n=3,4,5</a:t>
+                      </a:r>
+                      <a:endParaRPr lang="en-US" sz="500"/>
+                    </a:p>
+                  </p:txBody>
+                </p:sp>
+                <p:sp>
+                  <p:nvSpPr>
+                    <p:cNvPr id="8" name="Rectangles 7"/>
+                    <p:cNvSpPr/>
+                    <p:nvPr/>
+                  </p:nvSpPr>
+                  <p:spPr>
+                    <a:xfrm>
+                      <a:off x="9192" y="5418"/>
+                      <a:ext cx="877" cy="462"/>
+                    </a:xfrm>
+                    <a:prstGeom prst="rect">
+                      <a:avLst/>
+                    </a:prstGeom>
+                  </p:spPr>
+                  <p:style>
+                    <a:lnRef idx="2">
+                      <a:schemeClr val="accent6"/>
+                    </a:lnRef>
+                    <a:fillRef idx="1">
+                      <a:schemeClr val="lt1"/>
+                    </a:fillRef>
+                    <a:effectRef idx="0">
+                      <a:schemeClr val="accent6"/>
+                    </a:effectRef>
+                    <a:fontRef idx="minor">
+                      <a:schemeClr val="dk1"/>
+                    </a:fontRef>
+                  </p:style>
+                  <p:txBody>
+                    <a:bodyPr rtlCol="0" anchor="ctr"/>
+                    <a:p>
+                      <a:pPr algn="ctr"/>
+                      <a:r>
+                        <a:rPr lang="en-US" sz="600">
+                          <a:solidFill>
+                            <a:schemeClr val="tx1"/>
+                          </a:solidFill>
+                          <a:uFillTx/>
+                        </a:rPr>
+                        <a:t>(d-n+1) X f</a:t>
+                      </a:r>
+                      <a:endParaRPr lang="en-US" sz="600">
+                        <a:solidFill>
+                          <a:schemeClr val="tx1"/>
+                        </a:solidFill>
+                        <a:uFillTx/>
+                      </a:endParaRPr>
+                    </a:p>
+                  </p:txBody>
+                </p:sp>
+                <p:sp>
+                  <p:nvSpPr>
+                    <p:cNvPr id="9" name="Rectangles 8"/>
+                    <p:cNvSpPr/>
+                    <p:nvPr/>
+                  </p:nvSpPr>
+                  <p:spPr>
+                    <a:xfrm>
+                      <a:off x="10583" y="5122"/>
+                      <a:ext cx="180" cy="759"/>
+                    </a:xfrm>
+                    <a:prstGeom prst="rect">
+                      <a:avLst/>
+                    </a:prstGeom>
+                  </p:spPr>
+                  <p:style>
+                    <a:lnRef idx="2">
+                      <a:schemeClr val="accent6"/>
+                    </a:lnRef>
+                    <a:fillRef idx="1">
+                      <a:schemeClr val="lt1"/>
+                    </a:fillRef>
+                    <a:effectRef idx="0">
+                      <a:schemeClr val="accent6"/>
+                    </a:effectRef>
+                    <a:fontRef idx="minor">
+                      <a:schemeClr val="dk1"/>
+                    </a:fontRef>
+                  </p:style>
+                  <p:txBody>
+                    <a:bodyPr rtlCol="0" anchor="ctr"/>
+                    <a:p>
+                      <a:pPr algn="ctr"/>
+                      <a:endParaRPr lang="en-US" sz="600">
+                        <a:solidFill>
+                          <a:schemeClr val="tx1"/>
+                        </a:solidFill>
+                        <a:uFillTx/>
+                      </a:endParaRPr>
+                    </a:p>
+                  </p:txBody>
+                </p:sp>
+                <p:sp>
+                  <p:nvSpPr>
+                    <p:cNvPr id="13" name="Text Box 12"/>
+                    <p:cNvSpPr txBox="1"/>
+                    <p:nvPr/>
+                  </p:nvSpPr>
+                  <p:spPr>
+                    <a:xfrm>
+                      <a:off x="9761" y="5882"/>
+                      <a:ext cx="1823" cy="289"/>
+                    </a:xfrm>
+                    <a:prstGeom prst="rect">
+                      <a:avLst/>
+                    </a:prstGeom>
+                    <a:noFill/>
+                  </p:spPr>
+                  <p:txBody>
+                    <a:bodyPr wrap="square" rtlCol="0">
+                      <a:spAutoFit/>
+                    </a:bodyPr>
+                    <a:p>
+                      <a:pPr algn="ctr"/>
+                      <a:r>
+                        <a:rPr lang="en-US" sz="600">
+                          <a:solidFill>
+                            <a:schemeClr val="tx1"/>
+                          </a:solidFill>
+                          <a:uFillTx/>
+                          <a:sym typeface="+mn-ea"/>
+                        </a:rPr>
+                        <a:t>f-dimensional vector</a:t>
+                      </a:r>
+                      <a:endParaRPr lang="en-US" sz="600">
+                        <a:solidFill>
+                          <a:schemeClr val="tx1"/>
+                        </a:solidFill>
+                        <a:uFillTx/>
+                        <a:sym typeface="+mn-ea"/>
+                      </a:endParaRPr>
+                    </a:p>
+                  </p:txBody>
+                </p:sp>
+                <p:sp>
+                  <p:nvSpPr>
+                    <p:cNvPr id="14" name="Text Box 13"/>
+                    <p:cNvSpPr txBox="1"/>
+                    <p:nvPr/>
+                  </p:nvSpPr>
+                  <p:spPr>
+                    <a:xfrm>
+                      <a:off x="9982" y="5248"/>
+                      <a:ext cx="781" cy="386"/>
+                    </a:xfrm>
+                    <a:prstGeom prst="rect">
+                      <a:avLst/>
+                    </a:prstGeom>
+                    <a:noFill/>
+                  </p:spPr>
+                  <p:txBody>
+                    <a:bodyPr wrap="square" rtlCol="0">
+                      <a:spAutoFit/>
+                    </a:bodyPr>
+                    <a:p>
+                      <a:r>
+                        <a:rPr lang="en-US" sz="500"/>
+                        <a:t> max pooling</a:t>
+                      </a:r>
+                      <a:endParaRPr lang="en-US" sz="500"/>
+                    </a:p>
+                  </p:txBody>
+                </p:sp>
+                <p:sp>
+                  <p:nvSpPr>
+                    <p:cNvPr id="16" name="Rectangles 15"/>
+                    <p:cNvSpPr/>
+                    <p:nvPr/>
+                  </p:nvSpPr>
+                  <p:spPr>
+                    <a:xfrm>
+                      <a:off x="11584" y="4699"/>
+                      <a:ext cx="180" cy="759"/>
+                    </a:xfrm>
+                    <a:prstGeom prst="rect">
+                      <a:avLst/>
+                    </a:prstGeom>
+                  </p:spPr>
+                  <p:style>
+                    <a:lnRef idx="2">
+                      <a:schemeClr val="accent6"/>
+                    </a:lnRef>
+                    <a:fillRef idx="1">
+                      <a:schemeClr val="lt1"/>
+                    </a:fillRef>
+                    <a:effectRef idx="0">
+                      <a:schemeClr val="accent6"/>
+                    </a:effectRef>
+                    <a:fontRef idx="minor">
+                      <a:schemeClr val="dk1"/>
+                    </a:fontRef>
+                  </p:style>
+                  <p:txBody>
+                    <a:bodyPr rtlCol="0" anchor="ctr"/>
+                    <a:p>
+                      <a:pPr algn="ctr"/>
+                      <a:endParaRPr lang="en-US" sz="600">
+                        <a:solidFill>
+                          <a:schemeClr val="tx1"/>
+                        </a:solidFill>
+                        <a:uFillTx/>
+                      </a:endParaRPr>
+                    </a:p>
+                  </p:txBody>
+                </p:sp>
+                <p:sp>
+                  <p:nvSpPr>
+                    <p:cNvPr id="17" name="Rectangles 16"/>
+                    <p:cNvSpPr/>
+                    <p:nvPr/>
+                  </p:nvSpPr>
+                  <p:spPr>
+                    <a:xfrm>
+                      <a:off x="11584" y="5458"/>
+                      <a:ext cx="180" cy="759"/>
+                    </a:xfrm>
+                    <a:prstGeom prst="rect">
+                      <a:avLst/>
+                    </a:prstGeom>
+                  </p:spPr>
+                  <p:style>
+                    <a:lnRef idx="2">
+                      <a:schemeClr val="accent6"/>
+                    </a:lnRef>
+                    <a:fillRef idx="1">
+                      <a:schemeClr val="lt1"/>
+                    </a:fillRef>
+                    <a:effectRef idx="0">
+                      <a:schemeClr val="accent6"/>
+                    </a:effectRef>
+                    <a:fontRef idx="minor">
+                      <a:schemeClr val="dk1"/>
+                    </a:fontRef>
+                  </p:style>
+                  <p:txBody>
+                    <a:bodyPr rtlCol="0" anchor="ctr"/>
+                    <a:p>
+                      <a:pPr algn="ctr"/>
+                      <a:endParaRPr lang="en-US" sz="600">
+                        <a:solidFill>
+                          <a:schemeClr val="tx1"/>
+                        </a:solidFill>
+                        <a:uFillTx/>
+                      </a:endParaRPr>
+                    </a:p>
+                  </p:txBody>
+                </p:sp>
+                <p:sp>
+                  <p:nvSpPr>
+                    <p:cNvPr id="18" name="Rectangles 17"/>
+                    <p:cNvSpPr/>
+                    <p:nvPr/>
+                  </p:nvSpPr>
+                  <p:spPr>
+                    <a:xfrm>
+                      <a:off x="11584" y="6217"/>
+                      <a:ext cx="180" cy="759"/>
+                    </a:xfrm>
+                    <a:prstGeom prst="rect">
+                      <a:avLst/>
+                    </a:prstGeom>
+                  </p:spPr>
+                  <p:style>
+                    <a:lnRef idx="2">
+                      <a:schemeClr val="accent6"/>
+                    </a:lnRef>
+                    <a:fillRef idx="1">
+                      <a:schemeClr val="lt1"/>
+                    </a:fillRef>
+                    <a:effectRef idx="0">
+                      <a:schemeClr val="accent6"/>
+                    </a:effectRef>
+                    <a:fontRef idx="minor">
+                      <a:schemeClr val="dk1"/>
+                    </a:fontRef>
+                  </p:style>
+                  <p:txBody>
+                    <a:bodyPr rtlCol="0" anchor="ctr"/>
+                    <a:p>
+                      <a:pPr algn="ctr"/>
+                      <a:endParaRPr lang="en-US" sz="600">
+                        <a:solidFill>
+                          <a:schemeClr val="tx1"/>
+                        </a:solidFill>
+                        <a:uFillTx/>
+                      </a:endParaRPr>
+                    </a:p>
+                  </p:txBody>
+                </p:sp>
+                <p:sp>
+                  <p:nvSpPr>
+                    <p:cNvPr id="19" name="Text Box 18"/>
+                    <p:cNvSpPr txBox="1"/>
+                    <p:nvPr/>
+                  </p:nvSpPr>
+                  <p:spPr>
+                    <a:xfrm>
+                      <a:off x="11750" y="5032"/>
+                      <a:ext cx="556" cy="265"/>
+                    </a:xfrm>
+                    <a:prstGeom prst="rect">
+                      <a:avLst/>
+                    </a:prstGeom>
+                    <a:noFill/>
+                  </p:spPr>
+                  <p:txBody>
+                    <a:bodyPr wrap="square" rtlCol="0">
+                      <a:spAutoFit/>
+                    </a:bodyPr>
+                    <a:p>
+                      <a:r>
+                        <a:rPr lang="en-US" sz="500"/>
+                        <a:t>n=3</a:t>
+                      </a:r>
+                      <a:endParaRPr lang="en-US" sz="500"/>
+                    </a:p>
+                  </p:txBody>
+                </p:sp>
+                <p:sp>
+                  <p:nvSpPr>
+                    <p:cNvPr id="21" name="Text Box 20"/>
+                    <p:cNvSpPr txBox="1"/>
+                    <p:nvPr/>
+                  </p:nvSpPr>
+                  <p:spPr>
+                    <a:xfrm>
+                      <a:off x="11750" y="6464"/>
+                      <a:ext cx="556" cy="265"/>
+                    </a:xfrm>
+                    <a:prstGeom prst="rect">
+                      <a:avLst/>
+                    </a:prstGeom>
+                    <a:noFill/>
+                  </p:spPr>
+                  <p:txBody>
+                    <a:bodyPr wrap="square" rtlCol="0">
+                      <a:spAutoFit/>
+                    </a:bodyPr>
+                    <a:p>
+                      <a:r>
+                        <a:rPr lang="en-US" sz="500"/>
+                        <a:t>n=5</a:t>
+                      </a:r>
+                      <a:endParaRPr lang="en-US" sz="500"/>
+                    </a:p>
+                  </p:txBody>
+                </p:sp>
+                <p:sp>
+                  <p:nvSpPr>
+                    <p:cNvPr id="22" name="Rectangles 21"/>
+                    <p:cNvSpPr/>
+                    <p:nvPr/>
+                  </p:nvSpPr>
+                  <p:spPr>
+                    <a:xfrm>
+                      <a:off x="7526" y="4770"/>
+                      <a:ext cx="3713" cy="2088"/>
+                    </a:xfrm>
+                    <a:prstGeom prst="rect">
+                      <a:avLst/>
+                    </a:prstGeom>
+                    <a:noFill/>
+                    <a:ln w="9525">
+                      <a:solidFill>
+                        <a:schemeClr val="bg2"/>
+                      </a:solidFill>
+                      <a:prstDash val="sysDash"/>
+                    </a:ln>
+                    <a:extLst>
+                      <a:ext uri="{909E8E84-426E-40DD-AFC4-6F175D3DCCD1}">
+                        <a14:hiddenFill xmlns:a14="http://schemas.microsoft.com/office/drawing/2010/main">
+                          <a:solidFill>
+                            <a:schemeClr val="lt1"/>
+                          </a:solidFill>
+                        </a14:hiddenFill>
+                      </a:ext>
+                    </a:extLst>
+                  </p:spPr>
+                  <p:style>
+                    <a:lnRef idx="2">
+                      <a:schemeClr val="accent6"/>
+                    </a:lnRef>
+                    <a:fillRef idx="1">
+                      <a:schemeClr val="lt1"/>
+                    </a:fillRef>
+                    <a:effectRef idx="0">
+                      <a:schemeClr val="accent6"/>
+                    </a:effectRef>
+                    <a:fontRef idx="minor">
+                      <a:schemeClr val="dk1"/>
+                    </a:fontRef>
+                  </p:style>
+                  <p:txBody>
+                    <a:bodyPr rtlCol="0" anchor="ctr"/>
+                    <a:p>
+                      <a:pPr algn="ctr"/>
+                      <a:endParaRPr lang="en-US"/>
+                    </a:p>
+                  </p:txBody>
+                </p:sp>
+                <p:sp>
+                  <p:nvSpPr>
+                    <p:cNvPr id="23" name="Text Box 22"/>
+                    <p:cNvSpPr txBox="1"/>
+                    <p:nvPr/>
+                  </p:nvSpPr>
+                  <p:spPr>
+                    <a:xfrm>
+                      <a:off x="11989" y="5504"/>
+                      <a:ext cx="952" cy="580"/>
+                    </a:xfrm>
+                    <a:prstGeom prst="rect">
+                      <a:avLst/>
+                    </a:prstGeom>
+                    <a:noFill/>
+                  </p:spPr>
+                  <p:txBody>
+                    <a:bodyPr wrap="square" rtlCol="0">
+                      <a:spAutoFit/>
+                    </a:bodyPr>
+                    <a:p>
+                      <a:pPr algn="ctr"/>
+                      <a:r>
+                        <a:rPr lang="en-US" sz="600">
+                          <a:solidFill>
+                            <a:schemeClr val="tx1"/>
+                          </a:solidFill>
+                          <a:uFillTx/>
+                          <a:sym typeface="+mn-ea"/>
+                        </a:rPr>
+                        <a:t>3f-dimensional vector</a:t>
+                      </a:r>
+                      <a:endParaRPr lang="en-US" sz="600">
+                        <a:solidFill>
+                          <a:schemeClr val="tx1"/>
+                        </a:solidFill>
+                        <a:uFillTx/>
+                        <a:sym typeface="+mn-ea"/>
+                      </a:endParaRPr>
+                    </a:p>
+                  </p:txBody>
+                </p:sp>
+              </p:grpSp>
+            </p:grpSp>
+          </p:grpSp>
+        </p:grpSp>
+      </p:grpSp>
+      <p:sp>
+        <p:nvSpPr>
+          <p:cNvPr id="29" name="Text Box 28"/>
+          <p:cNvSpPr txBox="1"/>
+          <p:nvPr/>
+        </p:nvSpPr>
+        <p:spPr>
+          <a:xfrm>
+            <a:off x="5828030" y="908685"/>
+            <a:ext cx="2957195" cy="922020"/>
+          </a:xfrm>
+          <a:prstGeom prst="rect">
+            <a:avLst/>
+          </a:prstGeom>
+          <a:noFill/>
+        </p:spPr>
+        <p:txBody>
+          <a:bodyPr wrap="square" rtlCol="0">
+            <a:spAutoFit/>
+          </a:bodyPr>
+          <a:p>
+            <a:pPr algn="r"/>
+            <a:r>
+              <a:rPr lang="en-US" sz="900">
+                <a:latin typeface="Gabriola" panose="04040605051002020D02" charset="0"/>
+                <a:cs typeface="Gabriola" panose="04040605051002020D02" charset="0"/>
+              </a:rPr>
+              <a:t>“Many online reviews are </a:t>
+            </a:r>
+            <a:r>
+              <a:rPr lang="en-US" sz="900" b="1">
+                <a:latin typeface="Gabriola" panose="04040605051002020D02" charset="0"/>
+                <a:cs typeface="Gabriola" panose="04040605051002020D02" charset="0"/>
+              </a:rPr>
+              <a:t>sarcastic, humorous,or hateful.</a:t>
+            </a:r>
+            <a:r>
+              <a:rPr lang="en-US" sz="900">
+                <a:latin typeface="Gabriola" panose="04040605051002020D02" charset="0"/>
+                <a:cs typeface="Gabriola" panose="04040605051002020D02" charset="0"/>
+              </a:rPr>
+              <a:t> Signals from such language nuances may reinforce or completely alter the </a:t>
+            </a:r>
+            <a:r>
+              <a:rPr lang="en-US" sz="900" b="1">
+                <a:latin typeface="Gabriola" panose="04040605051002020D02" charset="0"/>
+                <a:cs typeface="Gabriola" panose="04040605051002020D02" charset="0"/>
+              </a:rPr>
+              <a:t>sentiment </a:t>
+            </a:r>
+            <a:r>
+              <a:rPr lang="en-US" sz="900">
+                <a:latin typeface="Gabriola" panose="04040605051002020D02" charset="0"/>
+                <a:cs typeface="Gabriola" panose="04040605051002020D02" charset="0"/>
+              </a:rPr>
+              <a:t>of a review as predicted by a machine learning model that attempts to</a:t>
+            </a:r>
+            <a:endParaRPr lang="en-US" sz="900">
+              <a:latin typeface="Gabriola" panose="04040605051002020D02" charset="0"/>
+              <a:cs typeface="Gabriola" panose="04040605051002020D02" charset="0"/>
+            </a:endParaRPr>
+          </a:p>
+          <a:p>
+            <a:pPr algn="r"/>
+            <a:r>
+              <a:rPr lang="en-US" sz="900">
+                <a:latin typeface="Gabriola" panose="04040605051002020D02" charset="0"/>
+                <a:cs typeface="Gabriola" panose="04040605051002020D02" charset="0"/>
+              </a:rPr>
+              <a:t>detect sentiment alone. Thus, having a model that is explicitly aware of these features should help it perform better on reviews</a:t>
+            </a:r>
+            <a:endParaRPr lang="en-US" sz="900">
+              <a:latin typeface="Gabriola" panose="04040605051002020D02" charset="0"/>
+              <a:cs typeface="Gabriola" panose="04040605051002020D02" charset="0"/>
+            </a:endParaRPr>
+          </a:p>
+          <a:p>
+            <a:pPr algn="r"/>
+            <a:r>
+              <a:rPr lang="en-US" sz="900">
+                <a:latin typeface="Gabriola" panose="04040605051002020D02" charset="0"/>
+                <a:cs typeface="Gabriola" panose="04040605051002020D02" charset="0"/>
+              </a:rPr>
+              <a:t>that are characterized by them.”</a:t>
+            </a:r>
+            <a:endParaRPr lang="en-US" sz="900">
+              <a:latin typeface="Gabriola" panose="04040605051002020D02" charset="0"/>
+              <a:cs typeface="Gabriola" panose="04040605051002020D02" charset="0"/>
+            </a:endParaRPr>
           </a:p>
         </p:txBody>
       </p:sp>
@@ -8494,6 +9457,1227 @@
 </file>
 
 <file path=ppt/slides/slide4.xml><?xml version="1.0" encoding="utf-8"?>
+<p:sld xmlns:a="http://schemas.openxmlformats.org/drawingml/2006/main" xmlns:r="http://schemas.openxmlformats.org/officeDocument/2006/relationships" xmlns:p="http://schemas.openxmlformats.org/presentationml/2006/main">
+  <p:cSld>
+    <p:spTree>
+      <p:nvGrpSpPr>
+        <p:cNvPr id="109" name="Shape 109"/>
+        <p:cNvGrpSpPr/>
+        <p:nvPr/>
+      </p:nvGrpSpPr>
+      <p:grpSpPr>
+        <a:xfrm>
+          <a:off x="0" y="0"/>
+          <a:ext cx="0" cy="0"/>
+          <a:chOff x="0" y="0"/>
+          <a:chExt cx="0" cy="0"/>
+        </a:xfrm>
+      </p:grpSpPr>
+      <p:sp>
+        <p:nvSpPr>
+          <p:cNvPr id="3" name="Text Placeholder 2"/>
+          <p:cNvSpPr/>
+          <p:nvPr>
+            <p:ph type="body" idx="1"/>
+          </p:nvPr>
+        </p:nvSpPr>
+        <p:spPr>
+          <a:xfrm>
+            <a:off x="729615" y="1343025"/>
+            <a:ext cx="4206875" cy="2997200"/>
+          </a:xfrm>
+        </p:spPr>
+        <p:txBody>
+          <a:bodyPr/>
+          <a:p>
+            <a:pPr marL="488950" indent="-342900">
+              <a:buAutoNum type="arabicPeriod"/>
+            </a:pPr>
+            <a:r>
+              <a:rPr lang="en-US" sz="900"/>
+              <a:t>We use one such model for each of</a:t>
+            </a:r>
+            <a:br>
+              <a:rPr lang="en-US" sz="900"/>
+            </a:br>
+            <a:r>
+              <a:rPr lang="en-US" sz="900"/>
+              <a:t>Sentiment (E1), Sarcasm (E2), Hate Speech (E3),Humour (E4).</a:t>
+            </a:r>
+            <a:endParaRPr lang="en-US" sz="900"/>
+          </a:p>
+          <a:p>
+            <a:pPr marL="488950" indent="-342900">
+              <a:buAutoNum type="arabicPeriod"/>
+            </a:pPr>
+            <a:r>
+              <a:rPr lang="en-US" sz="900"/>
+              <a:t>We calculate a set of 300-dimensional embeddings per model, and concatenate them into a single 300 *m-dimensional feature vector v. </a:t>
+            </a:r>
+            <a:endParaRPr lang="en-US" sz="900"/>
+          </a:p>
+          <a:p>
+            <a:pPr marL="146050" indent="0">
+              <a:buNone/>
+            </a:pPr>
+            <a:endParaRPr lang="en-US" sz="900"/>
+          </a:p>
+          <a:p>
+            <a:pPr marL="488950" indent="-342900">
+              <a:buAutoNum type="arabicPeriod"/>
+            </a:pPr>
+            <a:endParaRPr lang="en-US" sz="900"/>
+          </a:p>
+          <a:p>
+            <a:pPr marL="488950" indent="-342900">
+              <a:buAutoNum type="arabicPeriod"/>
+            </a:pPr>
+            <a:endParaRPr lang="en-US" sz="900"/>
+          </a:p>
+          <a:p>
+            <a:pPr marL="488950" indent="-342900">
+              <a:buAutoNum type="arabicPeriod"/>
+            </a:pPr>
+            <a:endParaRPr lang="en-US" sz="900"/>
+          </a:p>
+          <a:p>
+            <a:pPr marL="488950" indent="-342900">
+              <a:buAutoNum type="arabicPeriod"/>
+            </a:pPr>
+            <a:endParaRPr lang="en-US" sz="900"/>
+          </a:p>
+          <a:p>
+            <a:pPr marL="146050" indent="0">
+              <a:buNone/>
+            </a:pPr>
+            <a:endParaRPr lang="en-US" sz="900"/>
+          </a:p>
+          <a:p>
+            <a:pPr marL="146050" indent="0">
+              <a:buNone/>
+            </a:pPr>
+            <a:endParaRPr lang="en-US" sz="900"/>
+          </a:p>
+          <a:p>
+            <a:pPr marL="146050" indent="0">
+              <a:buNone/>
+            </a:pPr>
+            <a:r>
+              <a:rPr lang="en-US" sz="900"/>
+              <a:t>This is used as input to a sentiment classifier that predicts </a:t>
+            </a:r>
+            <a:br>
+              <a:rPr lang="en-US" sz="900"/>
+            </a:br>
+            <a:r>
+              <a:rPr lang="en-US" sz="900"/>
+              <a:t>C(v) ∈ [0, 1] that represents the probability of positive sentiment.</a:t>
+            </a:r>
+            <a:endParaRPr lang="en-US" sz="900"/>
+          </a:p>
+        </p:txBody>
+      </p:sp>
+      <p:grpSp>
+        <p:nvGrpSpPr>
+          <p:cNvPr id="8" name="Group 7"/>
+          <p:cNvGrpSpPr/>
+          <p:nvPr/>
+        </p:nvGrpSpPr>
+        <p:grpSpPr>
+          <a:xfrm>
+            <a:off x="1918335" y="2315845"/>
+            <a:ext cx="76200" cy="408940"/>
+            <a:chOff x="11900" y="4841"/>
+            <a:chExt cx="180" cy="2276"/>
+          </a:xfrm>
+        </p:grpSpPr>
+        <p:sp>
+          <p:nvSpPr>
+            <p:cNvPr id="16" name="Rectangles 15"/>
+            <p:cNvSpPr/>
+            <p:nvPr/>
+          </p:nvSpPr>
+          <p:spPr>
+            <a:xfrm>
+              <a:off x="11900" y="4841"/>
+              <a:ext cx="180" cy="759"/>
+            </a:xfrm>
+            <a:prstGeom prst="rect">
+              <a:avLst/>
+            </a:prstGeom>
+          </p:spPr>
+          <p:style>
+            <a:lnRef idx="2">
+              <a:schemeClr val="accent6"/>
+            </a:lnRef>
+            <a:fillRef idx="1">
+              <a:schemeClr val="lt1"/>
+            </a:fillRef>
+            <a:effectRef idx="0">
+              <a:schemeClr val="accent6"/>
+            </a:effectRef>
+            <a:fontRef idx="minor">
+              <a:schemeClr val="dk1"/>
+            </a:fontRef>
+          </p:style>
+          <p:txBody>
+            <a:bodyPr rtlCol="0" anchor="ctr"/>
+            <a:p>
+              <a:pPr algn="ctr"/>
+              <a:endParaRPr lang="en-US" sz="600">
+                <a:solidFill>
+                  <a:schemeClr val="tx1"/>
+                </a:solidFill>
+                <a:uFillTx/>
+              </a:endParaRPr>
+            </a:p>
+          </p:txBody>
+        </p:sp>
+        <p:sp>
+          <p:nvSpPr>
+            <p:cNvPr id="17" name="Rectangles 16"/>
+            <p:cNvSpPr/>
+            <p:nvPr/>
+          </p:nvSpPr>
+          <p:spPr>
+            <a:xfrm>
+              <a:off x="11900" y="5600"/>
+              <a:ext cx="180" cy="759"/>
+            </a:xfrm>
+            <a:prstGeom prst="rect">
+              <a:avLst/>
+            </a:prstGeom>
+          </p:spPr>
+          <p:style>
+            <a:lnRef idx="2">
+              <a:schemeClr val="accent6"/>
+            </a:lnRef>
+            <a:fillRef idx="1">
+              <a:schemeClr val="lt1"/>
+            </a:fillRef>
+            <a:effectRef idx="0">
+              <a:schemeClr val="accent6"/>
+            </a:effectRef>
+            <a:fontRef idx="minor">
+              <a:schemeClr val="dk1"/>
+            </a:fontRef>
+          </p:style>
+          <p:txBody>
+            <a:bodyPr rtlCol="0" anchor="ctr"/>
+            <a:p>
+              <a:pPr algn="ctr"/>
+              <a:endParaRPr lang="en-US" sz="600">
+                <a:solidFill>
+                  <a:schemeClr val="tx1"/>
+                </a:solidFill>
+                <a:uFillTx/>
+              </a:endParaRPr>
+            </a:p>
+          </p:txBody>
+        </p:sp>
+        <p:sp>
+          <p:nvSpPr>
+            <p:cNvPr id="18" name="Rectangles 17"/>
+            <p:cNvSpPr/>
+            <p:nvPr/>
+          </p:nvSpPr>
+          <p:spPr>
+            <a:xfrm>
+              <a:off x="11900" y="6359"/>
+              <a:ext cx="180" cy="759"/>
+            </a:xfrm>
+            <a:prstGeom prst="rect">
+              <a:avLst/>
+            </a:prstGeom>
+          </p:spPr>
+          <p:style>
+            <a:lnRef idx="2">
+              <a:schemeClr val="accent6"/>
+            </a:lnRef>
+            <a:fillRef idx="1">
+              <a:schemeClr val="lt1"/>
+            </a:fillRef>
+            <a:effectRef idx="0">
+              <a:schemeClr val="accent6"/>
+            </a:effectRef>
+            <a:fontRef idx="minor">
+              <a:schemeClr val="dk1"/>
+            </a:fontRef>
+          </p:style>
+          <p:txBody>
+            <a:bodyPr rtlCol="0" anchor="ctr"/>
+            <a:p>
+              <a:pPr algn="ctr"/>
+              <a:endParaRPr lang="en-US" sz="600">
+                <a:solidFill>
+                  <a:schemeClr val="tx1"/>
+                </a:solidFill>
+                <a:uFillTx/>
+              </a:endParaRPr>
+            </a:p>
+          </p:txBody>
+        </p:sp>
+      </p:grpSp>
+      <p:sp>
+        <p:nvSpPr>
+          <p:cNvPr id="23" name="Text Box 22"/>
+          <p:cNvSpPr txBox="1"/>
+          <p:nvPr/>
+        </p:nvSpPr>
+        <p:spPr>
+          <a:xfrm>
+            <a:off x="1268095" y="2306955"/>
+            <a:ext cx="604520" cy="368300"/>
+          </a:xfrm>
+          <a:prstGeom prst="rect">
+            <a:avLst/>
+          </a:prstGeom>
+          <a:noFill/>
+        </p:spPr>
+        <p:txBody>
+          <a:bodyPr wrap="square" rtlCol="0">
+            <a:spAutoFit/>
+          </a:bodyPr>
+          <a:p>
+            <a:pPr algn="ctr"/>
+            <a:r>
+              <a:rPr lang="en-US" sz="600">
+                <a:solidFill>
+                  <a:schemeClr val="tx1"/>
+                </a:solidFill>
+                <a:uFillTx/>
+                <a:sym typeface="+mn-ea"/>
+              </a:rPr>
+              <a:t>3f-dimensional vector</a:t>
+            </a:r>
+            <a:endParaRPr lang="en-US" sz="600">
+              <a:solidFill>
+                <a:schemeClr val="tx1"/>
+              </a:solidFill>
+              <a:uFillTx/>
+              <a:sym typeface="+mn-ea"/>
+            </a:endParaRPr>
+          </a:p>
+        </p:txBody>
+      </p:sp>
+      <p:grpSp>
+        <p:nvGrpSpPr>
+          <p:cNvPr id="29" name="Group 28"/>
+          <p:cNvGrpSpPr/>
+          <p:nvPr/>
+        </p:nvGrpSpPr>
+        <p:grpSpPr>
+          <a:xfrm>
+            <a:off x="2472690" y="2145665"/>
+            <a:ext cx="76200" cy="898525"/>
+            <a:chOff x="4777" y="3319"/>
+            <a:chExt cx="120" cy="2688"/>
+          </a:xfrm>
+        </p:grpSpPr>
+        <p:grpSp>
+          <p:nvGrpSpPr>
+            <p:cNvPr id="9" name="Group 8"/>
+            <p:cNvGrpSpPr/>
+            <p:nvPr/>
+          </p:nvGrpSpPr>
+          <p:grpSpPr>
+            <a:xfrm>
+              <a:off x="4777" y="4000"/>
+              <a:ext cx="120" cy="644"/>
+              <a:chOff x="11900" y="4841"/>
+              <a:chExt cx="180" cy="2276"/>
+            </a:xfrm>
+          </p:grpSpPr>
+          <p:sp>
+            <p:nvSpPr>
+              <p:cNvPr id="10" name="Rectangles 9"/>
+              <p:cNvSpPr/>
+              <p:nvPr/>
+            </p:nvSpPr>
+            <p:spPr>
+              <a:xfrm>
+                <a:off x="11900" y="4841"/>
+                <a:ext cx="180" cy="759"/>
+              </a:xfrm>
+              <a:prstGeom prst="rect">
+                <a:avLst/>
+              </a:prstGeom>
+              <a:ln>
+                <a:solidFill>
+                  <a:schemeClr val="accent2"/>
+                </a:solidFill>
+              </a:ln>
+            </p:spPr>
+            <p:style>
+              <a:lnRef idx="2">
+                <a:schemeClr val="accent6"/>
+              </a:lnRef>
+              <a:fillRef idx="1">
+                <a:schemeClr val="lt1"/>
+              </a:fillRef>
+              <a:effectRef idx="0">
+                <a:schemeClr val="accent6"/>
+              </a:effectRef>
+              <a:fontRef idx="minor">
+                <a:schemeClr val="dk1"/>
+              </a:fontRef>
+            </p:style>
+            <p:txBody>
+              <a:bodyPr rtlCol="0" anchor="ctr"/>
+              <a:p>
+                <a:pPr algn="ctr"/>
+                <a:endParaRPr lang="en-US" sz="600">
+                  <a:solidFill>
+                    <a:schemeClr val="tx1"/>
+                  </a:solidFill>
+                  <a:uFillTx/>
+                </a:endParaRPr>
+              </a:p>
+            </p:txBody>
+          </p:sp>
+          <p:sp>
+            <p:nvSpPr>
+              <p:cNvPr id="11" name="Rectangles 10"/>
+              <p:cNvSpPr/>
+              <p:nvPr/>
+            </p:nvSpPr>
+            <p:spPr>
+              <a:xfrm>
+                <a:off x="11900" y="5600"/>
+                <a:ext cx="180" cy="759"/>
+              </a:xfrm>
+              <a:prstGeom prst="rect">
+                <a:avLst/>
+              </a:prstGeom>
+              <a:ln>
+                <a:solidFill>
+                  <a:schemeClr val="accent2"/>
+                </a:solidFill>
+              </a:ln>
+            </p:spPr>
+            <p:style>
+              <a:lnRef idx="2">
+                <a:schemeClr val="accent6"/>
+              </a:lnRef>
+              <a:fillRef idx="1">
+                <a:schemeClr val="lt1"/>
+              </a:fillRef>
+              <a:effectRef idx="0">
+                <a:schemeClr val="accent6"/>
+              </a:effectRef>
+              <a:fontRef idx="minor">
+                <a:schemeClr val="dk1"/>
+              </a:fontRef>
+            </p:style>
+            <p:txBody>
+              <a:bodyPr rtlCol="0" anchor="ctr"/>
+              <a:p>
+                <a:pPr algn="ctr"/>
+                <a:endParaRPr lang="en-US" sz="600">
+                  <a:solidFill>
+                    <a:schemeClr val="tx1"/>
+                  </a:solidFill>
+                  <a:uFillTx/>
+                </a:endParaRPr>
+              </a:p>
+            </p:txBody>
+          </p:sp>
+          <p:sp>
+            <p:nvSpPr>
+              <p:cNvPr id="12" name="Rectangles 11"/>
+              <p:cNvSpPr/>
+              <p:nvPr/>
+            </p:nvSpPr>
+            <p:spPr>
+              <a:xfrm>
+                <a:off x="11900" y="6359"/>
+                <a:ext cx="180" cy="759"/>
+              </a:xfrm>
+              <a:prstGeom prst="rect">
+                <a:avLst/>
+              </a:prstGeom>
+              <a:ln>
+                <a:solidFill>
+                  <a:schemeClr val="accent2"/>
+                </a:solidFill>
+              </a:ln>
+            </p:spPr>
+            <p:style>
+              <a:lnRef idx="2">
+                <a:schemeClr val="accent6"/>
+              </a:lnRef>
+              <a:fillRef idx="1">
+                <a:schemeClr val="lt1"/>
+              </a:fillRef>
+              <a:effectRef idx="0">
+                <a:schemeClr val="accent6"/>
+              </a:effectRef>
+              <a:fontRef idx="minor">
+                <a:schemeClr val="dk1"/>
+              </a:fontRef>
+            </p:style>
+            <p:txBody>
+              <a:bodyPr rtlCol="0" anchor="ctr"/>
+              <a:p>
+                <a:pPr algn="ctr"/>
+                <a:endParaRPr lang="en-US" sz="600">
+                  <a:solidFill>
+                    <a:schemeClr val="tx1"/>
+                  </a:solidFill>
+                  <a:uFillTx/>
+                </a:endParaRPr>
+              </a:p>
+            </p:txBody>
+          </p:sp>
+        </p:grpSp>
+        <p:grpSp>
+          <p:nvGrpSpPr>
+            <p:cNvPr id="13" name="Group 12"/>
+            <p:cNvGrpSpPr/>
+            <p:nvPr/>
+          </p:nvGrpSpPr>
+          <p:grpSpPr>
+            <a:xfrm>
+              <a:off x="4777" y="3319"/>
+              <a:ext cx="120" cy="644"/>
+              <a:chOff x="11900" y="4841"/>
+              <a:chExt cx="180" cy="2276"/>
+            </a:xfrm>
+          </p:grpSpPr>
+          <p:sp>
+            <p:nvSpPr>
+              <p:cNvPr id="14" name="Rectangles 13"/>
+              <p:cNvSpPr/>
+              <p:nvPr/>
+            </p:nvSpPr>
+            <p:spPr>
+              <a:xfrm>
+                <a:off x="11900" y="4841"/>
+                <a:ext cx="180" cy="759"/>
+              </a:xfrm>
+              <a:prstGeom prst="rect">
+                <a:avLst/>
+              </a:prstGeom>
+              <a:ln>
+                <a:solidFill>
+                  <a:schemeClr val="accent5"/>
+                </a:solidFill>
+              </a:ln>
+            </p:spPr>
+            <p:style>
+              <a:lnRef idx="2">
+                <a:schemeClr val="accent6"/>
+              </a:lnRef>
+              <a:fillRef idx="1">
+                <a:schemeClr val="lt1"/>
+              </a:fillRef>
+              <a:effectRef idx="0">
+                <a:schemeClr val="accent6"/>
+              </a:effectRef>
+              <a:fontRef idx="minor">
+                <a:schemeClr val="dk1"/>
+              </a:fontRef>
+            </p:style>
+            <p:txBody>
+              <a:bodyPr rtlCol="0" anchor="ctr"/>
+              <a:p>
+                <a:pPr algn="ctr"/>
+                <a:endParaRPr lang="en-US" sz="600">
+                  <a:solidFill>
+                    <a:schemeClr val="tx1"/>
+                  </a:solidFill>
+                  <a:uFillTx/>
+                </a:endParaRPr>
+              </a:p>
+            </p:txBody>
+          </p:sp>
+          <p:sp>
+            <p:nvSpPr>
+              <p:cNvPr id="15" name="Rectangles 14"/>
+              <p:cNvSpPr/>
+              <p:nvPr/>
+            </p:nvSpPr>
+            <p:spPr>
+              <a:xfrm>
+                <a:off x="11900" y="5600"/>
+                <a:ext cx="180" cy="759"/>
+              </a:xfrm>
+              <a:prstGeom prst="rect">
+                <a:avLst/>
+              </a:prstGeom>
+              <a:ln>
+                <a:solidFill>
+                  <a:schemeClr val="accent5"/>
+                </a:solidFill>
+              </a:ln>
+            </p:spPr>
+            <p:style>
+              <a:lnRef idx="2">
+                <a:schemeClr val="accent6"/>
+              </a:lnRef>
+              <a:fillRef idx="1">
+                <a:schemeClr val="lt1"/>
+              </a:fillRef>
+              <a:effectRef idx="0">
+                <a:schemeClr val="accent6"/>
+              </a:effectRef>
+              <a:fontRef idx="minor">
+                <a:schemeClr val="dk1"/>
+              </a:fontRef>
+            </p:style>
+            <p:txBody>
+              <a:bodyPr rtlCol="0" anchor="ctr"/>
+              <a:p>
+                <a:pPr algn="ctr"/>
+                <a:endParaRPr lang="en-US" sz="600">
+                  <a:solidFill>
+                    <a:schemeClr val="tx1"/>
+                  </a:solidFill>
+                  <a:uFillTx/>
+                </a:endParaRPr>
+              </a:p>
+            </p:txBody>
+          </p:sp>
+          <p:sp>
+            <p:nvSpPr>
+              <p:cNvPr id="19" name="Rectangles 18"/>
+              <p:cNvSpPr/>
+              <p:nvPr/>
+            </p:nvSpPr>
+            <p:spPr>
+              <a:xfrm>
+                <a:off x="11900" y="6359"/>
+                <a:ext cx="180" cy="759"/>
+              </a:xfrm>
+              <a:prstGeom prst="rect">
+                <a:avLst/>
+              </a:prstGeom>
+              <a:ln>
+                <a:solidFill>
+                  <a:schemeClr val="accent5"/>
+                </a:solidFill>
+              </a:ln>
+            </p:spPr>
+            <p:style>
+              <a:lnRef idx="2">
+                <a:schemeClr val="accent6"/>
+              </a:lnRef>
+              <a:fillRef idx="1">
+                <a:schemeClr val="lt1"/>
+              </a:fillRef>
+              <a:effectRef idx="0">
+                <a:schemeClr val="accent6"/>
+              </a:effectRef>
+              <a:fontRef idx="minor">
+                <a:schemeClr val="dk1"/>
+              </a:fontRef>
+            </p:style>
+            <p:txBody>
+              <a:bodyPr rtlCol="0" anchor="ctr"/>
+              <a:p>
+                <a:pPr algn="ctr"/>
+                <a:endParaRPr lang="en-US" sz="600">
+                  <a:solidFill>
+                    <a:schemeClr val="tx1"/>
+                  </a:solidFill>
+                  <a:uFillTx/>
+                </a:endParaRPr>
+              </a:p>
+            </p:txBody>
+          </p:sp>
+        </p:grpSp>
+        <p:grpSp>
+          <p:nvGrpSpPr>
+            <p:cNvPr id="20" name="Group 19"/>
+            <p:cNvGrpSpPr/>
+            <p:nvPr/>
+          </p:nvGrpSpPr>
+          <p:grpSpPr>
+            <a:xfrm>
+              <a:off x="4777" y="5363"/>
+              <a:ext cx="120" cy="644"/>
+              <a:chOff x="11900" y="4841"/>
+              <a:chExt cx="180" cy="2276"/>
+            </a:xfrm>
+          </p:grpSpPr>
+          <p:sp>
+            <p:nvSpPr>
+              <p:cNvPr id="21" name="Rectangles 20"/>
+              <p:cNvSpPr/>
+              <p:nvPr/>
+            </p:nvSpPr>
+            <p:spPr>
+              <a:xfrm>
+                <a:off x="11900" y="4841"/>
+                <a:ext cx="180" cy="759"/>
+              </a:xfrm>
+              <a:prstGeom prst="rect">
+                <a:avLst/>
+              </a:prstGeom>
+              <a:ln>
+                <a:solidFill>
+                  <a:schemeClr val="accent1"/>
+                </a:solidFill>
+              </a:ln>
+            </p:spPr>
+            <p:style>
+              <a:lnRef idx="2">
+                <a:schemeClr val="accent6"/>
+              </a:lnRef>
+              <a:fillRef idx="1">
+                <a:schemeClr val="lt1"/>
+              </a:fillRef>
+              <a:effectRef idx="0">
+                <a:schemeClr val="accent6"/>
+              </a:effectRef>
+              <a:fontRef idx="minor">
+                <a:schemeClr val="dk1"/>
+              </a:fontRef>
+            </p:style>
+            <p:txBody>
+              <a:bodyPr rtlCol="0" anchor="ctr"/>
+              <a:p>
+                <a:pPr algn="ctr"/>
+                <a:endParaRPr lang="en-US" sz="600">
+                  <a:solidFill>
+                    <a:schemeClr val="tx1"/>
+                  </a:solidFill>
+                  <a:uFillTx/>
+                </a:endParaRPr>
+              </a:p>
+            </p:txBody>
+          </p:sp>
+          <p:sp>
+            <p:nvSpPr>
+              <p:cNvPr id="22" name="Rectangles 21"/>
+              <p:cNvSpPr/>
+              <p:nvPr/>
+            </p:nvSpPr>
+            <p:spPr>
+              <a:xfrm>
+                <a:off x="11900" y="5600"/>
+                <a:ext cx="180" cy="759"/>
+              </a:xfrm>
+              <a:prstGeom prst="rect">
+                <a:avLst/>
+              </a:prstGeom>
+              <a:ln>
+                <a:solidFill>
+                  <a:schemeClr val="accent1"/>
+                </a:solidFill>
+              </a:ln>
+            </p:spPr>
+            <p:style>
+              <a:lnRef idx="2">
+                <a:schemeClr val="accent6"/>
+              </a:lnRef>
+              <a:fillRef idx="1">
+                <a:schemeClr val="lt1"/>
+              </a:fillRef>
+              <a:effectRef idx="0">
+                <a:schemeClr val="accent6"/>
+              </a:effectRef>
+              <a:fontRef idx="minor">
+                <a:schemeClr val="dk1"/>
+              </a:fontRef>
+            </p:style>
+            <p:txBody>
+              <a:bodyPr rtlCol="0" anchor="ctr"/>
+              <a:p>
+                <a:pPr algn="ctr"/>
+                <a:endParaRPr lang="en-US" sz="600">
+                  <a:solidFill>
+                    <a:schemeClr val="tx1"/>
+                  </a:solidFill>
+                  <a:uFillTx/>
+                </a:endParaRPr>
+              </a:p>
+            </p:txBody>
+          </p:sp>
+          <p:sp>
+            <p:nvSpPr>
+              <p:cNvPr id="24" name="Rectangles 23"/>
+              <p:cNvSpPr/>
+              <p:nvPr/>
+            </p:nvSpPr>
+            <p:spPr>
+              <a:xfrm>
+                <a:off x="11900" y="6359"/>
+                <a:ext cx="180" cy="759"/>
+              </a:xfrm>
+              <a:prstGeom prst="rect">
+                <a:avLst/>
+              </a:prstGeom>
+              <a:ln>
+                <a:solidFill>
+                  <a:schemeClr val="accent1"/>
+                </a:solidFill>
+              </a:ln>
+            </p:spPr>
+            <p:style>
+              <a:lnRef idx="2">
+                <a:schemeClr val="accent6"/>
+              </a:lnRef>
+              <a:fillRef idx="1">
+                <a:schemeClr val="lt1"/>
+              </a:fillRef>
+              <a:effectRef idx="0">
+                <a:schemeClr val="accent6"/>
+              </a:effectRef>
+              <a:fontRef idx="minor">
+                <a:schemeClr val="dk1"/>
+              </a:fontRef>
+            </p:style>
+            <p:txBody>
+              <a:bodyPr rtlCol="0" anchor="ctr"/>
+              <a:p>
+                <a:pPr algn="ctr"/>
+                <a:endParaRPr lang="en-US" sz="600">
+                  <a:solidFill>
+                    <a:schemeClr val="tx1"/>
+                  </a:solidFill>
+                  <a:uFillTx/>
+                </a:endParaRPr>
+              </a:p>
+            </p:txBody>
+          </p:sp>
+        </p:grpSp>
+        <p:grpSp>
+          <p:nvGrpSpPr>
+            <p:cNvPr id="25" name="Group 24"/>
+            <p:cNvGrpSpPr/>
+            <p:nvPr/>
+          </p:nvGrpSpPr>
+          <p:grpSpPr>
+            <a:xfrm>
+              <a:off x="4777" y="4683"/>
+              <a:ext cx="120" cy="644"/>
+              <a:chOff x="11900" y="4841"/>
+              <a:chExt cx="180" cy="2276"/>
+            </a:xfrm>
+          </p:grpSpPr>
+          <p:sp>
+            <p:nvSpPr>
+              <p:cNvPr id="26" name="Rectangles 25"/>
+              <p:cNvSpPr/>
+              <p:nvPr/>
+            </p:nvSpPr>
+            <p:spPr>
+              <a:xfrm>
+                <a:off x="11900" y="4841"/>
+                <a:ext cx="180" cy="759"/>
+              </a:xfrm>
+              <a:prstGeom prst="rect">
+                <a:avLst/>
+              </a:prstGeom>
+              <a:ln>
+                <a:solidFill>
+                  <a:schemeClr val="accent3"/>
+                </a:solidFill>
+              </a:ln>
+            </p:spPr>
+            <p:style>
+              <a:lnRef idx="2">
+                <a:schemeClr val="accent6"/>
+              </a:lnRef>
+              <a:fillRef idx="1">
+                <a:schemeClr val="lt1"/>
+              </a:fillRef>
+              <a:effectRef idx="0">
+                <a:schemeClr val="accent6"/>
+              </a:effectRef>
+              <a:fontRef idx="minor">
+                <a:schemeClr val="dk1"/>
+              </a:fontRef>
+            </p:style>
+            <p:txBody>
+              <a:bodyPr rtlCol="0" anchor="ctr"/>
+              <a:p>
+                <a:pPr algn="ctr"/>
+                <a:endParaRPr lang="en-US" sz="600">
+                  <a:solidFill>
+                    <a:schemeClr val="bg2"/>
+                  </a:solidFill>
+                  <a:uFillTx/>
+                </a:endParaRPr>
+              </a:p>
+            </p:txBody>
+          </p:sp>
+          <p:sp>
+            <p:nvSpPr>
+              <p:cNvPr id="27" name="Rectangles 26"/>
+              <p:cNvSpPr/>
+              <p:nvPr/>
+            </p:nvSpPr>
+            <p:spPr>
+              <a:xfrm>
+                <a:off x="11900" y="5600"/>
+                <a:ext cx="180" cy="759"/>
+              </a:xfrm>
+              <a:prstGeom prst="rect">
+                <a:avLst/>
+              </a:prstGeom>
+              <a:ln>
+                <a:solidFill>
+                  <a:schemeClr val="accent3"/>
+                </a:solidFill>
+              </a:ln>
+            </p:spPr>
+            <p:style>
+              <a:lnRef idx="2">
+                <a:schemeClr val="accent6"/>
+              </a:lnRef>
+              <a:fillRef idx="1">
+                <a:schemeClr val="lt1"/>
+              </a:fillRef>
+              <a:effectRef idx="0">
+                <a:schemeClr val="accent6"/>
+              </a:effectRef>
+              <a:fontRef idx="minor">
+                <a:schemeClr val="dk1"/>
+              </a:fontRef>
+            </p:style>
+            <p:txBody>
+              <a:bodyPr rtlCol="0" anchor="ctr"/>
+              <a:p>
+                <a:pPr algn="ctr"/>
+                <a:endParaRPr lang="en-US" sz="600">
+                  <a:solidFill>
+                    <a:schemeClr val="bg2"/>
+                  </a:solidFill>
+                  <a:uFillTx/>
+                </a:endParaRPr>
+              </a:p>
+            </p:txBody>
+          </p:sp>
+          <p:sp>
+            <p:nvSpPr>
+              <p:cNvPr id="28" name="Rectangles 27"/>
+              <p:cNvSpPr/>
+              <p:nvPr/>
+            </p:nvSpPr>
+            <p:spPr>
+              <a:xfrm>
+                <a:off x="11900" y="6359"/>
+                <a:ext cx="180" cy="759"/>
+              </a:xfrm>
+              <a:prstGeom prst="rect">
+                <a:avLst/>
+              </a:prstGeom>
+              <a:ln>
+                <a:solidFill>
+                  <a:schemeClr val="accent3"/>
+                </a:solidFill>
+              </a:ln>
+            </p:spPr>
+            <p:style>
+              <a:lnRef idx="2">
+                <a:schemeClr val="accent6"/>
+              </a:lnRef>
+              <a:fillRef idx="1">
+                <a:schemeClr val="lt1"/>
+              </a:fillRef>
+              <a:effectRef idx="0">
+                <a:schemeClr val="accent6"/>
+              </a:effectRef>
+              <a:fontRef idx="minor">
+                <a:schemeClr val="dk1"/>
+              </a:fontRef>
+            </p:style>
+            <p:txBody>
+              <a:bodyPr rtlCol="0" anchor="ctr"/>
+              <a:p>
+                <a:pPr algn="ctr"/>
+                <a:endParaRPr lang="en-US" sz="600">
+                  <a:solidFill>
+                    <a:schemeClr val="bg2"/>
+                  </a:solidFill>
+                  <a:uFillTx/>
+                </a:endParaRPr>
+              </a:p>
+            </p:txBody>
+          </p:sp>
+        </p:grpSp>
+      </p:grpSp>
+      <p:cxnSp>
+        <p:nvCxnSpPr>
+          <p:cNvPr id="30" name="Straight Arrow Connector 29"/>
+          <p:cNvCxnSpPr>
+            <a:stCxn id="17" idx="3"/>
+            <a:endCxn id="12" idx="0"/>
+          </p:cNvCxnSpPr>
+          <p:nvPr/>
+        </p:nvCxnSpPr>
+        <p:spPr>
+          <a:xfrm flipV="1">
+            <a:off x="1994535" y="2517140"/>
+            <a:ext cx="516255" cy="3175"/>
+          </a:xfrm>
+          <a:prstGeom prst="straightConnector1">
+            <a:avLst/>
+          </a:prstGeom>
+          <a:ln>
+            <a:tailEnd type="arrow"/>
+          </a:ln>
+        </p:spPr>
+        <p:style>
+          <a:lnRef idx="1">
+            <a:schemeClr val="accent1"/>
+          </a:lnRef>
+          <a:fillRef idx="0">
+            <a:schemeClr val="accent1"/>
+          </a:fillRef>
+          <a:effectRef idx="0">
+            <a:schemeClr val="accent1"/>
+          </a:effectRef>
+          <a:fontRef idx="minor">
+            <a:schemeClr val="tx1"/>
+          </a:fontRef>
+        </p:style>
+      </p:cxnSp>
+      <p:sp>
+        <p:nvSpPr>
+          <p:cNvPr id="31" name="Text Box 30"/>
+          <p:cNvSpPr txBox="1"/>
+          <p:nvPr/>
+        </p:nvSpPr>
+        <p:spPr>
+          <a:xfrm>
+            <a:off x="2388870" y="2444750"/>
+            <a:ext cx="604520" cy="213995"/>
+          </a:xfrm>
+          <a:prstGeom prst="rect">
+            <a:avLst/>
+          </a:prstGeom>
+          <a:noFill/>
+        </p:spPr>
+        <p:txBody>
+          <a:bodyPr wrap="square" rtlCol="0">
+            <a:spAutoFit/>
+          </a:bodyPr>
+          <a:p>
+            <a:pPr algn="ctr"/>
+            <a:r>
+              <a:rPr lang="en-US" sz="800">
+                <a:solidFill>
+                  <a:schemeClr val="tx1"/>
+                </a:solidFill>
+                <a:uFillTx/>
+                <a:sym typeface="+mn-ea"/>
+              </a:rPr>
+              <a:t>v</a:t>
+            </a:r>
+            <a:endParaRPr lang="en-US" sz="800">
+              <a:solidFill>
+                <a:schemeClr val="tx1"/>
+              </a:solidFill>
+              <a:uFillTx/>
+              <a:sym typeface="+mn-ea"/>
+            </a:endParaRPr>
+          </a:p>
+        </p:txBody>
+      </p:sp>
+      <p:sp>
+        <p:nvSpPr>
+          <p:cNvPr id="32" name="Text Box 31"/>
+          <p:cNvSpPr txBox="1"/>
+          <p:nvPr/>
+        </p:nvSpPr>
+        <p:spPr>
+          <a:xfrm>
+            <a:off x="2747010" y="2123440"/>
+            <a:ext cx="604520" cy="183515"/>
+          </a:xfrm>
+          <a:prstGeom prst="rect">
+            <a:avLst/>
+          </a:prstGeom>
+          <a:noFill/>
+        </p:spPr>
+        <p:txBody>
+          <a:bodyPr wrap="square" rtlCol="0">
+            <a:spAutoFit/>
+          </a:bodyPr>
+          <a:p>
+            <a:pPr algn="ctr"/>
+            <a:r>
+              <a:rPr lang="en-US" sz="600">
+                <a:solidFill>
+                  <a:schemeClr val="tx1"/>
+                </a:solidFill>
+                <a:uFillTx/>
+                <a:sym typeface="+mn-ea"/>
+              </a:rPr>
+              <a:t>Sarcasm</a:t>
+            </a:r>
+            <a:endParaRPr lang="en-US" sz="600">
+              <a:solidFill>
+                <a:schemeClr val="tx1"/>
+              </a:solidFill>
+              <a:uFillTx/>
+              <a:sym typeface="+mn-ea"/>
+            </a:endParaRPr>
+          </a:p>
+        </p:txBody>
+      </p:sp>
+      <p:sp>
+        <p:nvSpPr>
+          <p:cNvPr id="34" name="Text Box 33"/>
+          <p:cNvSpPr txBox="1"/>
+          <p:nvPr/>
+        </p:nvSpPr>
+        <p:spPr>
+          <a:xfrm>
+            <a:off x="2747010" y="2360930"/>
+            <a:ext cx="604520" cy="183515"/>
+          </a:xfrm>
+          <a:prstGeom prst="rect">
+            <a:avLst/>
+          </a:prstGeom>
+          <a:noFill/>
+        </p:spPr>
+        <p:txBody>
+          <a:bodyPr wrap="square" rtlCol="0">
+            <a:spAutoFit/>
+          </a:bodyPr>
+          <a:p>
+            <a:pPr algn="ctr"/>
+            <a:r>
+              <a:rPr lang="en-US" sz="600">
+                <a:solidFill>
+                  <a:schemeClr val="tx1"/>
+                </a:solidFill>
+                <a:uFillTx/>
+                <a:sym typeface="+mn-ea"/>
+              </a:rPr>
+              <a:t>Sentiment</a:t>
+            </a:r>
+            <a:endParaRPr lang="en-US" sz="600">
+              <a:solidFill>
+                <a:schemeClr val="tx1"/>
+              </a:solidFill>
+              <a:uFillTx/>
+              <a:sym typeface="+mn-ea"/>
+            </a:endParaRPr>
+          </a:p>
+        </p:txBody>
+      </p:sp>
+      <p:sp>
+        <p:nvSpPr>
+          <p:cNvPr id="35" name="Text Box 34"/>
+          <p:cNvSpPr txBox="1"/>
+          <p:nvPr/>
+        </p:nvSpPr>
+        <p:spPr>
+          <a:xfrm>
+            <a:off x="2747010" y="2588895"/>
+            <a:ext cx="604520" cy="183515"/>
+          </a:xfrm>
+          <a:prstGeom prst="rect">
+            <a:avLst/>
+          </a:prstGeom>
+          <a:noFill/>
+        </p:spPr>
+        <p:txBody>
+          <a:bodyPr wrap="square" rtlCol="0">
+            <a:spAutoFit/>
+          </a:bodyPr>
+          <a:p>
+            <a:pPr algn="ctr"/>
+            <a:r>
+              <a:rPr lang="en-US" sz="600">
+                <a:solidFill>
+                  <a:schemeClr val="tx1"/>
+                </a:solidFill>
+                <a:uFillTx/>
+                <a:sym typeface="+mn-ea"/>
+              </a:rPr>
+              <a:t>Humour</a:t>
+            </a:r>
+            <a:endParaRPr lang="en-US" sz="600">
+              <a:solidFill>
+                <a:schemeClr val="tx1"/>
+              </a:solidFill>
+              <a:uFillTx/>
+              <a:sym typeface="+mn-ea"/>
+            </a:endParaRPr>
+          </a:p>
+        </p:txBody>
+      </p:sp>
+      <p:sp>
+        <p:nvSpPr>
+          <p:cNvPr id="36" name="Text Box 35"/>
+          <p:cNvSpPr txBox="1"/>
+          <p:nvPr/>
+        </p:nvSpPr>
+        <p:spPr>
+          <a:xfrm>
+            <a:off x="2747010" y="2844800"/>
+            <a:ext cx="604520" cy="183515"/>
+          </a:xfrm>
+          <a:prstGeom prst="rect">
+            <a:avLst/>
+          </a:prstGeom>
+          <a:noFill/>
+        </p:spPr>
+        <p:txBody>
+          <a:bodyPr wrap="square" rtlCol="0">
+            <a:spAutoFit/>
+          </a:bodyPr>
+          <a:p>
+            <a:pPr algn="ctr"/>
+            <a:r>
+              <a:rPr lang="en-US" sz="600">
+                <a:solidFill>
+                  <a:schemeClr val="tx1"/>
+                </a:solidFill>
+                <a:uFillTx/>
+                <a:sym typeface="+mn-ea"/>
+              </a:rPr>
+              <a:t>Hate</a:t>
+            </a:r>
+            <a:endParaRPr lang="en-US" sz="600">
+              <a:solidFill>
+                <a:schemeClr val="tx1"/>
+              </a:solidFill>
+              <a:uFillTx/>
+              <a:sym typeface="+mn-ea"/>
+            </a:endParaRPr>
+          </a:p>
+        </p:txBody>
+      </p:sp>
+      <p:pic>
+        <p:nvPicPr>
+          <p:cNvPr id="37" name="Picture 36"/>
+          <p:cNvPicPr>
+            <a:picLocks noChangeAspect="1"/>
+          </p:cNvPicPr>
+          <p:nvPr/>
+        </p:nvPicPr>
+        <p:blipFill>
+          <a:blip r:embed="rId1"/>
+          <a:stretch>
+            <a:fillRect/>
+          </a:stretch>
+        </p:blipFill>
+        <p:spPr>
+          <a:xfrm>
+            <a:off x="4887595" y="2306955"/>
+            <a:ext cx="1833245" cy="1143635"/>
+          </a:xfrm>
+          <a:prstGeom prst="rect">
+            <a:avLst/>
+          </a:prstGeom>
+        </p:spPr>
+      </p:pic>
+    </p:spTree>
+  </p:cSld>
+  <p:clrMapOvr>
+    <a:masterClrMapping/>
+  </p:clrMapOvr>
+</p:sld>
+</file>
+
+<file path=ppt/slides/slide5.xml><?xml version="1.0" encoding="utf-8"?>
 <p:sld xmlns:a="http://schemas.openxmlformats.org/drawingml/2006/main" xmlns:r="http://schemas.openxmlformats.org/officeDocument/2006/relationships" xmlns:p="http://schemas.openxmlformats.org/presentationml/2006/main">
   <p:cSld>
     <p:spTree>
@@ -8546,16 +10730,18 @@
             </a:pPr>
             <a:r>
               <a:rPr lang="en-US" dirty="0" smtClean="0">
-                <a:hlinkClick r:id="rId3"/>
+                <a:hlinkClick r:id="rId1"/>
               </a:rPr>
               <a:t>	Neural Integration of Speaker and Message</a:t>
             </a:r>
             <a:br>
               <a:rPr lang="en-US" dirty="0" smtClean="0">
-                <a:hlinkClick r:id="rId3"/>
+                <a:hlinkClick r:id="rId1"/>
               </a:rPr>
             </a:br>
-            <a:endParaRPr/>
+            <a:endParaRPr lang="en-US" dirty="0" smtClean="0">
+              <a:hlinkClick r:id="rId1"/>
+            </a:endParaRPr>
           </a:p>
         </p:txBody>
       </p:sp>
@@ -8596,6 +10782,7 @@
               <a:rPr lang="en-US" i="1" dirty="0" smtClean="0"/>
               <a:t>First published Tue Nov 28, 2006; substantive revision Wed Aug 21, 2019</a:t>
             </a:r>
+            <a:endParaRPr lang="en-US" i="1" dirty="0" smtClean="0"/>
           </a:p>
           <a:p>
             <a:pPr>
@@ -8607,7 +10794,7 @@
             </a:r>
             <a:r>
               <a:rPr lang="en-US" i="1" dirty="0" smtClean="0">
-                <a:hlinkClick r:id="rId4"/>
+                <a:hlinkClick r:id="rId2"/>
               </a:rPr>
               <a:t>https://plato.stanford.edu/entries/pragmatics/</a:t>
             </a:r>
@@ -8618,6 +10805,7 @@
               <a:rPr lang="en-US" b="1" dirty="0" smtClean="0"/>
               <a:t>Factors affecting pragmatic competence and Turkish EFL context</a:t>
             </a:r>
+            <a:endParaRPr lang="en-US" b="1" dirty="0" smtClean="0"/>
           </a:p>
           <a:p>
             <a:pPr>
@@ -8625,7 +10813,7 @@
             </a:pPr>
             <a:r>
               <a:rPr lang="en-US" i="1" dirty="0" smtClean="0">
-                <a:hlinkClick r:id="rId5"/>
+                <a:hlinkClick r:id="rId3"/>
               </a:rPr>
               <a:t>https://www.researchgate.net/publication/291756385_Factors_affecting_pragmatic_competence_and_Turkish_EFL_context</a:t>
             </a:r>
@@ -8636,6 +10824,7 @@
               <a:rPr lang="en-US" b="1" dirty="0" smtClean="0"/>
               <a:t>Deep Representation Learning in Speech Processing: Challenges, Recent Advances, and Future Trends </a:t>
             </a:r>
+            <a:endParaRPr lang="en-US" b="1" dirty="0" smtClean="0"/>
           </a:p>
           <a:p>
             <a:pPr>
@@ -8643,7 +10832,7 @@
             </a:pPr>
             <a:r>
               <a:rPr lang="en-US" dirty="0" smtClean="0">
-                <a:hlinkClick r:id="rId6"/>
+                <a:hlinkClick r:id="rId4"/>
               </a:rPr>
               <a:t>https://arxiv.org/pdf/2001.00378.pdf</a:t>
             </a:r>
@@ -8654,6 +10843,7 @@
               <a:rPr lang="en-IN" b="1" dirty="0" smtClean="0"/>
               <a:t>Speaker Recognition</a:t>
             </a:r>
+            <a:endParaRPr lang="en-IN" b="1" dirty="0" smtClean="0"/>
           </a:p>
           <a:p>
             <a:pPr>
@@ -8661,7 +10851,7 @@
             </a:pPr>
             <a:r>
               <a:rPr lang="en-US" dirty="0" smtClean="0">
-                <a:hlinkClick r:id="rId7"/>
+                <a:hlinkClick r:id="rId5"/>
               </a:rPr>
               <a:t>https://www.sciencedirect.com/topics/computer-science/speaker-recognition</a:t>
             </a:r>
@@ -8672,6 +10862,7 @@
               <a:rPr lang="en-US" b="1" dirty="0" smtClean="0"/>
               <a:t>Speaker Recognition: Advancements and Challenges</a:t>
             </a:r>
+            <a:endParaRPr lang="en-US" b="1" dirty="0" smtClean="0"/>
           </a:p>
           <a:p>
             <a:pPr>
@@ -8679,7 +10870,7 @@
             </a:pPr>
             <a:r>
               <a:rPr lang="en-US" dirty="0" smtClean="0">
-                <a:hlinkClick r:id="rId8"/>
+                <a:hlinkClick r:id="rId6"/>
               </a:rPr>
               <a:t>https://www.researchgate.net/publication/241686419_Speaker_Recognition_Advancements_and_Challenges</a:t>
             </a:r>
@@ -8690,6 +10881,7 @@
               <a:rPr lang="en-US" b="1" dirty="0" smtClean="0"/>
               <a:t>Speaker Emotion Recognition Based on Speech Features and Classification Techniques</a:t>
             </a:r>
+            <a:endParaRPr lang="en-US" b="1" dirty="0" smtClean="0"/>
           </a:p>
           <a:p>
             <a:pPr>
@@ -8697,7 +10889,7 @@
             </a:pPr>
             <a:r>
               <a:rPr lang="en-US" dirty="0" smtClean="0">
-                <a:hlinkClick r:id="rId9"/>
+                <a:hlinkClick r:id="rId7"/>
               </a:rPr>
               <a:t>https://www.researchgate.net/publication/279043457_Speaker_Emotion_Recognition_Based_on_Speech_Features_and_Classification_Techniques</a:t>
             </a:r>
@@ -8708,6 +10900,7 @@
               <a:rPr lang="en-US" b="1" dirty="0" smtClean="0"/>
               <a:t>Natural language processing, pragmatics, and verbal behavior</a:t>
             </a:r>
+            <a:endParaRPr lang="en-US" b="1" dirty="0" smtClean="0"/>
           </a:p>
           <a:p>
             <a:pPr>
@@ -8715,7 +10908,7 @@
             </a:pPr>
             <a:r>
               <a:rPr lang="en-US" dirty="0" smtClean="0">
-                <a:hlinkClick r:id="rId10"/>
+                <a:hlinkClick r:id="rId8"/>
               </a:rPr>
               <a:t>https://www.researchgate.net/publication/223958891_Natural_language_processing_pragmatics_and_verbal_behavior</a:t>
             </a:r>
@@ -8730,7 +10923,6 @@
                 <a:spcPts val="1600"/>
               </a:spcAft>
             </a:pPr>
-            <a:endParaRPr/>
           </a:p>
         </p:txBody>
       </p:sp>
@@ -8778,7 +10970,7 @@
 </p:sld>
 </file>
 
-<file path=ppt/slides/slide5.xml><?xml version="1.0" encoding="utf-8"?>
+<file path=ppt/slides/slide6.xml><?xml version="1.0" encoding="utf-8"?>
 <p:sld xmlns:a="http://schemas.openxmlformats.org/drawingml/2006/main" xmlns:r="http://schemas.openxmlformats.org/officeDocument/2006/relationships" xmlns:p="http://schemas.openxmlformats.org/presentationml/2006/main">
   <p:cSld>
     <p:spTree>
@@ -8837,13 +11029,6 @@
               </a:rPr>
               <a:t>Infant Cry Language Analysis and Recognition:</a:t>
             </a:r>
-            <a:r>
-              <a:rPr lang="en-US" b="1" dirty="0">
-                <a:latin typeface="Calibri" panose="020F0502020204030204" charset="0"/>
-                <a:cs typeface="Calibri" panose="020F0502020204030204" charset="0"/>
-              </a:rPr>
-              <a:t/>
-            </a:r>
             <a:br>
               <a:rPr lang="en-US" b="1" dirty="0">
                 <a:latin typeface="Calibri" panose="020F0502020204030204" charset="0"/>
@@ -8864,6 +11049,11 @@
               </a:rPr>
               <a:t> </a:t>
             </a:r>
+            <a:endParaRPr lang="en-IN" altLang="en-US" dirty="0">
+              <a:latin typeface="Calibri" panose="020F0502020204030204" charset="0"/>
+              <a:cs typeface="Calibri" panose="020F0502020204030204" charset="0"/>
+              <a:sym typeface="+mn-ea"/>
+            </a:endParaRPr>
           </a:p>
         </p:txBody>
       </p:sp>
@@ -8934,14 +11124,6 @@
               </a:rPr>
               <a:t> </a:t>
             </a:r>
-            <a:r>
-              <a:rPr lang="en-IN" altLang="en-US" dirty="0">
-                <a:latin typeface="Calibri" panose="020F0502020204030204" charset="0"/>
-                <a:cs typeface="Calibri" panose="020F0502020204030204" charset="0"/>
-                <a:sym typeface="+mn-ea"/>
-              </a:rPr>
-              <a:t/>
-            </a:r>
             <a:br>
               <a:rPr lang="en-IN" altLang="en-US" dirty="0">
                 <a:latin typeface="Calibri" panose="020F0502020204030204" charset="0"/>
@@ -8990,6 +11172,14 @@
               </a:rPr>
               <a:t>Emojify – Create your own emoji with Deep Learning :</a:t>
             </a:r>
+            <a:endParaRPr lang="en-IN" altLang="en-US" sz="1800" b="1" dirty="0">
+              <a:solidFill>
+                <a:schemeClr val="bg2"/>
+              </a:solidFill>
+              <a:latin typeface="Calibri" panose="020F0502020204030204" charset="0"/>
+              <a:cs typeface="Calibri" panose="020F0502020204030204" charset="0"/>
+              <a:sym typeface="+mn-ea"/>
+            </a:endParaRPr>
           </a:p>
           <a:p>
             <a:pPr marL="0" lvl="0" indent="0" algn="l" rtl="0">
@@ -9015,6 +11205,14 @@
               </a:rPr>
               <a:t>Get the emoji of the humans facial expression.</a:t>
             </a:r>
+            <a:endParaRPr lang="en-IN" altLang="en-US" sz="1400" dirty="0">
+              <a:solidFill>
+                <a:schemeClr val="bg2"/>
+              </a:solidFill>
+              <a:latin typeface="Calibri" panose="020F0502020204030204" charset="0"/>
+              <a:cs typeface="Calibri" panose="020F0502020204030204" charset="0"/>
+              <a:sym typeface="+mn-ea"/>
+            </a:endParaRPr>
           </a:p>
           <a:p>
             <a:pPr marL="0" lvl="0" indent="0" algn="l" rtl="0">
@@ -9040,6 +11238,14 @@
               </a:rPr>
               <a:t>https://github.com/EvilPort2/emojify</a:t>
             </a:r>
+            <a:endParaRPr lang="en-IN" altLang="en-US" sz="1200" dirty="0">
+              <a:solidFill>
+                <a:srgbClr val="00B0F0"/>
+              </a:solidFill>
+              <a:latin typeface="Calibri" panose="020F0502020204030204" charset="0"/>
+              <a:cs typeface="Calibri" panose="020F0502020204030204" charset="0"/>
+              <a:sym typeface="+mn-ea"/>
+            </a:endParaRPr>
           </a:p>
           <a:p>
             <a:pPr marL="0" lvl="0" indent="0" algn="l" rtl="0">
@@ -9086,7 +11292,6 @@
               </a:spcAft>
               <a:buNone/>
             </a:pPr>
-            <a:endParaRPr/>
           </a:p>
         </p:txBody>
       </p:sp>
@@ -9126,6 +11331,10 @@
               </a:rPr>
               <a:t>Ganiger</a:t>
             </a:r>
+            <a:endParaRPr lang="en-IN" altLang="en-US">
+              <a:latin typeface="Times New Roman" panose="02020603050405020304" charset="0"/>
+              <a:cs typeface="Times New Roman" panose="02020603050405020304" charset="0"/>
+            </a:endParaRPr>
           </a:p>
         </p:txBody>
       </p:sp>
@@ -9137,7 +11346,7 @@
 </p:sld>
 </file>
 
-<file path=ppt/slides/slide6.xml><?xml version="1.0" encoding="utf-8"?>
+<file path=ppt/slides/slide7.xml><?xml version="1.0" encoding="utf-8"?>
 <p:sld xmlns:a="http://schemas.openxmlformats.org/drawingml/2006/main" xmlns:r="http://schemas.openxmlformats.org/officeDocument/2006/relationships" xmlns:p="http://schemas.openxmlformats.org/presentationml/2006/main">
   <p:cSld>
     <p:spTree>
@@ -9188,7 +11397,6 @@
               </a:spcAft>
               <a:buNone/>
             </a:pPr>
-            <a:endParaRPr/>
           </a:p>
         </p:txBody>
       </p:sp>
@@ -9226,7 +11434,6 @@
               </a:spcAft>
               <a:buNone/>
             </a:pPr>
-            <a:endParaRPr/>
           </a:p>
         </p:txBody>
       </p:sp>
@@ -9514,11 +11721,9 @@
       </a:bgFillStyleLst>
     </a:fmtScheme>
   </a:themeElements>
-  <a:objectDefaults/>
-  <a:extraClrSchemeLst/>
   <a:extLst>
     <a:ext uri="{05A4C25C-085E-4340-85A3-A5531E510DB2}">
-      <thm15:themeFamily xmlns:thm15="http://schemas.microsoft.com/office/thememl/2012/main" xmlns="" name="Office Theme" id="{62F939B6-93AF-4DB8-9C6B-D6C7DFDC589F}" vid="{4A3C46E8-61CC-4603-A589-7422A47A8E4A}"/>
+      <thm15:themeFamily xmlns:thm15="http://schemas.microsoft.com/office/thememl/2012/main" name="Office Theme" id="{62F939B6-93AF-4DB8-9C6B-D6C7DFDC589F}" vid="{4A3C46E8-61CC-4603-A589-7422A47A8E4A}"/>
     </a:ext>
   </a:extLst>
 </a:theme>
@@ -9800,11 +12005,9 @@
       </a:bgFillStyleLst>
     </a:fmtScheme>
   </a:themeElements>
-  <a:objectDefaults/>
-  <a:extraClrSchemeLst/>
   <a:extLst>
     <a:ext uri="{05A4C25C-085E-4340-85A3-A5531E510DB2}">
-      <thm15:themeFamily xmlns:thm15="http://schemas.microsoft.com/office/thememl/2012/main" xmlns="" name="Office Theme" id="{62F939B6-93AF-4DB8-9C6B-D6C7DFDC589F}" vid="{4A3C46E8-61CC-4603-A589-7422A47A8E4A}"/>
+      <thm15:themeFamily xmlns:thm15="http://schemas.microsoft.com/office/thememl/2012/main" name="Office Theme" id="{62F939B6-93AF-4DB8-9C6B-D6C7DFDC589F}" vid="{4A3C46E8-61CC-4603-A589-7422A47A8E4A}"/>
     </a:ext>
   </a:extLst>
 </a:theme>
@@ -10061,11 +12264,9 @@
       </a:bgFillStyleLst>
     </a:fmtScheme>
   </a:themeElements>
-  <a:objectDefaults/>
-  <a:extraClrSchemeLst/>
   <a:extLst>
     <a:ext uri="{05A4C25C-085E-4340-85A3-A5531E510DB2}">
-      <thm15:themeFamily xmlns:thm15="http://schemas.microsoft.com/office/thememl/2012/main" xmlns="" name="Office Theme" id="{62F939B6-93AF-4DB8-9C6B-D6C7DFDC589F}" vid="{4A3C46E8-61CC-4603-A589-7422A47A8E4A}"/>
+      <thm15:themeFamily xmlns:thm15="http://schemas.microsoft.com/office/thememl/2012/main" name="Office Theme" id="{62F939B6-93AF-4DB8-9C6B-D6C7DFDC589F}" vid="{4A3C46E8-61CC-4603-A589-7422A47A8E4A}"/>
     </a:ext>
   </a:extLst>
 </a:theme>

--- a/IDEAS FOR PROBLEM STATEMENT 4.pptx
+++ b/IDEAS FOR PROBLEM STATEMENT 4.pptx
@@ -38,15 +38,15 @@
       <p:boldItalic r:id="rId20"/>
     </p:embeddedFont>
     <p:embeddedFont>
-      <p:font typeface="Calibri" panose="020F0502020204030204" charset="0"/>
+      <p:font typeface="Gabriola" panose="04040605051002020D02" charset="0"/>
       <p:regular r:id="rId21"/>
-      <p:bold r:id="rId22"/>
-      <p:italic r:id="rId23"/>
-      <p:boldItalic r:id="rId24"/>
     </p:embeddedFont>
     <p:embeddedFont>
-      <p:font typeface="Gabriola" panose="04040605051002020D02" charset="0"/>
-      <p:regular r:id="rId25"/>
+      <p:font typeface="Calibri" panose="020F0502020204030204" charset="0"/>
+      <p:regular r:id="rId22"/>
+      <p:bold r:id="rId23"/>
+      <p:italic r:id="rId24"/>
+      <p:boldItalic r:id="rId25"/>
     </p:embeddedFont>
   </p:embeddedFontLst>
   <p:defaultTextStyle>
@@ -9575,6 +9575,52 @@
             </a:r>
             <a:endParaRPr lang="en-US" sz="900"/>
           </a:p>
+          <a:p>
+            <a:pPr marL="146050" indent="0">
+              <a:buNone/>
+            </a:pPr>
+            <a:endParaRPr lang="en-US" sz="900"/>
+          </a:p>
+          <a:p>
+            <a:pPr marL="146050" indent="0">
+              <a:buNone/>
+            </a:pPr>
+            <a:endParaRPr lang="en-US" sz="900"/>
+          </a:p>
+          <a:p>
+            <a:pPr marL="146050" indent="0">
+              <a:buNone/>
+            </a:pPr>
+            <a:r>
+              <a:rPr lang="en-US" sz="900">
+                <a:gradFill>
+                  <a:gsLst>
+                    <a:gs pos="0">
+                      <a:srgbClr val="007BD3"/>
+                    </a:gs>
+                    <a:gs pos="100000">
+                      <a:srgbClr val="034373"/>
+                    </a:gs>
+                  </a:gsLst>
+                  <a:lin scaled="0"/>
+                </a:gradFill>
+              </a:rPr>
+              <a:t>https://scholar.google.com/citations?user=pUpQJlAAAAAJ&amp;hl=en</a:t>
+            </a:r>
+            <a:endParaRPr lang="en-US" sz="900">
+              <a:gradFill>
+                <a:gsLst>
+                  <a:gs pos="0">
+                    <a:srgbClr val="007BD3"/>
+                  </a:gs>
+                  <a:gs pos="100000">
+                    <a:srgbClr val="034373"/>
+                  </a:gs>
+                </a:gsLst>
+                <a:lin scaled="0"/>
+              </a:gradFill>
+            </a:endParaRPr>
+          </a:p>
         </p:txBody>
       </p:sp>
       <p:grpSp>
@@ -10661,7 +10707,7 @@
         </p:blipFill>
         <p:spPr>
           <a:xfrm>
-            <a:off x="4887595" y="2306955"/>
+            <a:off x="5519420" y="1376680"/>
             <a:ext cx="1833245" cy="1143635"/>
           </a:xfrm>
           <a:prstGeom prst="rect">

--- a/IDEAS FOR PROBLEM STATEMENT 4.pptx
+++ b/IDEAS FOR PROBLEM STATEMENT 4.pptx
@@ -5,48 +5,47 @@
     <p:sldMasterId id="2147483648" r:id="rId1"/>
   </p:sldMasterIdLst>
   <p:notesMasterIdLst>
-    <p:notesMasterId r:id="rId4"/>
+    <p:notesMasterId r:id="rId8"/>
   </p:notesMasterIdLst>
   <p:handoutMasterIdLst>
-    <p:handoutMasterId r:id="rId11"/>
+    <p:handoutMasterId r:id="rId9"/>
   </p:handoutMasterIdLst>
   <p:sldIdLst>
-    <p:sldId id="256" r:id="rId3"/>
-    <p:sldId id="258" r:id="rId5"/>
-    <p:sldId id="265" r:id="rId6"/>
-    <p:sldId id="266" r:id="rId7"/>
-    <p:sldId id="262" r:id="rId8"/>
-    <p:sldId id="260" r:id="rId9"/>
-    <p:sldId id="261" r:id="rId10"/>
+    <p:sldId id="256" r:id="rId2"/>
+    <p:sldId id="265" r:id="rId3"/>
+    <p:sldId id="266" r:id="rId4"/>
+    <p:sldId id="262" r:id="rId5"/>
+    <p:sldId id="260" r:id="rId6"/>
+    <p:sldId id="261" r:id="rId7"/>
   </p:sldIdLst>
   <p:sldSz cx="9144000" cy="5143500" type="screen16x9"/>
   <p:notesSz cx="6858000" cy="9144000"/>
   <p:embeddedFontLst>
     <p:embeddedFont>
-      <p:font typeface="Raleway"/>
-      <p:regular r:id="rId15"/>
+      <p:font typeface="Calibri" panose="020F0502020204030204" pitchFamily="34" charset="0"/>
+      <p:regular r:id="rId10"/>
+      <p:bold r:id="rId11"/>
+      <p:italic r:id="rId12"/>
+      <p:boldItalic r:id="rId13"/>
     </p:embeddedFont>
     <p:embeddedFont>
-      <p:font typeface="Lato" panose="020F0502020204030203"/>
-      <p:regular r:id="rId16"/>
+      <p:font typeface="Cambria" panose="02040503050406030204" pitchFamily="18" charset="0"/>
+      <p:regular r:id="rId14"/>
+      <p:bold r:id="rId15"/>
+      <p:italic r:id="rId16"/>
+      <p:boldItalic r:id="rId17"/>
     </p:embeddedFont>
     <p:embeddedFont>
-      <p:font typeface="Cambria" panose="02040503050406030204" charset="0"/>
-      <p:regular r:id="rId17"/>
-      <p:bold r:id="rId18"/>
-      <p:italic r:id="rId19"/>
-      <p:boldItalic r:id="rId20"/>
+      <p:font typeface="Gabriola" panose="04040605051002020D02" pitchFamily="82" charset="0"/>
+      <p:regular r:id="rId18"/>
     </p:embeddedFont>
     <p:embeddedFont>
-      <p:font typeface="Gabriola" panose="04040605051002020D02" charset="0"/>
-      <p:regular r:id="rId21"/>
+      <p:font typeface="Lato" panose="020B0604020202020204" charset="0"/>
+      <p:regular r:id="rId19"/>
     </p:embeddedFont>
     <p:embeddedFont>
-      <p:font typeface="Calibri" panose="020F0502020204030204" charset="0"/>
-      <p:regular r:id="rId22"/>
-      <p:bold r:id="rId23"/>
-      <p:italic r:id="rId24"/>
-      <p:boldItalic r:id="rId25"/>
+      <p:font typeface="Raleway" panose="020B0604020202020204" charset="0"/>
+      <p:regular r:id="rId20"/>
     </p:embeddedFont>
   </p:embeddedFontLst>
   <p:defaultTextStyle>
@@ -278,6 +277,22 @@
       </a:defRPr>
     </a:lvl9pPr>
   </p:defaultTextStyle>
+  <p:extLst>
+    <p:ext uri="{EFAFB233-063F-42B5-8137-9DF3F51BA10A}">
+      <p15:sldGuideLst xmlns:p15="http://schemas.microsoft.com/office/powerpoint/2012/main">
+        <p15:guide id="1" orient="horz" pos="1630">
+          <p15:clr>
+            <a:srgbClr val="A4A3A4"/>
+          </p15:clr>
+        </p15:guide>
+        <p15:guide id="2" pos="2881">
+          <p15:clr>
+            <a:srgbClr val="A4A3A4"/>
+          </p15:clr>
+        </p15:guide>
+      </p15:sldGuideLst>
+    </p:ext>
+  </p:extLst>
 </p:presentation>
 </file>
 
@@ -363,6 +378,7 @@
           <a:p>
             <a:fld id="{696C064A-D61B-4B21-B757-51A9B82445B8}" type="datetimeFigureOut">
               <a:rPr lang="en-US" smtClean="0"/>
+              <a:t>10/7/2020</a:t>
             </a:fld>
             <a:endParaRPr lang="en-US"/>
           </a:p>
@@ -399,7 +415,6 @@
               <a:rPr lang="en-US"/>
               <a:t>Sakshi</a:t>
             </a:r>
-            <a:endParaRPr lang="en-US"/>
           </a:p>
         </p:txBody>
       </p:sp>
@@ -432,12 +447,18 @@
           <a:p>
             <a:fld id="{50305E07-67EA-4042-A3F6-853A8AD8D209}" type="slidenum">
               <a:rPr lang="en-US" smtClean="0"/>
+              <a:t>‹#›</a:t>
             </a:fld>
             <a:endParaRPr lang="en-US"/>
           </a:p>
         </p:txBody>
       </p:sp>
     </p:spTree>
+    <p:extLst>
+      <p:ext uri="{BB962C8B-B14F-4D97-AF65-F5344CB8AC3E}">
+        <p14:creationId xmlns:p14="http://schemas.microsoft.com/office/powerpoint/2010/main" val="1"/>
+      </p:ext>
+    </p:extLst>
   </p:cSld>
   <p:clrMap bg1="lt1" tx1="dk1" bg2="lt2" tx2="dk2" accent1="accent1" accent2="accent2" accent3="accent3" accent4="accent4" accent5="accent5" accent6="accent6" hlink="hlink" folHlink="folHlink"/>
   <p:hf sldNum="0" hdr="0" dt="0"/>
@@ -645,7 +666,9 @@
               <a:defRPr sz="1100"/>
             </a:lvl9pPr>
           </a:lstStyle>
-          <a:p/>
+          <a:p>
+            <a:endParaRPr/>
+          </a:p>
         </p:txBody>
       </p:sp>
     </p:spTree>
@@ -885,7 +908,7 @@
 </file>
 
 <file path=ppt/notesSlides/notesSlide1.xml><?xml version="1.0" encoding="utf-8"?>
-<p:notes xmlns:a="http://schemas.openxmlformats.org/drawingml/2006/main" xmlns:r="http://schemas.openxmlformats.org/officeDocument/2006/relationships" xmlns:p="http://schemas.openxmlformats.org/presentationml/2006/main" showMasterPhAnim="0" showMasterSp="0">
+<p:notes xmlns:a="http://schemas.openxmlformats.org/drawingml/2006/main" xmlns:r="http://schemas.openxmlformats.org/officeDocument/2006/relationships" xmlns:p="http://schemas.openxmlformats.org/presentationml/2006/main" showMasterSp="0" showMasterPhAnim="0">
   <p:cSld>
     <p:spTree>
       <p:nvGrpSpPr>
@@ -976,6 +999,7 @@
               </a:spcAft>
               <a:buNone/>
             </a:pPr>
+            <a:endParaRPr/>
           </a:p>
         </p:txBody>
       </p:sp>
@@ -988,11 +1012,11 @@
 </file>
 
 <file path=ppt/notesSlides/notesSlide2.xml><?xml version="1.0" encoding="utf-8"?>
-<p:notes xmlns:a="http://schemas.openxmlformats.org/drawingml/2006/main" xmlns:r="http://schemas.openxmlformats.org/officeDocument/2006/relationships" xmlns:p="http://schemas.openxmlformats.org/presentationml/2006/main" showMasterPhAnim="0" showMasterSp="0">
+<p:notes xmlns:a="http://schemas.openxmlformats.org/drawingml/2006/main" xmlns:r="http://schemas.openxmlformats.org/officeDocument/2006/relationships" xmlns:p="http://schemas.openxmlformats.org/presentationml/2006/main" showMasterSp="0" showMasterPhAnim="0">
   <p:cSld>
     <p:spTree>
       <p:nvGrpSpPr>
-        <p:cNvPr id="1" name="Shape 94"/>
+        <p:cNvPr id="1" name="Shape 100"/>
         <p:cNvGrpSpPr/>
         <p:nvPr/>
       </p:nvGrpSpPr>
@@ -1006,7 +1030,7 @@
       </p:grpSpPr>
       <p:sp>
         <p:nvSpPr>
-          <p:cNvPr id="95" name="Google Shape;95;ga001bb0786_0_325:notes"/>
+          <p:cNvPr id="101" name="Google Shape;101;ga001bb0786_0_330:notes"/>
           <p:cNvSpPr>
             <a:spLocks noGrp="1" noRot="1" noChangeAspect="1"/>
           </p:cNvSpPr>
@@ -1047,7 +1071,7 @@
       </p:sp>
       <p:sp>
         <p:nvSpPr>
-          <p:cNvPr id="96" name="Google Shape;96;ga001bb0786_0_325:notes"/>
+          <p:cNvPr id="102" name="Google Shape;102;ga001bb0786_0_330:notes"/>
           <p:cNvSpPr txBox="1">
             <a:spLocks noGrp="1"/>
           </p:cNvSpPr>
@@ -1079,6 +1103,7 @@
               </a:spcAft>
               <a:buNone/>
             </a:pPr>
+            <a:endParaRPr/>
           </a:p>
         </p:txBody>
       </p:sp>
@@ -1091,110 +1116,11 @@
 </file>
 
 <file path=ppt/notesSlides/notesSlide3.xml><?xml version="1.0" encoding="utf-8"?>
-<p:notes xmlns:a="http://schemas.openxmlformats.org/drawingml/2006/main" xmlns:r="http://schemas.openxmlformats.org/officeDocument/2006/relationships" xmlns:p="http://schemas.openxmlformats.org/presentationml/2006/main" showMasterPhAnim="0" showMasterSp="0">
+<p:notes xmlns:a="http://schemas.openxmlformats.org/drawingml/2006/main" xmlns:r="http://schemas.openxmlformats.org/officeDocument/2006/relationships" xmlns:p="http://schemas.openxmlformats.org/presentationml/2006/main" showMasterSp="0" showMasterPhAnim="0">
   <p:cSld>
     <p:spTree>
       <p:nvGrpSpPr>
-        <p:cNvPr id="100" name="Shape 100"/>
-        <p:cNvGrpSpPr/>
-        <p:nvPr/>
-      </p:nvGrpSpPr>
-      <p:grpSpPr>
-        <a:xfrm>
-          <a:off x="0" y="0"/>
-          <a:ext cx="0" cy="0"/>
-          <a:chOff x="0" y="0"/>
-          <a:chExt cx="0" cy="0"/>
-        </a:xfrm>
-      </p:grpSpPr>
-      <p:sp>
-        <p:nvSpPr>
-          <p:cNvPr id="101" name="Google Shape;101;ga001bb0786_0_330:notes"/>
-          <p:cNvSpPr/>
-          <p:nvPr>
-            <p:ph type="sldImg" idx="2"/>
-          </p:nvPr>
-        </p:nvSpPr>
-        <p:spPr>
-          <a:xfrm>
-            <a:off x="381300" y="685800"/>
-            <a:ext cx="6096000" cy="3429000"/>
-          </a:xfrm>
-          <a:custGeom>
-            <a:avLst/>
-            <a:gdLst/>
-            <a:ahLst/>
-            <a:cxnLst/>
-            <a:rect l="l" t="t" r="r" b="b"/>
-            <a:pathLst>
-              <a:path w="120000" h="120000" extrusionOk="0">
-                <a:moveTo>
-                  <a:pt x="0" y="0"/>
-                </a:moveTo>
-                <a:lnTo>
-                  <a:pt x="120000" y="0"/>
-                </a:lnTo>
-                <a:lnTo>
-                  <a:pt x="120000" y="120000"/>
-                </a:lnTo>
-                <a:lnTo>
-                  <a:pt x="0" y="120000"/>
-                </a:lnTo>
-                <a:close/>
-              </a:path>
-            </a:pathLst>
-          </a:custGeom>
-        </p:spPr>
-      </p:sp>
-      <p:sp>
-        <p:nvSpPr>
-          <p:cNvPr id="102" name="Google Shape;102;ga001bb0786_0_330:notes"/>
-          <p:cNvSpPr txBox="1"/>
-          <p:nvPr>
-            <p:ph type="body" idx="1"/>
-          </p:nvPr>
-        </p:nvSpPr>
-        <p:spPr>
-          <a:xfrm>
-            <a:off x="685800" y="4343400"/>
-            <a:ext cx="5486400" cy="4114800"/>
-          </a:xfrm>
-          <a:prstGeom prst="rect">
-            <a:avLst/>
-          </a:prstGeom>
-        </p:spPr>
-        <p:txBody>
-          <a:bodyPr spcFirstLastPara="1" wrap="square" lIns="91425" tIns="91425" rIns="91425" bIns="91425" anchor="t" anchorCtr="0">
-            <a:noAutofit/>
-          </a:bodyPr>
-          <a:lstStyle/>
-          <a:p>
-            <a:pPr marL="0" lvl="0" indent="0" algn="l" rtl="0">
-              <a:spcBef>
-                <a:spcPts val="0"/>
-              </a:spcBef>
-              <a:spcAft>
-                <a:spcPts val="0"/>
-              </a:spcAft>
-              <a:buNone/>
-            </a:pPr>
-          </a:p>
-        </p:txBody>
-      </p:sp>
-    </p:spTree>
-  </p:cSld>
-  <p:clrMapOvr>
-    <a:masterClrMapping/>
-  </p:clrMapOvr>
-</p:notes>
-</file>
-
-<file path=ppt/notesSlides/notesSlide4.xml><?xml version="1.0" encoding="utf-8"?>
-<p:notes xmlns:a="http://schemas.openxmlformats.org/drawingml/2006/main" xmlns:r="http://schemas.openxmlformats.org/officeDocument/2006/relationships" xmlns:p="http://schemas.openxmlformats.org/presentationml/2006/main" showMasterPhAnim="0" showMasterSp="0">
-  <p:cSld>
-    <p:spTree>
-      <p:nvGrpSpPr>
-        <p:cNvPr id="106" name="Shape 106"/>
+        <p:cNvPr id="1" name="Shape 106"/>
         <p:cNvGrpSpPr/>
         <p:nvPr/>
       </p:nvGrpSpPr>
@@ -1209,7 +1135,9 @@
       <p:sp>
         <p:nvSpPr>
           <p:cNvPr id="107" name="Google Shape;107;ga001bb0786_0_335:notes"/>
-          <p:cNvSpPr/>
+          <p:cNvSpPr>
+            <a:spLocks noGrp="1" noRot="1" noChangeAspect="1"/>
+          </p:cNvSpPr>
           <p:nvPr>
             <p:ph type="sldImg" idx="2"/>
           </p:nvPr>
@@ -1248,7 +1176,9 @@
       <p:sp>
         <p:nvSpPr>
           <p:cNvPr id="108" name="Google Shape;108;ga001bb0786_0_335:notes"/>
-          <p:cNvSpPr txBox="1"/>
+          <p:cNvSpPr txBox="1">
+            <a:spLocks noGrp="1"/>
+          </p:cNvSpPr>
           <p:nvPr>
             <p:ph type="body" idx="1"/>
           </p:nvPr>
@@ -1277,6 +1207,7 @@
               </a:spcAft>
               <a:buNone/>
             </a:pPr>
+            <a:endParaRPr/>
           </a:p>
         </p:txBody>
       </p:sp>
@@ -1288,8 +1219,8 @@
 </p:notes>
 </file>
 
-<file path=ppt/notesSlides/notesSlide5.xml><?xml version="1.0" encoding="utf-8"?>
-<p:notes xmlns:a="http://schemas.openxmlformats.org/drawingml/2006/main" xmlns:r="http://schemas.openxmlformats.org/officeDocument/2006/relationships" xmlns:p="http://schemas.openxmlformats.org/presentationml/2006/main" showMasterPhAnim="0" showMasterSp="0">
+<file path=ppt/notesSlides/notesSlide4.xml><?xml version="1.0" encoding="utf-8"?>
+<p:notes xmlns:a="http://schemas.openxmlformats.org/drawingml/2006/main" xmlns:r="http://schemas.openxmlformats.org/officeDocument/2006/relationships" xmlns:p="http://schemas.openxmlformats.org/presentationml/2006/main" showMasterSp="0" showMasterPhAnim="0">
   <p:cSld>
     <p:spTree>
       <p:nvGrpSpPr>
@@ -1380,6 +1311,7 @@
               </a:spcAft>
               <a:buNone/>
             </a:pPr>
+            <a:endParaRPr/>
           </a:p>
         </p:txBody>
       </p:sp>
@@ -1391,8 +1323,8 @@
 </p:notes>
 </file>
 
-<file path=ppt/notesSlides/notesSlide6.xml><?xml version="1.0" encoding="utf-8"?>
-<p:notes xmlns:a="http://schemas.openxmlformats.org/drawingml/2006/main" xmlns:r="http://schemas.openxmlformats.org/officeDocument/2006/relationships" xmlns:p="http://schemas.openxmlformats.org/presentationml/2006/main" showMasterPhAnim="0" showMasterSp="0">
+<file path=ppt/notesSlides/notesSlide5.xml><?xml version="1.0" encoding="utf-8"?>
+<p:notes xmlns:a="http://schemas.openxmlformats.org/drawingml/2006/main" xmlns:r="http://schemas.openxmlformats.org/officeDocument/2006/relationships" xmlns:p="http://schemas.openxmlformats.org/presentationml/2006/main" showMasterSp="0" showMasterPhAnim="0">
   <p:cSld>
     <p:spTree>
       <p:nvGrpSpPr>
@@ -1483,6 +1415,7 @@
               </a:spcAft>
               <a:buNone/>
             </a:pPr>
+            <a:endParaRPr/>
           </a:p>
         </p:txBody>
       </p:sp>
@@ -1494,8 +1427,8 @@
 </p:notes>
 </file>
 
-<file path=ppt/notesSlides/notesSlide7.xml><?xml version="1.0" encoding="utf-8"?>
-<p:notes xmlns:a="http://schemas.openxmlformats.org/drawingml/2006/main" xmlns:r="http://schemas.openxmlformats.org/officeDocument/2006/relationships" xmlns:p="http://schemas.openxmlformats.org/presentationml/2006/main" showMasterPhAnim="0" showMasterSp="0">
+<file path=ppt/notesSlides/notesSlide6.xml><?xml version="1.0" encoding="utf-8"?>
+<p:notes xmlns:a="http://schemas.openxmlformats.org/drawingml/2006/main" xmlns:r="http://schemas.openxmlformats.org/officeDocument/2006/relationships" xmlns:p="http://schemas.openxmlformats.org/presentationml/2006/main" showMasterSp="0" showMasterPhAnim="0">
   <p:cSld>
     <p:spTree>
       <p:nvGrpSpPr>
@@ -1586,6 +1519,7 @@
               </a:spcAft>
               <a:buNone/>
             </a:pPr>
+            <a:endParaRPr/>
           </a:p>
         </p:txBody>
       </p:sp>
@@ -1598,7 +1532,7 @@
 </file>
 
 <file path=ppt/slideLayouts/slideLayout1.xml><?xml version="1.0" encoding="utf-8"?>
-<p:sldLayout xmlns:a="http://schemas.openxmlformats.org/drawingml/2006/main" xmlns:r="http://schemas.openxmlformats.org/officeDocument/2006/relationships" xmlns:p="http://schemas.openxmlformats.org/presentationml/2006/main" type="title" matchingName="Title slide">
+<p:sldLayout xmlns:a="http://schemas.openxmlformats.org/drawingml/2006/main" xmlns:r="http://schemas.openxmlformats.org/officeDocument/2006/relationships" xmlns:p="http://schemas.openxmlformats.org/presentationml/2006/main" matchingName="Title slide" type="title">
   <p:cSld name="TITLE">
     <p:bg>
       <p:bgPr>
@@ -1658,6 +1592,7 @@
               </a:spcAft>
               <a:buNone/>
             </a:pPr>
+            <a:endParaRPr/>
           </a:p>
         </p:txBody>
       </p:sp>
@@ -1711,6 +1646,7 @@
                 </a:spcAft>
                 <a:buNone/>
               </a:pPr>
+              <a:endParaRPr/>
             </a:p>
           </p:txBody>
         </p:sp>
@@ -1750,6 +1686,7 @@
                 </a:spcAft>
                 <a:buNone/>
               </a:pPr>
+              <a:endParaRPr/>
             </a:p>
           </p:txBody>
         </p:sp>
@@ -1941,7 +1878,9 @@
               </a:defRPr>
             </a:lvl9pPr>
           </a:lstStyle>
-          <a:p/>
+          <a:p>
+            <a:endParaRPr/>
+          </a:p>
         </p:txBody>
       </p:sp>
       <p:sp>
@@ -2095,7 +2034,9 @@
               <a:defRPr sz="1600"/>
             </a:lvl9pPr>
           </a:lstStyle>
-          <a:p/>
+          <a:p>
+            <a:endParaRPr/>
+          </a:p>
         </p:txBody>
       </p:sp>
       <p:sp>
@@ -2171,6 +2112,7 @@
             </a:pPr>
             <a:fld id="{00000000-1234-1234-1234-123412341234}" type="slidenum">
               <a:rPr lang="en-GB"/>
+              <a:t>‹#›</a:t>
             </a:fld>
             <a:endParaRPr lang="en-GB"/>
           </a:p>
@@ -2260,6 +2202,7 @@
                 </a:spcAft>
                 <a:buNone/>
               </a:pPr>
+              <a:endParaRPr/>
             </a:p>
           </p:txBody>
         </p:sp>
@@ -2299,6 +2242,7 @@
                 </a:spcAft>
                 <a:buNone/>
               </a:pPr>
+              <a:endParaRPr/>
             </a:p>
           </p:txBody>
         </p:sp>
@@ -2684,7 +2628,9 @@
               </a:defRPr>
             </a:lvl9pPr>
           </a:lstStyle>
-          <a:p/>
+          <a:p>
+            <a:endParaRPr/>
+          </a:p>
         </p:txBody>
       </p:sp>
       <p:sp>
@@ -2796,6 +2742,7 @@
             </a:pPr>
             <a:fld id="{00000000-1234-1234-1234-123412341234}" type="slidenum">
               <a:rPr lang="en-GB"/>
+              <a:t>‹#›</a:t>
             </a:fld>
             <a:endParaRPr lang="en-GB"/>
           </a:p>
@@ -2811,7 +2758,7 @@
 </file>
 
 <file path=ppt/slideLayouts/slideLayout2.xml><?xml version="1.0" encoding="utf-8"?>
-<p:sldLayout xmlns:a="http://schemas.openxmlformats.org/drawingml/2006/main" xmlns:r="http://schemas.openxmlformats.org/officeDocument/2006/relationships" xmlns:p="http://schemas.openxmlformats.org/presentationml/2006/main" type="secHead" matchingName="Section header">
+<p:sldLayout xmlns:a="http://schemas.openxmlformats.org/drawingml/2006/main" xmlns:r="http://schemas.openxmlformats.org/officeDocument/2006/relationships" xmlns:p="http://schemas.openxmlformats.org/presentationml/2006/main" matchingName="Section header" type="secHead">
   <p:cSld name="SECTION_HEADER">
     <p:bg>
       <p:bgPr>
@@ -2885,6 +2832,7 @@
                 </a:spcAft>
                 <a:buNone/>
               </a:pPr>
+              <a:endParaRPr/>
             </a:p>
           </p:txBody>
         </p:sp>
@@ -2924,6 +2872,7 @@
                 </a:spcAft>
                 <a:buNone/>
               </a:pPr>
+              <a:endParaRPr/>
             </a:p>
           </p:txBody>
         </p:sp>
@@ -3115,7 +3064,9 @@
               </a:defRPr>
             </a:lvl9pPr>
           </a:lstStyle>
-          <a:p/>
+          <a:p>
+            <a:endParaRPr/>
+          </a:p>
         </p:txBody>
       </p:sp>
       <p:sp>
@@ -3227,6 +3178,7 @@
             </a:pPr>
             <a:fld id="{00000000-1234-1234-1234-123412341234}" type="slidenum">
               <a:rPr lang="en-GB"/>
+              <a:t>‹#›</a:t>
             </a:fld>
             <a:endParaRPr lang="en-GB"/>
           </a:p>
@@ -3242,7 +3194,7 @@
 </file>
 
 <file path=ppt/slideLayouts/slideLayout3.xml><?xml version="1.0" encoding="utf-8"?>
-<p:sldLayout xmlns:a="http://schemas.openxmlformats.org/drawingml/2006/main" xmlns:r="http://schemas.openxmlformats.org/officeDocument/2006/relationships" xmlns:p="http://schemas.openxmlformats.org/presentationml/2006/main" type="tx" matchingName="Title and body">
+<p:sldLayout xmlns:a="http://schemas.openxmlformats.org/drawingml/2006/main" xmlns:r="http://schemas.openxmlformats.org/officeDocument/2006/relationships" xmlns:p="http://schemas.openxmlformats.org/presentationml/2006/main" matchingName="Title and body" type="tx">
   <p:cSld name="TITLE_AND_BODY">
     <p:spTree>
       <p:nvGrpSpPr>
@@ -3294,6 +3246,7 @@
               </a:spcAft>
               <a:buNone/>
             </a:pPr>
+            <a:endParaRPr/>
           </a:p>
         </p:txBody>
       </p:sp>
@@ -3347,6 +3300,7 @@
                 </a:spcAft>
                 <a:buNone/>
               </a:pPr>
+              <a:endParaRPr/>
             </a:p>
           </p:txBody>
         </p:sp>
@@ -3386,6 +3340,7 @@
                 </a:spcAft>
                 <a:buNone/>
               </a:pPr>
+              <a:endParaRPr/>
             </a:p>
           </p:txBody>
         </p:sp>
@@ -3577,7 +3532,9 @@
               </a:defRPr>
             </a:lvl9pPr>
           </a:lstStyle>
-          <a:p/>
+          <a:p>
+            <a:endParaRPr/>
+          </a:p>
         </p:txBody>
       </p:sp>
       <p:sp>
@@ -3704,7 +3661,9 @@
               <a:defRPr/>
             </a:lvl9pPr>
           </a:lstStyle>
-          <a:p/>
+          <a:p>
+            <a:endParaRPr/>
+          </a:p>
         </p:txBody>
       </p:sp>
       <p:sp>
@@ -3780,6 +3739,7 @@
             </a:pPr>
             <a:fld id="{00000000-1234-1234-1234-123412341234}" type="slidenum">
               <a:rPr lang="en-GB"/>
+              <a:t>‹#›</a:t>
             </a:fld>
             <a:endParaRPr lang="en-GB"/>
           </a:p>
@@ -3795,7 +3755,7 @@
 </file>
 
 <file path=ppt/slideLayouts/slideLayout4.xml><?xml version="1.0" encoding="utf-8"?>
-<p:sldLayout xmlns:a="http://schemas.openxmlformats.org/drawingml/2006/main" xmlns:r="http://schemas.openxmlformats.org/officeDocument/2006/relationships" xmlns:p="http://schemas.openxmlformats.org/presentationml/2006/main" type="twoColTx" matchingName="Title and two columns">
+<p:sldLayout xmlns:a="http://schemas.openxmlformats.org/drawingml/2006/main" xmlns:r="http://schemas.openxmlformats.org/officeDocument/2006/relationships" xmlns:p="http://schemas.openxmlformats.org/presentationml/2006/main" matchingName="Title and two columns" type="twoColTx">
   <p:cSld name="TITLE_AND_TWO_COLUMNS">
     <p:spTree>
       <p:nvGrpSpPr>
@@ -3847,6 +3807,7 @@
               </a:spcAft>
               <a:buNone/>
             </a:pPr>
+            <a:endParaRPr/>
           </a:p>
         </p:txBody>
       </p:sp>
@@ -3900,6 +3861,7 @@
                 </a:spcAft>
                 <a:buNone/>
               </a:pPr>
+              <a:endParaRPr/>
             </a:p>
           </p:txBody>
         </p:sp>
@@ -3939,6 +3901,7 @@
                 </a:spcAft>
                 <a:buNone/>
               </a:pPr>
+              <a:endParaRPr/>
             </a:p>
           </p:txBody>
         </p:sp>
@@ -4130,7 +4093,9 @@
               </a:defRPr>
             </a:lvl9pPr>
           </a:lstStyle>
-          <a:p/>
+          <a:p>
+            <a:endParaRPr/>
+          </a:p>
         </p:txBody>
       </p:sp>
       <p:sp>
@@ -4257,7 +4222,9 @@
               <a:defRPr/>
             </a:lvl9pPr>
           </a:lstStyle>
-          <a:p/>
+          <a:p>
+            <a:endParaRPr/>
+          </a:p>
         </p:txBody>
       </p:sp>
       <p:sp>
@@ -4384,7 +4351,9 @@
               <a:defRPr/>
             </a:lvl9pPr>
           </a:lstStyle>
-          <a:p/>
+          <a:p>
+            <a:endParaRPr/>
+          </a:p>
         </p:txBody>
       </p:sp>
       <p:sp>
@@ -4460,6 +4429,7 @@
             </a:pPr>
             <a:fld id="{00000000-1234-1234-1234-123412341234}" type="slidenum">
               <a:rPr lang="en-GB"/>
+              <a:t>‹#›</a:t>
             </a:fld>
             <a:endParaRPr lang="en-GB"/>
           </a:p>
@@ -4475,7 +4445,7 @@
 </file>
 
 <file path=ppt/slideLayouts/slideLayout5.xml><?xml version="1.0" encoding="utf-8"?>
-<p:sldLayout xmlns:a="http://schemas.openxmlformats.org/drawingml/2006/main" xmlns:r="http://schemas.openxmlformats.org/officeDocument/2006/relationships" xmlns:p="http://schemas.openxmlformats.org/presentationml/2006/main" type="titleOnly" matchingName="Title only">
+<p:sldLayout xmlns:a="http://schemas.openxmlformats.org/drawingml/2006/main" xmlns:r="http://schemas.openxmlformats.org/officeDocument/2006/relationships" xmlns:p="http://schemas.openxmlformats.org/presentationml/2006/main" matchingName="Title only" type="titleOnly">
   <p:cSld name="TITLE_ONLY">
     <p:spTree>
       <p:nvGrpSpPr>
@@ -4527,6 +4497,7 @@
               </a:spcAft>
               <a:buNone/>
             </a:pPr>
+            <a:endParaRPr/>
           </a:p>
         </p:txBody>
       </p:sp>
@@ -4580,6 +4551,7 @@
                 </a:spcAft>
                 <a:buNone/>
               </a:pPr>
+              <a:endParaRPr/>
             </a:p>
           </p:txBody>
         </p:sp>
@@ -4619,6 +4591,7 @@
                 </a:spcAft>
                 <a:buNone/>
               </a:pPr>
+              <a:endParaRPr/>
             </a:p>
           </p:txBody>
         </p:sp>
@@ -4810,7 +4783,9 @@
               </a:defRPr>
             </a:lvl9pPr>
           </a:lstStyle>
-          <a:p/>
+          <a:p>
+            <a:endParaRPr/>
+          </a:p>
         </p:txBody>
       </p:sp>
       <p:sp>
@@ -4886,6 +4861,7 @@
             </a:pPr>
             <a:fld id="{00000000-1234-1234-1234-123412341234}" type="slidenum">
               <a:rPr lang="en-GB"/>
+              <a:t>‹#›</a:t>
             </a:fld>
             <a:endParaRPr lang="en-GB"/>
           </a:p>
@@ -4953,6 +4929,7 @@
               </a:spcAft>
               <a:buNone/>
             </a:pPr>
+            <a:endParaRPr/>
           </a:p>
         </p:txBody>
       </p:sp>
@@ -5006,6 +4983,7 @@
                 </a:spcAft>
                 <a:buNone/>
               </a:pPr>
+              <a:endParaRPr/>
             </a:p>
           </p:txBody>
         </p:sp>
@@ -5045,6 +5023,7 @@
                 </a:spcAft>
                 <a:buNone/>
               </a:pPr>
+              <a:endParaRPr/>
             </a:p>
           </p:txBody>
         </p:sp>
@@ -5236,7 +5215,9 @@
               </a:defRPr>
             </a:lvl9pPr>
           </a:lstStyle>
-          <a:p/>
+          <a:p>
+            <a:endParaRPr/>
+          </a:p>
         </p:txBody>
       </p:sp>
       <p:sp>
@@ -5363,7 +5344,9 @@
               <a:defRPr/>
             </a:lvl9pPr>
           </a:lstStyle>
-          <a:p/>
+          <a:p>
+            <a:endParaRPr/>
+          </a:p>
         </p:txBody>
       </p:sp>
       <p:sp>
@@ -5439,6 +5422,7 @@
             </a:pPr>
             <a:fld id="{00000000-1234-1234-1234-123412341234}" type="slidenum">
               <a:rPr lang="en-GB"/>
+              <a:t>‹#›</a:t>
             </a:fld>
             <a:endParaRPr lang="en-GB"/>
           </a:p>
@@ -5528,6 +5512,7 @@
                 </a:spcAft>
                 <a:buNone/>
               </a:pPr>
+              <a:endParaRPr/>
             </a:p>
           </p:txBody>
         </p:sp>
@@ -5567,6 +5552,7 @@
                 </a:spcAft>
                 <a:buNone/>
               </a:pPr>
+              <a:endParaRPr/>
             </a:p>
           </p:txBody>
         </p:sp>
@@ -5758,7 +5744,9 @@
               </a:defRPr>
             </a:lvl9pPr>
           </a:lstStyle>
-          <a:p/>
+          <a:p>
+            <a:endParaRPr/>
+          </a:p>
         </p:txBody>
       </p:sp>
       <p:sp>
@@ -5870,6 +5858,7 @@
             </a:pPr>
             <a:fld id="{00000000-1234-1234-1234-123412341234}" type="slidenum">
               <a:rPr lang="en-GB"/>
+              <a:t>‹#›</a:t>
             </a:fld>
             <a:endParaRPr lang="en-GB"/>
           </a:p>
@@ -5937,6 +5926,7 @@
               </a:spcAft>
               <a:buNone/>
             </a:pPr>
+            <a:endParaRPr/>
           </a:p>
         </p:txBody>
       </p:sp>
@@ -5990,6 +5980,7 @@
                 </a:spcAft>
                 <a:buNone/>
               </a:pPr>
+              <a:endParaRPr/>
             </a:p>
           </p:txBody>
         </p:sp>
@@ -6029,6 +6020,7 @@
                 </a:spcAft>
                 <a:buNone/>
               </a:pPr>
+              <a:endParaRPr/>
             </a:p>
           </p:txBody>
         </p:sp>
@@ -6220,7 +6212,9 @@
               </a:defRPr>
             </a:lvl9pPr>
           </a:lstStyle>
-          <a:p/>
+          <a:p>
+            <a:endParaRPr/>
+          </a:p>
         </p:txBody>
       </p:sp>
       <p:sp>
@@ -6374,7 +6368,9 @@
               <a:defRPr sz="1600"/>
             </a:lvl9pPr>
           </a:lstStyle>
-          <a:p/>
+          <a:p>
+            <a:endParaRPr/>
+          </a:p>
         </p:txBody>
       </p:sp>
       <p:sp>
@@ -6501,7 +6497,9 @@
               <a:defRPr/>
             </a:lvl9pPr>
           </a:lstStyle>
-          <a:p/>
+          <a:p>
+            <a:endParaRPr/>
+          </a:p>
         </p:txBody>
       </p:sp>
       <p:sp>
@@ -6577,6 +6575,7 @@
             </a:pPr>
             <a:fld id="{00000000-1234-1234-1234-123412341234}" type="slidenum">
               <a:rPr lang="en-GB"/>
+              <a:t>‹#›</a:t>
             </a:fld>
             <a:endParaRPr lang="en-GB"/>
           </a:p>
@@ -6647,7 +6646,9 @@
               <a:defRPr/>
             </a:lvl1pPr>
           </a:lstStyle>
-          <a:p/>
+          <a:p>
+            <a:endParaRPr/>
+          </a:p>
         </p:txBody>
       </p:sp>
       <p:sp>
@@ -6723,6 +6724,7 @@
             </a:pPr>
             <a:fld id="{00000000-1234-1234-1234-123412341234}" type="slidenum">
               <a:rPr lang="en-GB"/>
+              <a:t>‹#›</a:t>
             </a:fld>
             <a:endParaRPr lang="en-GB"/>
           </a:p>
@@ -6944,7 +6946,9 @@
               </a:defRPr>
             </a:lvl9pPr>
           </a:lstStyle>
-          <a:p/>
+          <a:p>
+            <a:endParaRPr/>
+          </a:p>
         </p:txBody>
       </p:sp>
       <p:sp>
@@ -7210,7 +7214,9 @@
               </a:defRPr>
             </a:lvl9pPr>
           </a:lstStyle>
-          <a:p/>
+          <a:p>
+            <a:endParaRPr/>
+          </a:p>
         </p:txBody>
       </p:sp>
       <p:sp>
@@ -7362,6 +7368,7 @@
             </a:pPr>
             <a:fld id="{00000000-1234-1234-1234-123412341234}" type="slidenum">
               <a:rPr lang="en-GB"/>
+              <a:t>‹#›</a:t>
             </a:fld>
             <a:endParaRPr lang="en-GB"/>
           </a:p>
@@ -8133,10 +8140,6 @@
               </a:rPr>
               <a:t>Ideas For Problem Statement</a:t>
             </a:r>
-            <a:endParaRPr lang="en-GB">
-              <a:latin typeface="Cambria" panose="02040503050406030204" charset="0"/>
-              <a:cs typeface="Cambria" panose="02040503050406030204" charset="0"/>
-            </a:endParaRPr>
           </a:p>
         </p:txBody>
       </p:sp>
@@ -8153,7 +8156,7 @@
   <p:cSld>
     <p:spTree>
       <p:nvGrpSpPr>
-        <p:cNvPr id="1" name="Shape 97"/>
+        <p:cNvPr id="1" name="Shape 103"/>
         <p:cNvGrpSpPr/>
         <p:nvPr/>
       </p:nvGrpSpPr>
@@ -8167,7 +8170,7 @@
       </p:grpSpPr>
       <p:sp>
         <p:nvSpPr>
-          <p:cNvPr id="98" name="Google Shape;98;p15"/>
+          <p:cNvPr id="104" name="Google Shape;104;p16"/>
           <p:cNvSpPr txBox="1">
             <a:spLocks noGrp="1"/>
           </p:cNvSpPr>
@@ -8177,8 +8180,8 @@
         </p:nvSpPr>
         <p:spPr>
           <a:xfrm>
-            <a:off x="729450" y="1318650"/>
-            <a:ext cx="7688700" cy="535200"/>
+            <a:off x="729615" y="1548130"/>
+            <a:ext cx="7688580" cy="1049020"/>
           </a:xfrm>
           <a:prstGeom prst="rect">
             <a:avLst/>
@@ -8191,6 +8194,9 @@
           <a:lstStyle/>
           <a:p>
             <a:pPr marL="0" lvl="0" indent="0" algn="l" rtl="0">
+              <a:lnSpc>
+                <a:spcPct val="40000"/>
+              </a:lnSpc>
               <a:spcBef>
                 <a:spcPts val="0"/>
               </a:spcBef>
@@ -8199,12 +8205,27 @@
               </a:spcAft>
               <a:buNone/>
             </a:pPr>
+            <a:r>
+              <a:rPr lang="en-US"/>
+              <a:t>Sentiment Detection </a:t>
+            </a:r>
+            <a:br>
+              <a:rPr lang="en-US"/>
+            </a:br>
+            <a:r>
+              <a:rPr lang="en-US"/>
+              <a:t>	</a:t>
+            </a:r>
+            <a:r>
+              <a:rPr lang="en-US" sz="1000"/>
+              <a:t>With Consideration Of Sarcasm,Humour,Hate Speech</a:t>
+            </a:r>
           </a:p>
         </p:txBody>
       </p:sp>
       <p:sp>
         <p:nvSpPr>
-          <p:cNvPr id="99" name="Google Shape;99;p15"/>
+          <p:cNvPr id="105" name="Google Shape;105;p16"/>
           <p:cNvSpPr txBox="1">
             <a:spLocks noGrp="1"/>
           </p:cNvSpPr>
@@ -8214,8 +8235,8 @@
         </p:nvSpPr>
         <p:spPr>
           <a:xfrm>
-            <a:off x="729450" y="2078875"/>
-            <a:ext cx="7688700" cy="2261100"/>
+            <a:off x="729615" y="2078990"/>
+            <a:ext cx="3774440" cy="2573020"/>
           </a:xfrm>
           <a:prstGeom prst="rect">
             <a:avLst/>
@@ -8236,6 +8257,158 @@
               </a:spcAft>
               <a:buNone/>
             </a:pPr>
+            <a:r>
+              <a:rPr lang="en-US" sz="900"/>
+              <a:t>1. Stanford</a:t>
+            </a:r>
+          </a:p>
+          <a:p>
+            <a:pPr marL="0" lvl="0" indent="0" algn="l" rtl="0">
+              <a:spcBef>
+                <a:spcPts val="0"/>
+              </a:spcBef>
+              <a:spcAft>
+                <a:spcPts val="1600"/>
+              </a:spcAft>
+              <a:buNone/>
+            </a:pPr>
+            <a:r>
+              <a:rPr lang="en-US" sz="900"/>
+              <a:t>H1: Models individually learned on sarcasm,humor and hate speech detection, and then used as subroutines to extract features, should boost the performance of a sentiment classification model.</a:t>
+            </a:r>
+          </a:p>
+          <a:p>
+            <a:pPr marL="228600" lvl="0" indent="-228600" algn="l" rtl="0">
+              <a:spcBef>
+                <a:spcPts val="0"/>
+              </a:spcBef>
+              <a:spcAft>
+                <a:spcPts val="1600"/>
+              </a:spcAft>
+              <a:buAutoNum type="arabicPeriod"/>
+            </a:pPr>
+            <a:r>
+              <a:rPr lang="en-US" sz="895"/>
+              <a:t>Model 1: Sentiment Model -BERT Large</a:t>
+            </a:r>
+          </a:p>
+          <a:p>
+            <a:pPr marL="228600" lvl="0" indent="-228600" algn="l" rtl="0">
+              <a:spcBef>
+                <a:spcPts val="0"/>
+              </a:spcBef>
+              <a:spcAft>
+                <a:spcPts val="1600"/>
+              </a:spcAft>
+              <a:buAutoNum type="arabicPeriod"/>
+            </a:pPr>
+            <a:r>
+              <a:rPr lang="en-US" sz="895"/>
+              <a:t>Model 2: Sarcasm - ASCADE Model</a:t>
+            </a:r>
+          </a:p>
+          <a:p>
+            <a:pPr marL="228600" lvl="0" indent="-228600" algn="l" rtl="0">
+              <a:spcBef>
+                <a:spcPts val="0"/>
+              </a:spcBef>
+              <a:spcAft>
+                <a:spcPts val="1600"/>
+              </a:spcAft>
+              <a:buAutoNum type="arabicPeriod"/>
+            </a:pPr>
+            <a:r>
+              <a:rPr lang="en-US" sz="895"/>
+              <a:t>Model 3: Humour - SVM</a:t>
+            </a:r>
+          </a:p>
+          <a:p>
+            <a:pPr marL="228600" lvl="0" indent="-228600" algn="l" rtl="0">
+              <a:spcBef>
+                <a:spcPts val="0"/>
+              </a:spcBef>
+              <a:spcAft>
+                <a:spcPts val="1600"/>
+              </a:spcAft>
+              <a:buAutoNum type="arabicPeriod"/>
+            </a:pPr>
+            <a:r>
+              <a:rPr lang="en-US" sz="895"/>
+              <a:t>Model 4- Hate Speech - Logistic Regression </a:t>
+            </a:r>
+          </a:p>
+          <a:p>
+            <a:pPr marL="0" lvl="0" indent="0" algn="l" rtl="0">
+              <a:spcBef>
+                <a:spcPts val="0"/>
+              </a:spcBef>
+              <a:spcAft>
+                <a:spcPts val="1600"/>
+              </a:spcAft>
+              <a:buNone/>
+            </a:pPr>
+            <a:endParaRPr lang="en-US" sz="900"/>
+          </a:p>
+        </p:txBody>
+      </p:sp>
+      <p:sp>
+        <p:nvSpPr>
+          <p:cNvPr id="3" name="Text Placeholder 2"/>
+          <p:cNvSpPr>
+            <a:spLocks noGrp="1"/>
+          </p:cNvSpPr>
+          <p:nvPr>
+            <p:ph type="body" idx="2"/>
+          </p:nvPr>
+        </p:nvSpPr>
+        <p:spPr>
+          <a:xfrm>
+            <a:off x="4643604" y="2040775"/>
+            <a:ext cx="3774300" cy="2261100"/>
+          </a:xfrm>
+        </p:spPr>
+        <p:txBody>
+          <a:bodyPr/>
+          <a:lstStyle/>
+          <a:p>
+            <a:pPr marL="146050" indent="0">
+              <a:buNone/>
+            </a:pPr>
+            <a:endParaRPr lang="en-US">
+              <a:sym typeface="+mn-ea"/>
+            </a:endParaRPr>
+          </a:p>
+          <a:p>
+            <a:pPr marL="146050" indent="0">
+              <a:buNone/>
+            </a:pPr>
+            <a:endParaRPr lang="en-US" sz="900">
+              <a:sym typeface="+mn-ea"/>
+            </a:endParaRPr>
+          </a:p>
+          <a:p>
+            <a:pPr marL="146050" indent="0">
+              <a:buNone/>
+            </a:pPr>
+            <a:r>
+              <a:rPr lang="en-US" sz="900">
+                <a:sym typeface="+mn-ea"/>
+              </a:rPr>
+              <a:t>H2: Given that the individual tasks are all binary classification tasks, a single model architecture should provide reasonable performance on these individual tasks and would make it easier to re-use the same.</a:t>
+            </a:r>
+            <a:endParaRPr lang="en-US" sz="900"/>
+          </a:p>
+          <a:p>
+            <a:pPr marL="146050" indent="0">
+              <a:buNone/>
+            </a:pPr>
+            <a:endParaRPr lang="en-US" sz="900"/>
+          </a:p>
+          <a:p>
+            <a:pPr marL="146050" indent="0">
+              <a:buNone/>
+            </a:pPr>
+            <a:endParaRPr lang="en-US" sz="900"/>
           </a:p>
         </p:txBody>
       </p:sp>
@@ -8266,316 +8439,8 @@
                 <a:latin typeface="Times New Roman" panose="02020603050405020304" charset="0"/>
                 <a:cs typeface="Times New Roman" panose="02020603050405020304" charset="0"/>
               </a:rPr>
-              <a:t>Abhishek</a:t>
-            </a:r>
-            <a:endParaRPr lang="en-US">
-              <a:latin typeface="Times New Roman" panose="02020603050405020304" charset="0"/>
-              <a:cs typeface="Times New Roman" panose="02020603050405020304" charset="0"/>
-            </a:endParaRPr>
-          </a:p>
-        </p:txBody>
-      </p:sp>
-    </p:spTree>
-  </p:cSld>
-  <p:clrMapOvr>
-    <a:masterClrMapping/>
-  </p:clrMapOvr>
-</p:sld>
-</file>
-
-<file path=ppt/slides/slide3.xml><?xml version="1.0" encoding="utf-8"?>
-<p:sld xmlns:a="http://schemas.openxmlformats.org/drawingml/2006/main" xmlns:r="http://schemas.openxmlformats.org/officeDocument/2006/relationships" xmlns:p="http://schemas.openxmlformats.org/presentationml/2006/main">
-  <p:cSld>
-    <p:spTree>
-      <p:nvGrpSpPr>
-        <p:cNvPr id="103" name="Shape 103"/>
-        <p:cNvGrpSpPr/>
-        <p:nvPr/>
-      </p:nvGrpSpPr>
-      <p:grpSpPr>
-        <a:xfrm>
-          <a:off x="0" y="0"/>
-          <a:ext cx="0" cy="0"/>
-          <a:chOff x="0" y="0"/>
-          <a:chExt cx="0" cy="0"/>
-        </a:xfrm>
-      </p:grpSpPr>
-      <p:sp>
-        <p:nvSpPr>
-          <p:cNvPr id="104" name="Google Shape;104;p16"/>
-          <p:cNvSpPr txBox="1"/>
-          <p:nvPr>
-            <p:ph type="title"/>
-          </p:nvPr>
-        </p:nvSpPr>
-        <p:spPr>
-          <a:xfrm>
-            <a:off x="729615" y="1548130"/>
-            <a:ext cx="7688580" cy="1049020"/>
-          </a:xfrm>
-          <a:prstGeom prst="rect">
-            <a:avLst/>
-          </a:prstGeom>
-        </p:spPr>
-        <p:txBody>
-          <a:bodyPr spcFirstLastPara="1" wrap="square" lIns="91425" tIns="91425" rIns="91425" bIns="91425" anchor="t" anchorCtr="0">
-            <a:noAutofit/>
-          </a:bodyPr>
-          <a:lstStyle/>
-          <a:p>
-            <a:pPr marL="0" lvl="0" indent="0" algn="l" rtl="0">
-              <a:lnSpc>
-                <a:spcPct val="40000"/>
-              </a:lnSpc>
-              <a:spcBef>
-                <a:spcPts val="0"/>
-              </a:spcBef>
-              <a:spcAft>
-                <a:spcPts val="0"/>
-              </a:spcAft>
-              <a:buNone/>
-            </a:pPr>
-            <a:r>
-              <a:rPr lang="en-US"/>
-              <a:t>Sentiment Detection </a:t>
-            </a:r>
-            <a:br>
-              <a:rPr lang="en-US"/>
-            </a:br>
-            <a:r>
-              <a:rPr lang="en-US"/>
-              <a:t>	</a:t>
-            </a:r>
-            <a:r>
-              <a:rPr lang="en-US" sz="1000"/>
-              <a:t>With Consideration Of Sarcasm,Humour,Hate Speech</a:t>
-            </a:r>
-            <a:endParaRPr lang="en-US" sz="1000"/>
-          </a:p>
-        </p:txBody>
-      </p:sp>
-      <p:sp>
-        <p:nvSpPr>
-          <p:cNvPr id="105" name="Google Shape;105;p16"/>
-          <p:cNvSpPr txBox="1"/>
-          <p:nvPr>
-            <p:ph type="body" idx="1"/>
-          </p:nvPr>
-        </p:nvSpPr>
-        <p:spPr>
-          <a:xfrm>
-            <a:off x="729615" y="2078990"/>
-            <a:ext cx="3774440" cy="2573020"/>
-          </a:xfrm>
-          <a:prstGeom prst="rect">
-            <a:avLst/>
-          </a:prstGeom>
-        </p:spPr>
-        <p:txBody>
-          <a:bodyPr spcFirstLastPara="1" wrap="square" lIns="91425" tIns="91425" rIns="91425" bIns="91425" anchor="t" anchorCtr="0">
-            <a:noAutofit/>
-          </a:bodyPr>
-          <a:lstStyle/>
-          <a:p>
-            <a:pPr marL="0" lvl="0" indent="0" algn="l" rtl="0">
-              <a:spcBef>
-                <a:spcPts val="0"/>
-              </a:spcBef>
-              <a:spcAft>
-                <a:spcPts val="1600"/>
-              </a:spcAft>
-              <a:buNone/>
-            </a:pPr>
-            <a:r>
-              <a:rPr lang="en-US" sz="900"/>
-              <a:t>1. Stanford</a:t>
-            </a:r>
-            <a:endParaRPr lang="en-US" sz="900"/>
-          </a:p>
-          <a:p>
-            <a:pPr marL="0" lvl="0" indent="0" algn="l" rtl="0">
-              <a:spcBef>
-                <a:spcPts val="0"/>
-              </a:spcBef>
-              <a:spcAft>
-                <a:spcPts val="1600"/>
-              </a:spcAft>
-              <a:buNone/>
-            </a:pPr>
-            <a:r>
-              <a:rPr lang="en-US" sz="900"/>
-              <a:t>H1: Models individually learned on sarcasm,humor and hate speech detection, and then used as subroutines to extract features, should boost the performance of a sentiment classification model.</a:t>
-            </a:r>
-            <a:endParaRPr lang="en-US" sz="900"/>
-          </a:p>
-          <a:p>
-            <a:pPr marL="228600" lvl="0" indent="-228600" algn="l" rtl="0">
-              <a:spcBef>
-                <a:spcPts val="0"/>
-              </a:spcBef>
-              <a:spcAft>
-                <a:spcPts val="1600"/>
-              </a:spcAft>
-              <a:buAutoNum type="arabicPeriod"/>
-            </a:pPr>
-            <a:r>
-              <a:rPr lang="en-US" sz="895"/>
-              <a:t>Model 1: Sentiment Model -BERT Large</a:t>
-            </a:r>
-            <a:endParaRPr lang="en-US" sz="895"/>
-          </a:p>
-          <a:p>
-            <a:pPr marL="228600" lvl="0" indent="-228600" algn="l" rtl="0">
-              <a:spcBef>
-                <a:spcPts val="0"/>
-              </a:spcBef>
-              <a:spcAft>
-                <a:spcPts val="1600"/>
-              </a:spcAft>
-              <a:buAutoNum type="arabicPeriod"/>
-            </a:pPr>
-            <a:r>
-              <a:rPr lang="en-US" sz="895"/>
-              <a:t>Model 2: Sarcasm - ASCADE Model</a:t>
-            </a:r>
-            <a:endParaRPr lang="en-US" sz="895"/>
-          </a:p>
-          <a:p>
-            <a:pPr marL="228600" lvl="0" indent="-228600" algn="l" rtl="0">
-              <a:spcBef>
-                <a:spcPts val="0"/>
-              </a:spcBef>
-              <a:spcAft>
-                <a:spcPts val="1600"/>
-              </a:spcAft>
-              <a:buAutoNum type="arabicPeriod"/>
-            </a:pPr>
-            <a:r>
-              <a:rPr lang="en-US" sz="895"/>
-              <a:t>Model 3: Humour - SVM</a:t>
-            </a:r>
-            <a:endParaRPr lang="en-US" sz="895"/>
-          </a:p>
-          <a:p>
-            <a:pPr marL="228600" lvl="0" indent="-228600" algn="l" rtl="0">
-              <a:spcBef>
-                <a:spcPts val="0"/>
-              </a:spcBef>
-              <a:spcAft>
-                <a:spcPts val="1600"/>
-              </a:spcAft>
-              <a:buAutoNum type="arabicPeriod"/>
-            </a:pPr>
-            <a:r>
-              <a:rPr lang="en-US" sz="895"/>
-              <a:t>Model 4- Hate Speech - Logistic Regression </a:t>
-            </a:r>
-            <a:endParaRPr lang="en-US" sz="895"/>
-          </a:p>
-          <a:p>
-            <a:pPr marL="0" lvl="0" indent="0" algn="l" rtl="0">
-              <a:spcBef>
-                <a:spcPts val="0"/>
-              </a:spcBef>
-              <a:spcAft>
-                <a:spcPts val="1600"/>
-              </a:spcAft>
-              <a:buNone/>
-            </a:pPr>
-            <a:endParaRPr lang="en-US" sz="900"/>
-          </a:p>
-        </p:txBody>
-      </p:sp>
-      <p:sp>
-        <p:nvSpPr>
-          <p:cNvPr id="3" name="Text Placeholder 2"/>
-          <p:cNvSpPr/>
-          <p:nvPr>
-            <p:ph type="body" idx="2"/>
-          </p:nvPr>
-        </p:nvSpPr>
-        <p:spPr>
-          <a:xfrm>
-            <a:off x="4643604" y="2040775"/>
-            <a:ext cx="3774300" cy="2261100"/>
-          </a:xfrm>
-        </p:spPr>
-        <p:txBody>
-          <a:bodyPr/>
-          <a:p>
-            <a:pPr marL="146050" indent="0">
-              <a:buNone/>
-            </a:pPr>
-            <a:endParaRPr lang="en-US">
-              <a:sym typeface="+mn-ea"/>
-            </a:endParaRPr>
-          </a:p>
-          <a:p>
-            <a:pPr marL="146050" indent="0">
-              <a:buNone/>
-            </a:pPr>
-            <a:endParaRPr lang="en-US" sz="900">
-              <a:sym typeface="+mn-ea"/>
-            </a:endParaRPr>
-          </a:p>
-          <a:p>
-            <a:pPr marL="146050" indent="0">
-              <a:buNone/>
-            </a:pPr>
-            <a:r>
-              <a:rPr lang="en-US" sz="900">
-                <a:sym typeface="+mn-ea"/>
-              </a:rPr>
-              <a:t>H2: Given that the individual tasks are all binary classification tasks, a single model architecture should provide reasonable performance on these individual tasks and would make it easier to re-use the same.</a:t>
-            </a:r>
-            <a:endParaRPr lang="en-US" sz="900"/>
-          </a:p>
-          <a:p>
-            <a:pPr marL="146050" indent="0">
-              <a:buNone/>
-            </a:pPr>
-            <a:endParaRPr lang="en-US" sz="900"/>
-          </a:p>
-          <a:p>
-            <a:pPr marL="146050" indent="0">
-              <a:buNone/>
-            </a:pPr>
-            <a:endParaRPr lang="en-US" sz="900"/>
-          </a:p>
-        </p:txBody>
-      </p:sp>
-      <p:sp>
-        <p:nvSpPr>
-          <p:cNvPr id="2" name="Text Box 1"/>
-          <p:cNvSpPr txBox="1"/>
-          <p:nvPr/>
-        </p:nvSpPr>
-        <p:spPr>
-          <a:xfrm>
-            <a:off x="8014335" y="4793615"/>
-            <a:ext cx="1270000" cy="306705"/>
-          </a:xfrm>
-          <a:prstGeom prst="rect">
-            <a:avLst/>
-          </a:prstGeom>
-          <a:noFill/>
-        </p:spPr>
-        <p:txBody>
-          <a:bodyPr wrap="square" rtlCol="0">
-            <a:spAutoFit/>
-          </a:bodyPr>
-          <a:p>
-            <a:r>
-              <a:rPr lang="en-US">
-                <a:latin typeface="Times New Roman" panose="02020603050405020304" charset="0"/>
-                <a:cs typeface="Times New Roman" panose="02020603050405020304" charset="0"/>
-              </a:rPr>
               <a:t>Varun</a:t>
             </a:r>
-            <a:endParaRPr lang="en-US">
-              <a:latin typeface="Times New Roman" panose="02020603050405020304" charset="0"/>
-              <a:cs typeface="Times New Roman" panose="02020603050405020304" charset="0"/>
-            </a:endParaRPr>
           </a:p>
         </p:txBody>
       </p:sp>
@@ -8707,12 +8572,12 @@
                 <a:bodyPr wrap="square" rtlCol="0">
                   <a:spAutoFit/>
                 </a:bodyPr>
+                <a:lstStyle/>
                 <a:p>
                   <a:r>
                     <a:rPr lang="en-US" sz="500"/>
                     <a:t>n=4</a:t>
                   </a:r>
-                  <a:endParaRPr lang="en-US" sz="500"/>
                 </a:p>
               </p:txBody>
             </p:sp>
@@ -8808,6 +8673,7 @@
                   </p:style>
                   <p:txBody>
                     <a:bodyPr rtlCol="0" anchor="ctr"/>
+                    <a:lstStyle/>
                     <a:p>
                       <a:pPr algn="ctr"/>
                       <a:r>
@@ -8819,12 +8685,6 @@
                         </a:rPr>
                         <a:t>d X 128</a:t>
                       </a:r>
-                      <a:endParaRPr lang="en-US" sz="800">
-                        <a:solidFill>
-                          <a:schemeClr val="tx1"/>
-                        </a:solidFill>
-                        <a:uFillTx/>
-                      </a:endParaRPr>
                     </a:p>
                   </p:txBody>
                 </p:sp>
@@ -8848,6 +8708,7 @@
                     <a:bodyPr wrap="square" rtlCol="0">
                       <a:spAutoFit/>
                     </a:bodyPr>
+                    <a:lstStyle/>
                     <a:p>
                       <a:r>
                         <a:rPr lang="en-US" sz="600">
@@ -8857,11 +8718,6 @@
                         </a:rPr>
                         <a:t>    Embedding Matrix</a:t>
                       </a:r>
-                      <a:endParaRPr lang="en-US" sz="600">
-                        <a:solidFill>
-                          <a:schemeClr val="tx1"/>
-                        </a:solidFill>
-                      </a:endParaRPr>
                     </a:p>
                   </p:txBody>
                 </p:sp>
@@ -8885,26 +8741,24 @@
                     <a:bodyPr wrap="square" rtlCol="0">
                       <a:spAutoFit/>
                     </a:bodyPr>
+                    <a:lstStyle/>
                     <a:p>
                       <a:r>
                         <a:rPr lang="en-US" sz="500"/>
                         <a:t>f filters </a:t>
                       </a:r>
-                      <a:endParaRPr lang="en-US" sz="500"/>
                     </a:p>
                     <a:p>
                       <a:r>
                         <a:rPr lang="en-US" sz="500"/>
                         <a:t>n X 128</a:t>
                       </a:r>
-                      <a:endParaRPr lang="en-US" sz="500"/>
                     </a:p>
                     <a:p>
                       <a:r>
                         <a:rPr lang="en-US" sz="500"/>
                         <a:t>n=3,4,5</a:t>
                       </a:r>
-                      <a:endParaRPr lang="en-US" sz="500"/>
                     </a:p>
                   </p:txBody>
                 </p:sp>
@@ -8939,6 +8793,7 @@
                   </p:style>
                   <p:txBody>
                     <a:bodyPr rtlCol="0" anchor="ctr"/>
+                    <a:lstStyle/>
                     <a:p>
                       <a:pPr algn="ctr"/>
                       <a:r>
@@ -8950,12 +8805,6 @@
                         </a:rPr>
                         <a:t>(d-n+1) X f</a:t>
                       </a:r>
-                      <a:endParaRPr lang="en-US" sz="600">
-                        <a:solidFill>
-                          <a:schemeClr val="tx1"/>
-                        </a:solidFill>
-                        <a:uFillTx/>
-                      </a:endParaRPr>
                     </a:p>
                   </p:txBody>
                 </p:sp>
@@ -8990,6 +8839,7 @@
                   </p:style>
                   <p:txBody>
                     <a:bodyPr rtlCol="0" anchor="ctr"/>
+                    <a:lstStyle/>
                     <a:p>
                       <a:pPr algn="ctr"/>
                       <a:endParaRPr lang="en-US" sz="600">
@@ -9021,6 +8871,7 @@
                     <a:bodyPr wrap="square" rtlCol="0">
                       <a:spAutoFit/>
                     </a:bodyPr>
+                    <a:lstStyle/>
                     <a:p>
                       <a:pPr algn="ctr"/>
                       <a:r>
@@ -9033,13 +8884,6 @@
                         </a:rPr>
                         <a:t>f-dimensional vector</a:t>
                       </a:r>
-                      <a:endParaRPr lang="en-US" sz="600">
-                        <a:solidFill>
-                          <a:schemeClr val="tx1"/>
-                        </a:solidFill>
-                        <a:uFillTx/>
-                        <a:sym typeface="+mn-ea"/>
-                      </a:endParaRPr>
                     </a:p>
                   </p:txBody>
                 </p:sp>
@@ -9063,12 +8907,12 @@
                     <a:bodyPr wrap="square" rtlCol="0">
                       <a:spAutoFit/>
                     </a:bodyPr>
+                    <a:lstStyle/>
                     <a:p>
                       <a:r>
                         <a:rPr lang="en-US" sz="500"/>
                         <a:t> max pooling</a:t>
                       </a:r>
-                      <a:endParaRPr lang="en-US" sz="500"/>
                     </a:p>
                   </p:txBody>
                 </p:sp>
@@ -9103,6 +8947,7 @@
                   </p:style>
                   <p:txBody>
                     <a:bodyPr rtlCol="0" anchor="ctr"/>
+                    <a:lstStyle/>
                     <a:p>
                       <a:pPr algn="ctr"/>
                       <a:endParaRPr lang="en-US" sz="600">
@@ -9145,6 +8990,7 @@
                   </p:style>
                   <p:txBody>
                     <a:bodyPr rtlCol="0" anchor="ctr"/>
+                    <a:lstStyle/>
                     <a:p>
                       <a:pPr algn="ctr"/>
                       <a:endParaRPr lang="en-US" sz="600">
@@ -9187,6 +9033,7 @@
                   </p:style>
                   <p:txBody>
                     <a:bodyPr rtlCol="0" anchor="ctr"/>
+                    <a:lstStyle/>
                     <a:p>
                       <a:pPr algn="ctr"/>
                       <a:endParaRPr lang="en-US" sz="600">
@@ -9218,12 +9065,12 @@
                     <a:bodyPr wrap="square" rtlCol="0">
                       <a:spAutoFit/>
                     </a:bodyPr>
+                    <a:lstStyle/>
                     <a:p>
                       <a:r>
                         <a:rPr lang="en-US" sz="500"/>
                         <a:t>n=3</a:t>
                       </a:r>
-                      <a:endParaRPr lang="en-US" sz="500"/>
                     </a:p>
                   </p:txBody>
                 </p:sp>
@@ -9247,12 +9094,12 @@
                     <a:bodyPr wrap="square" rtlCol="0">
                       <a:spAutoFit/>
                     </a:bodyPr>
+                    <a:lstStyle/>
                     <a:p>
                       <a:r>
                         <a:rPr lang="en-US" sz="500"/>
                         <a:t>n=5</a:t>
                       </a:r>
-                      <a:endParaRPr lang="en-US" sz="500"/>
                     </a:p>
                   </p:txBody>
                 </p:sp>
@@ -9303,6 +9150,7 @@
                   </p:style>
                   <p:txBody>
                     <a:bodyPr rtlCol="0" anchor="ctr"/>
+                    <a:lstStyle/>
                     <a:p>
                       <a:pPr algn="ctr"/>
                       <a:endParaRPr lang="en-US"/>
@@ -9329,6 +9177,7 @@
                     <a:bodyPr wrap="square" rtlCol="0">
                       <a:spAutoFit/>
                     </a:bodyPr>
+                    <a:lstStyle/>
                     <a:p>
                       <a:pPr algn="ctr"/>
                       <a:r>
@@ -9341,13 +9190,6 @@
                         </a:rPr>
                         <a:t>3f-dimensional vector</a:t>
                       </a:r>
-                      <a:endParaRPr lang="en-US" sz="600">
-                        <a:solidFill>
-                          <a:schemeClr val="tx1"/>
-                        </a:solidFill>
-                        <a:uFillTx/>
-                        <a:sym typeface="+mn-ea"/>
-                      </a:endParaRPr>
                     </a:p>
                   </p:txBody>
                 </p:sp>
@@ -9376,6 +9218,7 @@
           <a:bodyPr wrap="square" rtlCol="0">
             <a:spAutoFit/>
           </a:bodyPr>
+          <a:lstStyle/>
           <a:p>
             <a:pPr algn="r"/>
             <a:r>
@@ -9413,10 +9256,6 @@
               </a:rPr>
               <a:t>of a review as predicted by a machine learning model that attempts to</a:t>
             </a:r>
-            <a:endParaRPr lang="en-US" sz="900">
-              <a:latin typeface="Gabriola" panose="04040605051002020D02" charset="0"/>
-              <a:cs typeface="Gabriola" panose="04040605051002020D02" charset="0"/>
-            </a:endParaRPr>
           </a:p>
           <a:p>
             <a:pPr algn="r"/>
@@ -9427,10 +9266,6 @@
               </a:rPr>
               <a:t>detect sentiment alone. Thus, having a model that is explicitly aware of these features should help it perform better on reviews</a:t>
             </a:r>
-            <a:endParaRPr lang="en-US" sz="900">
-              <a:latin typeface="Gabriola" panose="04040605051002020D02" charset="0"/>
-              <a:cs typeface="Gabriola" panose="04040605051002020D02" charset="0"/>
-            </a:endParaRPr>
           </a:p>
           <a:p>
             <a:pPr algn="r"/>
@@ -9441,10 +9276,6 @@
               </a:rPr>
               <a:t>that are characterized by them.”</a:t>
             </a:r>
-            <a:endParaRPr lang="en-US" sz="900">
-              <a:latin typeface="Gabriola" panose="04040605051002020D02" charset="0"/>
-              <a:cs typeface="Gabriola" panose="04040605051002020D02" charset="0"/>
-            </a:endParaRPr>
           </a:p>
         </p:txBody>
       </p:sp>
@@ -9456,12 +9287,12 @@
 </p:sld>
 </file>
 
-<file path=ppt/slides/slide4.xml><?xml version="1.0" encoding="utf-8"?>
+<file path=ppt/slides/slide3.xml><?xml version="1.0" encoding="utf-8"?>
 <p:sld xmlns:a="http://schemas.openxmlformats.org/drawingml/2006/main" xmlns:r="http://schemas.openxmlformats.org/officeDocument/2006/relationships" xmlns:p="http://schemas.openxmlformats.org/presentationml/2006/main">
   <p:cSld>
     <p:spTree>
       <p:nvGrpSpPr>
-        <p:cNvPr id="109" name="Shape 109"/>
+        <p:cNvPr id="1" name="Shape 109"/>
         <p:cNvGrpSpPr/>
         <p:nvPr/>
       </p:nvGrpSpPr>
@@ -9476,7 +9307,9 @@
       <p:sp>
         <p:nvSpPr>
           <p:cNvPr id="3" name="Text Placeholder 2"/>
-          <p:cNvSpPr/>
+          <p:cNvSpPr>
+            <a:spLocks noGrp="1"/>
+          </p:cNvSpPr>
           <p:nvPr>
             <p:ph type="body" idx="1"/>
           </p:nvPr>
@@ -9489,6 +9322,7 @@
         </p:spPr>
         <p:txBody>
           <a:bodyPr/>
+          <a:lstStyle/>
           <a:p>
             <a:pPr marL="488950" indent="-342900">
               <a:buAutoNum type="arabicPeriod"/>
@@ -9504,7 +9338,6 @@
               <a:rPr lang="en-US" sz="900"/>
               <a:t>Sentiment (E1), Sarcasm (E2), Hate Speech (E3),Humour (E4).</a:t>
             </a:r>
-            <a:endParaRPr lang="en-US" sz="900"/>
           </a:p>
           <a:p>
             <a:pPr marL="488950" indent="-342900">
@@ -9514,7 +9347,6 @@
               <a:rPr lang="en-US" sz="900"/>
               <a:t>We calculate a set of 300-dimensional embeddings per model, and concatenate them into a single 300 *m-dimensional feature vector v. </a:t>
             </a:r>
-            <a:endParaRPr lang="en-US" sz="900"/>
           </a:p>
           <a:p>
             <a:pPr marL="146050" indent="0">
@@ -9573,7 +9405,6 @@
               <a:rPr lang="en-US" sz="900"/>
               <a:t>C(v) ∈ [0, 1] that represents the probability of positive sentiment.</a:t>
             </a:r>
-            <a:endParaRPr lang="en-US" sz="900"/>
           </a:p>
           <a:p>
             <a:pPr marL="146050" indent="0">
@@ -9607,19 +9438,6 @@
               </a:rPr>
               <a:t>https://scholar.google.com/citations?user=pUpQJlAAAAAJ&amp;hl=en</a:t>
             </a:r>
-            <a:endParaRPr lang="en-US" sz="900">
-              <a:gradFill>
-                <a:gsLst>
-                  <a:gs pos="0">
-                    <a:srgbClr val="007BD3"/>
-                  </a:gs>
-                  <a:gs pos="100000">
-                    <a:srgbClr val="034373"/>
-                  </a:gs>
-                </a:gsLst>
-                <a:lin scaled="0"/>
-              </a:gradFill>
-            </a:endParaRPr>
           </a:p>
         </p:txBody>
       </p:sp>
@@ -9668,6 +9486,7 @@
           </p:style>
           <p:txBody>
             <a:bodyPr rtlCol="0" anchor="ctr"/>
+            <a:lstStyle/>
             <a:p>
               <a:pPr algn="ctr"/>
               <a:endParaRPr lang="en-US" sz="600">
@@ -9710,6 +9529,7 @@
           </p:style>
           <p:txBody>
             <a:bodyPr rtlCol="0" anchor="ctr"/>
+            <a:lstStyle/>
             <a:p>
               <a:pPr algn="ctr"/>
               <a:endParaRPr lang="en-US" sz="600">
@@ -9752,6 +9572,7 @@
           </p:style>
           <p:txBody>
             <a:bodyPr rtlCol="0" anchor="ctr"/>
+            <a:lstStyle/>
             <a:p>
               <a:pPr algn="ctr"/>
               <a:endParaRPr lang="en-US" sz="600">
@@ -9784,6 +9605,7 @@
           <a:bodyPr wrap="square" rtlCol="0">
             <a:spAutoFit/>
           </a:bodyPr>
+          <a:lstStyle/>
           <a:p>
             <a:pPr algn="ctr"/>
             <a:r>
@@ -9796,13 +9618,6 @@
               </a:rPr>
               <a:t>3f-dimensional vector</a:t>
             </a:r>
-            <a:endParaRPr lang="en-US" sz="600">
-              <a:solidFill>
-                <a:schemeClr val="tx1"/>
-              </a:solidFill>
-              <a:uFillTx/>
-              <a:sym typeface="+mn-ea"/>
-            </a:endParaRPr>
           </a:p>
         </p:txBody>
       </p:sp>
@@ -9870,6 +9685,7 @@
             </p:style>
             <p:txBody>
               <a:bodyPr rtlCol="0" anchor="ctr"/>
+              <a:lstStyle/>
               <a:p>
                 <a:pPr algn="ctr"/>
                 <a:endParaRPr lang="en-US" sz="600">
@@ -9917,6 +9733,7 @@
             </p:style>
             <p:txBody>
               <a:bodyPr rtlCol="0" anchor="ctr"/>
+              <a:lstStyle/>
               <a:p>
                 <a:pPr algn="ctr"/>
                 <a:endParaRPr lang="en-US" sz="600">
@@ -9964,6 +9781,7 @@
             </p:style>
             <p:txBody>
               <a:bodyPr rtlCol="0" anchor="ctr"/>
+              <a:lstStyle/>
               <a:p>
                 <a:pPr algn="ctr"/>
                 <a:endParaRPr lang="en-US" sz="600">
@@ -10026,6 +9844,7 @@
             </p:style>
             <p:txBody>
               <a:bodyPr rtlCol="0" anchor="ctr"/>
+              <a:lstStyle/>
               <a:p>
                 <a:pPr algn="ctr"/>
                 <a:endParaRPr lang="en-US" sz="600">
@@ -10073,6 +9892,7 @@
             </p:style>
             <p:txBody>
               <a:bodyPr rtlCol="0" anchor="ctr"/>
+              <a:lstStyle/>
               <a:p>
                 <a:pPr algn="ctr"/>
                 <a:endParaRPr lang="en-US" sz="600">
@@ -10120,6 +9940,7 @@
             </p:style>
             <p:txBody>
               <a:bodyPr rtlCol="0" anchor="ctr"/>
+              <a:lstStyle/>
               <a:p>
                 <a:pPr algn="ctr"/>
                 <a:endParaRPr lang="en-US" sz="600">
@@ -10182,6 +10003,7 @@
             </p:style>
             <p:txBody>
               <a:bodyPr rtlCol="0" anchor="ctr"/>
+              <a:lstStyle/>
               <a:p>
                 <a:pPr algn="ctr"/>
                 <a:endParaRPr lang="en-US" sz="600">
@@ -10229,6 +10051,7 @@
             </p:style>
             <p:txBody>
               <a:bodyPr rtlCol="0" anchor="ctr"/>
+              <a:lstStyle/>
               <a:p>
                 <a:pPr algn="ctr"/>
                 <a:endParaRPr lang="en-US" sz="600">
@@ -10276,6 +10099,7 @@
             </p:style>
             <p:txBody>
               <a:bodyPr rtlCol="0" anchor="ctr"/>
+              <a:lstStyle/>
               <a:p>
                 <a:pPr algn="ctr"/>
                 <a:endParaRPr lang="en-US" sz="600">
@@ -10338,6 +10162,7 @@
             </p:style>
             <p:txBody>
               <a:bodyPr rtlCol="0" anchor="ctr"/>
+              <a:lstStyle/>
               <a:p>
                 <a:pPr algn="ctr"/>
                 <a:endParaRPr lang="en-US" sz="600">
@@ -10385,6 +10210,7 @@
             </p:style>
             <p:txBody>
               <a:bodyPr rtlCol="0" anchor="ctr"/>
+              <a:lstStyle/>
               <a:p>
                 <a:pPr algn="ctr"/>
                 <a:endParaRPr lang="en-US" sz="600">
@@ -10432,6 +10258,7 @@
             </p:style>
             <p:txBody>
               <a:bodyPr rtlCol="0" anchor="ctr"/>
+              <a:lstStyle/>
               <a:p>
                 <a:pPr algn="ctr"/>
                 <a:endParaRPr lang="en-US" sz="600">
@@ -10501,6 +10328,7 @@
           <a:bodyPr wrap="square" rtlCol="0">
             <a:spAutoFit/>
           </a:bodyPr>
+          <a:lstStyle/>
           <a:p>
             <a:pPr algn="ctr"/>
             <a:r>
@@ -10513,13 +10341,6 @@
               </a:rPr>
               <a:t>v</a:t>
             </a:r>
-            <a:endParaRPr lang="en-US" sz="800">
-              <a:solidFill>
-                <a:schemeClr val="tx1"/>
-              </a:solidFill>
-              <a:uFillTx/>
-              <a:sym typeface="+mn-ea"/>
-            </a:endParaRPr>
           </a:p>
         </p:txBody>
       </p:sp>
@@ -10543,6 +10364,7 @@
           <a:bodyPr wrap="square" rtlCol="0">
             <a:spAutoFit/>
           </a:bodyPr>
+          <a:lstStyle/>
           <a:p>
             <a:pPr algn="ctr"/>
             <a:r>
@@ -10555,13 +10377,6 @@
               </a:rPr>
               <a:t>Sarcasm</a:t>
             </a:r>
-            <a:endParaRPr lang="en-US" sz="600">
-              <a:solidFill>
-                <a:schemeClr val="tx1"/>
-              </a:solidFill>
-              <a:uFillTx/>
-              <a:sym typeface="+mn-ea"/>
-            </a:endParaRPr>
           </a:p>
         </p:txBody>
       </p:sp>
@@ -10585,6 +10400,7 @@
           <a:bodyPr wrap="square" rtlCol="0">
             <a:spAutoFit/>
           </a:bodyPr>
+          <a:lstStyle/>
           <a:p>
             <a:pPr algn="ctr"/>
             <a:r>
@@ -10597,13 +10413,6 @@
               </a:rPr>
               <a:t>Sentiment</a:t>
             </a:r>
-            <a:endParaRPr lang="en-US" sz="600">
-              <a:solidFill>
-                <a:schemeClr val="tx1"/>
-              </a:solidFill>
-              <a:uFillTx/>
-              <a:sym typeface="+mn-ea"/>
-            </a:endParaRPr>
           </a:p>
         </p:txBody>
       </p:sp>
@@ -10627,6 +10436,7 @@
           <a:bodyPr wrap="square" rtlCol="0">
             <a:spAutoFit/>
           </a:bodyPr>
+          <a:lstStyle/>
           <a:p>
             <a:pPr algn="ctr"/>
             <a:r>
@@ -10639,13 +10449,6 @@
               </a:rPr>
               <a:t>Humour</a:t>
             </a:r>
-            <a:endParaRPr lang="en-US" sz="600">
-              <a:solidFill>
-                <a:schemeClr val="tx1"/>
-              </a:solidFill>
-              <a:uFillTx/>
-              <a:sym typeface="+mn-ea"/>
-            </a:endParaRPr>
           </a:p>
         </p:txBody>
       </p:sp>
@@ -10669,6 +10472,7 @@
           <a:bodyPr wrap="square" rtlCol="0">
             <a:spAutoFit/>
           </a:bodyPr>
+          <a:lstStyle/>
           <a:p>
             <a:pPr algn="ctr"/>
             <a:r>
@@ -10681,13 +10485,6 @@
               </a:rPr>
               <a:t>Hate</a:t>
             </a:r>
-            <a:endParaRPr lang="en-US" sz="600">
-              <a:solidFill>
-                <a:schemeClr val="tx1"/>
-              </a:solidFill>
-              <a:uFillTx/>
-              <a:sym typeface="+mn-ea"/>
-            </a:endParaRPr>
           </a:p>
         </p:txBody>
       </p:sp>
@@ -10700,7 +10497,7 @@
           <p:nvPr/>
         </p:nvPicPr>
         <p:blipFill>
-          <a:blip r:embed="rId1"/>
+          <a:blip r:embed="rId3"/>
           <a:stretch>
             <a:fillRect/>
           </a:stretch>
@@ -10723,7 +10520,7 @@
 </p:sld>
 </file>
 
-<file path=ppt/slides/slide5.xml><?xml version="1.0" encoding="utf-8"?>
+<file path=ppt/slides/slide4.xml><?xml version="1.0" encoding="utf-8"?>
 <p:sld xmlns:a="http://schemas.openxmlformats.org/drawingml/2006/main" xmlns:r="http://schemas.openxmlformats.org/officeDocument/2006/relationships" xmlns:p="http://schemas.openxmlformats.org/presentationml/2006/main">
   <p:cSld>
     <p:spTree>
@@ -10775,18 +10572,18 @@
               <a:buNone/>
             </a:pPr>
             <a:r>
-              <a:rPr lang="en-US" dirty="0" smtClean="0">
-                <a:hlinkClick r:id="rId1"/>
+              <a:rPr lang="en-US" dirty="0">
+                <a:hlinkClick r:id="rId3"/>
               </a:rPr>
               <a:t>	Neural Integration of Speaker and Message</a:t>
             </a:r>
             <a:br>
-              <a:rPr lang="en-US" dirty="0" smtClean="0">
-                <a:hlinkClick r:id="rId1"/>
+              <a:rPr lang="en-US" dirty="0">
+                <a:hlinkClick r:id="rId3"/>
               </a:rPr>
             </a:br>
-            <a:endParaRPr lang="en-US" dirty="0" smtClean="0">
-              <a:hlinkClick r:id="rId1"/>
+            <a:endParaRPr lang="en-US" dirty="0">
+              <a:hlinkClick r:id="rId3"/>
             </a:endParaRPr>
           </a:p>
         </p:txBody>
@@ -10817,151 +10614,144 @@
           <a:lstStyle/>
           <a:p>
             <a:r>
-              <a:rPr lang="en-US" b="1" dirty="0" smtClean="0"/>
+              <a:rPr lang="en-US" b="1" dirty="0"/>
               <a:t>Pragmatics </a:t>
             </a:r>
             <a:r>
-              <a:rPr lang="en-US" dirty="0" smtClean="0"/>
+              <a:rPr lang="en-US" dirty="0"/>
               <a:t>:</a:t>
             </a:r>
             <a:r>
-              <a:rPr lang="en-US" i="1" dirty="0" smtClean="0"/>
+              <a:rPr lang="en-US" i="1" dirty="0"/>
               <a:t>First published Tue Nov 28, 2006; substantive revision Wed Aug 21, 2019</a:t>
             </a:r>
-            <a:endParaRPr lang="en-US" i="1" dirty="0" smtClean="0"/>
           </a:p>
           <a:p>
             <a:pPr>
               <a:buNone/>
             </a:pPr>
             <a:r>
-              <a:rPr lang="en-US" i="1" dirty="0" smtClean="0"/>
+              <a:rPr lang="en-US" i="1" dirty="0"/>
               <a:t>       </a:t>
             </a:r>
             <a:r>
-              <a:rPr lang="en-US" i="1" dirty="0" smtClean="0">
-                <a:hlinkClick r:id="rId2"/>
+              <a:rPr lang="en-US" i="1" dirty="0">
+                <a:hlinkClick r:id="rId4"/>
               </a:rPr>
               <a:t>https://plato.stanford.edu/entries/pragmatics/</a:t>
             </a:r>
-            <a:endParaRPr lang="en-US" dirty="0" smtClean="0"/>
+            <a:endParaRPr lang="en-US" dirty="0"/>
           </a:p>
           <a:p>
             <a:r>
-              <a:rPr lang="en-US" b="1" dirty="0" smtClean="0"/>
+              <a:rPr lang="en-US" b="1" dirty="0"/>
               <a:t>Factors affecting pragmatic competence and Turkish EFL context</a:t>
             </a:r>
-            <a:endParaRPr lang="en-US" b="1" dirty="0" smtClean="0"/>
           </a:p>
           <a:p>
             <a:pPr>
               <a:buNone/>
             </a:pPr>
             <a:r>
-              <a:rPr lang="en-US" i="1" dirty="0" smtClean="0">
-                <a:hlinkClick r:id="rId3"/>
+              <a:rPr lang="en-US" i="1" dirty="0">
+                <a:hlinkClick r:id="rId5"/>
               </a:rPr>
               <a:t>https://www.researchgate.net/publication/291756385_Factors_affecting_pragmatic_competence_and_Turkish_EFL_context</a:t>
             </a:r>
-            <a:endParaRPr lang="en-US" dirty="0" smtClean="0"/>
+            <a:endParaRPr lang="en-US" dirty="0"/>
           </a:p>
           <a:p>
             <a:r>
-              <a:rPr lang="en-US" b="1" dirty="0" smtClean="0"/>
+              <a:rPr lang="en-US" b="1" dirty="0"/>
               <a:t>Deep Representation Learning in Speech Processing: Challenges, Recent Advances, and Future Trends </a:t>
             </a:r>
-            <a:endParaRPr lang="en-US" b="1" dirty="0" smtClean="0"/>
           </a:p>
           <a:p>
             <a:pPr>
               <a:buNone/>
             </a:pPr>
             <a:r>
-              <a:rPr lang="en-US" dirty="0" smtClean="0">
-                <a:hlinkClick r:id="rId4"/>
+              <a:rPr lang="en-US" dirty="0">
+                <a:hlinkClick r:id="rId6"/>
               </a:rPr>
               <a:t>https://arxiv.org/pdf/2001.00378.pdf</a:t>
             </a:r>
-            <a:endParaRPr lang="en-US" dirty="0" smtClean="0"/>
+            <a:endParaRPr lang="en-US" dirty="0"/>
           </a:p>
           <a:p>
             <a:r>
-              <a:rPr lang="en-IN" b="1" dirty="0" smtClean="0"/>
+              <a:rPr lang="en-IN" b="1" dirty="0"/>
               <a:t>Speaker Recognition</a:t>
             </a:r>
-            <a:endParaRPr lang="en-IN" b="1" dirty="0" smtClean="0"/>
           </a:p>
           <a:p>
             <a:pPr>
               <a:buNone/>
             </a:pPr>
             <a:r>
-              <a:rPr lang="en-US" dirty="0" smtClean="0">
-                <a:hlinkClick r:id="rId5"/>
+              <a:rPr lang="en-US" dirty="0">
+                <a:hlinkClick r:id="rId7"/>
               </a:rPr>
               <a:t>https://www.sciencedirect.com/topics/computer-science/speaker-recognition</a:t>
             </a:r>
-            <a:endParaRPr lang="en-US" dirty="0" smtClean="0"/>
+            <a:endParaRPr lang="en-US" dirty="0"/>
           </a:p>
           <a:p>
             <a:r>
-              <a:rPr lang="en-US" b="1" dirty="0" smtClean="0"/>
+              <a:rPr lang="en-US" b="1" dirty="0"/>
               <a:t>Speaker Recognition: Advancements and Challenges</a:t>
             </a:r>
-            <a:endParaRPr lang="en-US" b="1" dirty="0" smtClean="0"/>
           </a:p>
           <a:p>
             <a:pPr>
               <a:buNone/>
             </a:pPr>
             <a:r>
-              <a:rPr lang="en-US" dirty="0" smtClean="0">
-                <a:hlinkClick r:id="rId6"/>
+              <a:rPr lang="en-US" dirty="0">
+                <a:hlinkClick r:id="rId8"/>
               </a:rPr>
               <a:t>https://www.researchgate.net/publication/241686419_Speaker_Recognition_Advancements_and_Challenges</a:t>
             </a:r>
-            <a:endParaRPr lang="en-US" dirty="0" smtClean="0"/>
+            <a:endParaRPr lang="en-US" dirty="0"/>
           </a:p>
           <a:p>
             <a:r>
-              <a:rPr lang="en-US" b="1" dirty="0" smtClean="0"/>
+              <a:rPr lang="en-US" b="1" dirty="0"/>
               <a:t>Speaker Emotion Recognition Based on Speech Features and Classification Techniques</a:t>
             </a:r>
-            <a:endParaRPr lang="en-US" b="1" dirty="0" smtClean="0"/>
           </a:p>
           <a:p>
             <a:pPr>
               <a:buNone/>
             </a:pPr>
             <a:r>
-              <a:rPr lang="en-US" dirty="0" smtClean="0">
-                <a:hlinkClick r:id="rId7"/>
+              <a:rPr lang="en-US" dirty="0">
+                <a:hlinkClick r:id="rId9"/>
               </a:rPr>
               <a:t>https://www.researchgate.net/publication/279043457_Speaker_Emotion_Recognition_Based_on_Speech_Features_and_Classification_Techniques</a:t>
             </a:r>
-            <a:endParaRPr lang="en-US" dirty="0" smtClean="0"/>
+            <a:endParaRPr lang="en-US" dirty="0"/>
           </a:p>
           <a:p>
             <a:r>
-              <a:rPr lang="en-US" b="1" dirty="0" smtClean="0"/>
+              <a:rPr lang="en-US" b="1" dirty="0"/>
               <a:t>Natural language processing, pragmatics, and verbal behavior</a:t>
             </a:r>
-            <a:endParaRPr lang="en-US" b="1" dirty="0" smtClean="0"/>
           </a:p>
           <a:p>
             <a:pPr>
               <a:buNone/>
             </a:pPr>
             <a:r>
-              <a:rPr lang="en-US" dirty="0" smtClean="0">
-                <a:hlinkClick r:id="rId8"/>
+              <a:rPr lang="en-US" dirty="0">
+                <a:hlinkClick r:id="rId10"/>
               </a:rPr>
               <a:t>https://www.researchgate.net/publication/223958891_Natural_language_processing_pragmatics_and_verbal_behavior</a:t>
             </a:r>
-            <a:endParaRPr lang="en-US" dirty="0" smtClean="0"/>
+            <a:endParaRPr lang="en-US" dirty="0"/>
           </a:p>
           <a:p>
-            <a:endParaRPr lang="en-US" dirty="0" smtClean="0"/>
+            <a:endParaRPr lang="en-US" dirty="0"/>
           </a:p>
           <a:p>
             <a:pPr marL="0" indent="0">
@@ -10969,6 +10759,7 @@
                 <a:spcPts val="1600"/>
               </a:spcAft>
             </a:pPr>
+            <a:endParaRPr lang="en-US" dirty="0"/>
           </a:p>
         </p:txBody>
       </p:sp>
@@ -10995,16 +10786,12 @@
           <a:lstStyle/>
           <a:p>
             <a:r>
-              <a:rPr lang="en-US" dirty="0" smtClean="0">
+              <a:rPr lang="en-US" dirty="0">
                 <a:latin typeface="Times New Roman" panose="02020603050405020304" charset="0"/>
                 <a:cs typeface="Times New Roman" panose="02020603050405020304" charset="0"/>
               </a:rPr>
               <a:t>     Sakshi</a:t>
             </a:r>
-            <a:endParaRPr lang="en-US" dirty="0">
-              <a:latin typeface="Times New Roman" panose="02020603050405020304" charset="0"/>
-              <a:cs typeface="Times New Roman" panose="02020603050405020304" charset="0"/>
-            </a:endParaRPr>
           </a:p>
         </p:txBody>
       </p:sp>
@@ -11016,7 +10803,7 @@
 </p:sld>
 </file>
 
-<file path=ppt/slides/slide6.xml><?xml version="1.0" encoding="utf-8"?>
+<file path=ppt/slides/slide5.xml><?xml version="1.0" encoding="utf-8"?>
 <p:sld xmlns:a="http://schemas.openxmlformats.org/drawingml/2006/main" xmlns:r="http://schemas.openxmlformats.org/officeDocument/2006/relationships" xmlns:p="http://schemas.openxmlformats.org/presentationml/2006/main">
   <p:cSld>
     <p:spTree>
@@ -11095,11 +10882,6 @@
               </a:rPr>
               <a:t> </a:t>
             </a:r>
-            <a:endParaRPr lang="en-IN" altLang="en-US" dirty="0">
-              <a:latin typeface="Calibri" panose="020F0502020204030204" charset="0"/>
-              <a:cs typeface="Calibri" panose="020F0502020204030204" charset="0"/>
-              <a:sym typeface="+mn-ea"/>
-            </a:endParaRPr>
           </a:p>
         </p:txBody>
       </p:sp>
@@ -11218,14 +11000,6 @@
               </a:rPr>
               <a:t>Emojify – Create your own emoji with Deep Learning :</a:t>
             </a:r>
-            <a:endParaRPr lang="en-IN" altLang="en-US" sz="1800" b="1" dirty="0">
-              <a:solidFill>
-                <a:schemeClr val="bg2"/>
-              </a:solidFill>
-              <a:latin typeface="Calibri" panose="020F0502020204030204" charset="0"/>
-              <a:cs typeface="Calibri" panose="020F0502020204030204" charset="0"/>
-              <a:sym typeface="+mn-ea"/>
-            </a:endParaRPr>
           </a:p>
           <a:p>
             <a:pPr marL="0" lvl="0" indent="0" algn="l" rtl="0">
@@ -11251,14 +11025,6 @@
               </a:rPr>
               <a:t>Get the emoji of the humans facial expression.</a:t>
             </a:r>
-            <a:endParaRPr lang="en-IN" altLang="en-US" sz="1400" dirty="0">
-              <a:solidFill>
-                <a:schemeClr val="bg2"/>
-              </a:solidFill>
-              <a:latin typeface="Calibri" panose="020F0502020204030204" charset="0"/>
-              <a:cs typeface="Calibri" panose="020F0502020204030204" charset="0"/>
-              <a:sym typeface="+mn-ea"/>
-            </a:endParaRPr>
           </a:p>
           <a:p>
             <a:pPr marL="0" lvl="0" indent="0" algn="l" rtl="0">
@@ -11284,14 +11050,6 @@
               </a:rPr>
               <a:t>https://github.com/EvilPort2/emojify</a:t>
             </a:r>
-            <a:endParaRPr lang="en-IN" altLang="en-US" sz="1200" dirty="0">
-              <a:solidFill>
-                <a:srgbClr val="00B0F0"/>
-              </a:solidFill>
-              <a:latin typeface="Calibri" panose="020F0502020204030204" charset="0"/>
-              <a:cs typeface="Calibri" panose="020F0502020204030204" charset="0"/>
-              <a:sym typeface="+mn-ea"/>
-            </a:endParaRPr>
           </a:p>
           <a:p>
             <a:pPr marL="0" lvl="0" indent="0" algn="l" rtl="0">
@@ -11338,6 +11096,11 @@
               </a:spcAft>
               <a:buNone/>
             </a:pPr>
+            <a:endParaRPr lang="en-IN" altLang="en-US" dirty="0">
+              <a:latin typeface="Calibri" panose="020F0502020204030204" charset="0"/>
+              <a:cs typeface="Calibri" panose="020F0502020204030204" charset="0"/>
+              <a:sym typeface="+mn-ea"/>
+            </a:endParaRPr>
           </a:p>
         </p:txBody>
       </p:sp>
@@ -11377,10 +11140,6 @@
               </a:rPr>
               <a:t>Ganiger</a:t>
             </a:r>
-            <a:endParaRPr lang="en-IN" altLang="en-US">
-              <a:latin typeface="Times New Roman" panose="02020603050405020304" charset="0"/>
-              <a:cs typeface="Times New Roman" panose="02020603050405020304" charset="0"/>
-            </a:endParaRPr>
           </a:p>
         </p:txBody>
       </p:sp>
@@ -11392,7 +11151,7 @@
 </p:sld>
 </file>
 
-<file path=ppt/slides/slide7.xml><?xml version="1.0" encoding="utf-8"?>
+<file path=ppt/slides/slide6.xml><?xml version="1.0" encoding="utf-8"?>
 <p:sld xmlns:a="http://schemas.openxmlformats.org/drawingml/2006/main" xmlns:r="http://schemas.openxmlformats.org/officeDocument/2006/relationships" xmlns:p="http://schemas.openxmlformats.org/presentationml/2006/main">
   <p:cSld>
     <p:spTree>
@@ -11443,6 +11202,7 @@
               </a:spcAft>
               <a:buNone/>
             </a:pPr>
+            <a:endParaRPr/>
           </a:p>
         </p:txBody>
       </p:sp>
@@ -11480,6 +11240,7 @@
               </a:spcAft>
               <a:buNone/>
             </a:pPr>
+            <a:endParaRPr/>
           </a:p>
         </p:txBody>
       </p:sp>
@@ -11767,6 +11528,8 @@
       </a:bgFillStyleLst>
     </a:fmtScheme>
   </a:themeElements>
+  <a:objectDefaults/>
+  <a:extraClrSchemeLst/>
   <a:extLst>
     <a:ext uri="{05A4C25C-085E-4340-85A3-A5531E510DB2}">
       <thm15:themeFamily xmlns:thm15="http://schemas.microsoft.com/office/thememl/2012/main" name="Office Theme" id="{62F939B6-93AF-4DB8-9C6B-D6C7DFDC589F}" vid="{4A3C46E8-61CC-4603-A589-7422A47A8E4A}"/>
@@ -12051,6 +11814,8 @@
       </a:bgFillStyleLst>
     </a:fmtScheme>
   </a:themeElements>
+  <a:objectDefaults/>
+  <a:extraClrSchemeLst/>
   <a:extLst>
     <a:ext uri="{05A4C25C-085E-4340-85A3-A5531E510DB2}">
       <thm15:themeFamily xmlns:thm15="http://schemas.microsoft.com/office/thememl/2012/main" name="Office Theme" id="{62F939B6-93AF-4DB8-9C6B-D6C7DFDC589F}" vid="{4A3C46E8-61CC-4603-A589-7422A47A8E4A}"/>
@@ -12310,6 +12075,8 @@
       </a:bgFillStyleLst>
     </a:fmtScheme>
   </a:themeElements>
+  <a:objectDefaults/>
+  <a:extraClrSchemeLst/>
   <a:extLst>
     <a:ext uri="{05A4C25C-085E-4340-85A3-A5531E510DB2}">
       <thm15:themeFamily xmlns:thm15="http://schemas.microsoft.com/office/thememl/2012/main" name="Office Theme" id="{62F939B6-93AF-4DB8-9C6B-D6C7DFDC589F}" vid="{4A3C46E8-61CC-4603-A589-7422A47A8E4A}"/>

--- a/IDEAS FOR PROBLEM STATEMENT 4.pptx
+++ b/IDEAS FOR PROBLEM STATEMENT 4.pptx
@@ -5,47 +5,47 @@
     <p:sldMasterId id="2147483648" r:id="rId1"/>
   </p:sldMasterIdLst>
   <p:notesMasterIdLst>
-    <p:notesMasterId r:id="rId8"/>
+    <p:notesMasterId r:id="rId4"/>
   </p:notesMasterIdLst>
   <p:handoutMasterIdLst>
-    <p:handoutMasterId r:id="rId9"/>
+    <p:handoutMasterId r:id="rId10"/>
   </p:handoutMasterIdLst>
   <p:sldIdLst>
-    <p:sldId id="256" r:id="rId2"/>
-    <p:sldId id="265" r:id="rId3"/>
-    <p:sldId id="266" r:id="rId4"/>
-    <p:sldId id="262" r:id="rId5"/>
-    <p:sldId id="260" r:id="rId6"/>
-    <p:sldId id="261" r:id="rId7"/>
+    <p:sldId id="256" r:id="rId3"/>
+    <p:sldId id="265" r:id="rId5"/>
+    <p:sldId id="266" r:id="rId6"/>
+    <p:sldId id="262" r:id="rId7"/>
+    <p:sldId id="260" r:id="rId8"/>
+    <p:sldId id="261" r:id="rId9"/>
   </p:sldIdLst>
   <p:sldSz cx="9144000" cy="5143500" type="screen16x9"/>
   <p:notesSz cx="6858000" cy="9144000"/>
   <p:embeddedFontLst>
     <p:embeddedFont>
-      <p:font typeface="Calibri" panose="020F0502020204030204" pitchFamily="34" charset="0"/>
-      <p:regular r:id="rId10"/>
-      <p:bold r:id="rId11"/>
-      <p:italic r:id="rId12"/>
-      <p:boldItalic r:id="rId13"/>
+      <p:font typeface="Raleway"/>
+      <p:regular r:id="rId14"/>
     </p:embeddedFont>
     <p:embeddedFont>
-      <p:font typeface="Cambria" panose="02040503050406030204" pitchFamily="18" charset="0"/>
-      <p:regular r:id="rId14"/>
-      <p:bold r:id="rId15"/>
-      <p:italic r:id="rId16"/>
-      <p:boldItalic r:id="rId17"/>
+      <p:font typeface="Lato" panose="020F0502020204030203"/>
+      <p:regular r:id="rId15"/>
     </p:embeddedFont>
     <p:embeddedFont>
-      <p:font typeface="Gabriola" panose="04040605051002020D02" pitchFamily="82" charset="0"/>
-      <p:regular r:id="rId18"/>
+      <p:font typeface="Cambria" panose="02040503050406030204" charset="0"/>
+      <p:regular r:id="rId16"/>
+      <p:bold r:id="rId17"/>
+      <p:italic r:id="rId18"/>
+      <p:boldItalic r:id="rId19"/>
     </p:embeddedFont>
     <p:embeddedFont>
-      <p:font typeface="Lato" panose="020B0604020202020204" charset="0"/>
-      <p:regular r:id="rId19"/>
+      <p:font typeface="Gabriola" panose="04040605051002020D02" charset="0"/>
+      <p:regular r:id="rId20"/>
     </p:embeddedFont>
     <p:embeddedFont>
-      <p:font typeface="Raleway" panose="020B0604020202020204" charset="0"/>
-      <p:regular r:id="rId20"/>
+      <p:font typeface="Calibri" panose="020F0502020204030204" charset="0"/>
+      <p:regular r:id="rId21"/>
+      <p:bold r:id="rId22"/>
+      <p:italic r:id="rId23"/>
+      <p:boldItalic r:id="rId24"/>
     </p:embeddedFont>
   </p:embeddedFontLst>
   <p:defaultTextStyle>
@@ -277,22 +277,6 @@
       </a:defRPr>
     </a:lvl9pPr>
   </p:defaultTextStyle>
-  <p:extLst>
-    <p:ext uri="{EFAFB233-063F-42B5-8137-9DF3F51BA10A}">
-      <p15:sldGuideLst xmlns:p15="http://schemas.microsoft.com/office/powerpoint/2012/main">
-        <p15:guide id="1" orient="horz" pos="1630">
-          <p15:clr>
-            <a:srgbClr val="A4A3A4"/>
-          </p15:clr>
-        </p15:guide>
-        <p15:guide id="2" pos="2881">
-          <p15:clr>
-            <a:srgbClr val="A4A3A4"/>
-          </p15:clr>
-        </p15:guide>
-      </p15:sldGuideLst>
-    </p:ext>
-  </p:extLst>
 </p:presentation>
 </file>
 
@@ -378,7 +362,6 @@
           <a:p>
             <a:fld id="{696C064A-D61B-4B21-B757-51A9B82445B8}" type="datetimeFigureOut">
               <a:rPr lang="en-US" smtClean="0"/>
-              <a:t>10/7/2020</a:t>
             </a:fld>
             <a:endParaRPr lang="en-US"/>
           </a:p>
@@ -415,6 +398,7 @@
               <a:rPr lang="en-US"/>
               <a:t>Sakshi</a:t>
             </a:r>
+            <a:endParaRPr lang="en-US"/>
           </a:p>
         </p:txBody>
       </p:sp>
@@ -447,18 +431,12 @@
           <a:p>
             <a:fld id="{50305E07-67EA-4042-A3F6-853A8AD8D209}" type="slidenum">
               <a:rPr lang="en-US" smtClean="0"/>
-              <a:t>‹#›</a:t>
             </a:fld>
             <a:endParaRPr lang="en-US"/>
           </a:p>
         </p:txBody>
       </p:sp>
     </p:spTree>
-    <p:extLst>
-      <p:ext uri="{BB962C8B-B14F-4D97-AF65-F5344CB8AC3E}">
-        <p14:creationId xmlns:p14="http://schemas.microsoft.com/office/powerpoint/2010/main" val="1"/>
-      </p:ext>
-    </p:extLst>
   </p:cSld>
   <p:clrMap bg1="lt1" tx1="dk1" bg2="lt2" tx2="dk2" accent1="accent1" accent2="accent2" accent3="accent3" accent4="accent4" accent5="accent5" accent6="accent6" hlink="hlink" folHlink="folHlink"/>
   <p:hf sldNum="0" hdr="0" dt="0"/>
@@ -666,9 +644,7 @@
               <a:defRPr sz="1100"/>
             </a:lvl9pPr>
           </a:lstStyle>
-          <a:p>
-            <a:endParaRPr/>
-          </a:p>
+          <a:p/>
         </p:txBody>
       </p:sp>
     </p:spTree>
@@ -908,7 +884,7 @@
 </file>
 
 <file path=ppt/notesSlides/notesSlide1.xml><?xml version="1.0" encoding="utf-8"?>
-<p:notes xmlns:a="http://schemas.openxmlformats.org/drawingml/2006/main" xmlns:r="http://schemas.openxmlformats.org/officeDocument/2006/relationships" xmlns:p="http://schemas.openxmlformats.org/presentationml/2006/main" showMasterSp="0" showMasterPhAnim="0">
+<p:notes xmlns:a="http://schemas.openxmlformats.org/drawingml/2006/main" xmlns:r="http://schemas.openxmlformats.org/officeDocument/2006/relationships" xmlns:p="http://schemas.openxmlformats.org/presentationml/2006/main" showMasterPhAnim="0" showMasterSp="0">
   <p:cSld>
     <p:spTree>
       <p:nvGrpSpPr>
@@ -999,7 +975,6 @@
               </a:spcAft>
               <a:buNone/>
             </a:pPr>
-            <a:endParaRPr/>
           </a:p>
         </p:txBody>
       </p:sp>
@@ -1012,7 +987,7 @@
 </file>
 
 <file path=ppt/notesSlides/notesSlide2.xml><?xml version="1.0" encoding="utf-8"?>
-<p:notes xmlns:a="http://schemas.openxmlformats.org/drawingml/2006/main" xmlns:r="http://schemas.openxmlformats.org/officeDocument/2006/relationships" xmlns:p="http://schemas.openxmlformats.org/presentationml/2006/main" showMasterSp="0" showMasterPhAnim="0">
+<p:notes xmlns:a="http://schemas.openxmlformats.org/drawingml/2006/main" xmlns:r="http://schemas.openxmlformats.org/officeDocument/2006/relationships" xmlns:p="http://schemas.openxmlformats.org/presentationml/2006/main" showMasterPhAnim="0" showMasterSp="0">
   <p:cSld>
     <p:spTree>
       <p:nvGrpSpPr>
@@ -1103,7 +1078,6 @@
               </a:spcAft>
               <a:buNone/>
             </a:pPr>
-            <a:endParaRPr/>
           </a:p>
         </p:txBody>
       </p:sp>
@@ -1116,7 +1090,7 @@
 </file>
 
 <file path=ppt/notesSlides/notesSlide3.xml><?xml version="1.0" encoding="utf-8"?>
-<p:notes xmlns:a="http://schemas.openxmlformats.org/drawingml/2006/main" xmlns:r="http://schemas.openxmlformats.org/officeDocument/2006/relationships" xmlns:p="http://schemas.openxmlformats.org/presentationml/2006/main" showMasterSp="0" showMasterPhAnim="0">
+<p:notes xmlns:a="http://schemas.openxmlformats.org/drawingml/2006/main" xmlns:r="http://schemas.openxmlformats.org/officeDocument/2006/relationships" xmlns:p="http://schemas.openxmlformats.org/presentationml/2006/main" showMasterPhAnim="0" showMasterSp="0">
   <p:cSld>
     <p:spTree>
       <p:nvGrpSpPr>
@@ -1207,7 +1181,6 @@
               </a:spcAft>
               <a:buNone/>
             </a:pPr>
-            <a:endParaRPr/>
           </a:p>
         </p:txBody>
       </p:sp>
@@ -1220,7 +1193,7 @@
 </file>
 
 <file path=ppt/notesSlides/notesSlide4.xml><?xml version="1.0" encoding="utf-8"?>
-<p:notes xmlns:a="http://schemas.openxmlformats.org/drawingml/2006/main" xmlns:r="http://schemas.openxmlformats.org/officeDocument/2006/relationships" xmlns:p="http://schemas.openxmlformats.org/presentationml/2006/main" showMasterSp="0" showMasterPhAnim="0">
+<p:notes xmlns:a="http://schemas.openxmlformats.org/drawingml/2006/main" xmlns:r="http://schemas.openxmlformats.org/officeDocument/2006/relationships" xmlns:p="http://schemas.openxmlformats.org/presentationml/2006/main" showMasterPhAnim="0" showMasterSp="0">
   <p:cSld>
     <p:spTree>
       <p:nvGrpSpPr>
@@ -1311,7 +1284,6 @@
               </a:spcAft>
               <a:buNone/>
             </a:pPr>
-            <a:endParaRPr/>
           </a:p>
         </p:txBody>
       </p:sp>
@@ -1324,7 +1296,7 @@
 </file>
 
 <file path=ppt/notesSlides/notesSlide5.xml><?xml version="1.0" encoding="utf-8"?>
-<p:notes xmlns:a="http://schemas.openxmlformats.org/drawingml/2006/main" xmlns:r="http://schemas.openxmlformats.org/officeDocument/2006/relationships" xmlns:p="http://schemas.openxmlformats.org/presentationml/2006/main" showMasterSp="0" showMasterPhAnim="0">
+<p:notes xmlns:a="http://schemas.openxmlformats.org/drawingml/2006/main" xmlns:r="http://schemas.openxmlformats.org/officeDocument/2006/relationships" xmlns:p="http://schemas.openxmlformats.org/presentationml/2006/main" showMasterPhAnim="0" showMasterSp="0">
   <p:cSld>
     <p:spTree>
       <p:nvGrpSpPr>
@@ -1415,7 +1387,6 @@
               </a:spcAft>
               <a:buNone/>
             </a:pPr>
-            <a:endParaRPr/>
           </a:p>
         </p:txBody>
       </p:sp>
@@ -1428,7 +1399,7 @@
 </file>
 
 <file path=ppt/notesSlides/notesSlide6.xml><?xml version="1.0" encoding="utf-8"?>
-<p:notes xmlns:a="http://schemas.openxmlformats.org/drawingml/2006/main" xmlns:r="http://schemas.openxmlformats.org/officeDocument/2006/relationships" xmlns:p="http://schemas.openxmlformats.org/presentationml/2006/main" showMasterSp="0" showMasterPhAnim="0">
+<p:notes xmlns:a="http://schemas.openxmlformats.org/drawingml/2006/main" xmlns:r="http://schemas.openxmlformats.org/officeDocument/2006/relationships" xmlns:p="http://schemas.openxmlformats.org/presentationml/2006/main" showMasterPhAnim="0" showMasterSp="0">
   <p:cSld>
     <p:spTree>
       <p:nvGrpSpPr>
@@ -1519,7 +1490,6 @@
               </a:spcAft>
               <a:buNone/>
             </a:pPr>
-            <a:endParaRPr/>
           </a:p>
         </p:txBody>
       </p:sp>
@@ -1532,7 +1502,7 @@
 </file>
 
 <file path=ppt/slideLayouts/slideLayout1.xml><?xml version="1.0" encoding="utf-8"?>
-<p:sldLayout xmlns:a="http://schemas.openxmlformats.org/drawingml/2006/main" xmlns:r="http://schemas.openxmlformats.org/officeDocument/2006/relationships" xmlns:p="http://schemas.openxmlformats.org/presentationml/2006/main" matchingName="Title slide" type="title">
+<p:sldLayout xmlns:a="http://schemas.openxmlformats.org/drawingml/2006/main" xmlns:r="http://schemas.openxmlformats.org/officeDocument/2006/relationships" xmlns:p="http://schemas.openxmlformats.org/presentationml/2006/main" type="title" matchingName="Title slide">
   <p:cSld name="TITLE">
     <p:bg>
       <p:bgPr>
@@ -1592,7 +1562,6 @@
               </a:spcAft>
               <a:buNone/>
             </a:pPr>
-            <a:endParaRPr/>
           </a:p>
         </p:txBody>
       </p:sp>
@@ -1646,7 +1615,6 @@
                 </a:spcAft>
                 <a:buNone/>
               </a:pPr>
-              <a:endParaRPr/>
             </a:p>
           </p:txBody>
         </p:sp>
@@ -1686,7 +1654,6 @@
                 </a:spcAft>
                 <a:buNone/>
               </a:pPr>
-              <a:endParaRPr/>
             </a:p>
           </p:txBody>
         </p:sp>
@@ -1878,9 +1845,7 @@
               </a:defRPr>
             </a:lvl9pPr>
           </a:lstStyle>
-          <a:p>
-            <a:endParaRPr/>
-          </a:p>
+          <a:p/>
         </p:txBody>
       </p:sp>
       <p:sp>
@@ -2034,9 +1999,7 @@
               <a:defRPr sz="1600"/>
             </a:lvl9pPr>
           </a:lstStyle>
-          <a:p>
-            <a:endParaRPr/>
-          </a:p>
+          <a:p/>
         </p:txBody>
       </p:sp>
       <p:sp>
@@ -2112,7 +2075,6 @@
             </a:pPr>
             <a:fld id="{00000000-1234-1234-1234-123412341234}" type="slidenum">
               <a:rPr lang="en-GB"/>
-              <a:t>‹#›</a:t>
             </a:fld>
             <a:endParaRPr lang="en-GB"/>
           </a:p>
@@ -2202,7 +2164,6 @@
                 </a:spcAft>
                 <a:buNone/>
               </a:pPr>
-              <a:endParaRPr/>
             </a:p>
           </p:txBody>
         </p:sp>
@@ -2242,7 +2203,6 @@
                 </a:spcAft>
                 <a:buNone/>
               </a:pPr>
-              <a:endParaRPr/>
             </a:p>
           </p:txBody>
         </p:sp>
@@ -2628,9 +2588,7 @@
               </a:defRPr>
             </a:lvl9pPr>
           </a:lstStyle>
-          <a:p>
-            <a:endParaRPr/>
-          </a:p>
+          <a:p/>
         </p:txBody>
       </p:sp>
       <p:sp>
@@ -2742,7 +2700,6 @@
             </a:pPr>
             <a:fld id="{00000000-1234-1234-1234-123412341234}" type="slidenum">
               <a:rPr lang="en-GB"/>
-              <a:t>‹#›</a:t>
             </a:fld>
             <a:endParaRPr lang="en-GB"/>
           </a:p>
@@ -2758,7 +2715,7 @@
 </file>
 
 <file path=ppt/slideLayouts/slideLayout2.xml><?xml version="1.0" encoding="utf-8"?>
-<p:sldLayout xmlns:a="http://schemas.openxmlformats.org/drawingml/2006/main" xmlns:r="http://schemas.openxmlformats.org/officeDocument/2006/relationships" xmlns:p="http://schemas.openxmlformats.org/presentationml/2006/main" matchingName="Section header" type="secHead">
+<p:sldLayout xmlns:a="http://schemas.openxmlformats.org/drawingml/2006/main" xmlns:r="http://schemas.openxmlformats.org/officeDocument/2006/relationships" xmlns:p="http://schemas.openxmlformats.org/presentationml/2006/main" type="secHead" matchingName="Section header">
   <p:cSld name="SECTION_HEADER">
     <p:bg>
       <p:bgPr>
@@ -2832,7 +2789,6 @@
                 </a:spcAft>
                 <a:buNone/>
               </a:pPr>
-              <a:endParaRPr/>
             </a:p>
           </p:txBody>
         </p:sp>
@@ -2872,7 +2828,6 @@
                 </a:spcAft>
                 <a:buNone/>
               </a:pPr>
-              <a:endParaRPr/>
             </a:p>
           </p:txBody>
         </p:sp>
@@ -3064,9 +3019,7 @@
               </a:defRPr>
             </a:lvl9pPr>
           </a:lstStyle>
-          <a:p>
-            <a:endParaRPr/>
-          </a:p>
+          <a:p/>
         </p:txBody>
       </p:sp>
       <p:sp>
@@ -3178,7 +3131,6 @@
             </a:pPr>
             <a:fld id="{00000000-1234-1234-1234-123412341234}" type="slidenum">
               <a:rPr lang="en-GB"/>
-              <a:t>‹#›</a:t>
             </a:fld>
             <a:endParaRPr lang="en-GB"/>
           </a:p>
@@ -3194,7 +3146,7 @@
 </file>
 
 <file path=ppt/slideLayouts/slideLayout3.xml><?xml version="1.0" encoding="utf-8"?>
-<p:sldLayout xmlns:a="http://schemas.openxmlformats.org/drawingml/2006/main" xmlns:r="http://schemas.openxmlformats.org/officeDocument/2006/relationships" xmlns:p="http://schemas.openxmlformats.org/presentationml/2006/main" matchingName="Title and body" type="tx">
+<p:sldLayout xmlns:a="http://schemas.openxmlformats.org/drawingml/2006/main" xmlns:r="http://schemas.openxmlformats.org/officeDocument/2006/relationships" xmlns:p="http://schemas.openxmlformats.org/presentationml/2006/main" type="tx" matchingName="Title and body">
   <p:cSld name="TITLE_AND_BODY">
     <p:spTree>
       <p:nvGrpSpPr>
@@ -3246,7 +3198,6 @@
               </a:spcAft>
               <a:buNone/>
             </a:pPr>
-            <a:endParaRPr/>
           </a:p>
         </p:txBody>
       </p:sp>
@@ -3300,7 +3251,6 @@
                 </a:spcAft>
                 <a:buNone/>
               </a:pPr>
-              <a:endParaRPr/>
             </a:p>
           </p:txBody>
         </p:sp>
@@ -3340,7 +3290,6 @@
                 </a:spcAft>
                 <a:buNone/>
               </a:pPr>
-              <a:endParaRPr/>
             </a:p>
           </p:txBody>
         </p:sp>
@@ -3532,9 +3481,7 @@
               </a:defRPr>
             </a:lvl9pPr>
           </a:lstStyle>
-          <a:p>
-            <a:endParaRPr/>
-          </a:p>
+          <a:p/>
         </p:txBody>
       </p:sp>
       <p:sp>
@@ -3661,9 +3608,7 @@
               <a:defRPr/>
             </a:lvl9pPr>
           </a:lstStyle>
-          <a:p>
-            <a:endParaRPr/>
-          </a:p>
+          <a:p/>
         </p:txBody>
       </p:sp>
       <p:sp>
@@ -3739,7 +3684,6 @@
             </a:pPr>
             <a:fld id="{00000000-1234-1234-1234-123412341234}" type="slidenum">
               <a:rPr lang="en-GB"/>
-              <a:t>‹#›</a:t>
             </a:fld>
             <a:endParaRPr lang="en-GB"/>
           </a:p>
@@ -3755,7 +3699,7 @@
 </file>
 
 <file path=ppt/slideLayouts/slideLayout4.xml><?xml version="1.0" encoding="utf-8"?>
-<p:sldLayout xmlns:a="http://schemas.openxmlformats.org/drawingml/2006/main" xmlns:r="http://schemas.openxmlformats.org/officeDocument/2006/relationships" xmlns:p="http://schemas.openxmlformats.org/presentationml/2006/main" matchingName="Title and two columns" type="twoColTx">
+<p:sldLayout xmlns:a="http://schemas.openxmlformats.org/drawingml/2006/main" xmlns:r="http://schemas.openxmlformats.org/officeDocument/2006/relationships" xmlns:p="http://schemas.openxmlformats.org/presentationml/2006/main" type="twoColTx" matchingName="Title and two columns">
   <p:cSld name="TITLE_AND_TWO_COLUMNS">
     <p:spTree>
       <p:nvGrpSpPr>
@@ -3807,7 +3751,6 @@
               </a:spcAft>
               <a:buNone/>
             </a:pPr>
-            <a:endParaRPr/>
           </a:p>
         </p:txBody>
       </p:sp>
@@ -3861,7 +3804,6 @@
                 </a:spcAft>
                 <a:buNone/>
               </a:pPr>
-              <a:endParaRPr/>
             </a:p>
           </p:txBody>
         </p:sp>
@@ -3901,7 +3843,6 @@
                 </a:spcAft>
                 <a:buNone/>
               </a:pPr>
-              <a:endParaRPr/>
             </a:p>
           </p:txBody>
         </p:sp>
@@ -4093,9 +4034,7 @@
               </a:defRPr>
             </a:lvl9pPr>
           </a:lstStyle>
-          <a:p>
-            <a:endParaRPr/>
-          </a:p>
+          <a:p/>
         </p:txBody>
       </p:sp>
       <p:sp>
@@ -4222,9 +4161,7 @@
               <a:defRPr/>
             </a:lvl9pPr>
           </a:lstStyle>
-          <a:p>
-            <a:endParaRPr/>
-          </a:p>
+          <a:p/>
         </p:txBody>
       </p:sp>
       <p:sp>
@@ -4351,9 +4288,7 @@
               <a:defRPr/>
             </a:lvl9pPr>
           </a:lstStyle>
-          <a:p>
-            <a:endParaRPr/>
-          </a:p>
+          <a:p/>
         </p:txBody>
       </p:sp>
       <p:sp>
@@ -4429,7 +4364,6 @@
             </a:pPr>
             <a:fld id="{00000000-1234-1234-1234-123412341234}" type="slidenum">
               <a:rPr lang="en-GB"/>
-              <a:t>‹#›</a:t>
             </a:fld>
             <a:endParaRPr lang="en-GB"/>
           </a:p>
@@ -4445,7 +4379,7 @@
 </file>
 
 <file path=ppt/slideLayouts/slideLayout5.xml><?xml version="1.0" encoding="utf-8"?>
-<p:sldLayout xmlns:a="http://schemas.openxmlformats.org/drawingml/2006/main" xmlns:r="http://schemas.openxmlformats.org/officeDocument/2006/relationships" xmlns:p="http://schemas.openxmlformats.org/presentationml/2006/main" matchingName="Title only" type="titleOnly">
+<p:sldLayout xmlns:a="http://schemas.openxmlformats.org/drawingml/2006/main" xmlns:r="http://schemas.openxmlformats.org/officeDocument/2006/relationships" xmlns:p="http://schemas.openxmlformats.org/presentationml/2006/main" type="titleOnly" matchingName="Title only">
   <p:cSld name="TITLE_ONLY">
     <p:spTree>
       <p:nvGrpSpPr>
@@ -4497,7 +4431,6 @@
               </a:spcAft>
               <a:buNone/>
             </a:pPr>
-            <a:endParaRPr/>
           </a:p>
         </p:txBody>
       </p:sp>
@@ -4551,7 +4484,6 @@
                 </a:spcAft>
                 <a:buNone/>
               </a:pPr>
-              <a:endParaRPr/>
             </a:p>
           </p:txBody>
         </p:sp>
@@ -4591,7 +4523,6 @@
                 </a:spcAft>
                 <a:buNone/>
               </a:pPr>
-              <a:endParaRPr/>
             </a:p>
           </p:txBody>
         </p:sp>
@@ -4783,9 +4714,7 @@
               </a:defRPr>
             </a:lvl9pPr>
           </a:lstStyle>
-          <a:p>
-            <a:endParaRPr/>
-          </a:p>
+          <a:p/>
         </p:txBody>
       </p:sp>
       <p:sp>
@@ -4861,7 +4790,6 @@
             </a:pPr>
             <a:fld id="{00000000-1234-1234-1234-123412341234}" type="slidenum">
               <a:rPr lang="en-GB"/>
-              <a:t>‹#›</a:t>
             </a:fld>
             <a:endParaRPr lang="en-GB"/>
           </a:p>
@@ -4929,7 +4857,6 @@
               </a:spcAft>
               <a:buNone/>
             </a:pPr>
-            <a:endParaRPr/>
           </a:p>
         </p:txBody>
       </p:sp>
@@ -4983,7 +4910,6 @@
                 </a:spcAft>
                 <a:buNone/>
               </a:pPr>
-              <a:endParaRPr/>
             </a:p>
           </p:txBody>
         </p:sp>
@@ -5023,7 +4949,6 @@
                 </a:spcAft>
                 <a:buNone/>
               </a:pPr>
-              <a:endParaRPr/>
             </a:p>
           </p:txBody>
         </p:sp>
@@ -5215,9 +5140,7 @@
               </a:defRPr>
             </a:lvl9pPr>
           </a:lstStyle>
-          <a:p>
-            <a:endParaRPr/>
-          </a:p>
+          <a:p/>
         </p:txBody>
       </p:sp>
       <p:sp>
@@ -5344,9 +5267,7 @@
               <a:defRPr/>
             </a:lvl9pPr>
           </a:lstStyle>
-          <a:p>
-            <a:endParaRPr/>
-          </a:p>
+          <a:p/>
         </p:txBody>
       </p:sp>
       <p:sp>
@@ -5422,7 +5343,6 @@
             </a:pPr>
             <a:fld id="{00000000-1234-1234-1234-123412341234}" type="slidenum">
               <a:rPr lang="en-GB"/>
-              <a:t>‹#›</a:t>
             </a:fld>
             <a:endParaRPr lang="en-GB"/>
           </a:p>
@@ -5512,7 +5432,6 @@
                 </a:spcAft>
                 <a:buNone/>
               </a:pPr>
-              <a:endParaRPr/>
             </a:p>
           </p:txBody>
         </p:sp>
@@ -5552,7 +5471,6 @@
                 </a:spcAft>
                 <a:buNone/>
               </a:pPr>
-              <a:endParaRPr/>
             </a:p>
           </p:txBody>
         </p:sp>
@@ -5744,9 +5662,7 @@
               </a:defRPr>
             </a:lvl9pPr>
           </a:lstStyle>
-          <a:p>
-            <a:endParaRPr/>
-          </a:p>
+          <a:p/>
         </p:txBody>
       </p:sp>
       <p:sp>
@@ -5858,7 +5774,6 @@
             </a:pPr>
             <a:fld id="{00000000-1234-1234-1234-123412341234}" type="slidenum">
               <a:rPr lang="en-GB"/>
-              <a:t>‹#›</a:t>
             </a:fld>
             <a:endParaRPr lang="en-GB"/>
           </a:p>
@@ -5926,7 +5841,6 @@
               </a:spcAft>
               <a:buNone/>
             </a:pPr>
-            <a:endParaRPr/>
           </a:p>
         </p:txBody>
       </p:sp>
@@ -5980,7 +5894,6 @@
                 </a:spcAft>
                 <a:buNone/>
               </a:pPr>
-              <a:endParaRPr/>
             </a:p>
           </p:txBody>
         </p:sp>
@@ -6020,7 +5933,6 @@
                 </a:spcAft>
                 <a:buNone/>
               </a:pPr>
-              <a:endParaRPr/>
             </a:p>
           </p:txBody>
         </p:sp>
@@ -6212,9 +6124,7 @@
               </a:defRPr>
             </a:lvl9pPr>
           </a:lstStyle>
-          <a:p>
-            <a:endParaRPr/>
-          </a:p>
+          <a:p/>
         </p:txBody>
       </p:sp>
       <p:sp>
@@ -6368,9 +6278,7 @@
               <a:defRPr sz="1600"/>
             </a:lvl9pPr>
           </a:lstStyle>
-          <a:p>
-            <a:endParaRPr/>
-          </a:p>
+          <a:p/>
         </p:txBody>
       </p:sp>
       <p:sp>
@@ -6497,9 +6405,7 @@
               <a:defRPr/>
             </a:lvl9pPr>
           </a:lstStyle>
-          <a:p>
-            <a:endParaRPr/>
-          </a:p>
+          <a:p/>
         </p:txBody>
       </p:sp>
       <p:sp>
@@ -6575,7 +6481,6 @@
             </a:pPr>
             <a:fld id="{00000000-1234-1234-1234-123412341234}" type="slidenum">
               <a:rPr lang="en-GB"/>
-              <a:t>‹#›</a:t>
             </a:fld>
             <a:endParaRPr lang="en-GB"/>
           </a:p>
@@ -6646,9 +6551,7 @@
               <a:defRPr/>
             </a:lvl1pPr>
           </a:lstStyle>
-          <a:p>
-            <a:endParaRPr/>
-          </a:p>
+          <a:p/>
         </p:txBody>
       </p:sp>
       <p:sp>
@@ -6724,7 +6627,6 @@
             </a:pPr>
             <a:fld id="{00000000-1234-1234-1234-123412341234}" type="slidenum">
               <a:rPr lang="en-GB"/>
-              <a:t>‹#›</a:t>
             </a:fld>
             <a:endParaRPr lang="en-GB"/>
           </a:p>
@@ -6946,9 +6848,7 @@
               </a:defRPr>
             </a:lvl9pPr>
           </a:lstStyle>
-          <a:p>
-            <a:endParaRPr/>
-          </a:p>
+          <a:p/>
         </p:txBody>
       </p:sp>
       <p:sp>
@@ -7214,9 +7114,7 @@
               </a:defRPr>
             </a:lvl9pPr>
           </a:lstStyle>
-          <a:p>
-            <a:endParaRPr/>
-          </a:p>
+          <a:p/>
         </p:txBody>
       </p:sp>
       <p:sp>
@@ -7368,7 +7266,6 @@
             </a:pPr>
             <a:fld id="{00000000-1234-1234-1234-123412341234}" type="slidenum">
               <a:rPr lang="en-GB"/>
-              <a:t>‹#›</a:t>
             </a:fld>
             <a:endParaRPr lang="en-GB"/>
           </a:p>
@@ -8140,6 +8037,10 @@
               </a:rPr>
               <a:t>Ideas For Problem Statement</a:t>
             </a:r>
+            <a:endParaRPr lang="en-GB">
+              <a:latin typeface="Cambria" panose="02040503050406030204" charset="0"/>
+              <a:cs typeface="Cambria" panose="02040503050406030204" charset="0"/>
+            </a:endParaRPr>
           </a:p>
         </p:txBody>
       </p:sp>
@@ -8220,6 +8121,7 @@
               <a:rPr lang="en-US" sz="1000"/>
               <a:t>With Consideration Of Sarcasm,Humour,Hate Speech</a:t>
             </a:r>
+            <a:endParaRPr lang="en-US" sz="1000"/>
           </a:p>
         </p:txBody>
       </p:sp>
@@ -8261,6 +8163,7 @@
               <a:rPr lang="en-US" sz="900"/>
               <a:t>1. Stanford</a:t>
             </a:r>
+            <a:endParaRPr lang="en-US" sz="900"/>
           </a:p>
           <a:p>
             <a:pPr marL="0" lvl="0" indent="0" algn="l" rtl="0">
@@ -8276,6 +8179,7 @@
               <a:rPr lang="en-US" sz="900"/>
               <a:t>H1: Models individually learned on sarcasm,humor and hate speech detection, and then used as subroutines to extract features, should boost the performance of a sentiment classification model.</a:t>
             </a:r>
+            <a:endParaRPr lang="en-US" sz="900"/>
           </a:p>
           <a:p>
             <a:pPr marL="228600" lvl="0" indent="-228600" algn="l" rtl="0">
@@ -8291,6 +8195,7 @@
               <a:rPr lang="en-US" sz="895"/>
               <a:t>Model 1: Sentiment Model -BERT Large</a:t>
             </a:r>
+            <a:endParaRPr lang="en-US" sz="895"/>
           </a:p>
           <a:p>
             <a:pPr marL="228600" lvl="0" indent="-228600" algn="l" rtl="0">
@@ -8306,6 +8211,7 @@
               <a:rPr lang="en-US" sz="895"/>
               <a:t>Model 2: Sarcasm - ASCADE Model</a:t>
             </a:r>
+            <a:endParaRPr lang="en-US" sz="895"/>
           </a:p>
           <a:p>
             <a:pPr marL="228600" lvl="0" indent="-228600" algn="l" rtl="0">
@@ -8321,6 +8227,7 @@
               <a:rPr lang="en-US" sz="895"/>
               <a:t>Model 3: Humour - SVM</a:t>
             </a:r>
+            <a:endParaRPr lang="en-US" sz="895"/>
           </a:p>
           <a:p>
             <a:pPr marL="228600" lvl="0" indent="-228600" algn="l" rtl="0">
@@ -8336,6 +8243,7 @@
               <a:rPr lang="en-US" sz="895"/>
               <a:t>Model 4- Hate Speech - Logistic Regression </a:t>
             </a:r>
+            <a:endParaRPr lang="en-US" sz="895"/>
           </a:p>
           <a:p>
             <a:pPr marL="0" lvl="0" indent="0" algn="l" rtl="0">
@@ -8439,8 +8347,12 @@
                 <a:latin typeface="Times New Roman" panose="02020603050405020304" charset="0"/>
                 <a:cs typeface="Times New Roman" panose="02020603050405020304" charset="0"/>
               </a:rPr>
-              <a:t>Varun</a:t>
+              <a:t>Varun B</a:t>
             </a:r>
+            <a:endParaRPr lang="en-US">
+              <a:latin typeface="Times New Roman" panose="02020603050405020304" charset="0"/>
+              <a:cs typeface="Times New Roman" panose="02020603050405020304" charset="0"/>
+            </a:endParaRPr>
           </a:p>
         </p:txBody>
       </p:sp>
@@ -8578,6 +8490,7 @@
                     <a:rPr lang="en-US" sz="500"/>
                     <a:t>n=4</a:t>
                   </a:r>
+                  <a:endParaRPr lang="en-US" sz="500"/>
                 </a:p>
               </p:txBody>
             </p:sp>
@@ -8685,6 +8598,12 @@
                         </a:rPr>
                         <a:t>d X 128</a:t>
                       </a:r>
+                      <a:endParaRPr lang="en-US" sz="800">
+                        <a:solidFill>
+                          <a:schemeClr val="tx1"/>
+                        </a:solidFill>
+                        <a:uFillTx/>
+                      </a:endParaRPr>
                     </a:p>
                   </p:txBody>
                 </p:sp>
@@ -8718,6 +8637,11 @@
                         </a:rPr>
                         <a:t>    Embedding Matrix</a:t>
                       </a:r>
+                      <a:endParaRPr lang="en-US" sz="600">
+                        <a:solidFill>
+                          <a:schemeClr val="tx1"/>
+                        </a:solidFill>
+                      </a:endParaRPr>
                     </a:p>
                   </p:txBody>
                 </p:sp>
@@ -8747,18 +8671,21 @@
                         <a:rPr lang="en-US" sz="500"/>
                         <a:t>f filters </a:t>
                       </a:r>
+                      <a:endParaRPr lang="en-US" sz="500"/>
                     </a:p>
                     <a:p>
                       <a:r>
                         <a:rPr lang="en-US" sz="500"/>
                         <a:t>n X 128</a:t>
                       </a:r>
+                      <a:endParaRPr lang="en-US" sz="500"/>
                     </a:p>
                     <a:p>
                       <a:r>
                         <a:rPr lang="en-US" sz="500"/>
                         <a:t>n=3,4,5</a:t>
                       </a:r>
+                      <a:endParaRPr lang="en-US" sz="500"/>
                     </a:p>
                   </p:txBody>
                 </p:sp>
@@ -8805,6 +8732,12 @@
                         </a:rPr>
                         <a:t>(d-n+1) X f</a:t>
                       </a:r>
+                      <a:endParaRPr lang="en-US" sz="600">
+                        <a:solidFill>
+                          <a:schemeClr val="tx1"/>
+                        </a:solidFill>
+                        <a:uFillTx/>
+                      </a:endParaRPr>
                     </a:p>
                   </p:txBody>
                 </p:sp>
@@ -8884,6 +8817,13 @@
                         </a:rPr>
                         <a:t>f-dimensional vector</a:t>
                       </a:r>
+                      <a:endParaRPr lang="en-US" sz="600">
+                        <a:solidFill>
+                          <a:schemeClr val="tx1"/>
+                        </a:solidFill>
+                        <a:uFillTx/>
+                        <a:sym typeface="+mn-ea"/>
+                      </a:endParaRPr>
                     </a:p>
                   </p:txBody>
                 </p:sp>
@@ -8913,6 +8853,7 @@
                         <a:rPr lang="en-US" sz="500"/>
                         <a:t> max pooling</a:t>
                       </a:r>
+                      <a:endParaRPr lang="en-US" sz="500"/>
                     </a:p>
                   </p:txBody>
                 </p:sp>
@@ -9071,6 +9012,7 @@
                         <a:rPr lang="en-US" sz="500"/>
                         <a:t>n=3</a:t>
                       </a:r>
+                      <a:endParaRPr lang="en-US" sz="500"/>
                     </a:p>
                   </p:txBody>
                 </p:sp>
@@ -9100,6 +9042,7 @@
                         <a:rPr lang="en-US" sz="500"/>
                         <a:t>n=5</a:t>
                       </a:r>
+                      <a:endParaRPr lang="en-US" sz="500"/>
                     </a:p>
                   </p:txBody>
                 </p:sp>
@@ -9190,6 +9133,13 @@
                         </a:rPr>
                         <a:t>3f-dimensional vector</a:t>
                       </a:r>
+                      <a:endParaRPr lang="en-US" sz="600">
+                        <a:solidFill>
+                          <a:schemeClr val="tx1"/>
+                        </a:solidFill>
+                        <a:uFillTx/>
+                        <a:sym typeface="+mn-ea"/>
+                      </a:endParaRPr>
                     </a:p>
                   </p:txBody>
                 </p:sp>
@@ -9256,6 +9206,10 @@
               </a:rPr>
               <a:t>of a review as predicted by a machine learning model that attempts to</a:t>
             </a:r>
+            <a:endParaRPr lang="en-US" sz="900">
+              <a:latin typeface="Gabriola" panose="04040605051002020D02" charset="0"/>
+              <a:cs typeface="Gabriola" panose="04040605051002020D02" charset="0"/>
+            </a:endParaRPr>
           </a:p>
           <a:p>
             <a:pPr algn="r"/>
@@ -9266,6 +9220,10 @@
               </a:rPr>
               <a:t>detect sentiment alone. Thus, having a model that is explicitly aware of these features should help it perform better on reviews</a:t>
             </a:r>
+            <a:endParaRPr lang="en-US" sz="900">
+              <a:latin typeface="Gabriola" panose="04040605051002020D02" charset="0"/>
+              <a:cs typeface="Gabriola" panose="04040605051002020D02" charset="0"/>
+            </a:endParaRPr>
           </a:p>
           <a:p>
             <a:pPr algn="r"/>
@@ -9276,6 +9234,10 @@
               </a:rPr>
               <a:t>that are characterized by them.”</a:t>
             </a:r>
+            <a:endParaRPr lang="en-US" sz="900">
+              <a:latin typeface="Gabriola" panose="04040605051002020D02" charset="0"/>
+              <a:cs typeface="Gabriola" panose="04040605051002020D02" charset="0"/>
+            </a:endParaRPr>
           </a:p>
         </p:txBody>
       </p:sp>
@@ -9317,15 +9279,16 @@
         <p:spPr>
           <a:xfrm>
             <a:off x="729615" y="1343025"/>
-            <a:ext cx="4206875" cy="2997200"/>
+            <a:ext cx="4206875" cy="2261870"/>
           </a:xfrm>
         </p:spPr>
         <p:txBody>
           <a:bodyPr/>
           <a:lstStyle/>
           <a:p>
-            <a:pPr marL="488950" indent="-342900">
-              <a:buAutoNum type="arabicPeriod"/>
+            <a:pPr>
+              <a:buFont typeface="Wingdings" panose="05000000000000000000" charset="0"/>
+              <a:buChar char="§"/>
             </a:pPr>
             <a:r>
               <a:rPr lang="en-US" sz="900"/>
@@ -9338,15 +9301,18 @@
               <a:rPr lang="en-US" sz="900"/>
               <a:t>Sentiment (E1), Sarcasm (E2), Hate Speech (E3),Humour (E4).</a:t>
             </a:r>
+            <a:endParaRPr lang="en-US" sz="900"/>
           </a:p>
           <a:p>
-            <a:pPr marL="488950" indent="-342900">
-              <a:buAutoNum type="arabicPeriod"/>
+            <a:pPr>
+              <a:buFont typeface="Wingdings" panose="05000000000000000000" charset="0"/>
+              <a:buChar char="§"/>
             </a:pPr>
             <a:r>
               <a:rPr lang="en-US" sz="900"/>
               <a:t>We calculate a set of 300-dimensional embeddings per model, and concatenate them into a single 300 *m-dimensional feature vector v. </a:t>
             </a:r>
+            <a:endParaRPr lang="en-US" sz="900"/>
           </a:p>
           <a:p>
             <a:pPr marL="146050" indent="0">
@@ -9405,6 +9371,7 @@
               <a:rPr lang="en-US" sz="900"/>
               <a:t>C(v) ∈ [0, 1] that represents the probability of positive sentiment.</a:t>
             </a:r>
+            <a:endParaRPr lang="en-US" sz="900"/>
           </a:p>
           <a:p>
             <a:pPr marL="146050" indent="0">
@@ -9422,22 +9389,19 @@
             <a:pPr marL="146050" indent="0">
               <a:buNone/>
             </a:pPr>
-            <a:r>
-              <a:rPr lang="en-US" sz="900">
-                <a:gradFill>
-                  <a:gsLst>
-                    <a:gs pos="0">
-                      <a:srgbClr val="007BD3"/>
-                    </a:gs>
-                    <a:gs pos="100000">
-                      <a:srgbClr val="034373"/>
-                    </a:gs>
-                  </a:gsLst>
-                  <a:lin scaled="0"/>
-                </a:gradFill>
-              </a:rPr>
-              <a:t>https://scholar.google.com/citations?user=pUpQJlAAAAAJ&amp;hl=en</a:t>
-            </a:r>
+            <a:endParaRPr lang="en-US" sz="900">
+              <a:gradFill>
+                <a:gsLst>
+                  <a:gs pos="0">
+                    <a:srgbClr val="007BD3"/>
+                  </a:gs>
+                  <a:gs pos="100000">
+                    <a:srgbClr val="034373"/>
+                  </a:gs>
+                </a:gsLst>
+                <a:lin scaled="0"/>
+              </a:gradFill>
+            </a:endParaRPr>
           </a:p>
         </p:txBody>
       </p:sp>
@@ -9618,6 +9582,13 @@
               </a:rPr>
               <a:t>3f-dimensional vector</a:t>
             </a:r>
+            <a:endParaRPr lang="en-US" sz="600">
+              <a:solidFill>
+                <a:schemeClr val="tx1"/>
+              </a:solidFill>
+              <a:uFillTx/>
+              <a:sym typeface="+mn-ea"/>
+            </a:endParaRPr>
           </a:p>
         </p:txBody>
       </p:sp>
@@ -10341,6 +10312,13 @@
               </a:rPr>
               <a:t>v</a:t>
             </a:r>
+            <a:endParaRPr lang="en-US" sz="800">
+              <a:solidFill>
+                <a:schemeClr val="tx1"/>
+              </a:solidFill>
+              <a:uFillTx/>
+              <a:sym typeface="+mn-ea"/>
+            </a:endParaRPr>
           </a:p>
         </p:txBody>
       </p:sp>
@@ -10377,6 +10355,13 @@
               </a:rPr>
               <a:t>Sarcasm</a:t>
             </a:r>
+            <a:endParaRPr lang="en-US" sz="600">
+              <a:solidFill>
+                <a:schemeClr val="tx1"/>
+              </a:solidFill>
+              <a:uFillTx/>
+              <a:sym typeface="+mn-ea"/>
+            </a:endParaRPr>
           </a:p>
         </p:txBody>
       </p:sp>
@@ -10413,6 +10398,13 @@
               </a:rPr>
               <a:t>Sentiment</a:t>
             </a:r>
+            <a:endParaRPr lang="en-US" sz="600">
+              <a:solidFill>
+                <a:schemeClr val="tx1"/>
+              </a:solidFill>
+              <a:uFillTx/>
+              <a:sym typeface="+mn-ea"/>
+            </a:endParaRPr>
           </a:p>
         </p:txBody>
       </p:sp>
@@ -10449,6 +10441,13 @@
               </a:rPr>
               <a:t>Humour</a:t>
             </a:r>
+            <a:endParaRPr lang="en-US" sz="600">
+              <a:solidFill>
+                <a:schemeClr val="tx1"/>
+              </a:solidFill>
+              <a:uFillTx/>
+              <a:sym typeface="+mn-ea"/>
+            </a:endParaRPr>
           </a:p>
         </p:txBody>
       </p:sp>
@@ -10485,6 +10484,13 @@
               </a:rPr>
               <a:t>Hate</a:t>
             </a:r>
+            <a:endParaRPr lang="en-US" sz="600">
+              <a:solidFill>
+                <a:schemeClr val="tx1"/>
+              </a:solidFill>
+              <a:uFillTx/>
+              <a:sym typeface="+mn-ea"/>
+            </a:endParaRPr>
           </a:p>
         </p:txBody>
       </p:sp>
@@ -10497,7 +10503,7 @@
           <p:nvPr/>
         </p:nvPicPr>
         <p:blipFill>
-          <a:blip r:embed="rId3"/>
+          <a:blip r:embed="rId1"/>
           <a:stretch>
             <a:fillRect/>
           </a:stretch>
@@ -10512,6 +10518,183 @@
           </a:prstGeom>
         </p:spPr>
       </p:pic>
+      <p:sp>
+        <p:nvSpPr>
+          <p:cNvPr id="2" name="Text Box 1"/>
+          <p:cNvSpPr txBox="1"/>
+          <p:nvPr/>
+        </p:nvSpPr>
+        <p:spPr>
+          <a:xfrm>
+            <a:off x="729615" y="3546475"/>
+            <a:ext cx="6811645" cy="583565"/>
+          </a:xfrm>
+          <a:prstGeom prst="rect">
+            <a:avLst/>
+          </a:prstGeom>
+          <a:noFill/>
+        </p:spPr>
+        <p:txBody>
+          <a:bodyPr wrap="none" rtlCol="0">
+            <a:spAutoFit/>
+          </a:bodyPr>
+          <a:p>
+            <a:pPr marL="146050" indent="0" algn="l">
+              <a:buNone/>
+            </a:pPr>
+            <a:r>
+              <a:rPr lang="en-US" sz="800">
+                <a:gradFill>
+                  <a:gsLst>
+                    <a:gs pos="0">
+                      <a:srgbClr val="007BD3"/>
+                    </a:gs>
+                    <a:gs pos="100000">
+                      <a:srgbClr val="034373"/>
+                    </a:gs>
+                  </a:gsLst>
+                  <a:lin scaled="0"/>
+                </a:gradFill>
+                <a:sym typeface="+mn-ea"/>
+              </a:rPr>
+              <a:t>https://scholar.google.com/citations?user=pUpQJlAAAAAJ&amp;hl=en</a:t>
+            </a:r>
+            <a:endParaRPr lang="en-US" sz="800">
+              <a:gradFill>
+                <a:gsLst>
+                  <a:gs pos="0">
+                    <a:srgbClr val="007BD3"/>
+                  </a:gs>
+                  <a:gs pos="100000">
+                    <a:srgbClr val="034373"/>
+                  </a:gs>
+                </a:gsLst>
+                <a:lin scaled="0"/>
+              </a:gradFill>
+            </a:endParaRPr>
+          </a:p>
+          <a:p>
+            <a:pPr marL="146050" indent="0" algn="l">
+              <a:buNone/>
+            </a:pPr>
+            <a:r>
+              <a:rPr lang="en-US" sz="800">
+                <a:gradFill>
+                  <a:gsLst>
+                    <a:gs pos="0">
+                      <a:srgbClr val="007BD3"/>
+                    </a:gs>
+                    <a:gs pos="100000">
+                      <a:srgbClr val="034373"/>
+                    </a:gs>
+                  </a:gsLst>
+                  <a:lin scaled="0"/>
+                </a:gradFill>
+                <a:sym typeface="+mn-ea"/>
+              </a:rPr>
+              <a:t>https://www.researchgate.net/publication/319620213_Detection_of_Sarcasm_in_Text_Data_using_Deep_Convolutional_Neural_Networks</a:t>
+            </a:r>
+            <a:endParaRPr lang="en-US" sz="800">
+              <a:gradFill>
+                <a:gsLst>
+                  <a:gs pos="0">
+                    <a:srgbClr val="007BD3"/>
+                  </a:gs>
+                  <a:gs pos="100000">
+                    <a:srgbClr val="034373"/>
+                  </a:gs>
+                </a:gsLst>
+                <a:lin scaled="0"/>
+              </a:gradFill>
+            </a:endParaRPr>
+          </a:p>
+          <a:p>
+            <a:pPr marL="146050" indent="0" algn="l">
+              <a:buNone/>
+            </a:pPr>
+            <a:r>
+              <a:rPr lang="en-US" sz="800">
+                <a:gradFill>
+                  <a:gsLst>
+                    <a:gs pos="0">
+                      <a:srgbClr val="007BD3"/>
+                    </a:gs>
+                    <a:gs pos="100000">
+                      <a:srgbClr val="034373"/>
+                    </a:gs>
+                  </a:gsLst>
+                  <a:lin scaled="0"/>
+                </a:gradFill>
+                <a:sym typeface="+mn-ea"/>
+              </a:rPr>
+              <a:t>https://www.researchgate.net/publication/341711216_Sarcasm_detection_using_machine_learning_algorithms_in_Twitter_A_systematic_review</a:t>
+            </a:r>
+            <a:endParaRPr lang="en-US" sz="800">
+              <a:gradFill>
+                <a:gsLst>
+                  <a:gs pos="0">
+                    <a:srgbClr val="007BD3"/>
+                  </a:gs>
+                  <a:gs pos="100000">
+                    <a:srgbClr val="034373"/>
+                  </a:gs>
+                </a:gsLst>
+                <a:lin scaled="0"/>
+              </a:gradFill>
+            </a:endParaRPr>
+          </a:p>
+          <a:p>
+            <a:endParaRPr lang="en-US" sz="800">
+              <a:gradFill>
+                <a:gsLst>
+                  <a:gs pos="0">
+                    <a:srgbClr val="007BD3"/>
+                  </a:gs>
+                  <a:gs pos="100000">
+                    <a:srgbClr val="034373"/>
+                  </a:gs>
+                </a:gsLst>
+                <a:lin scaled="0"/>
+              </a:gradFill>
+            </a:endParaRPr>
+          </a:p>
+        </p:txBody>
+      </p:sp>
+      <p:sp>
+        <p:nvSpPr>
+          <p:cNvPr id="4" name="Text Box 3"/>
+          <p:cNvSpPr txBox="1"/>
+          <p:nvPr/>
+        </p:nvSpPr>
+        <p:spPr>
+          <a:xfrm>
+            <a:off x="8014335" y="4793615"/>
+            <a:ext cx="1270000" cy="306705"/>
+          </a:xfrm>
+          <a:prstGeom prst="rect">
+            <a:avLst/>
+          </a:prstGeom>
+          <a:noFill/>
+        </p:spPr>
+        <p:txBody>
+          <a:bodyPr wrap="square" rtlCol="0">
+            <a:spAutoFit/>
+          </a:bodyPr>
+          <a:p>
+            <a:r>
+              <a:rPr lang="en-US">
+                <a:latin typeface="Times New Roman" panose="02020603050405020304" charset="0"/>
+                <a:cs typeface="Times New Roman" panose="02020603050405020304" charset="0"/>
+              </a:rPr>
+              <a:t>Varun B</a:t>
+            </a:r>
+            <a:endParaRPr lang="en-US">
+              <a:latin typeface="Times New Roman" panose="02020603050405020304" charset="0"/>
+              <a:cs typeface="Times New Roman" panose="02020603050405020304" charset="0"/>
+            </a:endParaRPr>
+          </a:p>
+        </p:txBody>
+      </p:sp>
     </p:spTree>
   </p:cSld>
   <p:clrMapOvr>
@@ -10573,17 +10756,17 @@
             </a:pPr>
             <a:r>
               <a:rPr lang="en-US" dirty="0">
-                <a:hlinkClick r:id="rId3"/>
+                <a:hlinkClick r:id="rId1"/>
               </a:rPr>
               <a:t>	Neural Integration of Speaker and Message</a:t>
             </a:r>
             <a:br>
               <a:rPr lang="en-US" dirty="0">
-                <a:hlinkClick r:id="rId3"/>
+                <a:hlinkClick r:id="rId1"/>
               </a:rPr>
             </a:br>
             <a:endParaRPr lang="en-US" dirty="0">
-              <a:hlinkClick r:id="rId3"/>
+              <a:hlinkClick r:id="rId1"/>
             </a:endParaRPr>
           </a:p>
         </p:txBody>
@@ -10625,6 +10808,7 @@
               <a:rPr lang="en-US" i="1" dirty="0"/>
               <a:t>First published Tue Nov 28, 2006; substantive revision Wed Aug 21, 2019</a:t>
             </a:r>
+            <a:endParaRPr lang="en-US" i="1" dirty="0"/>
           </a:p>
           <a:p>
             <a:pPr>
@@ -10636,7 +10820,7 @@
             </a:r>
             <a:r>
               <a:rPr lang="en-US" i="1" dirty="0">
-                <a:hlinkClick r:id="rId4"/>
+                <a:hlinkClick r:id="rId2"/>
               </a:rPr>
               <a:t>https://plato.stanford.edu/entries/pragmatics/</a:t>
             </a:r>
@@ -10647,6 +10831,7 @@
               <a:rPr lang="en-US" b="1" dirty="0"/>
               <a:t>Factors affecting pragmatic competence and Turkish EFL context</a:t>
             </a:r>
+            <a:endParaRPr lang="en-US" b="1" dirty="0"/>
           </a:p>
           <a:p>
             <a:pPr>
@@ -10654,7 +10839,7 @@
             </a:pPr>
             <a:r>
               <a:rPr lang="en-US" i="1" dirty="0">
-                <a:hlinkClick r:id="rId5"/>
+                <a:hlinkClick r:id="rId3"/>
               </a:rPr>
               <a:t>https://www.researchgate.net/publication/291756385_Factors_affecting_pragmatic_competence_and_Turkish_EFL_context</a:t>
             </a:r>
@@ -10665,6 +10850,7 @@
               <a:rPr lang="en-US" b="1" dirty="0"/>
               <a:t>Deep Representation Learning in Speech Processing: Challenges, Recent Advances, and Future Trends </a:t>
             </a:r>
+            <a:endParaRPr lang="en-US" b="1" dirty="0"/>
           </a:p>
           <a:p>
             <a:pPr>
@@ -10672,7 +10858,7 @@
             </a:pPr>
             <a:r>
               <a:rPr lang="en-US" dirty="0">
-                <a:hlinkClick r:id="rId6"/>
+                <a:hlinkClick r:id="rId4"/>
               </a:rPr>
               <a:t>https://arxiv.org/pdf/2001.00378.pdf</a:t>
             </a:r>
@@ -10683,6 +10869,7 @@
               <a:rPr lang="en-IN" b="1" dirty="0"/>
               <a:t>Speaker Recognition</a:t>
             </a:r>
+            <a:endParaRPr lang="en-IN" b="1" dirty="0"/>
           </a:p>
           <a:p>
             <a:pPr>
@@ -10690,7 +10877,7 @@
             </a:pPr>
             <a:r>
               <a:rPr lang="en-US" dirty="0">
-                <a:hlinkClick r:id="rId7"/>
+                <a:hlinkClick r:id="rId5"/>
               </a:rPr>
               <a:t>https://www.sciencedirect.com/topics/computer-science/speaker-recognition</a:t>
             </a:r>
@@ -10701,6 +10888,7 @@
               <a:rPr lang="en-US" b="1" dirty="0"/>
               <a:t>Speaker Recognition: Advancements and Challenges</a:t>
             </a:r>
+            <a:endParaRPr lang="en-US" b="1" dirty="0"/>
           </a:p>
           <a:p>
             <a:pPr>
@@ -10708,7 +10896,7 @@
             </a:pPr>
             <a:r>
               <a:rPr lang="en-US" dirty="0">
-                <a:hlinkClick r:id="rId8"/>
+                <a:hlinkClick r:id="rId6"/>
               </a:rPr>
               <a:t>https://www.researchgate.net/publication/241686419_Speaker_Recognition_Advancements_and_Challenges</a:t>
             </a:r>
@@ -10719,6 +10907,7 @@
               <a:rPr lang="en-US" b="1" dirty="0"/>
               <a:t>Speaker Emotion Recognition Based on Speech Features and Classification Techniques</a:t>
             </a:r>
+            <a:endParaRPr lang="en-US" b="1" dirty="0"/>
           </a:p>
           <a:p>
             <a:pPr>
@@ -10726,7 +10915,7 @@
             </a:pPr>
             <a:r>
               <a:rPr lang="en-US" dirty="0">
-                <a:hlinkClick r:id="rId9"/>
+                <a:hlinkClick r:id="rId7"/>
               </a:rPr>
               <a:t>https://www.researchgate.net/publication/279043457_Speaker_Emotion_Recognition_Based_on_Speech_Features_and_Classification_Techniques</a:t>
             </a:r>
@@ -10737,6 +10926,7 @@
               <a:rPr lang="en-US" b="1" dirty="0"/>
               <a:t>Natural language processing, pragmatics, and verbal behavior</a:t>
             </a:r>
+            <a:endParaRPr lang="en-US" b="1" dirty="0"/>
           </a:p>
           <a:p>
             <a:pPr>
@@ -10744,7 +10934,7 @@
             </a:pPr>
             <a:r>
               <a:rPr lang="en-US" dirty="0">
-                <a:hlinkClick r:id="rId10"/>
+                <a:hlinkClick r:id="rId8"/>
               </a:rPr>
               <a:t>https://www.researchgate.net/publication/223958891_Natural_language_processing_pragmatics_and_verbal_behavior</a:t>
             </a:r>
@@ -10792,6 +10982,10 @@
               </a:rPr>
               <a:t>     Sakshi</a:t>
             </a:r>
+            <a:endParaRPr lang="en-US" dirty="0">
+              <a:latin typeface="Times New Roman" panose="02020603050405020304" charset="0"/>
+              <a:cs typeface="Times New Roman" panose="02020603050405020304" charset="0"/>
+            </a:endParaRPr>
           </a:p>
         </p:txBody>
       </p:sp>
@@ -10882,6 +11076,11 @@
               </a:rPr>
               <a:t> </a:t>
             </a:r>
+            <a:endParaRPr lang="en-IN" altLang="en-US" dirty="0">
+              <a:latin typeface="Calibri" panose="020F0502020204030204" charset="0"/>
+              <a:cs typeface="Calibri" panose="020F0502020204030204" charset="0"/>
+              <a:sym typeface="+mn-ea"/>
+            </a:endParaRPr>
           </a:p>
         </p:txBody>
       </p:sp>
@@ -11000,6 +11199,14 @@
               </a:rPr>
               <a:t>Emojify – Create your own emoji with Deep Learning :</a:t>
             </a:r>
+            <a:endParaRPr lang="en-IN" altLang="en-US" sz="1800" b="1" dirty="0">
+              <a:solidFill>
+                <a:schemeClr val="bg2"/>
+              </a:solidFill>
+              <a:latin typeface="Calibri" panose="020F0502020204030204" charset="0"/>
+              <a:cs typeface="Calibri" panose="020F0502020204030204" charset="0"/>
+              <a:sym typeface="+mn-ea"/>
+            </a:endParaRPr>
           </a:p>
           <a:p>
             <a:pPr marL="0" lvl="0" indent="0" algn="l" rtl="0">
@@ -11025,6 +11232,14 @@
               </a:rPr>
               <a:t>Get the emoji of the humans facial expression.</a:t>
             </a:r>
+            <a:endParaRPr lang="en-IN" altLang="en-US" sz="1400" dirty="0">
+              <a:solidFill>
+                <a:schemeClr val="bg2"/>
+              </a:solidFill>
+              <a:latin typeface="Calibri" panose="020F0502020204030204" charset="0"/>
+              <a:cs typeface="Calibri" panose="020F0502020204030204" charset="0"/>
+              <a:sym typeface="+mn-ea"/>
+            </a:endParaRPr>
           </a:p>
           <a:p>
             <a:pPr marL="0" lvl="0" indent="0" algn="l" rtl="0">
@@ -11050,6 +11265,14 @@
               </a:rPr>
               <a:t>https://github.com/EvilPort2/emojify</a:t>
             </a:r>
+            <a:endParaRPr lang="en-IN" altLang="en-US" sz="1200" dirty="0">
+              <a:solidFill>
+                <a:srgbClr val="00B0F0"/>
+              </a:solidFill>
+              <a:latin typeface="Calibri" panose="020F0502020204030204" charset="0"/>
+              <a:cs typeface="Calibri" panose="020F0502020204030204" charset="0"/>
+              <a:sym typeface="+mn-ea"/>
+            </a:endParaRPr>
           </a:p>
           <a:p>
             <a:pPr marL="0" lvl="0" indent="0" algn="l" rtl="0">
@@ -11140,6 +11363,10 @@
               </a:rPr>
               <a:t>Ganiger</a:t>
             </a:r>
+            <a:endParaRPr lang="en-IN" altLang="en-US">
+              <a:latin typeface="Times New Roman" panose="02020603050405020304" charset="0"/>
+              <a:cs typeface="Times New Roman" panose="02020603050405020304" charset="0"/>
+            </a:endParaRPr>
           </a:p>
         </p:txBody>
       </p:sp>
@@ -11202,7 +11429,6 @@
               </a:spcAft>
               <a:buNone/>
             </a:pPr>
-            <a:endParaRPr/>
           </a:p>
         </p:txBody>
       </p:sp>
@@ -11240,7 +11466,6 @@
               </a:spcAft>
               <a:buNone/>
             </a:pPr>
-            <a:endParaRPr/>
           </a:p>
         </p:txBody>
       </p:sp>
@@ -11528,8 +11753,6 @@
       </a:bgFillStyleLst>
     </a:fmtScheme>
   </a:themeElements>
-  <a:objectDefaults/>
-  <a:extraClrSchemeLst/>
   <a:extLst>
     <a:ext uri="{05A4C25C-085E-4340-85A3-A5531E510DB2}">
       <thm15:themeFamily xmlns:thm15="http://schemas.microsoft.com/office/thememl/2012/main" name="Office Theme" id="{62F939B6-93AF-4DB8-9C6B-D6C7DFDC589F}" vid="{4A3C46E8-61CC-4603-A589-7422A47A8E4A}"/>
@@ -11814,8 +12037,6 @@
       </a:bgFillStyleLst>
     </a:fmtScheme>
   </a:themeElements>
-  <a:objectDefaults/>
-  <a:extraClrSchemeLst/>
   <a:extLst>
     <a:ext uri="{05A4C25C-085E-4340-85A3-A5531E510DB2}">
       <thm15:themeFamily xmlns:thm15="http://schemas.microsoft.com/office/thememl/2012/main" name="Office Theme" id="{62F939B6-93AF-4DB8-9C6B-D6C7DFDC589F}" vid="{4A3C46E8-61CC-4603-A589-7422A47A8E4A}"/>
@@ -12075,8 +12296,6 @@
       </a:bgFillStyleLst>
     </a:fmtScheme>
   </a:themeElements>
-  <a:objectDefaults/>
-  <a:extraClrSchemeLst/>
   <a:extLst>
     <a:ext uri="{05A4C25C-085E-4340-85A3-A5531E510DB2}">
       <thm15:themeFamily xmlns:thm15="http://schemas.microsoft.com/office/thememl/2012/main" name="Office Theme" id="{62F939B6-93AF-4DB8-9C6B-D6C7DFDC589F}" vid="{4A3C46E8-61CC-4603-A589-7422A47A8E4A}"/>

--- a/IDEAS FOR PROBLEM STATEMENT 4.pptx
+++ b/IDEAS FOR PROBLEM STATEMENT 4.pptx
@@ -8,7 +8,7 @@
     <p:notesMasterId r:id="rId4"/>
   </p:notesMasterIdLst>
   <p:handoutMasterIdLst>
-    <p:handoutMasterId r:id="rId10"/>
+    <p:handoutMasterId r:id="rId9"/>
   </p:handoutMasterIdLst>
   <p:sldIdLst>
     <p:sldId id="256" r:id="rId3"/>
@@ -16,36 +16,35 @@
     <p:sldId id="266" r:id="rId6"/>
     <p:sldId id="262" r:id="rId7"/>
     <p:sldId id="260" r:id="rId8"/>
-    <p:sldId id="261" r:id="rId9"/>
   </p:sldIdLst>
   <p:sldSz cx="9144000" cy="5143500" type="screen16x9"/>
   <p:notesSz cx="6858000" cy="9144000"/>
   <p:embeddedFontLst>
     <p:embeddedFont>
       <p:font typeface="Raleway"/>
+      <p:regular r:id="rId13"/>
+    </p:embeddedFont>
+    <p:embeddedFont>
+      <p:font typeface="Lato" panose="020F0502020204030203"/>
       <p:regular r:id="rId14"/>
     </p:embeddedFont>
     <p:embeddedFont>
-      <p:font typeface="Lato" panose="020F0502020204030203"/>
+      <p:font typeface="Cambria" panose="02040503050406030204" charset="0"/>
       <p:regular r:id="rId15"/>
-    </p:embeddedFont>
-    <p:embeddedFont>
-      <p:font typeface="Cambria" panose="02040503050406030204" charset="0"/>
-      <p:regular r:id="rId16"/>
-      <p:bold r:id="rId17"/>
-      <p:italic r:id="rId18"/>
-      <p:boldItalic r:id="rId19"/>
+      <p:bold r:id="rId16"/>
+      <p:italic r:id="rId17"/>
+      <p:boldItalic r:id="rId18"/>
     </p:embeddedFont>
     <p:embeddedFont>
       <p:font typeface="Gabriola" panose="04040605051002020D02" charset="0"/>
-      <p:regular r:id="rId20"/>
+      <p:regular r:id="rId19"/>
     </p:embeddedFont>
     <p:embeddedFont>
       <p:font typeface="Calibri" panose="020F0502020204030204" charset="0"/>
-      <p:regular r:id="rId21"/>
-      <p:bold r:id="rId22"/>
-      <p:italic r:id="rId23"/>
-      <p:boldItalic r:id="rId24"/>
+      <p:regular r:id="rId20"/>
+      <p:bold r:id="rId21"/>
+      <p:italic r:id="rId22"/>
+      <p:boldItalic r:id="rId23"/>
     </p:embeddedFont>
   </p:embeddedFontLst>
   <p:defaultTextStyle>
@@ -1356,109 +1355,6 @@
       <p:sp>
         <p:nvSpPr>
           <p:cNvPr id="108" name="Google Shape;108;ga001bb0786_0_335:notes"/>
-          <p:cNvSpPr txBox="1">
-            <a:spLocks noGrp="1"/>
-          </p:cNvSpPr>
-          <p:nvPr>
-            <p:ph type="body" idx="1"/>
-          </p:nvPr>
-        </p:nvSpPr>
-        <p:spPr>
-          <a:xfrm>
-            <a:off x="685800" y="4343400"/>
-            <a:ext cx="5486400" cy="4114800"/>
-          </a:xfrm>
-          <a:prstGeom prst="rect">
-            <a:avLst/>
-          </a:prstGeom>
-        </p:spPr>
-        <p:txBody>
-          <a:bodyPr spcFirstLastPara="1" wrap="square" lIns="91425" tIns="91425" rIns="91425" bIns="91425" anchor="t" anchorCtr="0">
-            <a:noAutofit/>
-          </a:bodyPr>
-          <a:lstStyle/>
-          <a:p>
-            <a:pPr marL="0" lvl="0" indent="0" algn="l" rtl="0">
-              <a:spcBef>
-                <a:spcPts val="0"/>
-              </a:spcBef>
-              <a:spcAft>
-                <a:spcPts val="0"/>
-              </a:spcAft>
-              <a:buNone/>
-            </a:pPr>
-          </a:p>
-        </p:txBody>
-      </p:sp>
-    </p:spTree>
-  </p:cSld>
-  <p:clrMapOvr>
-    <a:masterClrMapping/>
-  </p:clrMapOvr>
-</p:notes>
-</file>
-
-<file path=ppt/notesSlides/notesSlide6.xml><?xml version="1.0" encoding="utf-8"?>
-<p:notes xmlns:a="http://schemas.openxmlformats.org/drawingml/2006/main" xmlns:r="http://schemas.openxmlformats.org/officeDocument/2006/relationships" xmlns:p="http://schemas.openxmlformats.org/presentationml/2006/main" showMasterPhAnim="0" showMasterSp="0">
-  <p:cSld>
-    <p:spTree>
-      <p:nvGrpSpPr>
-        <p:cNvPr id="1" name="Shape 112"/>
-        <p:cNvGrpSpPr/>
-        <p:nvPr/>
-      </p:nvGrpSpPr>
-      <p:grpSpPr>
-        <a:xfrm>
-          <a:off x="0" y="0"/>
-          <a:ext cx="0" cy="0"/>
-          <a:chOff x="0" y="0"/>
-          <a:chExt cx="0" cy="0"/>
-        </a:xfrm>
-      </p:grpSpPr>
-      <p:sp>
-        <p:nvSpPr>
-          <p:cNvPr id="113" name="Google Shape;113;ga001bb0786_0_340:notes"/>
-          <p:cNvSpPr>
-            <a:spLocks noGrp="1" noRot="1" noChangeAspect="1"/>
-          </p:cNvSpPr>
-          <p:nvPr>
-            <p:ph type="sldImg" idx="2"/>
-          </p:nvPr>
-        </p:nvSpPr>
-        <p:spPr>
-          <a:xfrm>
-            <a:off x="381300" y="685800"/>
-            <a:ext cx="6096000" cy="3429000"/>
-          </a:xfrm>
-          <a:custGeom>
-            <a:avLst/>
-            <a:gdLst/>
-            <a:ahLst/>
-            <a:cxnLst/>
-            <a:rect l="l" t="t" r="r" b="b"/>
-            <a:pathLst>
-              <a:path w="120000" h="120000" extrusionOk="0">
-                <a:moveTo>
-                  <a:pt x="0" y="0"/>
-                </a:moveTo>
-                <a:lnTo>
-                  <a:pt x="120000" y="0"/>
-                </a:lnTo>
-                <a:lnTo>
-                  <a:pt x="120000" y="120000"/>
-                </a:lnTo>
-                <a:lnTo>
-                  <a:pt x="0" y="120000"/>
-                </a:lnTo>
-                <a:close/>
-              </a:path>
-            </a:pathLst>
-          </a:custGeom>
-        </p:spPr>
-      </p:sp>
-      <p:sp>
-        <p:nvSpPr>
-          <p:cNvPr id="114" name="Google Shape;114;ga001bb0786_0_340:notes"/>
           <p:cNvSpPr txBox="1">
             <a:spLocks noGrp="1"/>
           </p:cNvSpPr>
@@ -10543,7 +10439,7 @@
               <a:buNone/>
             </a:pPr>
             <a:r>
-              <a:rPr lang="en-US" sz="800">
+              <a:rPr lang="en-US" sz="800" i="1">
                 <a:gradFill>
                   <a:gsLst>
                     <a:gs pos="0">
@@ -10559,7 +10455,7 @@
               </a:rPr>
               <a:t>https://scholar.google.com/citations?user=pUpQJlAAAAAJ&amp;hl=en</a:t>
             </a:r>
-            <a:endParaRPr lang="en-US" sz="800">
+            <a:endParaRPr lang="en-US" sz="800" i="1">
               <a:gradFill>
                 <a:gsLst>
                   <a:gs pos="0">
@@ -10578,7 +10474,7 @@
               <a:buNone/>
             </a:pPr>
             <a:r>
-              <a:rPr lang="en-US" sz="800">
+              <a:rPr lang="en-US" sz="800" i="1">
                 <a:gradFill>
                   <a:gsLst>
                     <a:gs pos="0">
@@ -10594,7 +10490,7 @@
               </a:rPr>
               <a:t>https://www.researchgate.net/publication/319620213_Detection_of_Sarcasm_in_Text_Data_using_Deep_Convolutional_Neural_Networks</a:t>
             </a:r>
-            <a:endParaRPr lang="en-US" sz="800">
+            <a:endParaRPr lang="en-US" sz="800" i="1">
               <a:gradFill>
                 <a:gsLst>
                   <a:gs pos="0">
@@ -10613,7 +10509,7 @@
               <a:buNone/>
             </a:pPr>
             <a:r>
-              <a:rPr lang="en-US" sz="800">
+              <a:rPr lang="en-US" sz="800" i="1">
                 <a:gradFill>
                   <a:gsLst>
                     <a:gs pos="0">
@@ -10629,7 +10525,7 @@
               </a:rPr>
               <a:t>https://www.researchgate.net/publication/341711216_Sarcasm_detection_using_machine_learning_algorithms_in_Twitter_A_systematic_review</a:t>
             </a:r>
-            <a:endParaRPr lang="en-US" sz="800">
+            <a:endParaRPr lang="en-US" sz="800" i="1">
               <a:gradFill>
                 <a:gsLst>
                   <a:gs pos="0">
@@ -10644,7 +10540,7 @@
             </a:endParaRPr>
           </a:p>
           <a:p>
-            <a:endParaRPr lang="en-US" sz="800">
+            <a:endParaRPr lang="en-US" sz="800" i="1">
               <a:gradFill>
                 <a:gsLst>
                   <a:gs pos="0">
@@ -10732,7 +10628,7 @@
         </p:nvSpPr>
         <p:spPr>
           <a:xfrm>
-            <a:off x="147145" y="515006"/>
+            <a:off x="751030" y="1167786"/>
             <a:ext cx="8218453" cy="487505"/>
           </a:xfrm>
           <a:prstGeom prst="rect">
@@ -10756,16 +10652,48 @@
             </a:pPr>
             <a:r>
               <a:rPr lang="en-US" dirty="0">
-                <a:hlinkClick r:id="rId1"/>
+                <a:ln/>
+                <a:solidFill>
+                  <a:schemeClr val="bg2"/>
+                </a:solidFill>
+                <a:effectLst>
+                  <a:outerShdw blurRad="38100" dist="25400" dir="5400000" algn="ctr" rotWithShape="0">
+                    <a:srgbClr val="6E747A">
+                      <a:alpha val="43000"/>
+                    </a:srgbClr>
+                  </a:outerShdw>
+                </a:effectLst>
               </a:rPr>
-              <a:t>	Neural Integration of Speaker and Message</a:t>
+              <a:t>Nueral Integration of Speaker and Message</a:t>
             </a:r>
             <a:br>
               <a:rPr lang="en-US" dirty="0">
+                <a:ln/>
+                <a:solidFill>
+                  <a:schemeClr val="bg2"/>
+                </a:solidFill>
+                <a:effectLst>
+                  <a:outerShdw blurRad="38100" dist="25400" dir="5400000" algn="ctr" rotWithShape="0">
+                    <a:srgbClr val="6E747A">
+                      <a:alpha val="43000"/>
+                    </a:srgbClr>
+                  </a:outerShdw>
+                </a:effectLst>
                 <a:hlinkClick r:id="rId1"/>
               </a:rPr>
             </a:br>
             <a:endParaRPr lang="en-US" dirty="0">
+              <a:ln/>
+              <a:solidFill>
+                <a:schemeClr val="bg2"/>
+              </a:solidFill>
+              <a:effectLst>
+                <a:outerShdw blurRad="38100" dist="25400" dir="5400000" algn="ctr" rotWithShape="0">
+                  <a:srgbClr val="6E747A">
+                    <a:alpha val="43000"/>
+                  </a:srgbClr>
+                </a:outerShdw>
+              </a:effectLst>
               <a:hlinkClick r:id="rId1"/>
             </a:endParaRPr>
           </a:p>
@@ -10783,8 +10711,8 @@
         </p:nvSpPr>
         <p:spPr>
           <a:xfrm>
-            <a:off x="0" y="1153963"/>
-            <a:ext cx="9144000" cy="3743857"/>
+            <a:off x="441325" y="1167765"/>
+            <a:ext cx="9144000" cy="2973705"/>
           </a:xfrm>
           <a:prstGeom prst="rect">
             <a:avLst/>
@@ -10796,160 +10724,287 @@
           </a:bodyPr>
           <a:lstStyle/>
           <a:p>
+            <a:pPr>
+              <a:buFont typeface="Wingdings" panose="05000000000000000000" charset="0"/>
+              <a:buChar char="v"/>
+            </a:pPr>
+            <a:endParaRPr lang="en-US" sz="900" b="1" dirty="0"/>
+          </a:p>
+          <a:p>
+            <a:pPr>
+              <a:buFont typeface="Wingdings" panose="05000000000000000000" charset="0"/>
+              <a:buChar char="v"/>
+            </a:pPr>
+            <a:endParaRPr lang="en-US" sz="900" b="1" dirty="0"/>
+          </a:p>
+          <a:p>
+            <a:pPr>
+              <a:buFont typeface="Wingdings" panose="05000000000000000000" charset="0"/>
+              <a:buChar char="v"/>
+            </a:pPr>
+            <a:endParaRPr lang="en-US" sz="900" b="1" dirty="0"/>
+          </a:p>
+          <a:p>
+            <a:pPr>
+              <a:buFont typeface="Wingdings" panose="05000000000000000000" charset="0"/>
+              <a:buChar char="v"/>
+            </a:pPr>
             <a:r>
-              <a:rPr lang="en-US" b="1" dirty="0"/>
+              <a:rPr lang="en-US" sz="900" b="1" dirty="0"/>
               <a:t>Pragmatics </a:t>
             </a:r>
             <a:r>
-              <a:rPr lang="en-US" dirty="0"/>
+              <a:rPr lang="en-US" sz="900" dirty="0"/>
               <a:t>:</a:t>
             </a:r>
             <a:r>
-              <a:rPr lang="en-US" i="1" dirty="0"/>
+              <a:rPr lang="en-US" sz="900" i="1" dirty="0"/>
               <a:t>First published Tue Nov 28, 2006; substantive revision Wed Aug 21, 2019</a:t>
             </a:r>
-            <a:endParaRPr lang="en-US" i="1" dirty="0"/>
+            <a:endParaRPr lang="en-US" sz="900" i="1" dirty="0"/>
           </a:p>
           <a:p>
-            <a:pPr>
+            <a:pPr marL="146050" indent="0">
+              <a:buFont typeface="Wingdings" panose="05000000000000000000" charset="0"/>
               <a:buNone/>
             </a:pPr>
             <a:r>
-              <a:rPr lang="en-US" i="1" dirty="0"/>
-              <a:t>       </a:t>
+              <a:rPr lang="en-US" sz="900" i="1" dirty="0"/>
+              <a:t>      	     </a:t>
             </a:r>
             <a:r>
-              <a:rPr lang="en-US" i="1" dirty="0">
+              <a:rPr lang="en-US" sz="900" i="1" dirty="0">
+                <a:solidFill>
+                  <a:srgbClr val="0070C0"/>
+                </a:solidFill>
+              </a:rPr>
+              <a:t> </a:t>
+            </a:r>
+            <a:r>
+              <a:rPr lang="en-US" sz="900" i="1" dirty="0">
+                <a:solidFill>
+                  <a:srgbClr val="0070C0"/>
+                </a:solidFill>
                 <a:hlinkClick r:id="rId2"/>
               </a:rPr>
               <a:t>https://plato.stanford.edu/entries/pragmatics/</a:t>
             </a:r>
-            <a:endParaRPr lang="en-US" dirty="0"/>
-          </a:p>
-          <a:p>
-            <a:r>
-              <a:rPr lang="en-US" b="1" dirty="0"/>
-              <a:t>Factors affecting pragmatic competence and Turkish EFL context</a:t>
-            </a:r>
-            <a:endParaRPr lang="en-US" b="1" dirty="0"/>
+            <a:br>
+              <a:rPr lang="en-US" sz="900" i="1" dirty="0">
+                <a:solidFill>
+                  <a:srgbClr val="0070C0"/>
+                </a:solidFill>
+              </a:rPr>
+            </a:br>
+            <a:endParaRPr lang="en-US" sz="900" dirty="0"/>
           </a:p>
           <a:p>
             <a:pPr>
-              <a:buNone/>
+              <a:buFont typeface="Wingdings" panose="05000000000000000000" charset="0"/>
+              <a:buChar char="v"/>
             </a:pPr>
             <a:r>
-              <a:rPr lang="en-US" i="1" dirty="0">
+              <a:rPr lang="en-US" sz="900" b="1" dirty="0"/>
+              <a:t>Factors affecting pragmatic competence and Turkish EFL context</a:t>
+            </a:r>
+            <a:endParaRPr lang="en-US" sz="900" b="1" dirty="0"/>
+          </a:p>
+          <a:p>
+            <a:pPr marL="146050" indent="0">
+              <a:buFont typeface="Wingdings" panose="05000000000000000000" charset="0"/>
+              <a:buNone/>
+            </a:pPr>
+            <a:r>
+              <a:rPr lang="en-US" sz="900" i="1" dirty="0"/>
+              <a:t>	     </a:t>
+            </a:r>
+            <a:r>
+              <a:rPr lang="en-US" sz="900" i="1" dirty="0">
                 <a:hlinkClick r:id="rId3"/>
               </a:rPr>
               <a:t>https://www.researchgate.net/publication/291756385_Factors_affecting_pragmatic_competence_and_Turkish_EFL_context</a:t>
             </a:r>
-            <a:endParaRPr lang="en-US" dirty="0"/>
-          </a:p>
-          <a:p>
-            <a:r>
-              <a:rPr lang="en-US" b="1" dirty="0"/>
-              <a:t>Deep Representation Learning in Speech Processing: Challenges, Recent Advances, and Future Trends </a:t>
-            </a:r>
-            <a:endParaRPr lang="en-US" b="1" dirty="0"/>
+            <a:br>
+              <a:rPr lang="en-US" sz="900" i="1" dirty="0"/>
+            </a:br>
+            <a:endParaRPr lang="en-US" sz="900" dirty="0"/>
           </a:p>
           <a:p>
             <a:pPr>
-              <a:buNone/>
+              <a:buFont typeface="Wingdings" panose="05000000000000000000" charset="0"/>
+              <a:buChar char="v"/>
             </a:pPr>
             <a:r>
-              <a:rPr lang="en-US" dirty="0">
+              <a:rPr lang="en-US" sz="900" b="1" dirty="0"/>
+              <a:t>Deep Representation Learning in Speech Processing: Challenges, Recent Advances, and Future Trends </a:t>
+            </a:r>
+            <a:endParaRPr lang="en-US" sz="900" b="1" dirty="0"/>
+          </a:p>
+          <a:p>
+            <a:pPr marL="146050" indent="0">
+              <a:buFont typeface="Wingdings" panose="05000000000000000000" charset="0"/>
+              <a:buNone/>
+            </a:pPr>
+            <a:r>
+              <a:rPr lang="en-US" sz="900" dirty="0"/>
+              <a:t>	    </a:t>
+            </a:r>
+            <a:r>
+              <a:rPr lang="en-US" sz="900" i="1" dirty="0"/>
+              <a:t> </a:t>
+            </a:r>
+            <a:r>
+              <a:rPr lang="en-US" sz="900" i="1" dirty="0">
                 <a:hlinkClick r:id="rId4"/>
               </a:rPr>
               <a:t>https://arxiv.org/pdf/2001.00378.pdf</a:t>
             </a:r>
-            <a:endParaRPr lang="en-US" dirty="0"/>
-          </a:p>
-          <a:p>
-            <a:r>
-              <a:rPr lang="en-IN" b="1" dirty="0"/>
-              <a:t>Speaker Recognition</a:t>
-            </a:r>
-            <a:endParaRPr lang="en-IN" b="1" dirty="0"/>
+            <a:br>
+              <a:rPr lang="en-US" sz="900" i="1" dirty="0"/>
+            </a:br>
+            <a:endParaRPr lang="en-US" sz="900" i="1" dirty="0"/>
           </a:p>
           <a:p>
             <a:pPr>
-              <a:buNone/>
+              <a:buFont typeface="Wingdings" panose="05000000000000000000" charset="0"/>
+              <a:buChar char="v"/>
             </a:pPr>
             <a:r>
-              <a:rPr lang="en-US" dirty="0">
+              <a:rPr lang="en-IN" sz="900" b="1" dirty="0"/>
+              <a:t>Speaker Recognition</a:t>
+            </a:r>
+            <a:endParaRPr lang="en-IN" sz="900" b="1" dirty="0"/>
+          </a:p>
+          <a:p>
+            <a:pPr marL="146050" indent="0">
+              <a:buFont typeface="Wingdings" panose="05000000000000000000" charset="0"/>
+              <a:buNone/>
+            </a:pPr>
+            <a:r>
+              <a:rPr lang="en-US" sz="900" dirty="0"/>
+              <a:t>	    </a:t>
+            </a:r>
+            <a:r>
+              <a:rPr lang="en-US" sz="900" i="1" dirty="0"/>
+              <a:t> </a:t>
+            </a:r>
+            <a:r>
+              <a:rPr lang="en-US" sz="900" i="1" dirty="0">
                 <a:hlinkClick r:id="rId5"/>
               </a:rPr>
               <a:t>https://www.sciencedirect.com/topics/computer-science/speaker-recognition</a:t>
             </a:r>
-            <a:endParaRPr lang="en-US" dirty="0"/>
-          </a:p>
-          <a:p>
-            <a:r>
-              <a:rPr lang="en-US" b="1" dirty="0"/>
-              <a:t>Speaker Recognition: Advancements and Challenges</a:t>
-            </a:r>
-            <a:endParaRPr lang="en-US" b="1" dirty="0"/>
+            <a:br>
+              <a:rPr lang="en-US" sz="900" i="1" dirty="0"/>
+            </a:br>
+            <a:endParaRPr lang="en-US" sz="900" dirty="0"/>
           </a:p>
           <a:p>
             <a:pPr>
-              <a:buNone/>
+              <a:buFont typeface="Wingdings" panose="05000000000000000000" charset="0"/>
+              <a:buChar char="v"/>
             </a:pPr>
             <a:r>
-              <a:rPr lang="en-US" dirty="0">
+              <a:rPr lang="en-US" sz="900" b="1" dirty="0"/>
+              <a:t>Speaker Recognition: Advancements and Challenges</a:t>
+            </a:r>
+            <a:endParaRPr lang="en-US" sz="900" b="1" dirty="0"/>
+          </a:p>
+          <a:p>
+            <a:pPr marL="146050" indent="0">
+              <a:buFont typeface="Wingdings" panose="05000000000000000000" charset="0"/>
+              <a:buNone/>
+            </a:pPr>
+            <a:r>
+              <a:rPr lang="en-US" sz="900" dirty="0"/>
+              <a:t>	    </a:t>
+            </a:r>
+            <a:r>
+              <a:rPr lang="en-US" sz="900" i="1" dirty="0">
                 <a:hlinkClick r:id="rId6"/>
               </a:rPr>
               <a:t>https://www.researchgate.net/publication/241686419_Speaker_Recognition_Advancements_and_Challenges</a:t>
             </a:r>
-            <a:endParaRPr lang="en-US" dirty="0"/>
-          </a:p>
-          <a:p>
-            <a:r>
-              <a:rPr lang="en-US" b="1" dirty="0"/>
-              <a:t>Speaker Emotion Recognition Based on Speech Features and Classification Techniques</a:t>
-            </a:r>
-            <a:endParaRPr lang="en-US" b="1" dirty="0"/>
+            <a:br>
+              <a:rPr lang="en-US" sz="900" i="1" dirty="0"/>
+            </a:br>
+            <a:endParaRPr lang="en-US" sz="900" dirty="0"/>
           </a:p>
           <a:p>
             <a:pPr>
-              <a:buNone/>
+              <a:buFont typeface="Wingdings" panose="05000000000000000000" charset="0"/>
+              <a:buChar char="v"/>
             </a:pPr>
             <a:r>
-              <a:rPr lang="en-US" dirty="0">
+              <a:rPr lang="en-US" sz="900" b="1" dirty="0"/>
+              <a:t>Speaker Emotion Recognition Based on Speech Features and Classification Techniques</a:t>
+            </a:r>
+            <a:endParaRPr lang="en-US" sz="900" b="1" dirty="0"/>
+          </a:p>
+          <a:p>
+            <a:pPr marL="146050" indent="0">
+              <a:buFont typeface="Wingdings" panose="05000000000000000000" charset="0"/>
+              <a:buNone/>
+            </a:pPr>
+            <a:r>
+              <a:rPr lang="en-US" sz="900" i="1" dirty="0"/>
+              <a:t>	    </a:t>
+            </a:r>
+            <a:r>
+              <a:rPr lang="en-US" sz="900" i="1" dirty="0">
                 <a:hlinkClick r:id="rId7"/>
               </a:rPr>
               <a:t>https://www.researchgate.net/publication/279043457_Speaker_Emotion_Recognition_Based_on_Speech_Features_and_Classification_Techniques</a:t>
             </a:r>
-            <a:endParaRPr lang="en-US" dirty="0"/>
-          </a:p>
-          <a:p>
-            <a:r>
-              <a:rPr lang="en-US" b="1" dirty="0"/>
-              <a:t>Natural language processing, pragmatics, and verbal behavior</a:t>
-            </a:r>
-            <a:endParaRPr lang="en-US" b="1" dirty="0"/>
+            <a:br>
+              <a:rPr lang="en-US" sz="900" i="1" dirty="0"/>
+            </a:br>
+            <a:endParaRPr lang="en-US" sz="900" i="1" dirty="0"/>
           </a:p>
           <a:p>
             <a:pPr>
-              <a:buNone/>
+              <a:buFont typeface="Wingdings" panose="05000000000000000000" charset="0"/>
+              <a:buChar char="v"/>
             </a:pPr>
             <a:r>
-              <a:rPr lang="en-US" dirty="0">
+              <a:rPr lang="en-US" sz="900" b="1" dirty="0"/>
+              <a:t>Natural language processing, pragmatics, and verbal behavior</a:t>
+            </a:r>
+            <a:endParaRPr lang="en-US" sz="900" b="1" dirty="0"/>
+          </a:p>
+          <a:p>
+            <a:pPr marL="146050" indent="0">
+              <a:buFont typeface="Wingdings" panose="05000000000000000000" charset="0"/>
+              <a:buNone/>
+            </a:pPr>
+            <a:r>
+              <a:rPr lang="en-US" sz="900" dirty="0"/>
+              <a:t>                        	    </a:t>
+            </a:r>
+            <a:r>
+              <a:rPr lang="en-US" sz="900" i="1" dirty="0">
                 <a:hlinkClick r:id="rId8"/>
               </a:rPr>
               <a:t>https://www.researchgate.net/publication/223958891_Natural_language_processing_pragmatics_and_verbal_behavior</a:t>
             </a:r>
-            <a:endParaRPr lang="en-US" dirty="0"/>
+            <a:endParaRPr lang="en-US" sz="900" i="1" dirty="0"/>
           </a:p>
           <a:p>
-            <a:endParaRPr lang="en-US" dirty="0"/>
+            <a:pPr>
+              <a:buFont typeface="Wingdings" panose="05000000000000000000" charset="0"/>
+              <a:buChar char="v"/>
+            </a:pPr>
+            <a:endParaRPr lang="en-US" sz="900" i="1" dirty="0"/>
           </a:p>
           <a:p>
-            <a:pPr marL="0" indent="0">
+            <a:pPr marL="285750" indent="-285750">
               <a:spcAft>
                 <a:spcPts val="1600"/>
               </a:spcAft>
+              <a:buFont typeface="Wingdings" panose="05000000000000000000" charset="0"/>
+              <a:buChar char="v"/>
             </a:pPr>
-            <a:endParaRPr lang="en-US" dirty="0"/>
+            <a:endParaRPr lang="en-US" sz="900" i="1" dirty="0"/>
           </a:p>
         </p:txBody>
       </p:sp>
@@ -11050,31 +11105,9 @@
             </a:pPr>
             <a:r>
               <a:rPr lang="en-US" sz="2000" dirty="0">
-                <a:latin typeface="Calibri" panose="020F0502020204030204" charset="0"/>
-                <a:cs typeface="Calibri" panose="020F0502020204030204" charset="0"/>
                 <a:sym typeface="+mn-ea"/>
               </a:rPr>
-              <a:t>Infant Cry Language Analysis and Recognition:</a:t>
-            </a:r>
-            <a:br>
-              <a:rPr lang="en-US" b="1" dirty="0">
-                <a:latin typeface="Calibri" panose="020F0502020204030204" charset="0"/>
-                <a:cs typeface="Calibri" panose="020F0502020204030204" charset="0"/>
-              </a:rPr>
-            </a:br>
-            <a:r>
-              <a:rPr lang="en-IN" altLang="en-US" dirty="0">
-                <a:sym typeface="+mn-ea"/>
-              </a:rPr>
-              <a:t>   </a:t>
-            </a:r>
-            <a:r>
-              <a:rPr lang="en-IN" altLang="en-US" dirty="0">
-                <a:latin typeface="Calibri" panose="020F0502020204030204" charset="0"/>
-                <a:cs typeface="Calibri" panose="020F0502020204030204" charset="0"/>
-                <a:sym typeface="+mn-ea"/>
-              </a:rPr>
-              <a:t> </a:t>
+              <a:t>Infant Cry Language Analysis and Recognition </a:t>
             </a:r>
             <a:endParaRPr lang="en-IN" altLang="en-US" dirty="0">
               <a:latin typeface="Calibri" panose="020F0502020204030204" charset="0"/>
@@ -11118,50 +11151,46 @@
               </a:spcAft>
               <a:buNone/>
             </a:pPr>
+            <a:endParaRPr lang="en-US" sz="1000" b="1" dirty="0">
+              <a:sym typeface="+mn-ea"/>
+            </a:endParaRPr>
+          </a:p>
+          <a:p>
+            <a:pPr marL="0" lvl="0" indent="0" algn="l" rtl="0">
+              <a:spcBef>
+                <a:spcPts val="0"/>
+              </a:spcBef>
+              <a:spcAft>
+                <a:spcPts val="1600"/>
+              </a:spcAft>
+              <a:buNone/>
+            </a:pPr>
             <a:r>
-              <a:rPr lang="en-IN" altLang="en-US" sz="1400" dirty="0">
-                <a:solidFill>
-                  <a:schemeClr val="bg2"/>
+              <a:rPr lang="en-US" sz="1000" b="1" dirty="0">
+                <a:sym typeface="+mn-ea"/>
+              </a:rPr>
+              <a:t>Determine the reason for cry of the infants may be hunger ,sleepy ,pain</a:t>
+            </a:r>
+            <a:br>
+              <a:rPr lang="en-US" sz="1000" b="1" dirty="0">
+                <a:sym typeface="+mn-ea"/>
+              </a:rPr>
+            </a:br>
+            <a:r>
+              <a:rPr lang="en-US" altLang="en-IN" sz="800" dirty="0">
+                <a:solidFill>
+                  <a:srgbClr val="0070C0"/>
                 </a:solidFill>
                 <a:latin typeface="Calibri" panose="020F0502020204030204" charset="0"/>
                 <a:cs typeface="Calibri" panose="020F0502020204030204" charset="0"/>
                 <a:sym typeface="+mn-ea"/>
               </a:rPr>
-              <a:t>Determine the reason for cry of the infants may be </a:t>
+              <a:t>	</a:t>
             </a:r>
             <a:r>
-              <a:rPr lang="en-IN" altLang="en-US" sz="1400" dirty="0" err="1">
-                <a:solidFill>
-                  <a:schemeClr val="bg2"/>
-                </a:solidFill>
-                <a:latin typeface="Calibri" panose="020F0502020204030204" charset="0"/>
-                <a:cs typeface="Calibri" panose="020F0502020204030204" charset="0"/>
-                <a:sym typeface="+mn-ea"/>
-              </a:rPr>
-              <a:t>hunger,sleepy,pain</a:t>
-            </a:r>
-            <a:r>
-              <a:rPr lang="en-IN" altLang="en-US" sz="1400" dirty="0">
-                <a:solidFill>
-                  <a:schemeClr val="bg2"/>
-                </a:solidFill>
-                <a:latin typeface="Calibri" panose="020F0502020204030204" charset="0"/>
-                <a:cs typeface="Calibri" panose="020F0502020204030204" charset="0"/>
-                <a:sym typeface="+mn-ea"/>
-              </a:rPr>
-              <a:t> </a:t>
-            </a:r>
-            <a:br>
-              <a:rPr lang="en-IN" altLang="en-US" dirty="0">
-                <a:latin typeface="Calibri" panose="020F0502020204030204" charset="0"/>
-                <a:cs typeface="Calibri" panose="020F0502020204030204" charset="0"/>
-                <a:sym typeface="+mn-ea"/>
-              </a:rPr>
-            </a:br>
-            <a:r>
-              <a:rPr lang="en-IN" altLang="en-US" dirty="0">
-                <a:solidFill>
-                  <a:srgbClr val="00B0F0"/>
+              <a:rPr lang="en-IN" altLang="en-US" sz="800" i="1" dirty="0">
+                <a:solidFill>
+                  <a:srgbClr val="0070C0"/>
                 </a:solidFill>
                 <a:latin typeface="Calibri" panose="020F0502020204030204" charset="0"/>
                 <a:cs typeface="Calibri" panose="020F0502020204030204" charset="0"/>
@@ -11169,7 +11198,7 @@
               </a:rPr>
               <a:t>https://www.pond5.com/sound-effects/tag/crying-baby/#1</a:t>
             </a:r>
-            <a:endParaRPr lang="en-IN" altLang="en-US" dirty="0">
+            <a:endParaRPr lang="en-IN" altLang="en-US" sz="800" i="1" dirty="0">
               <a:solidFill>
                 <a:srgbClr val="0070C0"/>
               </a:solidFill>
@@ -11180,6 +11209,26 @@
           </a:p>
           <a:p>
             <a:pPr marL="0" lvl="0" indent="0" algn="l" rtl="0">
+              <a:lnSpc>
+                <a:spcPct val="0"/>
+              </a:lnSpc>
+              <a:spcBef>
+                <a:spcPts val="0"/>
+              </a:spcBef>
+              <a:spcAft>
+                <a:spcPts val="1600"/>
+              </a:spcAft>
+              <a:buNone/>
+            </a:pPr>
+            <a:endParaRPr lang="en-US" sz="900" b="1" i="1" dirty="0">
+              <a:sym typeface="+mn-ea"/>
+            </a:endParaRPr>
+          </a:p>
+          <a:p>
+            <a:pPr marL="0" lvl="0" indent="0" algn="l" rtl="0">
+              <a:lnSpc>
+                <a:spcPct val="0"/>
+              </a:lnSpc>
               <a:spcBef>
                 <a:spcPts val="0"/>
               </a:spcBef>
@@ -11189,17 +11238,12 @@
               <a:buNone/>
             </a:pPr>
             <a:r>
-              <a:rPr lang="en-IN" altLang="en-US" sz="1800" b="1" dirty="0">
-                <a:solidFill>
-                  <a:schemeClr val="bg2"/>
-                </a:solidFill>
-                <a:latin typeface="Calibri" panose="020F0502020204030204" charset="0"/>
-                <a:cs typeface="Calibri" panose="020F0502020204030204" charset="0"/>
+              <a:rPr lang="en-US" sz="1000" b="1" dirty="0">
                 <a:sym typeface="+mn-ea"/>
               </a:rPr>
-              <a:t>Emojify – Create your own emoji with Deep Learning :</a:t>
+              <a:t>Emojigy -Create your own emoji with Deep Learning:</a:t>
             </a:r>
-            <a:endParaRPr lang="en-IN" altLang="en-US" sz="1800" b="1" dirty="0">
+            <a:endParaRPr lang="en-IN" altLang="en-US" sz="900" b="1" dirty="0">
               <a:solidFill>
                 <a:schemeClr val="bg2"/>
               </a:solidFill>
@@ -11211,7 +11255,7 @@
           <a:p>
             <a:pPr marL="0" lvl="0" indent="0" algn="l" rtl="0">
               <a:lnSpc>
-                <a:spcPct val="100000"/>
+                <a:spcPct val="0"/>
               </a:lnSpc>
               <a:spcBef>
                 <a:spcPts val="0"/>
@@ -11222,17 +11266,12 @@
               <a:buNone/>
             </a:pPr>
             <a:r>
-              <a:rPr lang="en-IN" altLang="en-US" sz="1400" dirty="0">
-                <a:solidFill>
-                  <a:schemeClr val="bg2"/>
-                </a:solidFill>
-                <a:latin typeface="Calibri" panose="020F0502020204030204" charset="0"/>
-                <a:cs typeface="Calibri" panose="020F0502020204030204" charset="0"/>
+              <a:rPr lang="en-US" sz="900" b="1" dirty="0">
                 <a:sym typeface="+mn-ea"/>
               </a:rPr>
-              <a:t>Get the emoji of the humans facial expression.</a:t>
+              <a:t>	Get the emoji of the humans facial expression.</a:t>
             </a:r>
-            <a:endParaRPr lang="en-IN" altLang="en-US" sz="1400" dirty="0">
+            <a:endParaRPr lang="en-IN" altLang="en-US" sz="900" dirty="0">
               <a:solidFill>
                 <a:schemeClr val="bg2"/>
               </a:solidFill>
@@ -11244,7 +11283,7 @@
           <a:p>
             <a:pPr marL="0" lvl="0" indent="0" algn="l" rtl="0">
               <a:lnSpc>
-                <a:spcPct val="100000"/>
+                <a:spcPct val="0"/>
               </a:lnSpc>
               <a:spcBef>
                 <a:spcPts val="0"/>
@@ -11255,9 +11294,20 @@
               <a:buNone/>
             </a:pPr>
             <a:r>
-              <a:rPr lang="en-IN" altLang="en-US" sz="1200" dirty="0">
-                <a:solidFill>
-                  <a:srgbClr val="00B0F0"/>
+              <a:rPr lang="en-US" altLang="en-IN" sz="800" dirty="0">
+                <a:solidFill>
+                  <a:srgbClr val="0070C0"/>
+                </a:solidFill>
+                <a:latin typeface="Calibri" panose="020F0502020204030204" charset="0"/>
+                <a:cs typeface="Calibri" panose="020F0502020204030204" charset="0"/>
+                <a:sym typeface="+mn-ea"/>
+              </a:rPr>
+              <a:t>	</a:t>
+            </a:r>
+            <a:r>
+              <a:rPr lang="en-IN" altLang="en-US" sz="800" i="1" dirty="0">
+                <a:solidFill>
+                  <a:srgbClr val="0070C0"/>
                 </a:solidFill>
                 <a:latin typeface="Calibri" panose="020F0502020204030204" charset="0"/>
                 <a:cs typeface="Calibri" panose="020F0502020204030204" charset="0"/>
@@ -11265,9 +11315,9 @@
               </a:rPr>
               <a:t>https://github.com/EvilPort2/emojify</a:t>
             </a:r>
-            <a:endParaRPr lang="en-IN" altLang="en-US" sz="1200" dirty="0">
+            <a:endParaRPr lang="en-IN" altLang="en-US" sz="800" i="1" dirty="0">
               <a:solidFill>
-                <a:srgbClr val="00B0F0"/>
+                <a:srgbClr val="0070C0"/>
               </a:solidFill>
               <a:latin typeface="Calibri" panose="020F0502020204030204" charset="0"/>
               <a:cs typeface="Calibri" panose="020F0502020204030204" charset="0"/>
@@ -11284,7 +11334,7 @@
               </a:spcAft>
               <a:buNone/>
             </a:pPr>
-            <a:endParaRPr lang="en-IN" altLang="en-US" sz="1400" b="1" dirty="0">
+            <a:endParaRPr lang="en-IN" altLang="en-US" sz="1400" b="1" i="1" dirty="0">
               <a:solidFill>
                 <a:schemeClr val="bg2"/>
               </a:solidFill>
@@ -11367,105 +11417,6 @@
               <a:latin typeface="Times New Roman" panose="02020603050405020304" charset="0"/>
               <a:cs typeface="Times New Roman" panose="02020603050405020304" charset="0"/>
             </a:endParaRPr>
-          </a:p>
-        </p:txBody>
-      </p:sp>
-    </p:spTree>
-  </p:cSld>
-  <p:clrMapOvr>
-    <a:masterClrMapping/>
-  </p:clrMapOvr>
-</p:sld>
-</file>
-
-<file path=ppt/slides/slide6.xml><?xml version="1.0" encoding="utf-8"?>
-<p:sld xmlns:a="http://schemas.openxmlformats.org/drawingml/2006/main" xmlns:r="http://schemas.openxmlformats.org/officeDocument/2006/relationships" xmlns:p="http://schemas.openxmlformats.org/presentationml/2006/main">
-  <p:cSld>
-    <p:spTree>
-      <p:nvGrpSpPr>
-        <p:cNvPr id="1" name="Shape 115"/>
-        <p:cNvGrpSpPr/>
-        <p:nvPr/>
-      </p:nvGrpSpPr>
-      <p:grpSpPr>
-        <a:xfrm>
-          <a:off x="0" y="0"/>
-          <a:ext cx="0" cy="0"/>
-          <a:chOff x="0" y="0"/>
-          <a:chExt cx="0" cy="0"/>
-        </a:xfrm>
-      </p:grpSpPr>
-      <p:sp>
-        <p:nvSpPr>
-          <p:cNvPr id="116" name="Google Shape;116;p18"/>
-          <p:cNvSpPr txBox="1">
-            <a:spLocks noGrp="1"/>
-          </p:cNvSpPr>
-          <p:nvPr>
-            <p:ph type="title"/>
-          </p:nvPr>
-        </p:nvSpPr>
-        <p:spPr>
-          <a:xfrm>
-            <a:off x="729450" y="1318650"/>
-            <a:ext cx="7688700" cy="535200"/>
-          </a:xfrm>
-          <a:prstGeom prst="rect">
-            <a:avLst/>
-          </a:prstGeom>
-        </p:spPr>
-        <p:txBody>
-          <a:bodyPr spcFirstLastPara="1" wrap="square" lIns="91425" tIns="91425" rIns="91425" bIns="91425" anchor="t" anchorCtr="0">
-            <a:noAutofit/>
-          </a:bodyPr>
-          <a:lstStyle/>
-          <a:p>
-            <a:pPr marL="0" lvl="0" indent="0" algn="l" rtl="0">
-              <a:spcBef>
-                <a:spcPts val="0"/>
-              </a:spcBef>
-              <a:spcAft>
-                <a:spcPts val="0"/>
-              </a:spcAft>
-              <a:buNone/>
-            </a:pPr>
-          </a:p>
-        </p:txBody>
-      </p:sp>
-      <p:sp>
-        <p:nvSpPr>
-          <p:cNvPr id="117" name="Google Shape;117;p18"/>
-          <p:cNvSpPr txBox="1">
-            <a:spLocks noGrp="1"/>
-          </p:cNvSpPr>
-          <p:nvPr>
-            <p:ph type="body" idx="1"/>
-          </p:nvPr>
-        </p:nvSpPr>
-        <p:spPr>
-          <a:xfrm>
-            <a:off x="729450" y="2078875"/>
-            <a:ext cx="7688700" cy="2261100"/>
-          </a:xfrm>
-          <a:prstGeom prst="rect">
-            <a:avLst/>
-          </a:prstGeom>
-        </p:spPr>
-        <p:txBody>
-          <a:bodyPr spcFirstLastPara="1" wrap="square" lIns="91425" tIns="91425" rIns="91425" bIns="91425" anchor="t" anchorCtr="0">
-            <a:noAutofit/>
-          </a:bodyPr>
-          <a:lstStyle/>
-          <a:p>
-            <a:pPr marL="0" lvl="0" indent="0" algn="l" rtl="0">
-              <a:spcBef>
-                <a:spcPts val="0"/>
-              </a:spcBef>
-              <a:spcAft>
-                <a:spcPts val="1600"/>
-              </a:spcAft>
-              <a:buNone/>
-            </a:pPr>
           </a:p>
         </p:txBody>
       </p:sp>

--- a/IDEAS FOR PROBLEM STATEMENT 4.pptx
+++ b/IDEAS FOR PROBLEM STATEMENT 4.pptx
@@ -22,29 +22,31 @@
   <p:embeddedFontLst>
     <p:embeddedFont>
       <p:font typeface="Raleway"/>
-      <p:regular r:id="rId13"/>
+      <p:bold r:id="rId13"/>
+      <p:boldItalic r:id="rId14"/>
     </p:embeddedFont>
     <p:embeddedFont>
       <p:font typeface="Lato" panose="020F0502020204030203"/>
-      <p:regular r:id="rId14"/>
+      <p:bold r:id="rId15"/>
+      <p:boldItalic r:id="rId16"/>
     </p:embeddedFont>
     <p:embeddedFont>
       <p:font typeface="Cambria" panose="02040503050406030204" charset="0"/>
-      <p:regular r:id="rId15"/>
-      <p:bold r:id="rId16"/>
-      <p:italic r:id="rId17"/>
-      <p:boldItalic r:id="rId18"/>
+      <p:regular r:id="rId17"/>
+      <p:bold r:id="rId18"/>
+      <p:italic r:id="rId19"/>
+      <p:boldItalic r:id="rId20"/>
     </p:embeddedFont>
     <p:embeddedFont>
       <p:font typeface="Gabriola" panose="04040605051002020D02" charset="0"/>
-      <p:regular r:id="rId19"/>
+      <p:regular r:id="rId21"/>
     </p:embeddedFont>
     <p:embeddedFont>
       <p:font typeface="Calibri" panose="020F0502020204030204" charset="0"/>
-      <p:regular r:id="rId20"/>
-      <p:bold r:id="rId21"/>
-      <p:italic r:id="rId22"/>
-      <p:boldItalic r:id="rId23"/>
+      <p:regular r:id="rId22"/>
+      <p:bold r:id="rId23"/>
+      <p:italic r:id="rId24"/>
+      <p:boldItalic r:id="rId25"/>
     </p:embeddedFont>
   </p:embeddedFontLst>
   <p:defaultTextStyle>
@@ -10423,7 +10425,7 @@
         <p:spPr>
           <a:xfrm>
             <a:off x="729615" y="3546475"/>
-            <a:ext cx="6811645" cy="583565"/>
+            <a:ext cx="6811645" cy="706755"/>
           </a:xfrm>
           <a:prstGeom prst="rect">
             <a:avLst/>
@@ -10524,6 +10526,41 @@
                 <a:sym typeface="+mn-ea"/>
               </a:rPr>
               <a:t>https://www.researchgate.net/publication/341711216_Sarcasm_detection_using_machine_learning_algorithms_in_Twitter_A_systematic_review</a:t>
+            </a:r>
+            <a:endParaRPr lang="en-US" sz="800" i="1">
+              <a:gradFill>
+                <a:gsLst>
+                  <a:gs pos="0">
+                    <a:srgbClr val="007BD3"/>
+                  </a:gs>
+                  <a:gs pos="100000">
+                    <a:srgbClr val="034373"/>
+                  </a:gs>
+                </a:gsLst>
+                <a:lin scaled="0"/>
+              </a:gradFill>
+              <a:sym typeface="+mn-ea"/>
+            </a:endParaRPr>
+          </a:p>
+          <a:p>
+            <a:pPr marL="146050" indent="0" algn="l">
+              <a:buNone/>
+            </a:pPr>
+            <a:r>
+              <a:rPr lang="en-US" sz="800" i="1">
+                <a:gradFill>
+                  <a:gsLst>
+                    <a:gs pos="0">
+                      <a:srgbClr val="007BD3"/>
+                    </a:gs>
+                    <a:gs pos="100000">
+                      <a:srgbClr val="034373"/>
+                    </a:gs>
+                  </a:gsLst>
+                  <a:lin scaled="0"/>
+                </a:gradFill>
+              </a:rPr>
+              <a:t>https://sentic.net/sarcasm-detection-with-deep-convolutional-neural-networks.pdf</a:t>
             </a:r>
             <a:endParaRPr lang="en-US" sz="800" i="1">
               <a:gradFill>
@@ -10652,7 +10689,6 @@
             </a:pPr>
             <a:r>
               <a:rPr lang="en-US" dirty="0">
-                <a:ln/>
                 <a:solidFill>
                   <a:schemeClr val="bg2"/>
                 </a:solidFill>
@@ -10668,7 +10704,6 @@
             </a:r>
             <a:br>
               <a:rPr lang="en-US" dirty="0">
-                <a:ln/>
                 <a:solidFill>
                   <a:schemeClr val="bg2"/>
                 </a:solidFill>
@@ -10683,7 +10718,6 @@
               </a:rPr>
             </a:br>
             <a:endParaRPr lang="en-US" dirty="0">
-              <a:ln/>
               <a:solidFill>
                 <a:schemeClr val="bg2"/>
               </a:solidFill>

--- a/IDEAS FOR PROBLEM STATEMENT 4.pptx
+++ b/IDEAS FOR PROBLEM STATEMENT 4.pptx
@@ -21,12 +21,12 @@
   <p:notesSz cx="6858000" cy="9144000"/>
   <p:embeddedFontLst>
     <p:embeddedFont>
-      <p:font typeface="Raleway"/>
+      <p:font typeface="Raleway" panose="020B0704020202020204"/>
       <p:bold r:id="rId13"/>
       <p:boldItalic r:id="rId14"/>
     </p:embeddedFont>
     <p:embeddedFont>
-      <p:font typeface="Lato" panose="020F0502020204030203"/>
+      <p:font typeface="Lato" panose="020B0704020202020204"/>
       <p:bold r:id="rId15"/>
       <p:boldItalic r:id="rId16"/>
     </p:embeddedFont>
@@ -6600,13 +6600,13 @@
                 <a:spcPts val="0"/>
               </a:spcAft>
               <a:buSzPts val="2800"/>
-              <a:buFont typeface="Raleway"/>
+              <a:buFont typeface="Raleway" panose="020B0704020202020204"/>
               <a:buNone/>
               <a:defRPr sz="2800" b="1">
-                <a:latin typeface="Raleway"/>
-                <a:ea typeface="Raleway"/>
-                <a:cs typeface="Raleway"/>
-                <a:sym typeface="Raleway"/>
+                <a:latin typeface="Raleway" panose="020B0704020202020204"/>
+                <a:ea typeface="Raleway" panose="020B0704020202020204"/>
+                <a:cs typeface="Raleway" panose="020B0704020202020204"/>
+                <a:sym typeface="Raleway" panose="020B0704020202020204"/>
               </a:defRPr>
             </a:lvl1pPr>
             <a:lvl2pPr lvl="1">
@@ -6617,13 +6617,13 @@
                 <a:spcPts val="0"/>
               </a:spcAft>
               <a:buSzPts val="2800"/>
-              <a:buFont typeface="Raleway"/>
+              <a:buFont typeface="Raleway" panose="020B0704020202020204"/>
               <a:buNone/>
               <a:defRPr sz="2800" b="1">
-                <a:latin typeface="Raleway"/>
-                <a:ea typeface="Raleway"/>
-                <a:cs typeface="Raleway"/>
-                <a:sym typeface="Raleway"/>
+                <a:latin typeface="Raleway" panose="020B0704020202020204"/>
+                <a:ea typeface="Raleway" panose="020B0704020202020204"/>
+                <a:cs typeface="Raleway" panose="020B0704020202020204"/>
+                <a:sym typeface="Raleway" panose="020B0704020202020204"/>
               </a:defRPr>
             </a:lvl2pPr>
             <a:lvl3pPr lvl="2">
@@ -6634,13 +6634,13 @@
                 <a:spcPts val="0"/>
               </a:spcAft>
               <a:buSzPts val="2800"/>
-              <a:buFont typeface="Raleway"/>
+              <a:buFont typeface="Raleway" panose="020B0704020202020204"/>
               <a:buNone/>
               <a:defRPr sz="2800" b="1">
-                <a:latin typeface="Raleway"/>
-                <a:ea typeface="Raleway"/>
-                <a:cs typeface="Raleway"/>
-                <a:sym typeface="Raleway"/>
+                <a:latin typeface="Raleway" panose="020B0704020202020204"/>
+                <a:ea typeface="Raleway" panose="020B0704020202020204"/>
+                <a:cs typeface="Raleway" panose="020B0704020202020204"/>
+                <a:sym typeface="Raleway" panose="020B0704020202020204"/>
               </a:defRPr>
             </a:lvl3pPr>
             <a:lvl4pPr lvl="3">
@@ -6651,13 +6651,13 @@
                 <a:spcPts val="0"/>
               </a:spcAft>
               <a:buSzPts val="2800"/>
-              <a:buFont typeface="Raleway"/>
+              <a:buFont typeface="Raleway" panose="020B0704020202020204"/>
               <a:buNone/>
               <a:defRPr sz="2800" b="1">
-                <a:latin typeface="Raleway"/>
-                <a:ea typeface="Raleway"/>
-                <a:cs typeface="Raleway"/>
-                <a:sym typeface="Raleway"/>
+                <a:latin typeface="Raleway" panose="020B0704020202020204"/>
+                <a:ea typeface="Raleway" panose="020B0704020202020204"/>
+                <a:cs typeface="Raleway" panose="020B0704020202020204"/>
+                <a:sym typeface="Raleway" panose="020B0704020202020204"/>
               </a:defRPr>
             </a:lvl4pPr>
             <a:lvl5pPr lvl="4">
@@ -6668,13 +6668,13 @@
                 <a:spcPts val="0"/>
               </a:spcAft>
               <a:buSzPts val="2800"/>
-              <a:buFont typeface="Raleway"/>
+              <a:buFont typeface="Raleway" panose="020B0704020202020204"/>
               <a:buNone/>
               <a:defRPr sz="2800" b="1">
-                <a:latin typeface="Raleway"/>
-                <a:ea typeface="Raleway"/>
-                <a:cs typeface="Raleway"/>
-                <a:sym typeface="Raleway"/>
+                <a:latin typeface="Raleway" panose="020B0704020202020204"/>
+                <a:ea typeface="Raleway" panose="020B0704020202020204"/>
+                <a:cs typeface="Raleway" panose="020B0704020202020204"/>
+                <a:sym typeface="Raleway" panose="020B0704020202020204"/>
               </a:defRPr>
             </a:lvl5pPr>
             <a:lvl6pPr lvl="5">
@@ -6685,13 +6685,13 @@
                 <a:spcPts val="0"/>
               </a:spcAft>
               <a:buSzPts val="2800"/>
-              <a:buFont typeface="Raleway"/>
+              <a:buFont typeface="Raleway" panose="020B0704020202020204"/>
               <a:buNone/>
               <a:defRPr sz="2800" b="1">
-                <a:latin typeface="Raleway"/>
-                <a:ea typeface="Raleway"/>
-                <a:cs typeface="Raleway"/>
-                <a:sym typeface="Raleway"/>
+                <a:latin typeface="Raleway" panose="020B0704020202020204"/>
+                <a:ea typeface="Raleway" panose="020B0704020202020204"/>
+                <a:cs typeface="Raleway" panose="020B0704020202020204"/>
+                <a:sym typeface="Raleway" panose="020B0704020202020204"/>
               </a:defRPr>
             </a:lvl6pPr>
             <a:lvl7pPr lvl="6">
@@ -6702,13 +6702,13 @@
                 <a:spcPts val="0"/>
               </a:spcAft>
               <a:buSzPts val="2800"/>
-              <a:buFont typeface="Raleway"/>
+              <a:buFont typeface="Raleway" panose="020B0704020202020204"/>
               <a:buNone/>
               <a:defRPr sz="2800" b="1">
-                <a:latin typeface="Raleway"/>
-                <a:ea typeface="Raleway"/>
-                <a:cs typeface="Raleway"/>
-                <a:sym typeface="Raleway"/>
+                <a:latin typeface="Raleway" panose="020B0704020202020204"/>
+                <a:ea typeface="Raleway" panose="020B0704020202020204"/>
+                <a:cs typeface="Raleway" panose="020B0704020202020204"/>
+                <a:sym typeface="Raleway" panose="020B0704020202020204"/>
               </a:defRPr>
             </a:lvl7pPr>
             <a:lvl8pPr lvl="7">
@@ -6719,13 +6719,13 @@
                 <a:spcPts val="0"/>
               </a:spcAft>
               <a:buSzPts val="2800"/>
-              <a:buFont typeface="Raleway"/>
+              <a:buFont typeface="Raleway" panose="020B0704020202020204"/>
               <a:buNone/>
               <a:defRPr sz="2800" b="1">
-                <a:latin typeface="Raleway"/>
-                <a:ea typeface="Raleway"/>
-                <a:cs typeface="Raleway"/>
-                <a:sym typeface="Raleway"/>
+                <a:latin typeface="Raleway" panose="020B0704020202020204"/>
+                <a:ea typeface="Raleway" panose="020B0704020202020204"/>
+                <a:cs typeface="Raleway" panose="020B0704020202020204"/>
+                <a:sym typeface="Raleway" panose="020B0704020202020204"/>
               </a:defRPr>
             </a:lvl8pPr>
             <a:lvl9pPr lvl="8">
@@ -6736,13 +6736,13 @@
                 <a:spcPts val="0"/>
               </a:spcAft>
               <a:buSzPts val="2800"/>
-              <a:buFont typeface="Raleway"/>
+              <a:buFont typeface="Raleway" panose="020B0704020202020204"/>
               <a:buNone/>
               <a:defRPr sz="2800" b="1">
-                <a:latin typeface="Raleway"/>
-                <a:ea typeface="Raleway"/>
-                <a:cs typeface="Raleway"/>
-                <a:sym typeface="Raleway"/>
+                <a:latin typeface="Raleway" panose="020B0704020202020204"/>
+                <a:ea typeface="Raleway" panose="020B0704020202020204"/>
+                <a:cs typeface="Raleway" panose="020B0704020202020204"/>
+                <a:sym typeface="Raleway" panose="020B0704020202020204"/>
               </a:defRPr>
             </a:lvl9pPr>
           </a:lstStyle>
@@ -6791,16 +6791,16 @@
                 <a:schemeClr val="accent1"/>
               </a:buClr>
               <a:buSzPts val="1300"/>
-              <a:buFont typeface="Lato" panose="020F0502020204030203"/>
+              <a:buFont typeface="Lato" panose="020B0704020202020204"/>
               <a:buChar char="●"/>
               <a:defRPr sz="1300">
                 <a:solidFill>
                   <a:schemeClr val="accent1"/>
                 </a:solidFill>
-                <a:latin typeface="Lato" panose="020F0502020204030203"/>
-                <a:ea typeface="Lato" panose="020F0502020204030203"/>
-                <a:cs typeface="Lato" panose="020F0502020204030203"/>
-                <a:sym typeface="Lato" panose="020F0502020204030203"/>
+                <a:latin typeface="Lato" panose="020B0704020202020204"/>
+                <a:ea typeface="Lato" panose="020B0704020202020204"/>
+                <a:cs typeface="Lato" panose="020B0704020202020204"/>
+                <a:sym typeface="Lato" panose="020B0704020202020204"/>
               </a:defRPr>
             </a:lvl1pPr>
             <a:lvl2pPr marL="914400" lvl="1" indent="-298450">
@@ -6817,16 +6817,16 @@
                 <a:schemeClr val="accent1"/>
               </a:buClr>
               <a:buSzPts val="1100"/>
-              <a:buFont typeface="Lato" panose="020F0502020204030203"/>
+              <a:buFont typeface="Lato" panose="020B0704020202020204"/>
               <a:buChar char="○"/>
               <a:defRPr sz="1100">
                 <a:solidFill>
                   <a:schemeClr val="accent1"/>
                 </a:solidFill>
-                <a:latin typeface="Lato" panose="020F0502020204030203"/>
-                <a:ea typeface="Lato" panose="020F0502020204030203"/>
-                <a:cs typeface="Lato" panose="020F0502020204030203"/>
-                <a:sym typeface="Lato" panose="020F0502020204030203"/>
+                <a:latin typeface="Lato" panose="020B0704020202020204"/>
+                <a:ea typeface="Lato" panose="020B0704020202020204"/>
+                <a:cs typeface="Lato" panose="020B0704020202020204"/>
+                <a:sym typeface="Lato" panose="020B0704020202020204"/>
               </a:defRPr>
             </a:lvl2pPr>
             <a:lvl3pPr marL="1371600" lvl="2" indent="-298450">
@@ -6843,16 +6843,16 @@
                 <a:schemeClr val="accent1"/>
               </a:buClr>
               <a:buSzPts val="1100"/>
-              <a:buFont typeface="Lato" panose="020F0502020204030203"/>
+              <a:buFont typeface="Lato" panose="020B0704020202020204"/>
               <a:buChar char="■"/>
               <a:defRPr sz="1100">
                 <a:solidFill>
                   <a:schemeClr val="accent1"/>
                 </a:solidFill>
-                <a:latin typeface="Lato" panose="020F0502020204030203"/>
-                <a:ea typeface="Lato" panose="020F0502020204030203"/>
-                <a:cs typeface="Lato" panose="020F0502020204030203"/>
-                <a:sym typeface="Lato" panose="020F0502020204030203"/>
+                <a:latin typeface="Lato" panose="020B0704020202020204"/>
+                <a:ea typeface="Lato" panose="020B0704020202020204"/>
+                <a:cs typeface="Lato" panose="020B0704020202020204"/>
+                <a:sym typeface="Lato" panose="020B0704020202020204"/>
               </a:defRPr>
             </a:lvl3pPr>
             <a:lvl4pPr marL="1828800" lvl="3" indent="-298450">
@@ -6869,16 +6869,16 @@
                 <a:schemeClr val="accent1"/>
               </a:buClr>
               <a:buSzPts val="1100"/>
-              <a:buFont typeface="Lato" panose="020F0502020204030203"/>
+              <a:buFont typeface="Lato" panose="020B0704020202020204"/>
               <a:buChar char="●"/>
               <a:defRPr sz="1100">
                 <a:solidFill>
                   <a:schemeClr val="accent1"/>
                 </a:solidFill>
-                <a:latin typeface="Lato" panose="020F0502020204030203"/>
-                <a:ea typeface="Lato" panose="020F0502020204030203"/>
-                <a:cs typeface="Lato" panose="020F0502020204030203"/>
-                <a:sym typeface="Lato" panose="020F0502020204030203"/>
+                <a:latin typeface="Lato" panose="020B0704020202020204"/>
+                <a:ea typeface="Lato" panose="020B0704020202020204"/>
+                <a:cs typeface="Lato" panose="020B0704020202020204"/>
+                <a:sym typeface="Lato" panose="020B0704020202020204"/>
               </a:defRPr>
             </a:lvl4pPr>
             <a:lvl5pPr marL="2286000" lvl="4" indent="-298450">
@@ -6895,16 +6895,16 @@
                 <a:schemeClr val="accent1"/>
               </a:buClr>
               <a:buSzPts val="1100"/>
-              <a:buFont typeface="Lato" panose="020F0502020204030203"/>
+              <a:buFont typeface="Lato" panose="020B0704020202020204"/>
               <a:buChar char="○"/>
               <a:defRPr sz="1100">
                 <a:solidFill>
                   <a:schemeClr val="accent1"/>
                 </a:solidFill>
-                <a:latin typeface="Lato" panose="020F0502020204030203"/>
-                <a:ea typeface="Lato" panose="020F0502020204030203"/>
-                <a:cs typeface="Lato" panose="020F0502020204030203"/>
-                <a:sym typeface="Lato" panose="020F0502020204030203"/>
+                <a:latin typeface="Lato" panose="020B0704020202020204"/>
+                <a:ea typeface="Lato" panose="020B0704020202020204"/>
+                <a:cs typeface="Lato" panose="020B0704020202020204"/>
+                <a:sym typeface="Lato" panose="020B0704020202020204"/>
               </a:defRPr>
             </a:lvl5pPr>
             <a:lvl6pPr marL="2743200" lvl="5" indent="-298450">
@@ -6921,16 +6921,16 @@
                 <a:schemeClr val="accent1"/>
               </a:buClr>
               <a:buSzPts val="1100"/>
-              <a:buFont typeface="Lato" panose="020F0502020204030203"/>
+              <a:buFont typeface="Lato" panose="020B0704020202020204"/>
               <a:buChar char="■"/>
               <a:defRPr sz="1100">
                 <a:solidFill>
                   <a:schemeClr val="accent1"/>
                 </a:solidFill>
-                <a:latin typeface="Lato" panose="020F0502020204030203"/>
-                <a:ea typeface="Lato" panose="020F0502020204030203"/>
-                <a:cs typeface="Lato" panose="020F0502020204030203"/>
-                <a:sym typeface="Lato" panose="020F0502020204030203"/>
+                <a:latin typeface="Lato" panose="020B0704020202020204"/>
+                <a:ea typeface="Lato" panose="020B0704020202020204"/>
+                <a:cs typeface="Lato" panose="020B0704020202020204"/>
+                <a:sym typeface="Lato" panose="020B0704020202020204"/>
               </a:defRPr>
             </a:lvl6pPr>
             <a:lvl7pPr marL="3200400" lvl="6" indent="-298450">
@@ -6947,16 +6947,16 @@
                 <a:schemeClr val="accent1"/>
               </a:buClr>
               <a:buSzPts val="1100"/>
-              <a:buFont typeface="Lato" panose="020F0502020204030203"/>
+              <a:buFont typeface="Lato" panose="020B0704020202020204"/>
               <a:buChar char="●"/>
               <a:defRPr sz="1100">
                 <a:solidFill>
                   <a:schemeClr val="accent1"/>
                 </a:solidFill>
-                <a:latin typeface="Lato" panose="020F0502020204030203"/>
-                <a:ea typeface="Lato" panose="020F0502020204030203"/>
-                <a:cs typeface="Lato" panose="020F0502020204030203"/>
-                <a:sym typeface="Lato" panose="020F0502020204030203"/>
+                <a:latin typeface="Lato" panose="020B0704020202020204"/>
+                <a:ea typeface="Lato" panose="020B0704020202020204"/>
+                <a:cs typeface="Lato" panose="020B0704020202020204"/>
+                <a:sym typeface="Lato" panose="020B0704020202020204"/>
               </a:defRPr>
             </a:lvl7pPr>
             <a:lvl8pPr marL="3657600" lvl="7" indent="-298450">
@@ -6973,16 +6973,16 @@
                 <a:schemeClr val="accent1"/>
               </a:buClr>
               <a:buSzPts val="1100"/>
-              <a:buFont typeface="Lato" panose="020F0502020204030203"/>
+              <a:buFont typeface="Lato" panose="020B0704020202020204"/>
               <a:buChar char="○"/>
               <a:defRPr sz="1100">
                 <a:solidFill>
                   <a:schemeClr val="accent1"/>
                 </a:solidFill>
-                <a:latin typeface="Lato" panose="020F0502020204030203"/>
-                <a:ea typeface="Lato" panose="020F0502020204030203"/>
-                <a:cs typeface="Lato" panose="020F0502020204030203"/>
-                <a:sym typeface="Lato" panose="020F0502020204030203"/>
+                <a:latin typeface="Lato" panose="020B0704020202020204"/>
+                <a:ea typeface="Lato" panose="020B0704020202020204"/>
+                <a:cs typeface="Lato" panose="020B0704020202020204"/>
+                <a:sym typeface="Lato" panose="020B0704020202020204"/>
               </a:defRPr>
             </a:lvl8pPr>
             <a:lvl9pPr marL="4114800" lvl="8" indent="-298450">
@@ -6999,16 +6999,16 @@
                 <a:schemeClr val="accent1"/>
               </a:buClr>
               <a:buSzPts val="1100"/>
-              <a:buFont typeface="Lato" panose="020F0502020204030203"/>
+              <a:buFont typeface="Lato" panose="020B0704020202020204"/>
               <a:buChar char="■"/>
               <a:defRPr sz="1100">
                 <a:solidFill>
                   <a:schemeClr val="accent1"/>
                 </a:solidFill>
-                <a:latin typeface="Lato" panose="020F0502020204030203"/>
-                <a:ea typeface="Lato" panose="020F0502020204030203"/>
-                <a:cs typeface="Lato" panose="020F0502020204030203"/>
-                <a:sym typeface="Lato" panose="020F0502020204030203"/>
+                <a:latin typeface="Lato" panose="020B0704020202020204"/>
+                <a:ea typeface="Lato" panose="020B0704020202020204"/>
+                <a:cs typeface="Lato" panose="020B0704020202020204"/>
+                <a:sym typeface="Lato" panose="020B0704020202020204"/>
               </a:defRPr>
             </a:lvl9pPr>
           </a:lstStyle>
@@ -7049,10 +7049,10 @@
                 <a:solidFill>
                   <a:schemeClr val="accent1"/>
                 </a:solidFill>
-                <a:latin typeface="Lato" panose="020F0502020204030203"/>
-                <a:ea typeface="Lato" panose="020F0502020204030203"/>
-                <a:cs typeface="Lato" panose="020F0502020204030203"/>
-                <a:sym typeface="Lato" panose="020F0502020204030203"/>
+                <a:latin typeface="Lato" panose="020B0704020202020204"/>
+                <a:ea typeface="Lato" panose="020B0704020202020204"/>
+                <a:cs typeface="Lato" panose="020B0704020202020204"/>
+                <a:sym typeface="Lato" panose="020B0704020202020204"/>
               </a:defRPr>
             </a:lvl1pPr>
             <a:lvl2pPr lvl="1" algn="r">
@@ -7061,10 +7061,10 @@
                 <a:solidFill>
                   <a:schemeClr val="accent1"/>
                 </a:solidFill>
-                <a:latin typeface="Lato" panose="020F0502020204030203"/>
-                <a:ea typeface="Lato" panose="020F0502020204030203"/>
-                <a:cs typeface="Lato" panose="020F0502020204030203"/>
-                <a:sym typeface="Lato" panose="020F0502020204030203"/>
+                <a:latin typeface="Lato" panose="020B0704020202020204"/>
+                <a:ea typeface="Lato" panose="020B0704020202020204"/>
+                <a:cs typeface="Lato" panose="020B0704020202020204"/>
+                <a:sym typeface="Lato" panose="020B0704020202020204"/>
               </a:defRPr>
             </a:lvl2pPr>
             <a:lvl3pPr lvl="2" algn="r">
@@ -7073,10 +7073,10 @@
                 <a:solidFill>
                   <a:schemeClr val="accent1"/>
                 </a:solidFill>
-                <a:latin typeface="Lato" panose="020F0502020204030203"/>
-                <a:ea typeface="Lato" panose="020F0502020204030203"/>
-                <a:cs typeface="Lato" panose="020F0502020204030203"/>
-                <a:sym typeface="Lato" panose="020F0502020204030203"/>
+                <a:latin typeface="Lato" panose="020B0704020202020204"/>
+                <a:ea typeface="Lato" panose="020B0704020202020204"/>
+                <a:cs typeface="Lato" panose="020B0704020202020204"/>
+                <a:sym typeface="Lato" panose="020B0704020202020204"/>
               </a:defRPr>
             </a:lvl3pPr>
             <a:lvl4pPr lvl="3" algn="r">
@@ -7085,10 +7085,10 @@
                 <a:solidFill>
                   <a:schemeClr val="accent1"/>
                 </a:solidFill>
-                <a:latin typeface="Lato" panose="020F0502020204030203"/>
-                <a:ea typeface="Lato" panose="020F0502020204030203"/>
-                <a:cs typeface="Lato" panose="020F0502020204030203"/>
-                <a:sym typeface="Lato" panose="020F0502020204030203"/>
+                <a:latin typeface="Lato" panose="020B0704020202020204"/>
+                <a:ea typeface="Lato" panose="020B0704020202020204"/>
+                <a:cs typeface="Lato" panose="020B0704020202020204"/>
+                <a:sym typeface="Lato" panose="020B0704020202020204"/>
               </a:defRPr>
             </a:lvl4pPr>
             <a:lvl5pPr lvl="4" algn="r">
@@ -7097,10 +7097,10 @@
                 <a:solidFill>
                   <a:schemeClr val="accent1"/>
                 </a:solidFill>
-                <a:latin typeface="Lato" panose="020F0502020204030203"/>
-                <a:ea typeface="Lato" panose="020F0502020204030203"/>
-                <a:cs typeface="Lato" panose="020F0502020204030203"/>
-                <a:sym typeface="Lato" panose="020F0502020204030203"/>
+                <a:latin typeface="Lato" panose="020B0704020202020204"/>
+                <a:ea typeface="Lato" panose="020B0704020202020204"/>
+                <a:cs typeface="Lato" panose="020B0704020202020204"/>
+                <a:sym typeface="Lato" panose="020B0704020202020204"/>
               </a:defRPr>
             </a:lvl5pPr>
             <a:lvl6pPr lvl="5" algn="r">
@@ -7109,10 +7109,10 @@
                 <a:solidFill>
                   <a:schemeClr val="accent1"/>
                 </a:solidFill>
-                <a:latin typeface="Lato" panose="020F0502020204030203"/>
-                <a:ea typeface="Lato" panose="020F0502020204030203"/>
-                <a:cs typeface="Lato" panose="020F0502020204030203"/>
-                <a:sym typeface="Lato" panose="020F0502020204030203"/>
+                <a:latin typeface="Lato" panose="020B0704020202020204"/>
+                <a:ea typeface="Lato" panose="020B0704020202020204"/>
+                <a:cs typeface="Lato" panose="020B0704020202020204"/>
+                <a:sym typeface="Lato" panose="020B0704020202020204"/>
               </a:defRPr>
             </a:lvl6pPr>
             <a:lvl7pPr lvl="6" algn="r">
@@ -7121,10 +7121,10 @@
                 <a:solidFill>
                   <a:schemeClr val="accent1"/>
                 </a:solidFill>
-                <a:latin typeface="Lato" panose="020F0502020204030203"/>
-                <a:ea typeface="Lato" panose="020F0502020204030203"/>
-                <a:cs typeface="Lato" panose="020F0502020204030203"/>
-                <a:sym typeface="Lato" panose="020F0502020204030203"/>
+                <a:latin typeface="Lato" panose="020B0704020202020204"/>
+                <a:ea typeface="Lato" panose="020B0704020202020204"/>
+                <a:cs typeface="Lato" panose="020B0704020202020204"/>
+                <a:sym typeface="Lato" panose="020B0704020202020204"/>
               </a:defRPr>
             </a:lvl7pPr>
             <a:lvl8pPr lvl="7" algn="r">
@@ -7133,10 +7133,10 @@
                 <a:solidFill>
                   <a:schemeClr val="accent1"/>
                 </a:solidFill>
-                <a:latin typeface="Lato" panose="020F0502020204030203"/>
-                <a:ea typeface="Lato" panose="020F0502020204030203"/>
-                <a:cs typeface="Lato" panose="020F0502020204030203"/>
-                <a:sym typeface="Lato" panose="020F0502020204030203"/>
+                <a:latin typeface="Lato" panose="020B0704020202020204"/>
+                <a:ea typeface="Lato" panose="020B0704020202020204"/>
+                <a:cs typeface="Lato" panose="020B0704020202020204"/>
+                <a:sym typeface="Lato" panose="020B0704020202020204"/>
               </a:defRPr>
             </a:lvl8pPr>
             <a:lvl9pPr lvl="8" algn="r">
@@ -7145,10 +7145,10 @@
                 <a:solidFill>
                   <a:schemeClr val="accent1"/>
                 </a:solidFill>
-                <a:latin typeface="Lato" panose="020F0502020204030203"/>
-                <a:ea typeface="Lato" panose="020F0502020204030203"/>
-                <a:cs typeface="Lato" panose="020F0502020204030203"/>
-                <a:sym typeface="Lato" panose="020F0502020204030203"/>
+                <a:latin typeface="Lato" panose="020B0704020202020204"/>
+                <a:ea typeface="Lato" panose="020B0704020202020204"/>
+                <a:cs typeface="Lato" panose="020B0704020202020204"/>
+                <a:sym typeface="Lato" panose="020B0704020202020204"/>
               </a:defRPr>
             </a:lvl9pPr>
           </a:lstStyle>
@@ -10424,7 +10424,7 @@
         </p:nvSpPr>
         <p:spPr>
           <a:xfrm>
-            <a:off x="729615" y="3546475"/>
+            <a:off x="729615" y="3782060"/>
             <a:ext cx="6811645" cy="706755"/>
           </a:xfrm>
           <a:prstGeom prst="rect">
@@ -10700,7 +10700,7 @@
                   </a:outerShdw>
                 </a:effectLst>
               </a:rPr>
-              <a:t>Nueral Integration of Speaker and Message</a:t>
+              <a:t>Neural Integration of Speaker and Message</a:t>
             </a:r>
             <a:br>
               <a:rPr lang="en-US" dirty="0">

--- a/IDEAS FOR PROBLEM STATEMENT 4.pptx
+++ b/IDEAS FOR PROBLEM STATEMENT 4.pptx
@@ -5,48 +5,49 @@
     <p:sldMasterId id="2147483648" r:id="rId1"/>
   </p:sldMasterIdLst>
   <p:notesMasterIdLst>
-    <p:notesMasterId r:id="rId4"/>
+    <p:notesMasterId r:id="rId8"/>
   </p:notesMasterIdLst>
   <p:handoutMasterIdLst>
     <p:handoutMasterId r:id="rId9"/>
   </p:handoutMasterIdLst>
   <p:sldIdLst>
-    <p:sldId id="256" r:id="rId3"/>
-    <p:sldId id="265" r:id="rId5"/>
-    <p:sldId id="266" r:id="rId6"/>
-    <p:sldId id="262" r:id="rId7"/>
-    <p:sldId id="260" r:id="rId8"/>
+    <p:sldId id="256" r:id="rId2"/>
+    <p:sldId id="265" r:id="rId3"/>
+    <p:sldId id="266" r:id="rId4"/>
+    <p:sldId id="262" r:id="rId5"/>
+    <p:sldId id="260" r:id="rId6"/>
+    <p:sldId id="267" r:id="rId7"/>
   </p:sldIdLst>
   <p:sldSz cx="9144000" cy="5143500" type="screen16x9"/>
   <p:notesSz cx="6858000" cy="9144000"/>
   <p:embeddedFontLst>
     <p:embeddedFont>
-      <p:font typeface="Raleway" panose="020B0704020202020204"/>
-      <p:bold r:id="rId13"/>
-      <p:boldItalic r:id="rId14"/>
+      <p:font typeface="Calibri" panose="020F0502020204030204" pitchFamily="34" charset="0"/>
+      <p:regular r:id="rId10"/>
+      <p:bold r:id="rId11"/>
+      <p:italic r:id="rId12"/>
+      <p:boldItalic r:id="rId13"/>
     </p:embeddedFont>
     <p:embeddedFont>
-      <p:font typeface="Lato" panose="020B0704020202020204"/>
+      <p:font typeface="Cambria" panose="02040503050406030204" pitchFamily="18" charset="0"/>
+      <p:regular r:id="rId14"/>
       <p:bold r:id="rId15"/>
-      <p:boldItalic r:id="rId16"/>
+      <p:italic r:id="rId16"/>
+      <p:boldItalic r:id="rId17"/>
     </p:embeddedFont>
     <p:embeddedFont>
-      <p:font typeface="Cambria" panose="02040503050406030204" charset="0"/>
-      <p:regular r:id="rId17"/>
-      <p:bold r:id="rId18"/>
-      <p:italic r:id="rId19"/>
+      <p:font typeface="Gabriola" panose="04040605051002020D02" pitchFamily="82" charset="0"/>
+      <p:regular r:id="rId18"/>
+    </p:embeddedFont>
+    <p:embeddedFont>
+      <p:font typeface="Lato" panose="020B0604020202020204" charset="0"/>
+      <p:bold r:id="rId19"/>
       <p:boldItalic r:id="rId20"/>
     </p:embeddedFont>
     <p:embeddedFont>
-      <p:font typeface="Gabriola" panose="04040605051002020D02" charset="0"/>
-      <p:regular r:id="rId21"/>
-    </p:embeddedFont>
-    <p:embeddedFont>
-      <p:font typeface="Calibri" panose="020F0502020204030204" charset="0"/>
-      <p:regular r:id="rId22"/>
-      <p:bold r:id="rId23"/>
-      <p:italic r:id="rId24"/>
-      <p:boldItalic r:id="rId25"/>
+      <p:font typeface="Raleway" panose="020B0604020202020204" charset="0"/>
+      <p:bold r:id="rId21"/>
+      <p:boldItalic r:id="rId22"/>
     </p:embeddedFont>
   </p:embeddedFontLst>
   <p:defaultTextStyle>
@@ -278,6 +279,22 @@
       </a:defRPr>
     </a:lvl9pPr>
   </p:defaultTextStyle>
+  <p:extLst>
+    <p:ext uri="{EFAFB233-063F-42B5-8137-9DF3F51BA10A}">
+      <p15:sldGuideLst xmlns:p15="http://schemas.microsoft.com/office/powerpoint/2012/main">
+        <p15:guide id="1" orient="horz" pos="1619">
+          <p15:clr>
+            <a:srgbClr val="A4A3A4"/>
+          </p15:clr>
+        </p15:guide>
+        <p15:guide id="2" pos="2881">
+          <p15:clr>
+            <a:srgbClr val="A4A3A4"/>
+          </p15:clr>
+        </p15:guide>
+      </p15:sldGuideLst>
+    </p:ext>
+  </p:extLst>
 </p:presentation>
 </file>
 
@@ -363,6 +380,7 @@
           <a:p>
             <a:fld id="{696C064A-D61B-4B21-B757-51A9B82445B8}" type="datetimeFigureOut">
               <a:rPr lang="en-US" smtClean="0"/>
+              <a:t>10/8/2020</a:t>
             </a:fld>
             <a:endParaRPr lang="en-US"/>
           </a:p>
@@ -399,7 +417,6 @@
               <a:rPr lang="en-US"/>
               <a:t>Sakshi</a:t>
             </a:r>
-            <a:endParaRPr lang="en-US"/>
           </a:p>
         </p:txBody>
       </p:sp>
@@ -432,12 +449,18 @@
           <a:p>
             <a:fld id="{50305E07-67EA-4042-A3F6-853A8AD8D209}" type="slidenum">
               <a:rPr lang="en-US" smtClean="0"/>
+              <a:t>‹#›</a:t>
             </a:fld>
             <a:endParaRPr lang="en-US"/>
           </a:p>
         </p:txBody>
       </p:sp>
     </p:spTree>
+    <p:extLst>
+      <p:ext uri="{BB962C8B-B14F-4D97-AF65-F5344CB8AC3E}">
+        <p14:creationId xmlns:p14="http://schemas.microsoft.com/office/powerpoint/2010/main" val="1"/>
+      </p:ext>
+    </p:extLst>
   </p:cSld>
   <p:clrMap bg1="lt1" tx1="dk1" bg2="lt2" tx2="dk2" accent1="accent1" accent2="accent2" accent3="accent3" accent4="accent4" accent5="accent5" accent6="accent6" hlink="hlink" folHlink="folHlink"/>
   <p:hf sldNum="0" hdr="0" dt="0"/>
@@ -645,7 +668,9 @@
               <a:defRPr sz="1100"/>
             </a:lvl9pPr>
           </a:lstStyle>
-          <a:p/>
+          <a:p>
+            <a:endParaRPr/>
+          </a:p>
         </p:txBody>
       </p:sp>
     </p:spTree>
@@ -885,7 +910,7 @@
 </file>
 
 <file path=ppt/notesSlides/notesSlide1.xml><?xml version="1.0" encoding="utf-8"?>
-<p:notes xmlns:a="http://schemas.openxmlformats.org/drawingml/2006/main" xmlns:r="http://schemas.openxmlformats.org/officeDocument/2006/relationships" xmlns:p="http://schemas.openxmlformats.org/presentationml/2006/main" showMasterPhAnim="0" showMasterSp="0">
+<p:notes xmlns:a="http://schemas.openxmlformats.org/drawingml/2006/main" xmlns:r="http://schemas.openxmlformats.org/officeDocument/2006/relationships" xmlns:p="http://schemas.openxmlformats.org/presentationml/2006/main" showMasterSp="0" showMasterPhAnim="0">
   <p:cSld>
     <p:spTree>
       <p:nvGrpSpPr>
@@ -976,6 +1001,7 @@
               </a:spcAft>
               <a:buNone/>
             </a:pPr>
+            <a:endParaRPr/>
           </a:p>
         </p:txBody>
       </p:sp>
@@ -988,7 +1014,7 @@
 </file>
 
 <file path=ppt/notesSlides/notesSlide2.xml><?xml version="1.0" encoding="utf-8"?>
-<p:notes xmlns:a="http://schemas.openxmlformats.org/drawingml/2006/main" xmlns:r="http://schemas.openxmlformats.org/officeDocument/2006/relationships" xmlns:p="http://schemas.openxmlformats.org/presentationml/2006/main" showMasterPhAnim="0" showMasterSp="0">
+<p:notes xmlns:a="http://schemas.openxmlformats.org/drawingml/2006/main" xmlns:r="http://schemas.openxmlformats.org/officeDocument/2006/relationships" xmlns:p="http://schemas.openxmlformats.org/presentationml/2006/main" showMasterSp="0" showMasterPhAnim="0">
   <p:cSld>
     <p:spTree>
       <p:nvGrpSpPr>
@@ -1079,6 +1105,7 @@
               </a:spcAft>
               <a:buNone/>
             </a:pPr>
+            <a:endParaRPr/>
           </a:p>
         </p:txBody>
       </p:sp>
@@ -1091,7 +1118,7 @@
 </file>
 
 <file path=ppt/notesSlides/notesSlide3.xml><?xml version="1.0" encoding="utf-8"?>
-<p:notes xmlns:a="http://schemas.openxmlformats.org/drawingml/2006/main" xmlns:r="http://schemas.openxmlformats.org/officeDocument/2006/relationships" xmlns:p="http://schemas.openxmlformats.org/presentationml/2006/main" showMasterPhAnim="0" showMasterSp="0">
+<p:notes xmlns:a="http://schemas.openxmlformats.org/drawingml/2006/main" xmlns:r="http://schemas.openxmlformats.org/officeDocument/2006/relationships" xmlns:p="http://schemas.openxmlformats.org/presentationml/2006/main" showMasterSp="0" showMasterPhAnim="0">
   <p:cSld>
     <p:spTree>
       <p:nvGrpSpPr>
@@ -1182,6 +1209,7 @@
               </a:spcAft>
               <a:buNone/>
             </a:pPr>
+            <a:endParaRPr/>
           </a:p>
         </p:txBody>
       </p:sp>
@@ -1194,7 +1222,7 @@
 </file>
 
 <file path=ppt/notesSlides/notesSlide4.xml><?xml version="1.0" encoding="utf-8"?>
-<p:notes xmlns:a="http://schemas.openxmlformats.org/drawingml/2006/main" xmlns:r="http://schemas.openxmlformats.org/officeDocument/2006/relationships" xmlns:p="http://schemas.openxmlformats.org/presentationml/2006/main" showMasterPhAnim="0" showMasterSp="0">
+<p:notes xmlns:a="http://schemas.openxmlformats.org/drawingml/2006/main" xmlns:r="http://schemas.openxmlformats.org/officeDocument/2006/relationships" xmlns:p="http://schemas.openxmlformats.org/presentationml/2006/main" showMasterSp="0" showMasterPhAnim="0">
   <p:cSld>
     <p:spTree>
       <p:nvGrpSpPr>
@@ -1285,6 +1313,7 @@
               </a:spcAft>
               <a:buNone/>
             </a:pPr>
+            <a:endParaRPr/>
           </a:p>
         </p:txBody>
       </p:sp>
@@ -1297,7 +1326,7 @@
 </file>
 
 <file path=ppt/notesSlides/notesSlide5.xml><?xml version="1.0" encoding="utf-8"?>
-<p:notes xmlns:a="http://schemas.openxmlformats.org/drawingml/2006/main" xmlns:r="http://schemas.openxmlformats.org/officeDocument/2006/relationships" xmlns:p="http://schemas.openxmlformats.org/presentationml/2006/main" showMasterPhAnim="0" showMasterSp="0">
+<p:notes xmlns:a="http://schemas.openxmlformats.org/drawingml/2006/main" xmlns:r="http://schemas.openxmlformats.org/officeDocument/2006/relationships" xmlns:p="http://schemas.openxmlformats.org/presentationml/2006/main" showMasterSp="0" showMasterPhAnim="0">
   <p:cSld>
     <p:spTree>
       <p:nvGrpSpPr>
@@ -1388,6 +1417,7 @@
               </a:spcAft>
               <a:buNone/>
             </a:pPr>
+            <a:endParaRPr/>
           </a:p>
         </p:txBody>
       </p:sp>
@@ -1400,7 +1430,7 @@
 </file>
 
 <file path=ppt/slideLayouts/slideLayout1.xml><?xml version="1.0" encoding="utf-8"?>
-<p:sldLayout xmlns:a="http://schemas.openxmlformats.org/drawingml/2006/main" xmlns:r="http://schemas.openxmlformats.org/officeDocument/2006/relationships" xmlns:p="http://schemas.openxmlformats.org/presentationml/2006/main" type="title" matchingName="Title slide">
+<p:sldLayout xmlns:a="http://schemas.openxmlformats.org/drawingml/2006/main" xmlns:r="http://schemas.openxmlformats.org/officeDocument/2006/relationships" xmlns:p="http://schemas.openxmlformats.org/presentationml/2006/main" matchingName="Title slide" type="title">
   <p:cSld name="TITLE">
     <p:bg>
       <p:bgPr>
@@ -1460,6 +1490,7 @@
               </a:spcAft>
               <a:buNone/>
             </a:pPr>
+            <a:endParaRPr/>
           </a:p>
         </p:txBody>
       </p:sp>
@@ -1513,6 +1544,7 @@
                 </a:spcAft>
                 <a:buNone/>
               </a:pPr>
+              <a:endParaRPr/>
             </a:p>
           </p:txBody>
         </p:sp>
@@ -1552,6 +1584,7 @@
                 </a:spcAft>
                 <a:buNone/>
               </a:pPr>
+              <a:endParaRPr/>
             </a:p>
           </p:txBody>
         </p:sp>
@@ -1743,7 +1776,9 @@
               </a:defRPr>
             </a:lvl9pPr>
           </a:lstStyle>
-          <a:p/>
+          <a:p>
+            <a:endParaRPr/>
+          </a:p>
         </p:txBody>
       </p:sp>
       <p:sp>
@@ -1897,7 +1932,9 @@
               <a:defRPr sz="1600"/>
             </a:lvl9pPr>
           </a:lstStyle>
-          <a:p/>
+          <a:p>
+            <a:endParaRPr/>
+          </a:p>
         </p:txBody>
       </p:sp>
       <p:sp>
@@ -1973,6 +2010,7 @@
             </a:pPr>
             <a:fld id="{00000000-1234-1234-1234-123412341234}" type="slidenum">
               <a:rPr lang="en-GB"/>
+              <a:t>‹#›</a:t>
             </a:fld>
             <a:endParaRPr lang="en-GB"/>
           </a:p>
@@ -2062,6 +2100,7 @@
                 </a:spcAft>
                 <a:buNone/>
               </a:pPr>
+              <a:endParaRPr/>
             </a:p>
           </p:txBody>
         </p:sp>
@@ -2101,6 +2140,7 @@
                 </a:spcAft>
                 <a:buNone/>
               </a:pPr>
+              <a:endParaRPr/>
             </a:p>
           </p:txBody>
         </p:sp>
@@ -2486,7 +2526,9 @@
               </a:defRPr>
             </a:lvl9pPr>
           </a:lstStyle>
-          <a:p/>
+          <a:p>
+            <a:endParaRPr/>
+          </a:p>
         </p:txBody>
       </p:sp>
       <p:sp>
@@ -2598,6 +2640,7 @@
             </a:pPr>
             <a:fld id="{00000000-1234-1234-1234-123412341234}" type="slidenum">
               <a:rPr lang="en-GB"/>
+              <a:t>‹#›</a:t>
             </a:fld>
             <a:endParaRPr lang="en-GB"/>
           </a:p>
@@ -2613,7 +2656,7 @@
 </file>
 
 <file path=ppt/slideLayouts/slideLayout2.xml><?xml version="1.0" encoding="utf-8"?>
-<p:sldLayout xmlns:a="http://schemas.openxmlformats.org/drawingml/2006/main" xmlns:r="http://schemas.openxmlformats.org/officeDocument/2006/relationships" xmlns:p="http://schemas.openxmlformats.org/presentationml/2006/main" type="secHead" matchingName="Section header">
+<p:sldLayout xmlns:a="http://schemas.openxmlformats.org/drawingml/2006/main" xmlns:r="http://schemas.openxmlformats.org/officeDocument/2006/relationships" xmlns:p="http://schemas.openxmlformats.org/presentationml/2006/main" matchingName="Section header" type="secHead">
   <p:cSld name="SECTION_HEADER">
     <p:bg>
       <p:bgPr>
@@ -2687,6 +2730,7 @@
                 </a:spcAft>
                 <a:buNone/>
               </a:pPr>
+              <a:endParaRPr/>
             </a:p>
           </p:txBody>
         </p:sp>
@@ -2726,6 +2770,7 @@
                 </a:spcAft>
                 <a:buNone/>
               </a:pPr>
+              <a:endParaRPr/>
             </a:p>
           </p:txBody>
         </p:sp>
@@ -2917,7 +2962,9 @@
               </a:defRPr>
             </a:lvl9pPr>
           </a:lstStyle>
-          <a:p/>
+          <a:p>
+            <a:endParaRPr/>
+          </a:p>
         </p:txBody>
       </p:sp>
       <p:sp>
@@ -3029,6 +3076,7 @@
             </a:pPr>
             <a:fld id="{00000000-1234-1234-1234-123412341234}" type="slidenum">
               <a:rPr lang="en-GB"/>
+              <a:t>‹#›</a:t>
             </a:fld>
             <a:endParaRPr lang="en-GB"/>
           </a:p>
@@ -3044,7 +3092,7 @@
 </file>
 
 <file path=ppt/slideLayouts/slideLayout3.xml><?xml version="1.0" encoding="utf-8"?>
-<p:sldLayout xmlns:a="http://schemas.openxmlformats.org/drawingml/2006/main" xmlns:r="http://schemas.openxmlformats.org/officeDocument/2006/relationships" xmlns:p="http://schemas.openxmlformats.org/presentationml/2006/main" type="tx" matchingName="Title and body">
+<p:sldLayout xmlns:a="http://schemas.openxmlformats.org/drawingml/2006/main" xmlns:r="http://schemas.openxmlformats.org/officeDocument/2006/relationships" xmlns:p="http://schemas.openxmlformats.org/presentationml/2006/main" matchingName="Title and body" type="tx">
   <p:cSld name="TITLE_AND_BODY">
     <p:spTree>
       <p:nvGrpSpPr>
@@ -3096,6 +3144,7 @@
               </a:spcAft>
               <a:buNone/>
             </a:pPr>
+            <a:endParaRPr/>
           </a:p>
         </p:txBody>
       </p:sp>
@@ -3149,6 +3198,7 @@
                 </a:spcAft>
                 <a:buNone/>
               </a:pPr>
+              <a:endParaRPr/>
             </a:p>
           </p:txBody>
         </p:sp>
@@ -3188,6 +3238,7 @@
                 </a:spcAft>
                 <a:buNone/>
               </a:pPr>
+              <a:endParaRPr/>
             </a:p>
           </p:txBody>
         </p:sp>
@@ -3379,7 +3430,9 @@
               </a:defRPr>
             </a:lvl9pPr>
           </a:lstStyle>
-          <a:p/>
+          <a:p>
+            <a:endParaRPr/>
+          </a:p>
         </p:txBody>
       </p:sp>
       <p:sp>
@@ -3506,7 +3559,9 @@
               <a:defRPr/>
             </a:lvl9pPr>
           </a:lstStyle>
-          <a:p/>
+          <a:p>
+            <a:endParaRPr/>
+          </a:p>
         </p:txBody>
       </p:sp>
       <p:sp>
@@ -3582,6 +3637,7 @@
             </a:pPr>
             <a:fld id="{00000000-1234-1234-1234-123412341234}" type="slidenum">
               <a:rPr lang="en-GB"/>
+              <a:t>‹#›</a:t>
             </a:fld>
             <a:endParaRPr lang="en-GB"/>
           </a:p>
@@ -3597,7 +3653,7 @@
 </file>
 
 <file path=ppt/slideLayouts/slideLayout4.xml><?xml version="1.0" encoding="utf-8"?>
-<p:sldLayout xmlns:a="http://schemas.openxmlformats.org/drawingml/2006/main" xmlns:r="http://schemas.openxmlformats.org/officeDocument/2006/relationships" xmlns:p="http://schemas.openxmlformats.org/presentationml/2006/main" type="twoColTx" matchingName="Title and two columns">
+<p:sldLayout xmlns:a="http://schemas.openxmlformats.org/drawingml/2006/main" xmlns:r="http://schemas.openxmlformats.org/officeDocument/2006/relationships" xmlns:p="http://schemas.openxmlformats.org/presentationml/2006/main" matchingName="Title and two columns" type="twoColTx">
   <p:cSld name="TITLE_AND_TWO_COLUMNS">
     <p:spTree>
       <p:nvGrpSpPr>
@@ -3649,6 +3705,7 @@
               </a:spcAft>
               <a:buNone/>
             </a:pPr>
+            <a:endParaRPr/>
           </a:p>
         </p:txBody>
       </p:sp>
@@ -3702,6 +3759,7 @@
                 </a:spcAft>
                 <a:buNone/>
               </a:pPr>
+              <a:endParaRPr/>
             </a:p>
           </p:txBody>
         </p:sp>
@@ -3741,6 +3799,7 @@
                 </a:spcAft>
                 <a:buNone/>
               </a:pPr>
+              <a:endParaRPr/>
             </a:p>
           </p:txBody>
         </p:sp>
@@ -3932,7 +3991,9 @@
               </a:defRPr>
             </a:lvl9pPr>
           </a:lstStyle>
-          <a:p/>
+          <a:p>
+            <a:endParaRPr/>
+          </a:p>
         </p:txBody>
       </p:sp>
       <p:sp>
@@ -4059,7 +4120,9 @@
               <a:defRPr/>
             </a:lvl9pPr>
           </a:lstStyle>
-          <a:p/>
+          <a:p>
+            <a:endParaRPr/>
+          </a:p>
         </p:txBody>
       </p:sp>
       <p:sp>
@@ -4186,7 +4249,9 @@
               <a:defRPr/>
             </a:lvl9pPr>
           </a:lstStyle>
-          <a:p/>
+          <a:p>
+            <a:endParaRPr/>
+          </a:p>
         </p:txBody>
       </p:sp>
       <p:sp>
@@ -4262,6 +4327,7 @@
             </a:pPr>
             <a:fld id="{00000000-1234-1234-1234-123412341234}" type="slidenum">
               <a:rPr lang="en-GB"/>
+              <a:t>‹#›</a:t>
             </a:fld>
             <a:endParaRPr lang="en-GB"/>
           </a:p>
@@ -4277,7 +4343,7 @@
 </file>
 
 <file path=ppt/slideLayouts/slideLayout5.xml><?xml version="1.0" encoding="utf-8"?>
-<p:sldLayout xmlns:a="http://schemas.openxmlformats.org/drawingml/2006/main" xmlns:r="http://schemas.openxmlformats.org/officeDocument/2006/relationships" xmlns:p="http://schemas.openxmlformats.org/presentationml/2006/main" type="titleOnly" matchingName="Title only">
+<p:sldLayout xmlns:a="http://schemas.openxmlformats.org/drawingml/2006/main" xmlns:r="http://schemas.openxmlformats.org/officeDocument/2006/relationships" xmlns:p="http://schemas.openxmlformats.org/presentationml/2006/main" matchingName="Title only" type="titleOnly">
   <p:cSld name="TITLE_ONLY">
     <p:spTree>
       <p:nvGrpSpPr>
@@ -4329,6 +4395,7 @@
               </a:spcAft>
               <a:buNone/>
             </a:pPr>
+            <a:endParaRPr/>
           </a:p>
         </p:txBody>
       </p:sp>
@@ -4382,6 +4449,7 @@
                 </a:spcAft>
                 <a:buNone/>
               </a:pPr>
+              <a:endParaRPr/>
             </a:p>
           </p:txBody>
         </p:sp>
@@ -4421,6 +4489,7 @@
                 </a:spcAft>
                 <a:buNone/>
               </a:pPr>
+              <a:endParaRPr/>
             </a:p>
           </p:txBody>
         </p:sp>
@@ -4612,7 +4681,9 @@
               </a:defRPr>
             </a:lvl9pPr>
           </a:lstStyle>
-          <a:p/>
+          <a:p>
+            <a:endParaRPr/>
+          </a:p>
         </p:txBody>
       </p:sp>
       <p:sp>
@@ -4688,6 +4759,7 @@
             </a:pPr>
             <a:fld id="{00000000-1234-1234-1234-123412341234}" type="slidenum">
               <a:rPr lang="en-GB"/>
+              <a:t>‹#›</a:t>
             </a:fld>
             <a:endParaRPr lang="en-GB"/>
           </a:p>
@@ -4755,6 +4827,7 @@
               </a:spcAft>
               <a:buNone/>
             </a:pPr>
+            <a:endParaRPr/>
           </a:p>
         </p:txBody>
       </p:sp>
@@ -4808,6 +4881,7 @@
                 </a:spcAft>
                 <a:buNone/>
               </a:pPr>
+              <a:endParaRPr/>
             </a:p>
           </p:txBody>
         </p:sp>
@@ -4847,6 +4921,7 @@
                 </a:spcAft>
                 <a:buNone/>
               </a:pPr>
+              <a:endParaRPr/>
             </a:p>
           </p:txBody>
         </p:sp>
@@ -5038,7 +5113,9 @@
               </a:defRPr>
             </a:lvl9pPr>
           </a:lstStyle>
-          <a:p/>
+          <a:p>
+            <a:endParaRPr/>
+          </a:p>
         </p:txBody>
       </p:sp>
       <p:sp>
@@ -5165,7 +5242,9 @@
               <a:defRPr/>
             </a:lvl9pPr>
           </a:lstStyle>
-          <a:p/>
+          <a:p>
+            <a:endParaRPr/>
+          </a:p>
         </p:txBody>
       </p:sp>
       <p:sp>
@@ -5241,6 +5320,7 @@
             </a:pPr>
             <a:fld id="{00000000-1234-1234-1234-123412341234}" type="slidenum">
               <a:rPr lang="en-GB"/>
+              <a:t>‹#›</a:t>
             </a:fld>
             <a:endParaRPr lang="en-GB"/>
           </a:p>
@@ -5330,6 +5410,7 @@
                 </a:spcAft>
                 <a:buNone/>
               </a:pPr>
+              <a:endParaRPr/>
             </a:p>
           </p:txBody>
         </p:sp>
@@ -5369,6 +5450,7 @@
                 </a:spcAft>
                 <a:buNone/>
               </a:pPr>
+              <a:endParaRPr/>
             </a:p>
           </p:txBody>
         </p:sp>
@@ -5560,7 +5642,9 @@
               </a:defRPr>
             </a:lvl9pPr>
           </a:lstStyle>
-          <a:p/>
+          <a:p>
+            <a:endParaRPr/>
+          </a:p>
         </p:txBody>
       </p:sp>
       <p:sp>
@@ -5672,6 +5756,7 @@
             </a:pPr>
             <a:fld id="{00000000-1234-1234-1234-123412341234}" type="slidenum">
               <a:rPr lang="en-GB"/>
+              <a:t>‹#›</a:t>
             </a:fld>
             <a:endParaRPr lang="en-GB"/>
           </a:p>
@@ -5739,6 +5824,7 @@
               </a:spcAft>
               <a:buNone/>
             </a:pPr>
+            <a:endParaRPr/>
           </a:p>
         </p:txBody>
       </p:sp>
@@ -5792,6 +5878,7 @@
                 </a:spcAft>
                 <a:buNone/>
               </a:pPr>
+              <a:endParaRPr/>
             </a:p>
           </p:txBody>
         </p:sp>
@@ -5831,6 +5918,7 @@
                 </a:spcAft>
                 <a:buNone/>
               </a:pPr>
+              <a:endParaRPr/>
             </a:p>
           </p:txBody>
         </p:sp>
@@ -6022,7 +6110,9 @@
               </a:defRPr>
             </a:lvl9pPr>
           </a:lstStyle>
-          <a:p/>
+          <a:p>
+            <a:endParaRPr/>
+          </a:p>
         </p:txBody>
       </p:sp>
       <p:sp>
@@ -6176,7 +6266,9 @@
               <a:defRPr sz="1600"/>
             </a:lvl9pPr>
           </a:lstStyle>
-          <a:p/>
+          <a:p>
+            <a:endParaRPr/>
+          </a:p>
         </p:txBody>
       </p:sp>
       <p:sp>
@@ -6303,7 +6395,9 @@
               <a:defRPr/>
             </a:lvl9pPr>
           </a:lstStyle>
-          <a:p/>
+          <a:p>
+            <a:endParaRPr/>
+          </a:p>
         </p:txBody>
       </p:sp>
       <p:sp>
@@ -6379,6 +6473,7 @@
             </a:pPr>
             <a:fld id="{00000000-1234-1234-1234-123412341234}" type="slidenum">
               <a:rPr lang="en-GB"/>
+              <a:t>‹#›</a:t>
             </a:fld>
             <a:endParaRPr lang="en-GB"/>
           </a:p>
@@ -6449,7 +6544,9 @@
               <a:defRPr/>
             </a:lvl1pPr>
           </a:lstStyle>
-          <a:p/>
+          <a:p>
+            <a:endParaRPr/>
+          </a:p>
         </p:txBody>
       </p:sp>
       <p:sp>
@@ -6525,6 +6622,7 @@
             </a:pPr>
             <a:fld id="{00000000-1234-1234-1234-123412341234}" type="slidenum">
               <a:rPr lang="en-GB"/>
+              <a:t>‹#›</a:t>
             </a:fld>
             <a:endParaRPr lang="en-GB"/>
           </a:p>
@@ -6746,7 +6844,9 @@
               </a:defRPr>
             </a:lvl9pPr>
           </a:lstStyle>
-          <a:p/>
+          <a:p>
+            <a:endParaRPr/>
+          </a:p>
         </p:txBody>
       </p:sp>
       <p:sp>
@@ -7012,7 +7112,9 @@
               </a:defRPr>
             </a:lvl9pPr>
           </a:lstStyle>
-          <a:p/>
+          <a:p>
+            <a:endParaRPr/>
+          </a:p>
         </p:txBody>
       </p:sp>
       <p:sp>
@@ -7164,6 +7266,7 @@
             </a:pPr>
             <a:fld id="{00000000-1234-1234-1234-123412341234}" type="slidenum">
               <a:rPr lang="en-GB"/>
+              <a:t>‹#›</a:t>
             </a:fld>
             <a:endParaRPr lang="en-GB"/>
           </a:p>
@@ -7935,10 +8038,6 @@
               </a:rPr>
               <a:t>Ideas For Problem Statement</a:t>
             </a:r>
-            <a:endParaRPr lang="en-GB">
-              <a:latin typeface="Cambria" panose="02040503050406030204" charset="0"/>
-              <a:cs typeface="Cambria" panose="02040503050406030204" charset="0"/>
-            </a:endParaRPr>
           </a:p>
         </p:txBody>
       </p:sp>
@@ -8019,7 +8118,6 @@
               <a:rPr lang="en-US" sz="1000"/>
               <a:t>With Consideration Of Sarcasm,Humour,Hate Speech</a:t>
             </a:r>
-            <a:endParaRPr lang="en-US" sz="1000"/>
           </a:p>
         </p:txBody>
       </p:sp>
@@ -8061,7 +8159,6 @@
               <a:rPr lang="en-US" sz="900"/>
               <a:t>1. Stanford</a:t>
             </a:r>
-            <a:endParaRPr lang="en-US" sz="900"/>
           </a:p>
           <a:p>
             <a:pPr marL="0" lvl="0" indent="0" algn="l" rtl="0">
@@ -8077,7 +8174,6 @@
               <a:rPr lang="en-US" sz="900"/>
               <a:t>H1: Models individually learned on sarcasm,humor and hate speech detection, and then used as subroutines to extract features, should boost the performance of a sentiment classification model.</a:t>
             </a:r>
-            <a:endParaRPr lang="en-US" sz="900"/>
           </a:p>
           <a:p>
             <a:pPr marL="228600" lvl="0" indent="-228600" algn="l" rtl="0">
@@ -8093,7 +8189,6 @@
               <a:rPr lang="en-US" sz="895"/>
               <a:t>Model 1: Sentiment Model -BERT Large</a:t>
             </a:r>
-            <a:endParaRPr lang="en-US" sz="895"/>
           </a:p>
           <a:p>
             <a:pPr marL="228600" lvl="0" indent="-228600" algn="l" rtl="0">
@@ -8109,7 +8204,6 @@
               <a:rPr lang="en-US" sz="895"/>
               <a:t>Model 2: Sarcasm - ASCADE Model</a:t>
             </a:r>
-            <a:endParaRPr lang="en-US" sz="895"/>
           </a:p>
           <a:p>
             <a:pPr marL="228600" lvl="0" indent="-228600" algn="l" rtl="0">
@@ -8125,7 +8219,6 @@
               <a:rPr lang="en-US" sz="895"/>
               <a:t>Model 3: Humour - SVM</a:t>
             </a:r>
-            <a:endParaRPr lang="en-US" sz="895"/>
           </a:p>
           <a:p>
             <a:pPr marL="228600" lvl="0" indent="-228600" algn="l" rtl="0">
@@ -8141,7 +8234,6 @@
               <a:rPr lang="en-US" sz="895"/>
               <a:t>Model 4- Hate Speech - Logistic Regression </a:t>
             </a:r>
-            <a:endParaRPr lang="en-US" sz="895"/>
           </a:p>
           <a:p>
             <a:pPr marL="0" lvl="0" indent="0" algn="l" rtl="0">
@@ -8247,10 +8339,6 @@
               </a:rPr>
               <a:t>Varun B</a:t>
             </a:r>
-            <a:endParaRPr lang="en-US">
-              <a:latin typeface="Times New Roman" panose="02020603050405020304" charset="0"/>
-              <a:cs typeface="Times New Roman" panose="02020603050405020304" charset="0"/>
-            </a:endParaRPr>
           </a:p>
         </p:txBody>
       </p:sp>
@@ -8388,7 +8476,6 @@
                     <a:rPr lang="en-US" sz="500"/>
                     <a:t>n=4</a:t>
                   </a:r>
-                  <a:endParaRPr lang="en-US" sz="500"/>
                 </a:p>
               </p:txBody>
             </p:sp>
@@ -8496,12 +8583,6 @@
                         </a:rPr>
                         <a:t>d X 128</a:t>
                       </a:r>
-                      <a:endParaRPr lang="en-US" sz="800">
-                        <a:solidFill>
-                          <a:schemeClr val="tx1"/>
-                        </a:solidFill>
-                        <a:uFillTx/>
-                      </a:endParaRPr>
                     </a:p>
                   </p:txBody>
                 </p:sp>
@@ -8535,11 +8616,6 @@
                         </a:rPr>
                         <a:t>    Embedding Matrix</a:t>
                       </a:r>
-                      <a:endParaRPr lang="en-US" sz="600">
-                        <a:solidFill>
-                          <a:schemeClr val="tx1"/>
-                        </a:solidFill>
-                      </a:endParaRPr>
                     </a:p>
                   </p:txBody>
                 </p:sp>
@@ -8569,21 +8645,18 @@
                         <a:rPr lang="en-US" sz="500"/>
                         <a:t>f filters </a:t>
                       </a:r>
-                      <a:endParaRPr lang="en-US" sz="500"/>
                     </a:p>
                     <a:p>
                       <a:r>
                         <a:rPr lang="en-US" sz="500"/>
                         <a:t>n X 128</a:t>
                       </a:r>
-                      <a:endParaRPr lang="en-US" sz="500"/>
                     </a:p>
                     <a:p>
                       <a:r>
                         <a:rPr lang="en-US" sz="500"/>
                         <a:t>n=3,4,5</a:t>
                       </a:r>
-                      <a:endParaRPr lang="en-US" sz="500"/>
                     </a:p>
                   </p:txBody>
                 </p:sp>
@@ -8630,12 +8703,6 @@
                         </a:rPr>
                         <a:t>(d-n+1) X f</a:t>
                       </a:r>
-                      <a:endParaRPr lang="en-US" sz="600">
-                        <a:solidFill>
-                          <a:schemeClr val="tx1"/>
-                        </a:solidFill>
-                        <a:uFillTx/>
-                      </a:endParaRPr>
                     </a:p>
                   </p:txBody>
                 </p:sp>
@@ -8715,13 +8782,6 @@
                         </a:rPr>
                         <a:t>f-dimensional vector</a:t>
                       </a:r>
-                      <a:endParaRPr lang="en-US" sz="600">
-                        <a:solidFill>
-                          <a:schemeClr val="tx1"/>
-                        </a:solidFill>
-                        <a:uFillTx/>
-                        <a:sym typeface="+mn-ea"/>
-                      </a:endParaRPr>
                     </a:p>
                   </p:txBody>
                 </p:sp>
@@ -8751,7 +8811,6 @@
                         <a:rPr lang="en-US" sz="500"/>
                         <a:t> max pooling</a:t>
                       </a:r>
-                      <a:endParaRPr lang="en-US" sz="500"/>
                     </a:p>
                   </p:txBody>
                 </p:sp>
@@ -8910,7 +8969,6 @@
                         <a:rPr lang="en-US" sz="500"/>
                         <a:t>n=3</a:t>
                       </a:r>
-                      <a:endParaRPr lang="en-US" sz="500"/>
                     </a:p>
                   </p:txBody>
                 </p:sp>
@@ -8940,7 +8998,6 @@
                         <a:rPr lang="en-US" sz="500"/>
                         <a:t>n=5</a:t>
                       </a:r>
-                      <a:endParaRPr lang="en-US" sz="500"/>
                     </a:p>
                   </p:txBody>
                 </p:sp>
@@ -9031,13 +9088,6 @@
                         </a:rPr>
                         <a:t>3f-dimensional vector</a:t>
                       </a:r>
-                      <a:endParaRPr lang="en-US" sz="600">
-                        <a:solidFill>
-                          <a:schemeClr val="tx1"/>
-                        </a:solidFill>
-                        <a:uFillTx/>
-                        <a:sym typeface="+mn-ea"/>
-                      </a:endParaRPr>
                     </a:p>
                   </p:txBody>
                 </p:sp>
@@ -9104,10 +9154,6 @@
               </a:rPr>
               <a:t>of a review as predicted by a machine learning model that attempts to</a:t>
             </a:r>
-            <a:endParaRPr lang="en-US" sz="900">
-              <a:latin typeface="Gabriola" panose="04040605051002020D02" charset="0"/>
-              <a:cs typeface="Gabriola" panose="04040605051002020D02" charset="0"/>
-            </a:endParaRPr>
           </a:p>
           <a:p>
             <a:pPr algn="r"/>
@@ -9118,10 +9164,6 @@
               </a:rPr>
               <a:t>detect sentiment alone. Thus, having a model that is explicitly aware of these features should help it perform better on reviews</a:t>
             </a:r>
-            <a:endParaRPr lang="en-US" sz="900">
-              <a:latin typeface="Gabriola" panose="04040605051002020D02" charset="0"/>
-              <a:cs typeface="Gabriola" panose="04040605051002020D02" charset="0"/>
-            </a:endParaRPr>
           </a:p>
           <a:p>
             <a:pPr algn="r"/>
@@ -9132,10 +9174,6 @@
               </a:rPr>
               <a:t>that are characterized by them.”</a:t>
             </a:r>
-            <a:endParaRPr lang="en-US" sz="900">
-              <a:latin typeface="Gabriola" panose="04040605051002020D02" charset="0"/>
-              <a:cs typeface="Gabriola" panose="04040605051002020D02" charset="0"/>
-            </a:endParaRPr>
           </a:p>
         </p:txBody>
       </p:sp>
@@ -9199,7 +9237,6 @@
               <a:rPr lang="en-US" sz="900"/>
               <a:t>Sentiment (E1), Sarcasm (E2), Hate Speech (E3),Humour (E4).</a:t>
             </a:r>
-            <a:endParaRPr lang="en-US" sz="900"/>
           </a:p>
           <a:p>
             <a:pPr>
@@ -9210,7 +9247,6 @@
               <a:rPr lang="en-US" sz="900"/>
               <a:t>We calculate a set of 300-dimensional embeddings per model, and concatenate them into a single 300 *m-dimensional feature vector v. </a:t>
             </a:r>
-            <a:endParaRPr lang="en-US" sz="900"/>
           </a:p>
           <a:p>
             <a:pPr marL="146050" indent="0">
@@ -9269,7 +9305,6 @@
               <a:rPr lang="en-US" sz="900"/>
               <a:t>C(v) ∈ [0, 1] that represents the probability of positive sentiment.</a:t>
             </a:r>
-            <a:endParaRPr lang="en-US" sz="900"/>
           </a:p>
           <a:p>
             <a:pPr marL="146050" indent="0">
@@ -9480,13 +9515,6 @@
               </a:rPr>
               <a:t>3f-dimensional vector</a:t>
             </a:r>
-            <a:endParaRPr lang="en-US" sz="600">
-              <a:solidFill>
-                <a:schemeClr val="tx1"/>
-              </a:solidFill>
-              <a:uFillTx/>
-              <a:sym typeface="+mn-ea"/>
-            </a:endParaRPr>
           </a:p>
         </p:txBody>
       </p:sp>
@@ -10210,13 +10238,6 @@
               </a:rPr>
               <a:t>v</a:t>
             </a:r>
-            <a:endParaRPr lang="en-US" sz="800">
-              <a:solidFill>
-                <a:schemeClr val="tx1"/>
-              </a:solidFill>
-              <a:uFillTx/>
-              <a:sym typeface="+mn-ea"/>
-            </a:endParaRPr>
           </a:p>
         </p:txBody>
       </p:sp>
@@ -10253,13 +10274,6 @@
               </a:rPr>
               <a:t>Sarcasm</a:t>
             </a:r>
-            <a:endParaRPr lang="en-US" sz="600">
-              <a:solidFill>
-                <a:schemeClr val="tx1"/>
-              </a:solidFill>
-              <a:uFillTx/>
-              <a:sym typeface="+mn-ea"/>
-            </a:endParaRPr>
           </a:p>
         </p:txBody>
       </p:sp>
@@ -10296,13 +10310,6 @@
               </a:rPr>
               <a:t>Sentiment</a:t>
             </a:r>
-            <a:endParaRPr lang="en-US" sz="600">
-              <a:solidFill>
-                <a:schemeClr val="tx1"/>
-              </a:solidFill>
-              <a:uFillTx/>
-              <a:sym typeface="+mn-ea"/>
-            </a:endParaRPr>
           </a:p>
         </p:txBody>
       </p:sp>
@@ -10339,13 +10346,6 @@
               </a:rPr>
               <a:t>Humour</a:t>
             </a:r>
-            <a:endParaRPr lang="en-US" sz="600">
-              <a:solidFill>
-                <a:schemeClr val="tx1"/>
-              </a:solidFill>
-              <a:uFillTx/>
-              <a:sym typeface="+mn-ea"/>
-            </a:endParaRPr>
           </a:p>
         </p:txBody>
       </p:sp>
@@ -10382,13 +10382,6 @@
               </a:rPr>
               <a:t>Hate</a:t>
             </a:r>
-            <a:endParaRPr lang="en-US" sz="600">
-              <a:solidFill>
-                <a:schemeClr val="tx1"/>
-              </a:solidFill>
-              <a:uFillTx/>
-              <a:sym typeface="+mn-ea"/>
-            </a:endParaRPr>
           </a:p>
         </p:txBody>
       </p:sp>
@@ -10401,7 +10394,7 @@
           <p:nvPr/>
         </p:nvPicPr>
         <p:blipFill>
-          <a:blip r:embed="rId1"/>
+          <a:blip r:embed="rId3"/>
           <a:stretch>
             <a:fillRect/>
           </a:stretch>
@@ -10436,6 +10429,7 @@
           <a:bodyPr wrap="none" rtlCol="0">
             <a:spAutoFit/>
           </a:bodyPr>
+          <a:lstStyle/>
           <a:p>
             <a:pPr marL="146050" indent="0" algn="l">
               <a:buNone/>
@@ -10527,20 +10521,6 @@
               </a:rPr>
               <a:t>https://www.researchgate.net/publication/341711216_Sarcasm_detection_using_machine_learning_algorithms_in_Twitter_A_systematic_review</a:t>
             </a:r>
-            <a:endParaRPr lang="en-US" sz="800" i="1">
-              <a:gradFill>
-                <a:gsLst>
-                  <a:gs pos="0">
-                    <a:srgbClr val="007BD3"/>
-                  </a:gs>
-                  <a:gs pos="100000">
-                    <a:srgbClr val="034373"/>
-                  </a:gs>
-                </a:gsLst>
-                <a:lin scaled="0"/>
-              </a:gradFill>
-              <a:sym typeface="+mn-ea"/>
-            </a:endParaRPr>
           </a:p>
           <a:p>
             <a:pPr marL="146050" indent="0" algn="l">
@@ -10562,19 +10542,6 @@
               </a:rPr>
               <a:t>https://sentic.net/sarcasm-detection-with-deep-convolutional-neural-networks.pdf</a:t>
             </a:r>
-            <a:endParaRPr lang="en-US" sz="800" i="1">
-              <a:gradFill>
-                <a:gsLst>
-                  <a:gs pos="0">
-                    <a:srgbClr val="007BD3"/>
-                  </a:gs>
-                  <a:gs pos="100000">
-                    <a:srgbClr val="034373"/>
-                  </a:gs>
-                </a:gsLst>
-                <a:lin scaled="0"/>
-              </a:gradFill>
-            </a:endParaRPr>
           </a:p>
           <a:p>
             <a:endParaRPr lang="en-US" sz="800" i="1">
@@ -10613,6 +10580,7 @@
           <a:bodyPr wrap="square" rtlCol="0">
             <a:spAutoFit/>
           </a:bodyPr>
+          <a:lstStyle/>
           <a:p>
             <a:r>
               <a:rPr lang="en-US">
@@ -10621,10 +10589,6 @@
               </a:rPr>
               <a:t>Varun B</a:t>
             </a:r>
-            <a:endParaRPr lang="en-US">
-              <a:latin typeface="Times New Roman" panose="02020603050405020304" charset="0"/>
-              <a:cs typeface="Times New Roman" panose="02020603050405020304" charset="0"/>
-            </a:endParaRPr>
           </a:p>
         </p:txBody>
       </p:sp>
@@ -10714,7 +10678,7 @@
                     </a:srgbClr>
                   </a:outerShdw>
                 </a:effectLst>
-                <a:hlinkClick r:id="rId1"/>
+                <a:hlinkClick r:id="rId3"/>
               </a:rPr>
             </a:br>
             <a:endParaRPr lang="en-US" dirty="0">
@@ -10728,7 +10692,7 @@
                   </a:srgbClr>
                 </a:outerShdw>
               </a:effectLst>
-              <a:hlinkClick r:id="rId1"/>
+              <a:hlinkClick r:id="rId3"/>
             </a:endParaRPr>
           </a:p>
         </p:txBody>
@@ -10795,7 +10759,6 @@
               <a:rPr lang="en-US" sz="900" i="1" dirty="0"/>
               <a:t>First published Tue Nov 28, 2006; substantive revision Wed Aug 21, 2019</a:t>
             </a:r>
-            <a:endParaRPr lang="en-US" sz="900" i="1" dirty="0"/>
           </a:p>
           <a:p>
             <a:pPr marL="146050" indent="0">
@@ -10819,7 +10782,7 @@
                 <a:solidFill>
                   <a:srgbClr val="0070C0"/>
                 </a:solidFill>
-                <a:hlinkClick r:id="rId2"/>
+                <a:hlinkClick r:id="rId4"/>
               </a:rPr>
               <a:t>https://plato.stanford.edu/entries/pragmatics/</a:t>
             </a:r>
@@ -10841,7 +10804,6 @@
               <a:rPr lang="en-US" sz="900" b="1" dirty="0"/>
               <a:t>Factors affecting pragmatic competence and Turkish EFL context</a:t>
             </a:r>
-            <a:endParaRPr lang="en-US" sz="900" b="1" dirty="0"/>
           </a:p>
           <a:p>
             <a:pPr marL="146050" indent="0">
@@ -10854,7 +10816,7 @@
             </a:r>
             <a:r>
               <a:rPr lang="en-US" sz="900" i="1" dirty="0">
-                <a:hlinkClick r:id="rId3"/>
+                <a:hlinkClick r:id="rId5"/>
               </a:rPr>
               <a:t>https://www.researchgate.net/publication/291756385_Factors_affecting_pragmatic_competence_and_Turkish_EFL_context</a:t>
             </a:r>
@@ -10872,7 +10834,6 @@
               <a:rPr lang="en-US" sz="900" b="1" dirty="0"/>
               <a:t>Deep Representation Learning in Speech Processing: Challenges, Recent Advances, and Future Trends </a:t>
             </a:r>
-            <a:endParaRPr lang="en-US" sz="900" b="1" dirty="0"/>
           </a:p>
           <a:p>
             <a:pPr marL="146050" indent="0">
@@ -10889,7 +10850,7 @@
             </a:r>
             <a:r>
               <a:rPr lang="en-US" sz="900" i="1" dirty="0">
-                <a:hlinkClick r:id="rId4"/>
+                <a:hlinkClick r:id="rId6"/>
               </a:rPr>
               <a:t>https://arxiv.org/pdf/2001.00378.pdf</a:t>
             </a:r>
@@ -10907,7 +10868,6 @@
               <a:rPr lang="en-IN" sz="900" b="1" dirty="0"/>
               <a:t>Speaker Recognition</a:t>
             </a:r>
-            <a:endParaRPr lang="en-IN" sz="900" b="1" dirty="0"/>
           </a:p>
           <a:p>
             <a:pPr marL="146050" indent="0">
@@ -10924,7 +10884,7 @@
             </a:r>
             <a:r>
               <a:rPr lang="en-US" sz="900" i="1" dirty="0">
-                <a:hlinkClick r:id="rId5"/>
+                <a:hlinkClick r:id="rId7"/>
               </a:rPr>
               <a:t>https://www.sciencedirect.com/topics/computer-science/speaker-recognition</a:t>
             </a:r>
@@ -10942,7 +10902,6 @@
               <a:rPr lang="en-US" sz="900" b="1" dirty="0"/>
               <a:t>Speaker Recognition: Advancements and Challenges</a:t>
             </a:r>
-            <a:endParaRPr lang="en-US" sz="900" b="1" dirty="0"/>
           </a:p>
           <a:p>
             <a:pPr marL="146050" indent="0">
@@ -10955,7 +10914,7 @@
             </a:r>
             <a:r>
               <a:rPr lang="en-US" sz="900" i="1" dirty="0">
-                <a:hlinkClick r:id="rId6"/>
+                <a:hlinkClick r:id="rId8"/>
               </a:rPr>
               <a:t>https://www.researchgate.net/publication/241686419_Speaker_Recognition_Advancements_and_Challenges</a:t>
             </a:r>
@@ -10973,7 +10932,6 @@
               <a:rPr lang="en-US" sz="900" b="1" dirty="0"/>
               <a:t>Speaker Emotion Recognition Based on Speech Features and Classification Techniques</a:t>
             </a:r>
-            <a:endParaRPr lang="en-US" sz="900" b="1" dirty="0"/>
           </a:p>
           <a:p>
             <a:pPr marL="146050" indent="0">
@@ -10986,7 +10944,7 @@
             </a:r>
             <a:r>
               <a:rPr lang="en-US" sz="900" i="1" dirty="0">
-                <a:hlinkClick r:id="rId7"/>
+                <a:hlinkClick r:id="rId9"/>
               </a:rPr>
               <a:t>https://www.researchgate.net/publication/279043457_Speaker_Emotion_Recognition_Based_on_Speech_Features_and_Classification_Techniques</a:t>
             </a:r>
@@ -11004,7 +10962,6 @@
               <a:rPr lang="en-US" sz="900" b="1" dirty="0"/>
               <a:t>Natural language processing, pragmatics, and verbal behavior</a:t>
             </a:r>
-            <a:endParaRPr lang="en-US" sz="900" b="1" dirty="0"/>
           </a:p>
           <a:p>
             <a:pPr marL="146050" indent="0">
@@ -11017,7 +10974,7 @@
             </a:r>
             <a:r>
               <a:rPr lang="en-US" sz="900" i="1" dirty="0">
-                <a:hlinkClick r:id="rId8"/>
+                <a:hlinkClick r:id="rId10"/>
               </a:rPr>
               <a:t>https://www.researchgate.net/publication/223958891_Natural_language_processing_pragmatics_and_verbal_behavior</a:t>
             </a:r>
@@ -11071,10 +11028,6 @@
               </a:rPr>
               <a:t>     Sakshi</a:t>
             </a:r>
-            <a:endParaRPr lang="en-US" dirty="0">
-              <a:latin typeface="Times New Roman" panose="02020603050405020304" charset="0"/>
-              <a:cs typeface="Times New Roman" panose="02020603050405020304" charset="0"/>
-            </a:endParaRPr>
           </a:p>
         </p:txBody>
       </p:sp>
@@ -11232,14 +11185,6 @@
               </a:rPr>
               <a:t>https://www.pond5.com/sound-effects/tag/crying-baby/#1</a:t>
             </a:r>
-            <a:endParaRPr lang="en-IN" altLang="en-US" sz="800" i="1" dirty="0">
-              <a:solidFill>
-                <a:srgbClr val="0070C0"/>
-              </a:solidFill>
-              <a:latin typeface="Calibri" panose="020F0502020204030204" charset="0"/>
-              <a:cs typeface="Calibri" panose="020F0502020204030204" charset="0"/>
-              <a:sym typeface="+mn-ea"/>
-            </a:endParaRPr>
           </a:p>
           <a:p>
             <a:pPr marL="0" lvl="0" indent="0" algn="l" rtl="0">
@@ -11349,14 +11294,6 @@
               </a:rPr>
               <a:t>https://github.com/EvilPort2/emojify</a:t>
             </a:r>
-            <a:endParaRPr lang="en-IN" altLang="en-US" sz="800" i="1" dirty="0">
-              <a:solidFill>
-                <a:srgbClr val="0070C0"/>
-              </a:solidFill>
-              <a:latin typeface="Calibri" panose="020F0502020204030204" charset="0"/>
-              <a:cs typeface="Calibri" panose="020F0502020204030204" charset="0"/>
-              <a:sym typeface="+mn-ea"/>
-            </a:endParaRPr>
           </a:p>
           <a:p>
             <a:pPr marL="0" lvl="0" indent="0" algn="l" rtl="0">
@@ -11447,14 +11384,365 @@
               </a:rPr>
               <a:t>Ganiger</a:t>
             </a:r>
-            <a:endParaRPr lang="en-IN" altLang="en-US">
-              <a:latin typeface="Times New Roman" panose="02020603050405020304" charset="0"/>
-              <a:cs typeface="Times New Roman" panose="02020603050405020304" charset="0"/>
-            </a:endParaRPr>
           </a:p>
         </p:txBody>
       </p:sp>
     </p:spTree>
+  </p:cSld>
+  <p:clrMapOvr>
+    <a:masterClrMapping/>
+  </p:clrMapOvr>
+</p:sld>
+</file>
+
+<file path=ppt/slides/slide6.xml><?xml version="1.0" encoding="utf-8"?>
+<p:sld xmlns:a="http://schemas.openxmlformats.org/drawingml/2006/main" xmlns:r="http://schemas.openxmlformats.org/officeDocument/2006/relationships" xmlns:p="http://schemas.openxmlformats.org/presentationml/2006/main">
+  <p:cSld>
+    <p:spTree>
+      <p:nvGrpSpPr>
+        <p:cNvPr id="1" name=""/>
+        <p:cNvGrpSpPr/>
+        <p:nvPr/>
+      </p:nvGrpSpPr>
+      <p:grpSpPr>
+        <a:xfrm>
+          <a:off x="0" y="0"/>
+          <a:ext cx="0" cy="0"/>
+          <a:chOff x="0" y="0"/>
+          <a:chExt cx="0" cy="0"/>
+        </a:xfrm>
+      </p:grpSpPr>
+      <p:sp>
+        <p:nvSpPr>
+          <p:cNvPr id="2" name="Title 1">
+            <a:extLst>
+              <a:ext uri="{FF2B5EF4-FFF2-40B4-BE49-F238E27FC236}">
+                <a16:creationId xmlns:a16="http://schemas.microsoft.com/office/drawing/2014/main" id="{CEEC11C7-28A4-4C06-AECA-F5543284ED59}"/>
+              </a:ext>
+            </a:extLst>
+          </p:cNvPr>
+          <p:cNvSpPr>
+            <a:spLocks noGrp="1"/>
+          </p:cNvSpPr>
+          <p:nvPr>
+            <p:ph type="title"/>
+          </p:nvPr>
+        </p:nvSpPr>
+        <p:spPr/>
+        <p:txBody>
+          <a:bodyPr/>
+          <a:lstStyle/>
+          <a:p>
+            <a:r>
+              <a:rPr lang="en-IN" dirty="0"/>
+              <a:t>Prediction of New stable Materials : </a:t>
+            </a:r>
+          </a:p>
+        </p:txBody>
+      </p:sp>
+      <p:sp>
+        <p:nvSpPr>
+          <p:cNvPr id="3" name="Text Placeholder 2">
+            <a:extLst>
+              <a:ext uri="{FF2B5EF4-FFF2-40B4-BE49-F238E27FC236}">
+                <a16:creationId xmlns:a16="http://schemas.microsoft.com/office/drawing/2014/main" id="{1C9A9BBB-2FCB-4B4C-92BC-918F731FCAFE}"/>
+              </a:ext>
+            </a:extLst>
+          </p:cNvPr>
+          <p:cNvSpPr>
+            <a:spLocks noGrp="1"/>
+          </p:cNvSpPr>
+          <p:nvPr>
+            <p:ph type="body" idx="1"/>
+          </p:nvPr>
+        </p:nvSpPr>
+        <p:spPr>
+          <a:xfrm>
+            <a:off x="729450" y="1802457"/>
+            <a:ext cx="7891176" cy="3298932"/>
+          </a:xfrm>
+        </p:spPr>
+        <p:txBody>
+          <a:bodyPr/>
+          <a:lstStyle/>
+          <a:p>
+            <a:r>
+              <a:rPr lang="en-US" sz="1200" dirty="0"/>
+              <a:t>The discovery of new stable materials and the prediction of their structure. </a:t>
+            </a:r>
+          </a:p>
+          <a:p>
+            <a:r>
+              <a:rPr lang="en-US" sz="1200" dirty="0"/>
+              <a:t>The machine learning calculation of material properties.</a:t>
+            </a:r>
+          </a:p>
+          <a:p>
+            <a:r>
+              <a:rPr lang="en-US" sz="1200" dirty="0"/>
+              <a:t>The development of machine learning force fields for simulations in material science.</a:t>
+            </a:r>
+          </a:p>
+          <a:p>
+            <a:r>
+              <a:rPr lang="en-US" sz="1200" dirty="0"/>
+              <a:t>The construction of DFT functionals by machine learning methods</a:t>
+            </a:r>
+          </a:p>
+          <a:p>
+            <a:pPr marL="146050" indent="0">
+              <a:buNone/>
+            </a:pPr>
+            <a:endParaRPr lang="en-US" dirty="0"/>
+          </a:p>
+          <a:p>
+            <a:pPr marL="146050" indent="0">
+              <a:buNone/>
+            </a:pPr>
+            <a:r>
+              <a:rPr lang="en-US" dirty="0"/>
+              <a:t>Reference : </a:t>
+            </a:r>
+          </a:p>
+          <a:p>
+            <a:r>
+              <a:rPr lang="en-US" b="0" i="0" dirty="0">
+                <a:solidFill>
+                  <a:srgbClr val="222222"/>
+                </a:solidFill>
+                <a:effectLst/>
+                <a:latin typeface="Times New Roman" panose="02020603050405020304" pitchFamily="18" charset="0"/>
+                <a:cs typeface="Times New Roman" panose="02020603050405020304" pitchFamily="18" charset="0"/>
+              </a:rPr>
+              <a:t>Martin, R. M. </a:t>
+            </a:r>
+            <a:r>
+              <a:rPr lang="en-US" b="0" i="1" dirty="0">
+                <a:solidFill>
+                  <a:srgbClr val="222222"/>
+                </a:solidFill>
+                <a:effectLst/>
+                <a:latin typeface="Times New Roman" panose="02020603050405020304" pitchFamily="18" charset="0"/>
+                <a:cs typeface="Times New Roman" panose="02020603050405020304" pitchFamily="18" charset="0"/>
+              </a:rPr>
+              <a:t>Electronic Structure: Basic Theory and Practical Methods</a:t>
+            </a:r>
+            <a:r>
+              <a:rPr lang="en-US" b="0" i="0" dirty="0">
+                <a:solidFill>
+                  <a:srgbClr val="222222"/>
+                </a:solidFill>
+                <a:effectLst/>
+                <a:latin typeface="Times New Roman" panose="02020603050405020304" pitchFamily="18" charset="0"/>
+                <a:cs typeface="Times New Roman" panose="02020603050405020304" pitchFamily="18" charset="0"/>
+              </a:rPr>
+              <a:t> (Cambridge University Press, Cambridge, 2008).</a:t>
+            </a:r>
+          </a:p>
+          <a:p>
+            <a:r>
+              <a:rPr lang="en-US" b="0" i="0" dirty="0" err="1">
+                <a:solidFill>
+                  <a:srgbClr val="222222"/>
+                </a:solidFill>
+                <a:effectLst/>
+                <a:latin typeface="Times New Roman" panose="02020603050405020304" pitchFamily="18" charset="0"/>
+                <a:cs typeface="Times New Roman" panose="02020603050405020304" pitchFamily="18" charset="0"/>
+              </a:rPr>
+              <a:t>Lookman</a:t>
+            </a:r>
+            <a:r>
+              <a:rPr lang="en-US" b="0" i="0" dirty="0">
+                <a:solidFill>
+                  <a:srgbClr val="222222"/>
+                </a:solidFill>
+                <a:effectLst/>
+                <a:latin typeface="Times New Roman" panose="02020603050405020304" pitchFamily="18" charset="0"/>
+                <a:cs typeface="Times New Roman" panose="02020603050405020304" pitchFamily="18" charset="0"/>
+              </a:rPr>
+              <a:t>, T., </a:t>
+            </a:r>
+            <a:r>
+              <a:rPr lang="en-US" b="0" i="0" dirty="0" err="1">
+                <a:solidFill>
+                  <a:srgbClr val="222222"/>
+                </a:solidFill>
+                <a:effectLst/>
+                <a:latin typeface="Times New Roman" panose="02020603050405020304" pitchFamily="18" charset="0"/>
+                <a:cs typeface="Times New Roman" panose="02020603050405020304" pitchFamily="18" charset="0"/>
+              </a:rPr>
+              <a:t>Eidenbenz</a:t>
+            </a:r>
+            <a:r>
+              <a:rPr lang="en-US" b="0" i="0" dirty="0">
+                <a:solidFill>
+                  <a:srgbClr val="222222"/>
+                </a:solidFill>
+                <a:effectLst/>
+                <a:latin typeface="Times New Roman" panose="02020603050405020304" pitchFamily="18" charset="0"/>
+                <a:cs typeface="Times New Roman" panose="02020603050405020304" pitchFamily="18" charset="0"/>
+              </a:rPr>
+              <a:t>, S., Alexander, F. &amp; Barnes, C. (eds) </a:t>
+            </a:r>
+            <a:r>
+              <a:rPr lang="en-US" b="0" i="1" dirty="0">
+                <a:solidFill>
+                  <a:srgbClr val="222222"/>
+                </a:solidFill>
+                <a:effectLst/>
+                <a:latin typeface="Times New Roman" panose="02020603050405020304" pitchFamily="18" charset="0"/>
+                <a:cs typeface="Times New Roman" panose="02020603050405020304" pitchFamily="18" charset="0"/>
+              </a:rPr>
+              <a:t>Materials Discovery and Design by Means of Data Science and Optimal Learning</a:t>
+            </a:r>
+            <a:r>
+              <a:rPr lang="en-US" b="0" i="0" dirty="0">
+                <a:solidFill>
+                  <a:srgbClr val="222222"/>
+                </a:solidFill>
+                <a:effectLst/>
+                <a:latin typeface="Times New Roman" panose="02020603050405020304" pitchFamily="18" charset="0"/>
+                <a:cs typeface="Times New Roman" panose="02020603050405020304" pitchFamily="18" charset="0"/>
+              </a:rPr>
+              <a:t> (Springer International Publishing, Basel, 2018).</a:t>
+            </a:r>
+          </a:p>
+          <a:p>
+            <a:r>
+              <a:rPr lang="en-US" b="0" i="0" dirty="0" err="1">
+                <a:solidFill>
+                  <a:srgbClr val="222222"/>
+                </a:solidFill>
+                <a:effectLst/>
+                <a:latin typeface="Times New Roman" panose="02020603050405020304" pitchFamily="18" charset="0"/>
+                <a:cs typeface="Times New Roman" panose="02020603050405020304" pitchFamily="18" charset="0"/>
+              </a:rPr>
+              <a:t>Xie</a:t>
+            </a:r>
+            <a:r>
+              <a:rPr lang="en-US" b="0" i="0" dirty="0">
+                <a:solidFill>
+                  <a:srgbClr val="222222"/>
+                </a:solidFill>
+                <a:effectLst/>
+                <a:latin typeface="Times New Roman" panose="02020603050405020304" pitchFamily="18" charset="0"/>
+                <a:cs typeface="Times New Roman" panose="02020603050405020304" pitchFamily="18" charset="0"/>
+              </a:rPr>
+              <a:t>, T. &amp; Grossman, J. C. Crystal graph convolutional neural networks for an accurate and interpretable prediction of material properties. </a:t>
+            </a:r>
+            <a:r>
+              <a:rPr lang="en-US" b="0" i="1" dirty="0">
+                <a:solidFill>
+                  <a:srgbClr val="222222"/>
+                </a:solidFill>
+                <a:effectLst/>
+                <a:latin typeface="Times New Roman" panose="02020603050405020304" pitchFamily="18" charset="0"/>
+                <a:cs typeface="Times New Roman" panose="02020603050405020304" pitchFamily="18" charset="0"/>
+              </a:rPr>
+              <a:t>Phys. Rev. Lett.</a:t>
+            </a:r>
+            <a:r>
+              <a:rPr lang="en-US" b="0" i="0" dirty="0">
+                <a:solidFill>
+                  <a:srgbClr val="222222"/>
+                </a:solidFill>
+                <a:effectLst/>
+                <a:latin typeface="Times New Roman" panose="02020603050405020304" pitchFamily="18" charset="0"/>
+                <a:cs typeface="Times New Roman" panose="02020603050405020304" pitchFamily="18" charset="0"/>
+              </a:rPr>
+              <a:t> </a:t>
+            </a:r>
+            <a:r>
+              <a:rPr lang="en-US" b="1" i="0" dirty="0">
+                <a:solidFill>
+                  <a:srgbClr val="222222"/>
+                </a:solidFill>
+                <a:effectLst/>
+                <a:latin typeface="Times New Roman" panose="02020603050405020304" pitchFamily="18" charset="0"/>
+                <a:cs typeface="Times New Roman" panose="02020603050405020304" pitchFamily="18" charset="0"/>
+              </a:rPr>
+              <a:t>120</a:t>
+            </a:r>
+            <a:r>
+              <a:rPr lang="en-US" b="0" i="0" dirty="0">
+                <a:solidFill>
+                  <a:srgbClr val="222222"/>
+                </a:solidFill>
+                <a:effectLst/>
+                <a:latin typeface="Times New Roman" panose="02020603050405020304" pitchFamily="18" charset="0"/>
+                <a:cs typeface="Times New Roman" panose="02020603050405020304" pitchFamily="18" charset="0"/>
+              </a:rPr>
+              <a:t>, 145301 (2018).</a:t>
+            </a:r>
+          </a:p>
+          <a:p>
+            <a:r>
+              <a:rPr lang="en-US" b="0" i="0" dirty="0">
+                <a:solidFill>
+                  <a:srgbClr val="222222"/>
+                </a:solidFill>
+                <a:effectLst/>
+                <a:latin typeface="Times New Roman" panose="02020603050405020304" pitchFamily="18" charset="0"/>
+                <a:cs typeface="Times New Roman" panose="02020603050405020304" pitchFamily="18" charset="0"/>
+              </a:rPr>
+              <a:t>Schmidt, J. et al. Predicting the thermodynamic stability of solids combining density functional theory and machine learning. </a:t>
+            </a:r>
+            <a:r>
+              <a:rPr lang="en-US" b="0" i="1" dirty="0">
+                <a:solidFill>
+                  <a:srgbClr val="222222"/>
+                </a:solidFill>
+                <a:effectLst/>
+                <a:latin typeface="Times New Roman" panose="02020603050405020304" pitchFamily="18" charset="0"/>
+                <a:cs typeface="Times New Roman" panose="02020603050405020304" pitchFamily="18" charset="0"/>
+              </a:rPr>
+              <a:t>Chem. Mater.</a:t>
+            </a:r>
+            <a:r>
+              <a:rPr lang="en-US" b="0" i="0" dirty="0">
+                <a:solidFill>
+                  <a:srgbClr val="222222"/>
+                </a:solidFill>
+                <a:effectLst/>
+                <a:latin typeface="Times New Roman" panose="02020603050405020304" pitchFamily="18" charset="0"/>
+                <a:cs typeface="Times New Roman" panose="02020603050405020304" pitchFamily="18" charset="0"/>
+              </a:rPr>
+              <a:t> </a:t>
+            </a:r>
+            <a:r>
+              <a:rPr lang="en-US" b="1" i="0" dirty="0">
+                <a:solidFill>
+                  <a:srgbClr val="222222"/>
+                </a:solidFill>
+                <a:effectLst/>
+                <a:latin typeface="Times New Roman" panose="02020603050405020304" pitchFamily="18" charset="0"/>
+                <a:cs typeface="Times New Roman" panose="02020603050405020304" pitchFamily="18" charset="0"/>
+              </a:rPr>
+              <a:t>29</a:t>
+            </a:r>
+            <a:r>
+              <a:rPr lang="en-US" b="0" i="0" dirty="0">
+                <a:solidFill>
+                  <a:srgbClr val="222222"/>
+                </a:solidFill>
+                <a:effectLst/>
+                <a:latin typeface="Times New Roman" panose="02020603050405020304" pitchFamily="18" charset="0"/>
+                <a:cs typeface="Times New Roman" panose="02020603050405020304" pitchFamily="18" charset="0"/>
+              </a:rPr>
+              <a:t>, 5090–5103 (2017).</a:t>
+            </a:r>
+          </a:p>
+          <a:p>
+            <a:endParaRPr lang="en-IN" dirty="0"/>
+          </a:p>
+        </p:txBody>
+      </p:sp>
+    </p:spTree>
+    <p:extLst>
+      <p:ext uri="{BB962C8B-B14F-4D97-AF65-F5344CB8AC3E}">
+        <p14:creationId xmlns:p14="http://schemas.microsoft.com/office/powerpoint/2010/main" val="4157368551"/>
+      </p:ext>
+    </p:extLst>
   </p:cSld>
   <p:clrMapOvr>
     <a:masterClrMapping/>
@@ -11738,6 +12026,8 @@
       </a:bgFillStyleLst>
     </a:fmtScheme>
   </a:themeElements>
+  <a:objectDefaults/>
+  <a:extraClrSchemeLst/>
   <a:extLst>
     <a:ext uri="{05A4C25C-085E-4340-85A3-A5531E510DB2}">
       <thm15:themeFamily xmlns:thm15="http://schemas.microsoft.com/office/thememl/2012/main" name="Office Theme" id="{62F939B6-93AF-4DB8-9C6B-D6C7DFDC589F}" vid="{4A3C46E8-61CC-4603-A589-7422A47A8E4A}"/>
@@ -12022,6 +12312,8 @@
       </a:bgFillStyleLst>
     </a:fmtScheme>
   </a:themeElements>
+  <a:objectDefaults/>
+  <a:extraClrSchemeLst/>
   <a:extLst>
     <a:ext uri="{05A4C25C-085E-4340-85A3-A5531E510DB2}">
       <thm15:themeFamily xmlns:thm15="http://schemas.microsoft.com/office/thememl/2012/main" name="Office Theme" id="{62F939B6-93AF-4DB8-9C6B-D6C7DFDC589F}" vid="{4A3C46E8-61CC-4603-A589-7422A47A8E4A}"/>
@@ -12281,6 +12573,8 @@
       </a:bgFillStyleLst>
     </a:fmtScheme>
   </a:themeElements>
+  <a:objectDefaults/>
+  <a:extraClrSchemeLst/>
   <a:extLst>
     <a:ext uri="{05A4C25C-085E-4340-85A3-A5531E510DB2}">
       <thm15:themeFamily xmlns:thm15="http://schemas.microsoft.com/office/thememl/2012/main" name="Office Theme" id="{62F939B6-93AF-4DB8-9C6B-D6C7DFDC589F}" vid="{4A3C46E8-61CC-4603-A589-7422A47A8E4A}"/>
